--- a/ModernJS/JS Session 5.pptx
+++ b/ModernJS/JS Session 5.pptx
@@ -17302,6 +17302,51 @@
           </a:graphicData>
         </a:graphic>
       </p:graphicFrame>
+      <p:pic>
+        <p:nvPicPr>
+          <p:cNvPr id="5" name="Picture 4">
+            <a:extLst>
+              <a:ext uri="{FF2B5EF4-FFF2-40B4-BE49-F238E27FC236}">
+                <a16:creationId xmlns:a16="http://schemas.microsoft.com/office/drawing/2014/main" id="{16A1F4FF-3CCD-46BC-9D51-DBCFC2AB25EF}"/>
+              </a:ext>
+            </a:extLst>
+          </p:cNvPr>
+          <p:cNvPicPr>
+            <a:picLocks noChangeAspect="1"/>
+          </p:cNvPicPr>
+          <p:nvPr/>
+        </p:nvPicPr>
+        <p:blipFill>
+          <a:blip r:embed="rId7">
+            <a:extLst>
+              <a:ext uri="{BEBA8EAE-BF5A-486C-A8C5-ECC9F3942E4B}">
+                <a14:imgProps xmlns:a14="http://schemas.microsoft.com/office/drawing/2010/main">
+                  <a14:imgLayer r:embed="rId8">
+                    <a14:imgEffect>
+                      <a14:backgroundRemoval t="10000" b="90000" l="10000" r="90000"/>
+                    </a14:imgEffect>
+                  </a14:imgLayer>
+                </a14:imgProps>
+              </a:ext>
+              <a:ext uri="{28A0092B-C50C-407E-A947-70E740481C1C}">
+                <a14:useLocalDpi xmlns:a14="http://schemas.microsoft.com/office/drawing/2010/main" val="0"/>
+              </a:ext>
+            </a:extLst>
+          </a:blip>
+          <a:stretch>
+            <a:fillRect/>
+          </a:stretch>
+        </p:blipFill>
+        <p:spPr>
+          <a:xfrm>
+            <a:off x="10941799" y="5598621"/>
+            <a:ext cx="1479784" cy="1479784"/>
+          </a:xfrm>
+          <a:prstGeom prst="rect">
+            <a:avLst/>
+          </a:prstGeom>
+        </p:spPr>
+      </p:pic>
     </p:spTree>
     <p:extLst>
       <p:ext uri="{BB962C8B-B14F-4D97-AF65-F5344CB8AC3E}">

--- a/ModernJS/JS Session 5.pptx
+++ b/ModernJS/JS Session 5.pptx
@@ -7,11 +7,14 @@
   <p:sldIdLst>
     <p:sldId id="256" r:id="rId2"/>
     <p:sldId id="261" r:id="rId3"/>
-    <p:sldId id="263" r:id="rId4"/>
+    <p:sldId id="265" r:id="rId4"/>
     <p:sldId id="264" r:id="rId5"/>
-    <p:sldId id="262" r:id="rId6"/>
-    <p:sldId id="265" r:id="rId7"/>
-    <p:sldId id="259" r:id="rId8"/>
+    <p:sldId id="267" r:id="rId6"/>
+    <p:sldId id="269" r:id="rId7"/>
+    <p:sldId id="271" r:id="rId8"/>
+    <p:sldId id="268" r:id="rId9"/>
+    <p:sldId id="262" r:id="rId10"/>
+    <p:sldId id="259" r:id="rId11"/>
   </p:sldIdLst>
   <p:sldSz cx="12192000" cy="6858000"/>
   <p:notesSz cx="6858000" cy="9144000"/>
@@ -3853,6 +3856,1500 @@
 </dgm:colorsDef>
 </file>
 
+<file path=ppt/diagrams/colors6.xml><?xml version="1.0" encoding="utf-8"?>
+<dgm:colorsDef xmlns:dgm="http://schemas.openxmlformats.org/drawingml/2006/diagram" xmlns:a="http://schemas.openxmlformats.org/drawingml/2006/main" uniqueId="urn:microsoft.com/office/officeart/2005/8/colors/accent1_2">
+  <dgm:title val=""/>
+  <dgm:desc val=""/>
+  <dgm:catLst>
+    <dgm:cat type="accent1" pri="11200"/>
+  </dgm:catLst>
+  <dgm:styleLbl name="node0">
+    <dgm:fillClrLst meth="repeat">
+      <a:schemeClr val="accent1"/>
+    </dgm:fillClrLst>
+    <dgm:linClrLst meth="repeat">
+      <a:schemeClr val="lt1"/>
+    </dgm:linClrLst>
+    <dgm:effectClrLst/>
+    <dgm:txLinClrLst/>
+    <dgm:txFillClrLst/>
+    <dgm:txEffectClrLst/>
+  </dgm:styleLbl>
+  <dgm:styleLbl name="alignNode1">
+    <dgm:fillClrLst meth="repeat">
+      <a:schemeClr val="accent1"/>
+    </dgm:fillClrLst>
+    <dgm:linClrLst meth="repeat">
+      <a:schemeClr val="accent1"/>
+    </dgm:linClrLst>
+    <dgm:effectClrLst/>
+    <dgm:txLinClrLst/>
+    <dgm:txFillClrLst/>
+    <dgm:txEffectClrLst/>
+  </dgm:styleLbl>
+  <dgm:styleLbl name="node1">
+    <dgm:fillClrLst meth="repeat">
+      <a:schemeClr val="accent1"/>
+    </dgm:fillClrLst>
+    <dgm:linClrLst meth="repeat">
+      <a:schemeClr val="lt1"/>
+    </dgm:linClrLst>
+    <dgm:effectClrLst/>
+    <dgm:txLinClrLst/>
+    <dgm:txFillClrLst/>
+    <dgm:txEffectClrLst/>
+  </dgm:styleLbl>
+  <dgm:styleLbl name="lnNode1">
+    <dgm:fillClrLst meth="repeat">
+      <a:schemeClr val="accent1"/>
+    </dgm:fillClrLst>
+    <dgm:linClrLst meth="repeat">
+      <a:schemeClr val="lt1"/>
+    </dgm:linClrLst>
+    <dgm:effectClrLst/>
+    <dgm:txLinClrLst/>
+    <dgm:txFillClrLst/>
+    <dgm:txEffectClrLst/>
+  </dgm:styleLbl>
+  <dgm:styleLbl name="vennNode1">
+    <dgm:fillClrLst meth="repeat">
+      <a:schemeClr val="accent1">
+        <a:alpha val="50000"/>
+      </a:schemeClr>
+    </dgm:fillClrLst>
+    <dgm:linClrLst meth="repeat">
+      <a:schemeClr val="lt1"/>
+    </dgm:linClrLst>
+    <dgm:effectClrLst/>
+    <dgm:txLinClrLst/>
+    <dgm:txFillClrLst/>
+    <dgm:txEffectClrLst/>
+  </dgm:styleLbl>
+  <dgm:styleLbl name="node2">
+    <dgm:fillClrLst meth="repeat">
+      <a:schemeClr val="accent1"/>
+    </dgm:fillClrLst>
+    <dgm:linClrLst meth="repeat">
+      <a:schemeClr val="lt1"/>
+    </dgm:linClrLst>
+    <dgm:effectClrLst/>
+    <dgm:txLinClrLst/>
+    <dgm:txFillClrLst/>
+    <dgm:txEffectClrLst/>
+  </dgm:styleLbl>
+  <dgm:styleLbl name="node3">
+    <dgm:fillClrLst meth="repeat">
+      <a:schemeClr val="accent1"/>
+    </dgm:fillClrLst>
+    <dgm:linClrLst meth="repeat">
+      <a:schemeClr val="lt1"/>
+    </dgm:linClrLst>
+    <dgm:effectClrLst/>
+    <dgm:txLinClrLst/>
+    <dgm:txFillClrLst/>
+    <dgm:txEffectClrLst/>
+  </dgm:styleLbl>
+  <dgm:styleLbl name="node4">
+    <dgm:fillClrLst meth="repeat">
+      <a:schemeClr val="accent1"/>
+    </dgm:fillClrLst>
+    <dgm:linClrLst meth="repeat">
+      <a:schemeClr val="lt1"/>
+    </dgm:linClrLst>
+    <dgm:effectClrLst/>
+    <dgm:txLinClrLst/>
+    <dgm:txFillClrLst/>
+    <dgm:txEffectClrLst/>
+  </dgm:styleLbl>
+  <dgm:styleLbl name="fgImgPlace1">
+    <dgm:fillClrLst meth="repeat">
+      <a:schemeClr val="accent1">
+        <a:tint val="50000"/>
+      </a:schemeClr>
+    </dgm:fillClrLst>
+    <dgm:linClrLst meth="repeat">
+      <a:schemeClr val="lt1"/>
+    </dgm:linClrLst>
+    <dgm:effectClrLst/>
+    <dgm:txLinClrLst/>
+    <dgm:txFillClrLst meth="repeat">
+      <a:schemeClr val="lt1"/>
+    </dgm:txFillClrLst>
+    <dgm:txEffectClrLst/>
+  </dgm:styleLbl>
+  <dgm:styleLbl name="alignImgPlace1">
+    <dgm:fillClrLst meth="repeat">
+      <a:schemeClr val="accent1">
+        <a:tint val="50000"/>
+      </a:schemeClr>
+    </dgm:fillClrLst>
+    <dgm:linClrLst meth="repeat">
+      <a:schemeClr val="lt1"/>
+    </dgm:linClrLst>
+    <dgm:effectClrLst/>
+    <dgm:txLinClrLst/>
+    <dgm:txFillClrLst meth="repeat">
+      <a:schemeClr val="lt1"/>
+    </dgm:txFillClrLst>
+    <dgm:txEffectClrLst/>
+  </dgm:styleLbl>
+  <dgm:styleLbl name="bgImgPlace1">
+    <dgm:fillClrLst meth="repeat">
+      <a:schemeClr val="accent1">
+        <a:tint val="50000"/>
+      </a:schemeClr>
+    </dgm:fillClrLst>
+    <dgm:linClrLst meth="repeat">
+      <a:schemeClr val="lt1"/>
+    </dgm:linClrLst>
+    <dgm:effectClrLst/>
+    <dgm:txLinClrLst/>
+    <dgm:txFillClrLst meth="repeat">
+      <a:schemeClr val="lt1"/>
+    </dgm:txFillClrLst>
+    <dgm:txEffectClrLst/>
+  </dgm:styleLbl>
+  <dgm:styleLbl name="sibTrans2D1">
+    <dgm:fillClrLst meth="repeat">
+      <a:schemeClr val="accent1">
+        <a:tint val="60000"/>
+      </a:schemeClr>
+    </dgm:fillClrLst>
+    <dgm:linClrLst meth="repeat">
+      <a:schemeClr val="accent1">
+        <a:tint val="60000"/>
+      </a:schemeClr>
+    </dgm:linClrLst>
+    <dgm:effectClrLst/>
+    <dgm:txLinClrLst/>
+    <dgm:txFillClrLst/>
+    <dgm:txEffectClrLst/>
+  </dgm:styleLbl>
+  <dgm:styleLbl name="fgSibTrans2D1">
+    <dgm:fillClrLst meth="repeat">
+      <a:schemeClr val="accent1">
+        <a:tint val="60000"/>
+      </a:schemeClr>
+    </dgm:fillClrLst>
+    <dgm:linClrLst meth="repeat">
+      <a:schemeClr val="accent1">
+        <a:tint val="60000"/>
+      </a:schemeClr>
+    </dgm:linClrLst>
+    <dgm:effectClrLst/>
+    <dgm:txLinClrLst/>
+    <dgm:txFillClrLst/>
+    <dgm:txEffectClrLst/>
+  </dgm:styleLbl>
+  <dgm:styleLbl name="bgSibTrans2D1">
+    <dgm:fillClrLst meth="repeat">
+      <a:schemeClr val="accent1">
+        <a:tint val="60000"/>
+      </a:schemeClr>
+    </dgm:fillClrLst>
+    <dgm:linClrLst meth="repeat">
+      <a:schemeClr val="accent1">
+        <a:tint val="60000"/>
+      </a:schemeClr>
+    </dgm:linClrLst>
+    <dgm:effectClrLst/>
+    <dgm:txLinClrLst/>
+    <dgm:txFillClrLst/>
+    <dgm:txEffectClrLst/>
+  </dgm:styleLbl>
+  <dgm:styleLbl name="sibTrans1D1">
+    <dgm:fillClrLst meth="repeat">
+      <a:schemeClr val="accent1"/>
+    </dgm:fillClrLst>
+    <dgm:linClrLst meth="repeat">
+      <a:schemeClr val="accent1"/>
+    </dgm:linClrLst>
+    <dgm:effectClrLst/>
+    <dgm:txLinClrLst/>
+    <dgm:txFillClrLst meth="repeat">
+      <a:schemeClr val="tx1"/>
+    </dgm:txFillClrLst>
+    <dgm:txEffectClrLst/>
+  </dgm:styleLbl>
+  <dgm:styleLbl name="callout">
+    <dgm:fillClrLst meth="repeat">
+      <a:schemeClr val="accent1"/>
+    </dgm:fillClrLst>
+    <dgm:linClrLst meth="repeat">
+      <a:schemeClr val="accent1">
+        <a:tint val="50000"/>
+      </a:schemeClr>
+    </dgm:linClrLst>
+    <dgm:effectClrLst/>
+    <dgm:txLinClrLst/>
+    <dgm:txFillClrLst meth="repeat">
+      <a:schemeClr val="tx1"/>
+    </dgm:txFillClrLst>
+    <dgm:txEffectClrLst/>
+  </dgm:styleLbl>
+  <dgm:styleLbl name="asst0">
+    <dgm:fillClrLst meth="repeat">
+      <a:schemeClr val="accent1"/>
+    </dgm:fillClrLst>
+    <dgm:linClrLst meth="repeat">
+      <a:schemeClr val="lt1"/>
+    </dgm:linClrLst>
+    <dgm:effectClrLst/>
+    <dgm:txLinClrLst/>
+    <dgm:txFillClrLst/>
+    <dgm:txEffectClrLst/>
+  </dgm:styleLbl>
+  <dgm:styleLbl name="asst1">
+    <dgm:fillClrLst meth="repeat">
+      <a:schemeClr val="accent1"/>
+    </dgm:fillClrLst>
+    <dgm:linClrLst meth="repeat">
+      <a:schemeClr val="lt1"/>
+    </dgm:linClrLst>
+    <dgm:effectClrLst/>
+    <dgm:txLinClrLst/>
+    <dgm:txFillClrLst/>
+    <dgm:txEffectClrLst/>
+  </dgm:styleLbl>
+  <dgm:styleLbl name="asst2">
+    <dgm:fillClrLst meth="repeat">
+      <a:schemeClr val="accent1"/>
+    </dgm:fillClrLst>
+    <dgm:linClrLst meth="repeat">
+      <a:schemeClr val="lt1"/>
+    </dgm:linClrLst>
+    <dgm:effectClrLst/>
+    <dgm:txLinClrLst/>
+    <dgm:txFillClrLst/>
+    <dgm:txEffectClrLst/>
+  </dgm:styleLbl>
+  <dgm:styleLbl name="asst3">
+    <dgm:fillClrLst meth="repeat">
+      <a:schemeClr val="accent1"/>
+    </dgm:fillClrLst>
+    <dgm:linClrLst meth="repeat">
+      <a:schemeClr val="lt1"/>
+    </dgm:linClrLst>
+    <dgm:effectClrLst/>
+    <dgm:txLinClrLst/>
+    <dgm:txFillClrLst/>
+    <dgm:txEffectClrLst/>
+  </dgm:styleLbl>
+  <dgm:styleLbl name="asst4">
+    <dgm:fillClrLst meth="repeat">
+      <a:schemeClr val="accent1"/>
+    </dgm:fillClrLst>
+    <dgm:linClrLst meth="repeat">
+      <a:schemeClr val="lt1"/>
+    </dgm:linClrLst>
+    <dgm:effectClrLst/>
+    <dgm:txLinClrLst/>
+    <dgm:txFillClrLst/>
+    <dgm:txEffectClrLst/>
+  </dgm:styleLbl>
+  <dgm:styleLbl name="parChTrans2D1">
+    <dgm:fillClrLst meth="repeat">
+      <a:schemeClr val="accent1">
+        <a:tint val="60000"/>
+      </a:schemeClr>
+    </dgm:fillClrLst>
+    <dgm:linClrLst meth="repeat">
+      <a:schemeClr val="accent1">
+        <a:tint val="60000"/>
+      </a:schemeClr>
+    </dgm:linClrLst>
+    <dgm:effectClrLst/>
+    <dgm:txLinClrLst/>
+    <dgm:txFillClrLst meth="repeat">
+      <a:schemeClr val="lt1"/>
+    </dgm:txFillClrLst>
+    <dgm:txEffectClrLst/>
+  </dgm:styleLbl>
+  <dgm:styleLbl name="parChTrans2D2">
+    <dgm:fillClrLst meth="repeat">
+      <a:schemeClr val="accent1"/>
+    </dgm:fillClrLst>
+    <dgm:linClrLst meth="repeat">
+      <a:schemeClr val="accent1"/>
+    </dgm:linClrLst>
+    <dgm:effectClrLst/>
+    <dgm:txLinClrLst/>
+    <dgm:txFillClrLst meth="repeat">
+      <a:schemeClr val="lt1"/>
+    </dgm:txFillClrLst>
+    <dgm:txEffectClrLst/>
+  </dgm:styleLbl>
+  <dgm:styleLbl name="parChTrans2D3">
+    <dgm:fillClrLst meth="repeat">
+      <a:schemeClr val="accent1"/>
+    </dgm:fillClrLst>
+    <dgm:linClrLst meth="repeat">
+      <a:schemeClr val="accent1"/>
+    </dgm:linClrLst>
+    <dgm:effectClrLst/>
+    <dgm:txLinClrLst/>
+    <dgm:txFillClrLst meth="repeat">
+      <a:schemeClr val="lt1"/>
+    </dgm:txFillClrLst>
+    <dgm:txEffectClrLst/>
+  </dgm:styleLbl>
+  <dgm:styleLbl name="parChTrans2D4">
+    <dgm:fillClrLst meth="repeat">
+      <a:schemeClr val="accent1"/>
+    </dgm:fillClrLst>
+    <dgm:linClrLst meth="repeat">
+      <a:schemeClr val="accent1"/>
+    </dgm:linClrLst>
+    <dgm:effectClrLst/>
+    <dgm:txLinClrLst/>
+    <dgm:txFillClrLst meth="repeat">
+      <a:schemeClr val="lt1"/>
+    </dgm:txFillClrLst>
+    <dgm:txEffectClrLst/>
+  </dgm:styleLbl>
+  <dgm:styleLbl name="parChTrans1D1">
+    <dgm:fillClrLst meth="repeat">
+      <a:schemeClr val="accent1"/>
+    </dgm:fillClrLst>
+    <dgm:linClrLst meth="repeat">
+      <a:schemeClr val="accent1">
+        <a:shade val="60000"/>
+      </a:schemeClr>
+    </dgm:linClrLst>
+    <dgm:effectClrLst/>
+    <dgm:txLinClrLst/>
+    <dgm:txFillClrLst meth="repeat">
+      <a:schemeClr val="tx1"/>
+    </dgm:txFillClrLst>
+    <dgm:txEffectClrLst/>
+  </dgm:styleLbl>
+  <dgm:styleLbl name="parChTrans1D2">
+    <dgm:fillClrLst meth="repeat">
+      <a:schemeClr val="accent1"/>
+    </dgm:fillClrLst>
+    <dgm:linClrLst meth="repeat">
+      <a:schemeClr val="accent1">
+        <a:shade val="60000"/>
+      </a:schemeClr>
+    </dgm:linClrLst>
+    <dgm:effectClrLst/>
+    <dgm:txLinClrLst/>
+    <dgm:txFillClrLst meth="repeat">
+      <a:schemeClr val="tx1"/>
+    </dgm:txFillClrLst>
+    <dgm:txEffectClrLst/>
+  </dgm:styleLbl>
+  <dgm:styleLbl name="parChTrans1D3">
+    <dgm:fillClrLst meth="repeat">
+      <a:schemeClr val="accent1"/>
+    </dgm:fillClrLst>
+    <dgm:linClrLst meth="repeat">
+      <a:schemeClr val="accent1">
+        <a:shade val="80000"/>
+      </a:schemeClr>
+    </dgm:linClrLst>
+    <dgm:effectClrLst/>
+    <dgm:txLinClrLst/>
+    <dgm:txFillClrLst meth="repeat">
+      <a:schemeClr val="tx1"/>
+    </dgm:txFillClrLst>
+    <dgm:txEffectClrLst/>
+  </dgm:styleLbl>
+  <dgm:styleLbl name="parChTrans1D4">
+    <dgm:fillClrLst meth="repeat">
+      <a:schemeClr val="accent1"/>
+    </dgm:fillClrLst>
+    <dgm:linClrLst meth="repeat">
+      <a:schemeClr val="accent1">
+        <a:shade val="80000"/>
+      </a:schemeClr>
+    </dgm:linClrLst>
+    <dgm:effectClrLst/>
+    <dgm:txLinClrLst/>
+    <dgm:txFillClrLst meth="repeat">
+      <a:schemeClr val="tx1"/>
+    </dgm:txFillClrLst>
+    <dgm:txEffectClrLst/>
+  </dgm:styleLbl>
+  <dgm:styleLbl name="fgAcc1">
+    <dgm:fillClrLst meth="repeat">
+      <a:schemeClr val="lt1">
+        <a:alpha val="90000"/>
+      </a:schemeClr>
+    </dgm:fillClrLst>
+    <dgm:linClrLst meth="repeat">
+      <a:schemeClr val="accent1"/>
+    </dgm:linClrLst>
+    <dgm:effectClrLst/>
+    <dgm:txLinClrLst/>
+    <dgm:txFillClrLst meth="repeat">
+      <a:schemeClr val="dk1"/>
+    </dgm:txFillClrLst>
+    <dgm:txEffectClrLst/>
+  </dgm:styleLbl>
+  <dgm:styleLbl name="conFgAcc1">
+    <dgm:fillClrLst meth="repeat">
+      <a:schemeClr val="lt1">
+        <a:alpha val="90000"/>
+      </a:schemeClr>
+    </dgm:fillClrLst>
+    <dgm:linClrLst meth="repeat">
+      <a:schemeClr val="accent1"/>
+    </dgm:linClrLst>
+    <dgm:effectClrLst/>
+    <dgm:txLinClrLst/>
+    <dgm:txFillClrLst meth="repeat">
+      <a:schemeClr val="dk1"/>
+    </dgm:txFillClrLst>
+    <dgm:txEffectClrLst/>
+  </dgm:styleLbl>
+  <dgm:styleLbl name="alignAcc1">
+    <dgm:fillClrLst meth="repeat">
+      <a:schemeClr val="lt1">
+        <a:alpha val="90000"/>
+      </a:schemeClr>
+    </dgm:fillClrLst>
+    <dgm:linClrLst meth="repeat">
+      <a:schemeClr val="accent1"/>
+    </dgm:linClrLst>
+    <dgm:effectClrLst/>
+    <dgm:txLinClrLst/>
+    <dgm:txFillClrLst meth="repeat">
+      <a:schemeClr val="dk1"/>
+    </dgm:txFillClrLst>
+    <dgm:txEffectClrLst/>
+  </dgm:styleLbl>
+  <dgm:styleLbl name="trAlignAcc1">
+    <dgm:fillClrLst meth="repeat">
+      <a:schemeClr val="lt1">
+        <a:alpha val="40000"/>
+      </a:schemeClr>
+    </dgm:fillClrLst>
+    <dgm:linClrLst meth="repeat">
+      <a:schemeClr val="accent1"/>
+    </dgm:linClrLst>
+    <dgm:effectClrLst/>
+    <dgm:txLinClrLst/>
+    <dgm:txFillClrLst meth="repeat">
+      <a:schemeClr val="dk1"/>
+    </dgm:txFillClrLst>
+    <dgm:txEffectClrLst/>
+  </dgm:styleLbl>
+  <dgm:styleLbl name="bgAcc1">
+    <dgm:fillClrLst meth="repeat">
+      <a:schemeClr val="lt1">
+        <a:alpha val="90000"/>
+      </a:schemeClr>
+    </dgm:fillClrLst>
+    <dgm:linClrLst meth="repeat">
+      <a:schemeClr val="accent1"/>
+    </dgm:linClrLst>
+    <dgm:effectClrLst/>
+    <dgm:txLinClrLst/>
+    <dgm:txFillClrLst meth="repeat">
+      <a:schemeClr val="dk1"/>
+    </dgm:txFillClrLst>
+    <dgm:txEffectClrLst/>
+  </dgm:styleLbl>
+  <dgm:styleLbl name="solidFgAcc1">
+    <dgm:fillClrLst meth="repeat">
+      <a:schemeClr val="lt1"/>
+    </dgm:fillClrLst>
+    <dgm:linClrLst meth="repeat">
+      <a:schemeClr val="accent1"/>
+    </dgm:linClrLst>
+    <dgm:effectClrLst/>
+    <dgm:txLinClrLst/>
+    <dgm:txFillClrLst meth="repeat">
+      <a:schemeClr val="dk1"/>
+    </dgm:txFillClrLst>
+    <dgm:txEffectClrLst/>
+  </dgm:styleLbl>
+  <dgm:styleLbl name="solidAlignAcc1">
+    <dgm:fillClrLst meth="repeat">
+      <a:schemeClr val="lt1"/>
+    </dgm:fillClrLst>
+    <dgm:linClrLst meth="repeat">
+      <a:schemeClr val="accent1"/>
+    </dgm:linClrLst>
+    <dgm:effectClrLst/>
+    <dgm:txLinClrLst/>
+    <dgm:txFillClrLst meth="repeat">
+      <a:schemeClr val="dk1"/>
+    </dgm:txFillClrLst>
+    <dgm:txEffectClrLst/>
+  </dgm:styleLbl>
+  <dgm:styleLbl name="solidBgAcc1">
+    <dgm:fillClrLst meth="repeat">
+      <a:schemeClr val="lt1"/>
+    </dgm:fillClrLst>
+    <dgm:linClrLst meth="repeat">
+      <a:schemeClr val="accent1"/>
+    </dgm:linClrLst>
+    <dgm:effectClrLst/>
+    <dgm:txLinClrLst/>
+    <dgm:txFillClrLst meth="repeat">
+      <a:schemeClr val="dk1"/>
+    </dgm:txFillClrLst>
+    <dgm:txEffectClrLst/>
+  </dgm:styleLbl>
+  <dgm:styleLbl name="fgAccFollowNode1">
+    <dgm:fillClrLst meth="repeat">
+      <a:schemeClr val="accent1">
+        <a:alpha val="90000"/>
+        <a:tint val="40000"/>
+      </a:schemeClr>
+    </dgm:fillClrLst>
+    <dgm:linClrLst meth="repeat">
+      <a:schemeClr val="accent1">
+        <a:alpha val="90000"/>
+        <a:tint val="40000"/>
+      </a:schemeClr>
+    </dgm:linClrLst>
+    <dgm:effectClrLst/>
+    <dgm:txLinClrLst/>
+    <dgm:txFillClrLst meth="repeat">
+      <a:schemeClr val="dk1"/>
+    </dgm:txFillClrLst>
+    <dgm:txEffectClrLst/>
+  </dgm:styleLbl>
+  <dgm:styleLbl name="alignAccFollowNode1">
+    <dgm:fillClrLst meth="repeat">
+      <a:schemeClr val="accent1">
+        <a:alpha val="90000"/>
+        <a:tint val="40000"/>
+      </a:schemeClr>
+    </dgm:fillClrLst>
+    <dgm:linClrLst meth="repeat">
+      <a:schemeClr val="accent1">
+        <a:alpha val="90000"/>
+        <a:tint val="40000"/>
+      </a:schemeClr>
+    </dgm:linClrLst>
+    <dgm:effectClrLst/>
+    <dgm:txLinClrLst/>
+    <dgm:txFillClrLst meth="repeat">
+      <a:schemeClr val="dk1"/>
+    </dgm:txFillClrLst>
+    <dgm:txEffectClrLst/>
+  </dgm:styleLbl>
+  <dgm:styleLbl name="bgAccFollowNode1">
+    <dgm:fillClrLst meth="repeat">
+      <a:schemeClr val="accent1">
+        <a:alpha val="90000"/>
+        <a:tint val="40000"/>
+      </a:schemeClr>
+    </dgm:fillClrLst>
+    <dgm:linClrLst meth="repeat">
+      <a:schemeClr val="accent1">
+        <a:alpha val="90000"/>
+        <a:tint val="40000"/>
+      </a:schemeClr>
+    </dgm:linClrLst>
+    <dgm:effectClrLst/>
+    <dgm:txLinClrLst/>
+    <dgm:txFillClrLst meth="repeat">
+      <a:schemeClr val="dk1"/>
+    </dgm:txFillClrLst>
+    <dgm:txEffectClrLst/>
+  </dgm:styleLbl>
+  <dgm:styleLbl name="fgAcc0">
+    <dgm:fillClrLst meth="repeat">
+      <a:schemeClr val="lt1">
+        <a:alpha val="90000"/>
+      </a:schemeClr>
+    </dgm:fillClrLst>
+    <dgm:linClrLst meth="repeat">
+      <a:schemeClr val="accent1"/>
+    </dgm:linClrLst>
+    <dgm:effectClrLst/>
+    <dgm:txLinClrLst/>
+    <dgm:txFillClrLst meth="repeat">
+      <a:schemeClr val="dk1"/>
+    </dgm:txFillClrLst>
+    <dgm:txEffectClrLst/>
+  </dgm:styleLbl>
+  <dgm:styleLbl name="fgAcc2">
+    <dgm:fillClrLst meth="repeat">
+      <a:schemeClr val="lt1">
+        <a:alpha val="90000"/>
+      </a:schemeClr>
+    </dgm:fillClrLst>
+    <dgm:linClrLst meth="repeat">
+      <a:schemeClr val="accent1"/>
+    </dgm:linClrLst>
+    <dgm:effectClrLst/>
+    <dgm:txLinClrLst/>
+    <dgm:txFillClrLst meth="repeat">
+      <a:schemeClr val="dk1"/>
+    </dgm:txFillClrLst>
+    <dgm:txEffectClrLst/>
+  </dgm:styleLbl>
+  <dgm:styleLbl name="fgAcc3">
+    <dgm:fillClrLst meth="repeat">
+      <a:schemeClr val="lt1">
+        <a:alpha val="90000"/>
+      </a:schemeClr>
+    </dgm:fillClrLst>
+    <dgm:linClrLst meth="repeat">
+      <a:schemeClr val="accent1"/>
+    </dgm:linClrLst>
+    <dgm:effectClrLst/>
+    <dgm:txLinClrLst/>
+    <dgm:txFillClrLst meth="repeat">
+      <a:schemeClr val="dk1"/>
+    </dgm:txFillClrLst>
+    <dgm:txEffectClrLst/>
+  </dgm:styleLbl>
+  <dgm:styleLbl name="fgAcc4">
+    <dgm:fillClrLst meth="repeat">
+      <a:schemeClr val="lt1">
+        <a:alpha val="90000"/>
+      </a:schemeClr>
+    </dgm:fillClrLst>
+    <dgm:linClrLst meth="repeat">
+      <a:schemeClr val="accent1"/>
+    </dgm:linClrLst>
+    <dgm:effectClrLst/>
+    <dgm:txLinClrLst/>
+    <dgm:txFillClrLst meth="repeat">
+      <a:schemeClr val="dk1"/>
+    </dgm:txFillClrLst>
+    <dgm:txEffectClrLst/>
+  </dgm:styleLbl>
+  <dgm:styleLbl name="bgShp">
+    <dgm:fillClrLst meth="repeat">
+      <a:schemeClr val="accent1">
+        <a:tint val="40000"/>
+      </a:schemeClr>
+    </dgm:fillClrLst>
+    <dgm:linClrLst meth="repeat">
+      <a:schemeClr val="accent1"/>
+    </dgm:linClrLst>
+    <dgm:effectClrLst/>
+    <dgm:txLinClrLst/>
+    <dgm:txFillClrLst meth="repeat">
+      <a:schemeClr val="dk1"/>
+    </dgm:txFillClrLst>
+    <dgm:txEffectClrLst/>
+  </dgm:styleLbl>
+  <dgm:styleLbl name="dkBgShp">
+    <dgm:fillClrLst meth="repeat">
+      <a:schemeClr val="accent1">
+        <a:shade val="80000"/>
+      </a:schemeClr>
+    </dgm:fillClrLst>
+    <dgm:linClrLst meth="repeat">
+      <a:schemeClr val="accent1"/>
+    </dgm:linClrLst>
+    <dgm:effectClrLst/>
+    <dgm:txLinClrLst/>
+    <dgm:txFillClrLst meth="repeat">
+      <a:schemeClr val="lt1"/>
+    </dgm:txFillClrLst>
+    <dgm:txEffectClrLst/>
+  </dgm:styleLbl>
+  <dgm:styleLbl name="trBgShp">
+    <dgm:fillClrLst meth="repeat">
+      <a:schemeClr val="accent1">
+        <a:tint val="50000"/>
+        <a:alpha val="40000"/>
+      </a:schemeClr>
+    </dgm:fillClrLst>
+    <dgm:linClrLst meth="repeat">
+      <a:schemeClr val="accent1"/>
+    </dgm:linClrLst>
+    <dgm:effectClrLst/>
+    <dgm:txLinClrLst/>
+    <dgm:txFillClrLst meth="repeat">
+      <a:schemeClr val="lt1"/>
+    </dgm:txFillClrLst>
+    <dgm:txEffectClrLst/>
+  </dgm:styleLbl>
+  <dgm:styleLbl name="fgShp">
+    <dgm:fillClrLst meth="repeat">
+      <a:schemeClr val="accent1">
+        <a:tint val="60000"/>
+      </a:schemeClr>
+    </dgm:fillClrLst>
+    <dgm:linClrLst meth="repeat">
+      <a:schemeClr val="lt1"/>
+    </dgm:linClrLst>
+    <dgm:effectClrLst/>
+    <dgm:txLinClrLst/>
+    <dgm:txFillClrLst meth="repeat">
+      <a:schemeClr val="dk1"/>
+    </dgm:txFillClrLst>
+    <dgm:txEffectClrLst/>
+  </dgm:styleLbl>
+  <dgm:styleLbl name="revTx">
+    <dgm:fillClrLst meth="repeat">
+      <a:schemeClr val="lt1">
+        <a:alpha val="0"/>
+      </a:schemeClr>
+    </dgm:fillClrLst>
+    <dgm:linClrLst meth="repeat">
+      <a:schemeClr val="dk1">
+        <a:alpha val="0"/>
+      </a:schemeClr>
+    </dgm:linClrLst>
+    <dgm:effectClrLst/>
+    <dgm:txLinClrLst/>
+    <dgm:txFillClrLst meth="repeat">
+      <a:schemeClr val="tx1"/>
+    </dgm:txFillClrLst>
+    <dgm:txEffectClrLst/>
+  </dgm:styleLbl>
+</dgm:colorsDef>
+</file>
+
+<file path=ppt/diagrams/colors7.xml><?xml version="1.0" encoding="utf-8"?>
+<dgm:colorsDef xmlns:dgm="http://schemas.openxmlformats.org/drawingml/2006/diagram" xmlns:a="http://schemas.openxmlformats.org/drawingml/2006/main" uniqueId="urn:microsoft.com/office/officeart/2005/8/colors/accent1_2">
+  <dgm:title val=""/>
+  <dgm:desc val=""/>
+  <dgm:catLst>
+    <dgm:cat type="accent1" pri="11200"/>
+  </dgm:catLst>
+  <dgm:styleLbl name="node0">
+    <dgm:fillClrLst meth="repeat">
+      <a:schemeClr val="accent1"/>
+    </dgm:fillClrLst>
+    <dgm:linClrLst meth="repeat">
+      <a:schemeClr val="lt1"/>
+    </dgm:linClrLst>
+    <dgm:effectClrLst/>
+    <dgm:txLinClrLst/>
+    <dgm:txFillClrLst/>
+    <dgm:txEffectClrLst/>
+  </dgm:styleLbl>
+  <dgm:styleLbl name="alignNode1">
+    <dgm:fillClrLst meth="repeat">
+      <a:schemeClr val="accent1"/>
+    </dgm:fillClrLst>
+    <dgm:linClrLst meth="repeat">
+      <a:schemeClr val="accent1"/>
+    </dgm:linClrLst>
+    <dgm:effectClrLst/>
+    <dgm:txLinClrLst/>
+    <dgm:txFillClrLst/>
+    <dgm:txEffectClrLst/>
+  </dgm:styleLbl>
+  <dgm:styleLbl name="node1">
+    <dgm:fillClrLst meth="repeat">
+      <a:schemeClr val="accent1"/>
+    </dgm:fillClrLst>
+    <dgm:linClrLst meth="repeat">
+      <a:schemeClr val="lt1"/>
+    </dgm:linClrLst>
+    <dgm:effectClrLst/>
+    <dgm:txLinClrLst/>
+    <dgm:txFillClrLst/>
+    <dgm:txEffectClrLst/>
+  </dgm:styleLbl>
+  <dgm:styleLbl name="lnNode1">
+    <dgm:fillClrLst meth="repeat">
+      <a:schemeClr val="accent1"/>
+    </dgm:fillClrLst>
+    <dgm:linClrLst meth="repeat">
+      <a:schemeClr val="lt1"/>
+    </dgm:linClrLst>
+    <dgm:effectClrLst/>
+    <dgm:txLinClrLst/>
+    <dgm:txFillClrLst/>
+    <dgm:txEffectClrLst/>
+  </dgm:styleLbl>
+  <dgm:styleLbl name="vennNode1">
+    <dgm:fillClrLst meth="repeat">
+      <a:schemeClr val="accent1">
+        <a:alpha val="50000"/>
+      </a:schemeClr>
+    </dgm:fillClrLst>
+    <dgm:linClrLst meth="repeat">
+      <a:schemeClr val="lt1"/>
+    </dgm:linClrLst>
+    <dgm:effectClrLst/>
+    <dgm:txLinClrLst/>
+    <dgm:txFillClrLst/>
+    <dgm:txEffectClrLst/>
+  </dgm:styleLbl>
+  <dgm:styleLbl name="node2">
+    <dgm:fillClrLst meth="repeat">
+      <a:schemeClr val="accent1"/>
+    </dgm:fillClrLst>
+    <dgm:linClrLst meth="repeat">
+      <a:schemeClr val="lt1"/>
+    </dgm:linClrLst>
+    <dgm:effectClrLst/>
+    <dgm:txLinClrLst/>
+    <dgm:txFillClrLst/>
+    <dgm:txEffectClrLst/>
+  </dgm:styleLbl>
+  <dgm:styleLbl name="node3">
+    <dgm:fillClrLst meth="repeat">
+      <a:schemeClr val="accent1"/>
+    </dgm:fillClrLst>
+    <dgm:linClrLst meth="repeat">
+      <a:schemeClr val="lt1"/>
+    </dgm:linClrLst>
+    <dgm:effectClrLst/>
+    <dgm:txLinClrLst/>
+    <dgm:txFillClrLst/>
+    <dgm:txEffectClrLst/>
+  </dgm:styleLbl>
+  <dgm:styleLbl name="node4">
+    <dgm:fillClrLst meth="repeat">
+      <a:schemeClr val="accent1"/>
+    </dgm:fillClrLst>
+    <dgm:linClrLst meth="repeat">
+      <a:schemeClr val="lt1"/>
+    </dgm:linClrLst>
+    <dgm:effectClrLst/>
+    <dgm:txLinClrLst/>
+    <dgm:txFillClrLst/>
+    <dgm:txEffectClrLst/>
+  </dgm:styleLbl>
+  <dgm:styleLbl name="fgImgPlace1">
+    <dgm:fillClrLst meth="repeat">
+      <a:schemeClr val="accent1">
+        <a:tint val="50000"/>
+      </a:schemeClr>
+    </dgm:fillClrLst>
+    <dgm:linClrLst meth="repeat">
+      <a:schemeClr val="lt1"/>
+    </dgm:linClrLst>
+    <dgm:effectClrLst/>
+    <dgm:txLinClrLst/>
+    <dgm:txFillClrLst meth="repeat">
+      <a:schemeClr val="lt1"/>
+    </dgm:txFillClrLst>
+    <dgm:txEffectClrLst/>
+  </dgm:styleLbl>
+  <dgm:styleLbl name="alignImgPlace1">
+    <dgm:fillClrLst meth="repeat">
+      <a:schemeClr val="accent1">
+        <a:tint val="50000"/>
+      </a:schemeClr>
+    </dgm:fillClrLst>
+    <dgm:linClrLst meth="repeat">
+      <a:schemeClr val="lt1"/>
+    </dgm:linClrLst>
+    <dgm:effectClrLst/>
+    <dgm:txLinClrLst/>
+    <dgm:txFillClrLst meth="repeat">
+      <a:schemeClr val="lt1"/>
+    </dgm:txFillClrLst>
+    <dgm:txEffectClrLst/>
+  </dgm:styleLbl>
+  <dgm:styleLbl name="bgImgPlace1">
+    <dgm:fillClrLst meth="repeat">
+      <a:schemeClr val="accent1">
+        <a:tint val="50000"/>
+      </a:schemeClr>
+    </dgm:fillClrLst>
+    <dgm:linClrLst meth="repeat">
+      <a:schemeClr val="lt1"/>
+    </dgm:linClrLst>
+    <dgm:effectClrLst/>
+    <dgm:txLinClrLst/>
+    <dgm:txFillClrLst meth="repeat">
+      <a:schemeClr val="lt1"/>
+    </dgm:txFillClrLst>
+    <dgm:txEffectClrLst/>
+  </dgm:styleLbl>
+  <dgm:styleLbl name="sibTrans2D1">
+    <dgm:fillClrLst meth="repeat">
+      <a:schemeClr val="accent1">
+        <a:tint val="60000"/>
+      </a:schemeClr>
+    </dgm:fillClrLst>
+    <dgm:linClrLst meth="repeat">
+      <a:schemeClr val="accent1">
+        <a:tint val="60000"/>
+      </a:schemeClr>
+    </dgm:linClrLst>
+    <dgm:effectClrLst/>
+    <dgm:txLinClrLst/>
+    <dgm:txFillClrLst/>
+    <dgm:txEffectClrLst/>
+  </dgm:styleLbl>
+  <dgm:styleLbl name="fgSibTrans2D1">
+    <dgm:fillClrLst meth="repeat">
+      <a:schemeClr val="accent1">
+        <a:tint val="60000"/>
+      </a:schemeClr>
+    </dgm:fillClrLst>
+    <dgm:linClrLst meth="repeat">
+      <a:schemeClr val="accent1">
+        <a:tint val="60000"/>
+      </a:schemeClr>
+    </dgm:linClrLst>
+    <dgm:effectClrLst/>
+    <dgm:txLinClrLst/>
+    <dgm:txFillClrLst/>
+    <dgm:txEffectClrLst/>
+  </dgm:styleLbl>
+  <dgm:styleLbl name="bgSibTrans2D1">
+    <dgm:fillClrLst meth="repeat">
+      <a:schemeClr val="accent1">
+        <a:tint val="60000"/>
+      </a:schemeClr>
+    </dgm:fillClrLst>
+    <dgm:linClrLst meth="repeat">
+      <a:schemeClr val="accent1">
+        <a:tint val="60000"/>
+      </a:schemeClr>
+    </dgm:linClrLst>
+    <dgm:effectClrLst/>
+    <dgm:txLinClrLst/>
+    <dgm:txFillClrLst/>
+    <dgm:txEffectClrLst/>
+  </dgm:styleLbl>
+  <dgm:styleLbl name="sibTrans1D1">
+    <dgm:fillClrLst meth="repeat">
+      <a:schemeClr val="accent1"/>
+    </dgm:fillClrLst>
+    <dgm:linClrLst meth="repeat">
+      <a:schemeClr val="accent1"/>
+    </dgm:linClrLst>
+    <dgm:effectClrLst/>
+    <dgm:txLinClrLst/>
+    <dgm:txFillClrLst meth="repeat">
+      <a:schemeClr val="tx1"/>
+    </dgm:txFillClrLst>
+    <dgm:txEffectClrLst/>
+  </dgm:styleLbl>
+  <dgm:styleLbl name="callout">
+    <dgm:fillClrLst meth="repeat">
+      <a:schemeClr val="accent1"/>
+    </dgm:fillClrLst>
+    <dgm:linClrLst meth="repeat">
+      <a:schemeClr val="accent1">
+        <a:tint val="50000"/>
+      </a:schemeClr>
+    </dgm:linClrLst>
+    <dgm:effectClrLst/>
+    <dgm:txLinClrLst/>
+    <dgm:txFillClrLst meth="repeat">
+      <a:schemeClr val="tx1"/>
+    </dgm:txFillClrLst>
+    <dgm:txEffectClrLst/>
+  </dgm:styleLbl>
+  <dgm:styleLbl name="asst0">
+    <dgm:fillClrLst meth="repeat">
+      <a:schemeClr val="accent1"/>
+    </dgm:fillClrLst>
+    <dgm:linClrLst meth="repeat">
+      <a:schemeClr val="lt1"/>
+    </dgm:linClrLst>
+    <dgm:effectClrLst/>
+    <dgm:txLinClrLst/>
+    <dgm:txFillClrLst/>
+    <dgm:txEffectClrLst/>
+  </dgm:styleLbl>
+  <dgm:styleLbl name="asst1">
+    <dgm:fillClrLst meth="repeat">
+      <a:schemeClr val="accent1"/>
+    </dgm:fillClrLst>
+    <dgm:linClrLst meth="repeat">
+      <a:schemeClr val="lt1"/>
+    </dgm:linClrLst>
+    <dgm:effectClrLst/>
+    <dgm:txLinClrLst/>
+    <dgm:txFillClrLst/>
+    <dgm:txEffectClrLst/>
+  </dgm:styleLbl>
+  <dgm:styleLbl name="asst2">
+    <dgm:fillClrLst meth="repeat">
+      <a:schemeClr val="accent1"/>
+    </dgm:fillClrLst>
+    <dgm:linClrLst meth="repeat">
+      <a:schemeClr val="lt1"/>
+    </dgm:linClrLst>
+    <dgm:effectClrLst/>
+    <dgm:txLinClrLst/>
+    <dgm:txFillClrLst/>
+    <dgm:txEffectClrLst/>
+  </dgm:styleLbl>
+  <dgm:styleLbl name="asst3">
+    <dgm:fillClrLst meth="repeat">
+      <a:schemeClr val="accent1"/>
+    </dgm:fillClrLst>
+    <dgm:linClrLst meth="repeat">
+      <a:schemeClr val="lt1"/>
+    </dgm:linClrLst>
+    <dgm:effectClrLst/>
+    <dgm:txLinClrLst/>
+    <dgm:txFillClrLst/>
+    <dgm:txEffectClrLst/>
+  </dgm:styleLbl>
+  <dgm:styleLbl name="asst4">
+    <dgm:fillClrLst meth="repeat">
+      <a:schemeClr val="accent1"/>
+    </dgm:fillClrLst>
+    <dgm:linClrLst meth="repeat">
+      <a:schemeClr val="lt1"/>
+    </dgm:linClrLst>
+    <dgm:effectClrLst/>
+    <dgm:txLinClrLst/>
+    <dgm:txFillClrLst/>
+    <dgm:txEffectClrLst/>
+  </dgm:styleLbl>
+  <dgm:styleLbl name="parChTrans2D1">
+    <dgm:fillClrLst meth="repeat">
+      <a:schemeClr val="accent1">
+        <a:tint val="60000"/>
+      </a:schemeClr>
+    </dgm:fillClrLst>
+    <dgm:linClrLst meth="repeat">
+      <a:schemeClr val="accent1">
+        <a:tint val="60000"/>
+      </a:schemeClr>
+    </dgm:linClrLst>
+    <dgm:effectClrLst/>
+    <dgm:txLinClrLst/>
+    <dgm:txFillClrLst meth="repeat">
+      <a:schemeClr val="lt1"/>
+    </dgm:txFillClrLst>
+    <dgm:txEffectClrLst/>
+  </dgm:styleLbl>
+  <dgm:styleLbl name="parChTrans2D2">
+    <dgm:fillClrLst meth="repeat">
+      <a:schemeClr val="accent1"/>
+    </dgm:fillClrLst>
+    <dgm:linClrLst meth="repeat">
+      <a:schemeClr val="accent1"/>
+    </dgm:linClrLst>
+    <dgm:effectClrLst/>
+    <dgm:txLinClrLst/>
+    <dgm:txFillClrLst meth="repeat">
+      <a:schemeClr val="lt1"/>
+    </dgm:txFillClrLst>
+    <dgm:txEffectClrLst/>
+  </dgm:styleLbl>
+  <dgm:styleLbl name="parChTrans2D3">
+    <dgm:fillClrLst meth="repeat">
+      <a:schemeClr val="accent1"/>
+    </dgm:fillClrLst>
+    <dgm:linClrLst meth="repeat">
+      <a:schemeClr val="accent1"/>
+    </dgm:linClrLst>
+    <dgm:effectClrLst/>
+    <dgm:txLinClrLst/>
+    <dgm:txFillClrLst meth="repeat">
+      <a:schemeClr val="lt1"/>
+    </dgm:txFillClrLst>
+    <dgm:txEffectClrLst/>
+  </dgm:styleLbl>
+  <dgm:styleLbl name="parChTrans2D4">
+    <dgm:fillClrLst meth="repeat">
+      <a:schemeClr val="accent1"/>
+    </dgm:fillClrLst>
+    <dgm:linClrLst meth="repeat">
+      <a:schemeClr val="accent1"/>
+    </dgm:linClrLst>
+    <dgm:effectClrLst/>
+    <dgm:txLinClrLst/>
+    <dgm:txFillClrLst meth="repeat">
+      <a:schemeClr val="lt1"/>
+    </dgm:txFillClrLst>
+    <dgm:txEffectClrLst/>
+  </dgm:styleLbl>
+  <dgm:styleLbl name="parChTrans1D1">
+    <dgm:fillClrLst meth="repeat">
+      <a:schemeClr val="accent1"/>
+    </dgm:fillClrLst>
+    <dgm:linClrLst meth="repeat">
+      <a:schemeClr val="accent1">
+        <a:shade val="60000"/>
+      </a:schemeClr>
+    </dgm:linClrLst>
+    <dgm:effectClrLst/>
+    <dgm:txLinClrLst/>
+    <dgm:txFillClrLst meth="repeat">
+      <a:schemeClr val="tx1"/>
+    </dgm:txFillClrLst>
+    <dgm:txEffectClrLst/>
+  </dgm:styleLbl>
+  <dgm:styleLbl name="parChTrans1D2">
+    <dgm:fillClrLst meth="repeat">
+      <a:schemeClr val="accent1"/>
+    </dgm:fillClrLst>
+    <dgm:linClrLst meth="repeat">
+      <a:schemeClr val="accent1">
+        <a:shade val="60000"/>
+      </a:schemeClr>
+    </dgm:linClrLst>
+    <dgm:effectClrLst/>
+    <dgm:txLinClrLst/>
+    <dgm:txFillClrLst meth="repeat">
+      <a:schemeClr val="tx1"/>
+    </dgm:txFillClrLst>
+    <dgm:txEffectClrLst/>
+  </dgm:styleLbl>
+  <dgm:styleLbl name="parChTrans1D3">
+    <dgm:fillClrLst meth="repeat">
+      <a:schemeClr val="accent1"/>
+    </dgm:fillClrLst>
+    <dgm:linClrLst meth="repeat">
+      <a:schemeClr val="accent1">
+        <a:shade val="80000"/>
+      </a:schemeClr>
+    </dgm:linClrLst>
+    <dgm:effectClrLst/>
+    <dgm:txLinClrLst/>
+    <dgm:txFillClrLst meth="repeat">
+      <a:schemeClr val="tx1"/>
+    </dgm:txFillClrLst>
+    <dgm:txEffectClrLst/>
+  </dgm:styleLbl>
+  <dgm:styleLbl name="parChTrans1D4">
+    <dgm:fillClrLst meth="repeat">
+      <a:schemeClr val="accent1"/>
+    </dgm:fillClrLst>
+    <dgm:linClrLst meth="repeat">
+      <a:schemeClr val="accent1">
+        <a:shade val="80000"/>
+      </a:schemeClr>
+    </dgm:linClrLst>
+    <dgm:effectClrLst/>
+    <dgm:txLinClrLst/>
+    <dgm:txFillClrLst meth="repeat">
+      <a:schemeClr val="tx1"/>
+    </dgm:txFillClrLst>
+    <dgm:txEffectClrLst/>
+  </dgm:styleLbl>
+  <dgm:styleLbl name="fgAcc1">
+    <dgm:fillClrLst meth="repeat">
+      <a:schemeClr val="lt1">
+        <a:alpha val="90000"/>
+      </a:schemeClr>
+    </dgm:fillClrLst>
+    <dgm:linClrLst meth="repeat">
+      <a:schemeClr val="accent1"/>
+    </dgm:linClrLst>
+    <dgm:effectClrLst/>
+    <dgm:txLinClrLst/>
+    <dgm:txFillClrLst meth="repeat">
+      <a:schemeClr val="dk1"/>
+    </dgm:txFillClrLst>
+    <dgm:txEffectClrLst/>
+  </dgm:styleLbl>
+  <dgm:styleLbl name="conFgAcc1">
+    <dgm:fillClrLst meth="repeat">
+      <a:schemeClr val="lt1">
+        <a:alpha val="90000"/>
+      </a:schemeClr>
+    </dgm:fillClrLst>
+    <dgm:linClrLst meth="repeat">
+      <a:schemeClr val="accent1"/>
+    </dgm:linClrLst>
+    <dgm:effectClrLst/>
+    <dgm:txLinClrLst/>
+    <dgm:txFillClrLst meth="repeat">
+      <a:schemeClr val="dk1"/>
+    </dgm:txFillClrLst>
+    <dgm:txEffectClrLst/>
+  </dgm:styleLbl>
+  <dgm:styleLbl name="alignAcc1">
+    <dgm:fillClrLst meth="repeat">
+      <a:schemeClr val="lt1">
+        <a:alpha val="90000"/>
+      </a:schemeClr>
+    </dgm:fillClrLst>
+    <dgm:linClrLst meth="repeat">
+      <a:schemeClr val="accent1"/>
+    </dgm:linClrLst>
+    <dgm:effectClrLst/>
+    <dgm:txLinClrLst/>
+    <dgm:txFillClrLst meth="repeat">
+      <a:schemeClr val="dk1"/>
+    </dgm:txFillClrLst>
+    <dgm:txEffectClrLst/>
+  </dgm:styleLbl>
+  <dgm:styleLbl name="trAlignAcc1">
+    <dgm:fillClrLst meth="repeat">
+      <a:schemeClr val="lt1">
+        <a:alpha val="40000"/>
+      </a:schemeClr>
+    </dgm:fillClrLst>
+    <dgm:linClrLst meth="repeat">
+      <a:schemeClr val="accent1"/>
+    </dgm:linClrLst>
+    <dgm:effectClrLst/>
+    <dgm:txLinClrLst/>
+    <dgm:txFillClrLst meth="repeat">
+      <a:schemeClr val="dk1"/>
+    </dgm:txFillClrLst>
+    <dgm:txEffectClrLst/>
+  </dgm:styleLbl>
+  <dgm:styleLbl name="bgAcc1">
+    <dgm:fillClrLst meth="repeat">
+      <a:schemeClr val="lt1">
+        <a:alpha val="90000"/>
+      </a:schemeClr>
+    </dgm:fillClrLst>
+    <dgm:linClrLst meth="repeat">
+      <a:schemeClr val="accent1"/>
+    </dgm:linClrLst>
+    <dgm:effectClrLst/>
+    <dgm:txLinClrLst/>
+    <dgm:txFillClrLst meth="repeat">
+      <a:schemeClr val="dk1"/>
+    </dgm:txFillClrLst>
+    <dgm:txEffectClrLst/>
+  </dgm:styleLbl>
+  <dgm:styleLbl name="solidFgAcc1">
+    <dgm:fillClrLst meth="repeat">
+      <a:schemeClr val="lt1"/>
+    </dgm:fillClrLst>
+    <dgm:linClrLst meth="repeat">
+      <a:schemeClr val="accent1"/>
+    </dgm:linClrLst>
+    <dgm:effectClrLst/>
+    <dgm:txLinClrLst/>
+    <dgm:txFillClrLst meth="repeat">
+      <a:schemeClr val="dk1"/>
+    </dgm:txFillClrLst>
+    <dgm:txEffectClrLst/>
+  </dgm:styleLbl>
+  <dgm:styleLbl name="solidAlignAcc1">
+    <dgm:fillClrLst meth="repeat">
+      <a:schemeClr val="lt1"/>
+    </dgm:fillClrLst>
+    <dgm:linClrLst meth="repeat">
+      <a:schemeClr val="accent1"/>
+    </dgm:linClrLst>
+    <dgm:effectClrLst/>
+    <dgm:txLinClrLst/>
+    <dgm:txFillClrLst meth="repeat">
+      <a:schemeClr val="dk1"/>
+    </dgm:txFillClrLst>
+    <dgm:txEffectClrLst/>
+  </dgm:styleLbl>
+  <dgm:styleLbl name="solidBgAcc1">
+    <dgm:fillClrLst meth="repeat">
+      <a:schemeClr val="lt1"/>
+    </dgm:fillClrLst>
+    <dgm:linClrLst meth="repeat">
+      <a:schemeClr val="accent1"/>
+    </dgm:linClrLst>
+    <dgm:effectClrLst/>
+    <dgm:txLinClrLst/>
+    <dgm:txFillClrLst meth="repeat">
+      <a:schemeClr val="dk1"/>
+    </dgm:txFillClrLst>
+    <dgm:txEffectClrLst/>
+  </dgm:styleLbl>
+  <dgm:styleLbl name="fgAccFollowNode1">
+    <dgm:fillClrLst meth="repeat">
+      <a:schemeClr val="accent1">
+        <a:alpha val="90000"/>
+        <a:tint val="40000"/>
+      </a:schemeClr>
+    </dgm:fillClrLst>
+    <dgm:linClrLst meth="repeat">
+      <a:schemeClr val="accent1">
+        <a:alpha val="90000"/>
+        <a:tint val="40000"/>
+      </a:schemeClr>
+    </dgm:linClrLst>
+    <dgm:effectClrLst/>
+    <dgm:txLinClrLst/>
+    <dgm:txFillClrLst meth="repeat">
+      <a:schemeClr val="dk1"/>
+    </dgm:txFillClrLst>
+    <dgm:txEffectClrLst/>
+  </dgm:styleLbl>
+  <dgm:styleLbl name="alignAccFollowNode1">
+    <dgm:fillClrLst meth="repeat">
+      <a:schemeClr val="accent1">
+        <a:alpha val="90000"/>
+        <a:tint val="40000"/>
+      </a:schemeClr>
+    </dgm:fillClrLst>
+    <dgm:linClrLst meth="repeat">
+      <a:schemeClr val="accent1">
+        <a:alpha val="90000"/>
+        <a:tint val="40000"/>
+      </a:schemeClr>
+    </dgm:linClrLst>
+    <dgm:effectClrLst/>
+    <dgm:txLinClrLst/>
+    <dgm:txFillClrLst meth="repeat">
+      <a:schemeClr val="dk1"/>
+    </dgm:txFillClrLst>
+    <dgm:txEffectClrLst/>
+  </dgm:styleLbl>
+  <dgm:styleLbl name="bgAccFollowNode1">
+    <dgm:fillClrLst meth="repeat">
+      <a:schemeClr val="accent1">
+        <a:alpha val="90000"/>
+        <a:tint val="40000"/>
+      </a:schemeClr>
+    </dgm:fillClrLst>
+    <dgm:linClrLst meth="repeat">
+      <a:schemeClr val="accent1">
+        <a:alpha val="90000"/>
+        <a:tint val="40000"/>
+      </a:schemeClr>
+    </dgm:linClrLst>
+    <dgm:effectClrLst/>
+    <dgm:txLinClrLst/>
+    <dgm:txFillClrLst meth="repeat">
+      <a:schemeClr val="dk1"/>
+    </dgm:txFillClrLst>
+    <dgm:txEffectClrLst/>
+  </dgm:styleLbl>
+  <dgm:styleLbl name="fgAcc0">
+    <dgm:fillClrLst meth="repeat">
+      <a:schemeClr val="lt1">
+        <a:alpha val="90000"/>
+      </a:schemeClr>
+    </dgm:fillClrLst>
+    <dgm:linClrLst meth="repeat">
+      <a:schemeClr val="accent1"/>
+    </dgm:linClrLst>
+    <dgm:effectClrLst/>
+    <dgm:txLinClrLst/>
+    <dgm:txFillClrLst meth="repeat">
+      <a:schemeClr val="dk1"/>
+    </dgm:txFillClrLst>
+    <dgm:txEffectClrLst/>
+  </dgm:styleLbl>
+  <dgm:styleLbl name="fgAcc2">
+    <dgm:fillClrLst meth="repeat">
+      <a:schemeClr val="lt1">
+        <a:alpha val="90000"/>
+      </a:schemeClr>
+    </dgm:fillClrLst>
+    <dgm:linClrLst meth="repeat">
+      <a:schemeClr val="accent1"/>
+    </dgm:linClrLst>
+    <dgm:effectClrLst/>
+    <dgm:txLinClrLst/>
+    <dgm:txFillClrLst meth="repeat">
+      <a:schemeClr val="dk1"/>
+    </dgm:txFillClrLst>
+    <dgm:txEffectClrLst/>
+  </dgm:styleLbl>
+  <dgm:styleLbl name="fgAcc3">
+    <dgm:fillClrLst meth="repeat">
+      <a:schemeClr val="lt1">
+        <a:alpha val="90000"/>
+      </a:schemeClr>
+    </dgm:fillClrLst>
+    <dgm:linClrLst meth="repeat">
+      <a:schemeClr val="accent1"/>
+    </dgm:linClrLst>
+    <dgm:effectClrLst/>
+    <dgm:txLinClrLst/>
+    <dgm:txFillClrLst meth="repeat">
+      <a:schemeClr val="dk1"/>
+    </dgm:txFillClrLst>
+    <dgm:txEffectClrLst/>
+  </dgm:styleLbl>
+  <dgm:styleLbl name="fgAcc4">
+    <dgm:fillClrLst meth="repeat">
+      <a:schemeClr val="lt1">
+        <a:alpha val="90000"/>
+      </a:schemeClr>
+    </dgm:fillClrLst>
+    <dgm:linClrLst meth="repeat">
+      <a:schemeClr val="accent1"/>
+    </dgm:linClrLst>
+    <dgm:effectClrLst/>
+    <dgm:txLinClrLst/>
+    <dgm:txFillClrLst meth="repeat">
+      <a:schemeClr val="dk1"/>
+    </dgm:txFillClrLst>
+    <dgm:txEffectClrLst/>
+  </dgm:styleLbl>
+  <dgm:styleLbl name="bgShp">
+    <dgm:fillClrLst meth="repeat">
+      <a:schemeClr val="accent1">
+        <a:tint val="40000"/>
+      </a:schemeClr>
+    </dgm:fillClrLst>
+    <dgm:linClrLst meth="repeat">
+      <a:schemeClr val="accent1"/>
+    </dgm:linClrLst>
+    <dgm:effectClrLst/>
+    <dgm:txLinClrLst/>
+    <dgm:txFillClrLst meth="repeat">
+      <a:schemeClr val="dk1"/>
+    </dgm:txFillClrLst>
+    <dgm:txEffectClrLst/>
+  </dgm:styleLbl>
+  <dgm:styleLbl name="dkBgShp">
+    <dgm:fillClrLst meth="repeat">
+      <a:schemeClr val="accent1">
+        <a:shade val="80000"/>
+      </a:schemeClr>
+    </dgm:fillClrLst>
+    <dgm:linClrLst meth="repeat">
+      <a:schemeClr val="accent1"/>
+    </dgm:linClrLst>
+    <dgm:effectClrLst/>
+    <dgm:txLinClrLst/>
+    <dgm:txFillClrLst meth="repeat">
+      <a:schemeClr val="lt1"/>
+    </dgm:txFillClrLst>
+    <dgm:txEffectClrLst/>
+  </dgm:styleLbl>
+  <dgm:styleLbl name="trBgShp">
+    <dgm:fillClrLst meth="repeat">
+      <a:schemeClr val="accent1">
+        <a:tint val="50000"/>
+        <a:alpha val="40000"/>
+      </a:schemeClr>
+    </dgm:fillClrLst>
+    <dgm:linClrLst meth="repeat">
+      <a:schemeClr val="accent1"/>
+    </dgm:linClrLst>
+    <dgm:effectClrLst/>
+    <dgm:txLinClrLst/>
+    <dgm:txFillClrLst meth="repeat">
+      <a:schemeClr val="lt1"/>
+    </dgm:txFillClrLst>
+    <dgm:txEffectClrLst/>
+  </dgm:styleLbl>
+  <dgm:styleLbl name="fgShp">
+    <dgm:fillClrLst meth="repeat">
+      <a:schemeClr val="accent1">
+        <a:tint val="60000"/>
+      </a:schemeClr>
+    </dgm:fillClrLst>
+    <dgm:linClrLst meth="repeat">
+      <a:schemeClr val="lt1"/>
+    </dgm:linClrLst>
+    <dgm:effectClrLst/>
+    <dgm:txLinClrLst/>
+    <dgm:txFillClrLst meth="repeat">
+      <a:schemeClr val="dk1"/>
+    </dgm:txFillClrLst>
+    <dgm:txEffectClrLst/>
+  </dgm:styleLbl>
+  <dgm:styleLbl name="revTx">
+    <dgm:fillClrLst meth="repeat">
+      <a:schemeClr val="lt1">
+        <a:alpha val="0"/>
+      </a:schemeClr>
+    </dgm:fillClrLst>
+    <dgm:linClrLst meth="repeat">
+      <a:schemeClr val="dk1">
+        <a:alpha val="0"/>
+      </a:schemeClr>
+    </dgm:linClrLst>
+    <dgm:effectClrLst/>
+    <dgm:txLinClrLst/>
+    <dgm:txFillClrLst meth="repeat">
+      <a:schemeClr val="tx1"/>
+    </dgm:txFillClrLst>
+    <dgm:txEffectClrLst/>
+  </dgm:styleLbl>
+</dgm:colorsDef>
+</file>
+
 <file path=ppt/diagrams/data1.xml><?xml version="1.0" encoding="utf-8"?>
 <dgm:dataModel xmlns:dgm="http://schemas.openxmlformats.org/drawingml/2006/diagram" xmlns:a="http://schemas.openxmlformats.org/drawingml/2006/main">
   <dgm:ptLst>
@@ -3913,15 +5410,7 @@
         <a:p>
           <a:r>
             <a:rPr lang="en-GB" dirty="0"/>
-            <a:t>Developing a </a:t>
-          </a:r>
-          <a:r>
-            <a:rPr lang="en-GB" dirty="0" err="1"/>
-            <a:t>todo</a:t>
-          </a:r>
-          <a:r>
-            <a:rPr lang="en-GB" dirty="0"/>
-            <a:t> app with JS and Bootstrap5</a:t>
+            <a:t>Developing a quote generator app with JS fetch</a:t>
           </a:r>
           <a:endParaRPr lang="fr-FR" dirty="0"/>
         </a:p>
@@ -3962,7 +5451,7 @@
           </a:r>
           <a:r>
             <a:rPr lang="en-GB" dirty="0"/>
-            <a:t> desktop - pull requests</a:t>
+            <a:t> desktop</a:t>
           </a:r>
           <a:endParaRPr lang="fr-FR" dirty="0"/>
         </a:p>
@@ -3999,7 +5488,7 @@
         <a:p>
           <a:r>
             <a:rPr lang="en-GB" dirty="0"/>
-            <a:t>Homework assignment explanation</a:t>
+            <a:t>Homework done check</a:t>
           </a:r>
           <a:endParaRPr lang="fr-FR" dirty="0"/>
         </a:p>
@@ -4116,403 +5605,6 @@
 <file path=ppt/diagrams/data2.xml><?xml version="1.0" encoding="utf-8"?>
 <dgm:dataModel xmlns:dgm="http://schemas.openxmlformats.org/drawingml/2006/diagram" xmlns:a="http://schemas.openxmlformats.org/drawingml/2006/main">
   <dgm:ptLst>
-    <dgm:pt modelId="{D2538233-C42B-41EC-9EDD-5F80D22EE4B1}" type="doc">
-      <dgm:prSet loTypeId="urn:microsoft.com/office/officeart/2005/8/layout/hProcess9" loCatId="process" qsTypeId="urn:microsoft.com/office/officeart/2005/8/quickstyle/simple1" qsCatId="simple" csTypeId="urn:microsoft.com/office/officeart/2005/8/colors/accent1_2" csCatId="accent1" phldr="1"/>
-      <dgm:spPr/>
-      <dgm:t>
-        <a:bodyPr/>
-        <a:lstStyle/>
-        <a:p>
-          <a:endParaRPr lang="fr-FR"/>
-        </a:p>
-      </dgm:t>
-    </dgm:pt>
-    <dgm:pt modelId="{65E66D51-97C1-49BD-86DF-CC6E689ADD60}">
-      <dgm:prSet/>
-      <dgm:spPr/>
-      <dgm:t>
-        <a:bodyPr/>
-        <a:lstStyle/>
-        <a:p>
-          <a:r>
-            <a:rPr lang="en-GB"/>
-            <a:t>Learn syntax</a:t>
-          </a:r>
-          <a:endParaRPr lang="fr-FR"/>
-        </a:p>
-      </dgm:t>
-    </dgm:pt>
-    <dgm:pt modelId="{0919C407-71BC-4D39-910F-2E8D2A94F883}" type="parTrans" cxnId="{D5DC5881-EDDE-4972-92D0-018786E9CE23}">
-      <dgm:prSet/>
-      <dgm:spPr/>
-      <dgm:t>
-        <a:bodyPr/>
-        <a:lstStyle/>
-        <a:p>
-          <a:endParaRPr lang="fr-FR"/>
-        </a:p>
-      </dgm:t>
-    </dgm:pt>
-    <dgm:pt modelId="{ED4C29A8-B24A-4982-856C-131BF8D2D619}" type="sibTrans" cxnId="{D5DC5881-EDDE-4972-92D0-018786E9CE23}">
-      <dgm:prSet/>
-      <dgm:spPr/>
-      <dgm:t>
-        <a:bodyPr/>
-        <a:lstStyle/>
-        <a:p>
-          <a:endParaRPr lang="fr-FR"/>
-        </a:p>
-      </dgm:t>
-    </dgm:pt>
-    <dgm:pt modelId="{505C0DC5-C434-4B26-96A8-BD4846E8772F}">
-      <dgm:prSet/>
-      <dgm:spPr/>
-      <dgm:t>
-        <a:bodyPr/>
-        <a:lstStyle/>
-        <a:p>
-          <a:r>
-            <a:rPr lang="en-GB" dirty="0"/>
-            <a:t>Get Certified Online</a:t>
-          </a:r>
-          <a:endParaRPr lang="fr-FR" dirty="0"/>
-        </a:p>
-      </dgm:t>
-    </dgm:pt>
-    <dgm:pt modelId="{B200F624-B79F-46C7-8E95-A3C885277339}" type="parTrans" cxnId="{21733B40-B4E3-4251-B693-2517D0C520CE}">
-      <dgm:prSet/>
-      <dgm:spPr/>
-      <dgm:t>
-        <a:bodyPr/>
-        <a:lstStyle/>
-        <a:p>
-          <a:endParaRPr lang="fr-FR"/>
-        </a:p>
-      </dgm:t>
-    </dgm:pt>
-    <dgm:pt modelId="{55E57C89-E71E-47B5-988A-3E7733464644}" type="sibTrans" cxnId="{21733B40-B4E3-4251-B693-2517D0C520CE}">
-      <dgm:prSet/>
-      <dgm:spPr/>
-      <dgm:t>
-        <a:bodyPr/>
-        <a:lstStyle/>
-        <a:p>
-          <a:endParaRPr lang="fr-FR"/>
-        </a:p>
-      </dgm:t>
-    </dgm:pt>
-    <dgm:pt modelId="{85DE3672-9938-4213-8061-BE2FBE6971B0}">
-      <dgm:prSet/>
-      <dgm:spPr/>
-      <dgm:t>
-        <a:bodyPr/>
-        <a:lstStyle/>
-        <a:p>
-          <a:r>
-            <a:rPr lang="en-GB" dirty="0"/>
-            <a:t>Do Projects To build portfolio</a:t>
-          </a:r>
-          <a:endParaRPr lang="fr-FR" dirty="0"/>
-        </a:p>
-      </dgm:t>
-    </dgm:pt>
-    <dgm:pt modelId="{6154221F-BC9C-4EBA-8414-6FFE6DF5B581}" type="parTrans" cxnId="{B699BE99-9CCB-43EF-8F56-6D002A9A24EC}">
-      <dgm:prSet/>
-      <dgm:spPr/>
-      <dgm:t>
-        <a:bodyPr/>
-        <a:lstStyle/>
-        <a:p>
-          <a:endParaRPr lang="fr-FR"/>
-        </a:p>
-      </dgm:t>
-    </dgm:pt>
-    <dgm:pt modelId="{E5F9AAC4-4B82-4647-8A35-6B4B4ADEA9D7}" type="sibTrans" cxnId="{B699BE99-9CCB-43EF-8F56-6D002A9A24EC}">
-      <dgm:prSet/>
-      <dgm:spPr/>
-      <dgm:t>
-        <a:bodyPr/>
-        <a:lstStyle/>
-        <a:p>
-          <a:endParaRPr lang="fr-FR"/>
-        </a:p>
-      </dgm:t>
-    </dgm:pt>
-    <dgm:pt modelId="{645695B2-EB7F-4160-9378-36E3089E4253}">
-      <dgm:prSet/>
-      <dgm:spPr/>
-      <dgm:t>
-        <a:bodyPr/>
-        <a:lstStyle/>
-        <a:p>
-          <a:r>
-            <a:rPr lang="en-GB" dirty="0"/>
-            <a:t>Interview Preparation</a:t>
-          </a:r>
-          <a:endParaRPr lang="fr-FR" dirty="0"/>
-        </a:p>
-      </dgm:t>
-    </dgm:pt>
-    <dgm:pt modelId="{BB636DB7-B5B2-4936-9C3F-1D9272C4344B}" type="parTrans" cxnId="{E462EEA5-446A-4BD3-BD54-AA7CA9D70E70}">
-      <dgm:prSet/>
-      <dgm:spPr/>
-      <dgm:t>
-        <a:bodyPr/>
-        <a:lstStyle/>
-        <a:p>
-          <a:endParaRPr lang="fr-FR"/>
-        </a:p>
-      </dgm:t>
-    </dgm:pt>
-    <dgm:pt modelId="{06C217B4-123B-4028-BBAF-C09F8A23845B}" type="sibTrans" cxnId="{E462EEA5-446A-4BD3-BD54-AA7CA9D70E70}">
-      <dgm:prSet/>
-      <dgm:spPr/>
-      <dgm:t>
-        <a:bodyPr/>
-        <a:lstStyle/>
-        <a:p>
-          <a:endParaRPr lang="fr-FR"/>
-        </a:p>
-      </dgm:t>
-    </dgm:pt>
-    <dgm:pt modelId="{72D06A4D-A564-4248-AC14-D96E4B89EA5B}">
-      <dgm:prSet/>
-      <dgm:spPr/>
-      <dgm:t>
-        <a:bodyPr/>
-        <a:lstStyle/>
-        <a:p>
-          <a:r>
-            <a:rPr lang="en-GB" dirty="0"/>
-            <a:t>Internship with </a:t>
-          </a:r>
-          <a:r>
-            <a:rPr lang="en-GB" dirty="0" err="1"/>
-            <a:t>CodeMentorMU</a:t>
-          </a:r>
-          <a:endParaRPr lang="fr-FR" dirty="0"/>
-        </a:p>
-      </dgm:t>
-    </dgm:pt>
-    <dgm:pt modelId="{32B5424B-27C4-41CC-B329-7F9F12E3FB9E}" type="parTrans" cxnId="{FCA10E50-A0B6-4C28-B421-5DBF8D6C93D0}">
-      <dgm:prSet/>
-      <dgm:spPr/>
-      <dgm:t>
-        <a:bodyPr/>
-        <a:lstStyle/>
-        <a:p>
-          <a:endParaRPr lang="fr-FR"/>
-        </a:p>
-      </dgm:t>
-    </dgm:pt>
-    <dgm:pt modelId="{5FD6E798-35EB-409E-8E5E-741A0759EAF5}" type="sibTrans" cxnId="{FCA10E50-A0B6-4C28-B421-5DBF8D6C93D0}">
-      <dgm:prSet/>
-      <dgm:spPr/>
-      <dgm:t>
-        <a:bodyPr/>
-        <a:lstStyle/>
-        <a:p>
-          <a:endParaRPr lang="fr-FR"/>
-        </a:p>
-      </dgm:t>
-    </dgm:pt>
-    <dgm:pt modelId="{25982AB6-138F-429C-8124-49C08F737CD4}" type="pres">
-      <dgm:prSet presAssocID="{D2538233-C42B-41EC-9EDD-5F80D22EE4B1}" presName="CompostProcess" presStyleCnt="0">
-        <dgm:presLayoutVars>
-          <dgm:dir/>
-          <dgm:resizeHandles val="exact"/>
-        </dgm:presLayoutVars>
-      </dgm:prSet>
-      <dgm:spPr/>
-    </dgm:pt>
-    <dgm:pt modelId="{9318A06C-DA59-47D7-B4F1-A96325CD669C}" type="pres">
-      <dgm:prSet presAssocID="{D2538233-C42B-41EC-9EDD-5F80D22EE4B1}" presName="arrow" presStyleLbl="bgShp" presStyleIdx="0" presStyleCnt="1"/>
-      <dgm:spPr/>
-    </dgm:pt>
-    <dgm:pt modelId="{3C1C29F1-0718-4161-8453-8D7EC347712A}" type="pres">
-      <dgm:prSet presAssocID="{D2538233-C42B-41EC-9EDD-5F80D22EE4B1}" presName="linearProcess" presStyleCnt="0"/>
-      <dgm:spPr/>
-    </dgm:pt>
-    <dgm:pt modelId="{F07C9E71-2D40-48D8-A937-D4F7E581F0F4}" type="pres">
-      <dgm:prSet presAssocID="{65E66D51-97C1-49BD-86DF-CC6E689ADD60}" presName="textNode" presStyleLbl="node1" presStyleIdx="0" presStyleCnt="5">
-        <dgm:presLayoutVars>
-          <dgm:bulletEnabled val="1"/>
-        </dgm:presLayoutVars>
-      </dgm:prSet>
-      <dgm:spPr/>
-    </dgm:pt>
-    <dgm:pt modelId="{5555F214-3162-4E4C-81E0-7599727BE1EA}" type="pres">
-      <dgm:prSet presAssocID="{ED4C29A8-B24A-4982-856C-131BF8D2D619}" presName="sibTrans" presStyleCnt="0"/>
-      <dgm:spPr/>
-    </dgm:pt>
-    <dgm:pt modelId="{937F17FD-A9A5-4A65-9F23-9BD4D0351EEE}" type="pres">
-      <dgm:prSet presAssocID="{505C0DC5-C434-4B26-96A8-BD4846E8772F}" presName="textNode" presStyleLbl="node1" presStyleIdx="1" presStyleCnt="5">
-        <dgm:presLayoutVars>
-          <dgm:bulletEnabled val="1"/>
-        </dgm:presLayoutVars>
-      </dgm:prSet>
-      <dgm:spPr/>
-    </dgm:pt>
-    <dgm:pt modelId="{14CF6BA7-30A0-45A9-A1C6-C35C883248DC}" type="pres">
-      <dgm:prSet presAssocID="{55E57C89-E71E-47B5-988A-3E7733464644}" presName="sibTrans" presStyleCnt="0"/>
-      <dgm:spPr/>
-    </dgm:pt>
-    <dgm:pt modelId="{597C6813-0B97-4A21-A364-DE9F23EB31CC}" type="pres">
-      <dgm:prSet presAssocID="{85DE3672-9938-4213-8061-BE2FBE6971B0}" presName="textNode" presStyleLbl="node1" presStyleIdx="2" presStyleCnt="5">
-        <dgm:presLayoutVars>
-          <dgm:bulletEnabled val="1"/>
-        </dgm:presLayoutVars>
-      </dgm:prSet>
-      <dgm:spPr/>
-    </dgm:pt>
-    <dgm:pt modelId="{8C321B2A-C45E-4AD7-B751-E65E7D672CE6}" type="pres">
-      <dgm:prSet presAssocID="{E5F9AAC4-4B82-4647-8A35-6B4B4ADEA9D7}" presName="sibTrans" presStyleCnt="0"/>
-      <dgm:spPr/>
-    </dgm:pt>
-    <dgm:pt modelId="{3230935B-8D15-47BC-977F-2D75D3251827}" type="pres">
-      <dgm:prSet presAssocID="{72D06A4D-A564-4248-AC14-D96E4B89EA5B}" presName="textNode" presStyleLbl="node1" presStyleIdx="3" presStyleCnt="5">
-        <dgm:presLayoutVars>
-          <dgm:bulletEnabled val="1"/>
-        </dgm:presLayoutVars>
-      </dgm:prSet>
-      <dgm:spPr/>
-    </dgm:pt>
-    <dgm:pt modelId="{676C106C-8E1F-49B1-AEBA-5FD2A910DCE5}" type="pres">
-      <dgm:prSet presAssocID="{5FD6E798-35EB-409E-8E5E-741A0759EAF5}" presName="sibTrans" presStyleCnt="0"/>
-      <dgm:spPr/>
-    </dgm:pt>
-    <dgm:pt modelId="{05F48C9F-06F4-4DEF-A939-0DBEABE97764}" type="pres">
-      <dgm:prSet presAssocID="{645695B2-EB7F-4160-9378-36E3089E4253}" presName="textNode" presStyleLbl="node1" presStyleIdx="4" presStyleCnt="5">
-        <dgm:presLayoutVars>
-          <dgm:bulletEnabled val="1"/>
-        </dgm:presLayoutVars>
-      </dgm:prSet>
-      <dgm:spPr/>
-    </dgm:pt>
-  </dgm:ptLst>
-  <dgm:cxnLst>
-    <dgm:cxn modelId="{21733B40-B4E3-4251-B693-2517D0C520CE}" srcId="{D2538233-C42B-41EC-9EDD-5F80D22EE4B1}" destId="{505C0DC5-C434-4B26-96A8-BD4846E8772F}" srcOrd="1" destOrd="0" parTransId="{B200F624-B79F-46C7-8E95-A3C885277339}" sibTransId="{55E57C89-E71E-47B5-988A-3E7733464644}"/>
-    <dgm:cxn modelId="{5BD0774C-F69F-43C4-A236-1478D7BE5BE8}" type="presOf" srcId="{65E66D51-97C1-49BD-86DF-CC6E689ADD60}" destId="{F07C9E71-2D40-48D8-A937-D4F7E581F0F4}" srcOrd="0" destOrd="0" presId="urn:microsoft.com/office/officeart/2005/8/layout/hProcess9"/>
-    <dgm:cxn modelId="{FCA10E50-A0B6-4C28-B421-5DBF8D6C93D0}" srcId="{D2538233-C42B-41EC-9EDD-5F80D22EE4B1}" destId="{72D06A4D-A564-4248-AC14-D96E4B89EA5B}" srcOrd="3" destOrd="0" parTransId="{32B5424B-27C4-41CC-B329-7F9F12E3FB9E}" sibTransId="{5FD6E798-35EB-409E-8E5E-741A0759EAF5}"/>
-    <dgm:cxn modelId="{28A3867D-415E-45DA-90F5-75C95B3840D2}" type="presOf" srcId="{505C0DC5-C434-4B26-96A8-BD4846E8772F}" destId="{937F17FD-A9A5-4A65-9F23-9BD4D0351EEE}" srcOrd="0" destOrd="0" presId="urn:microsoft.com/office/officeart/2005/8/layout/hProcess9"/>
-    <dgm:cxn modelId="{D5DC5881-EDDE-4972-92D0-018786E9CE23}" srcId="{D2538233-C42B-41EC-9EDD-5F80D22EE4B1}" destId="{65E66D51-97C1-49BD-86DF-CC6E689ADD60}" srcOrd="0" destOrd="0" parTransId="{0919C407-71BC-4D39-910F-2E8D2A94F883}" sibTransId="{ED4C29A8-B24A-4982-856C-131BF8D2D619}"/>
-    <dgm:cxn modelId="{75C77289-9034-4C52-89CD-8729D270035F}" type="presOf" srcId="{D2538233-C42B-41EC-9EDD-5F80D22EE4B1}" destId="{25982AB6-138F-429C-8124-49C08F737CD4}" srcOrd="0" destOrd="0" presId="urn:microsoft.com/office/officeart/2005/8/layout/hProcess9"/>
-    <dgm:cxn modelId="{B699BE99-9CCB-43EF-8F56-6D002A9A24EC}" srcId="{D2538233-C42B-41EC-9EDD-5F80D22EE4B1}" destId="{85DE3672-9938-4213-8061-BE2FBE6971B0}" srcOrd="2" destOrd="0" parTransId="{6154221F-BC9C-4EBA-8414-6FFE6DF5B581}" sibTransId="{E5F9AAC4-4B82-4647-8A35-6B4B4ADEA9D7}"/>
-    <dgm:cxn modelId="{E462EEA5-446A-4BD3-BD54-AA7CA9D70E70}" srcId="{D2538233-C42B-41EC-9EDD-5F80D22EE4B1}" destId="{645695B2-EB7F-4160-9378-36E3089E4253}" srcOrd="4" destOrd="0" parTransId="{BB636DB7-B5B2-4936-9C3F-1D9272C4344B}" sibTransId="{06C217B4-123B-4028-BBAF-C09F8A23845B}"/>
-    <dgm:cxn modelId="{CCC2CABC-4395-4981-AE2C-842055317F87}" type="presOf" srcId="{645695B2-EB7F-4160-9378-36E3089E4253}" destId="{05F48C9F-06F4-4DEF-A939-0DBEABE97764}" srcOrd="0" destOrd="0" presId="urn:microsoft.com/office/officeart/2005/8/layout/hProcess9"/>
-    <dgm:cxn modelId="{B16930C2-20A9-416F-A8AB-9E3C90ABBE7D}" type="presOf" srcId="{72D06A4D-A564-4248-AC14-D96E4B89EA5B}" destId="{3230935B-8D15-47BC-977F-2D75D3251827}" srcOrd="0" destOrd="0" presId="urn:microsoft.com/office/officeart/2005/8/layout/hProcess9"/>
-    <dgm:cxn modelId="{D29772FE-5697-4E1E-AB59-7FBBD519357B}" type="presOf" srcId="{85DE3672-9938-4213-8061-BE2FBE6971B0}" destId="{597C6813-0B97-4A21-A364-DE9F23EB31CC}" srcOrd="0" destOrd="0" presId="urn:microsoft.com/office/officeart/2005/8/layout/hProcess9"/>
-    <dgm:cxn modelId="{23094BB5-335A-490F-BF81-FEE8E23ADAF0}" type="presParOf" srcId="{25982AB6-138F-429C-8124-49C08F737CD4}" destId="{9318A06C-DA59-47D7-B4F1-A96325CD669C}" srcOrd="0" destOrd="0" presId="urn:microsoft.com/office/officeart/2005/8/layout/hProcess9"/>
-    <dgm:cxn modelId="{8A5D9BD4-ED8D-408B-8340-0FB958CAA785}" type="presParOf" srcId="{25982AB6-138F-429C-8124-49C08F737CD4}" destId="{3C1C29F1-0718-4161-8453-8D7EC347712A}" srcOrd="1" destOrd="0" presId="urn:microsoft.com/office/officeart/2005/8/layout/hProcess9"/>
-    <dgm:cxn modelId="{A4377958-A87D-4375-BB78-2C44D15B53F6}" type="presParOf" srcId="{3C1C29F1-0718-4161-8453-8D7EC347712A}" destId="{F07C9E71-2D40-48D8-A937-D4F7E581F0F4}" srcOrd="0" destOrd="0" presId="urn:microsoft.com/office/officeart/2005/8/layout/hProcess9"/>
-    <dgm:cxn modelId="{01698E2B-1279-4650-8146-1088FADBB7F3}" type="presParOf" srcId="{3C1C29F1-0718-4161-8453-8D7EC347712A}" destId="{5555F214-3162-4E4C-81E0-7599727BE1EA}" srcOrd="1" destOrd="0" presId="urn:microsoft.com/office/officeart/2005/8/layout/hProcess9"/>
-    <dgm:cxn modelId="{A46DB363-E890-456C-BA0C-8D820628B3BE}" type="presParOf" srcId="{3C1C29F1-0718-4161-8453-8D7EC347712A}" destId="{937F17FD-A9A5-4A65-9F23-9BD4D0351EEE}" srcOrd="2" destOrd="0" presId="urn:microsoft.com/office/officeart/2005/8/layout/hProcess9"/>
-    <dgm:cxn modelId="{84CDF638-3210-48E6-A936-612889F88CB3}" type="presParOf" srcId="{3C1C29F1-0718-4161-8453-8D7EC347712A}" destId="{14CF6BA7-30A0-45A9-A1C6-C35C883248DC}" srcOrd="3" destOrd="0" presId="urn:microsoft.com/office/officeart/2005/8/layout/hProcess9"/>
-    <dgm:cxn modelId="{369450D8-BF1F-4C6F-A221-9AD6E76DB059}" type="presParOf" srcId="{3C1C29F1-0718-4161-8453-8D7EC347712A}" destId="{597C6813-0B97-4A21-A364-DE9F23EB31CC}" srcOrd="4" destOrd="0" presId="urn:microsoft.com/office/officeart/2005/8/layout/hProcess9"/>
-    <dgm:cxn modelId="{07E75C59-1F89-48EC-9424-1AC2A2D7F744}" type="presParOf" srcId="{3C1C29F1-0718-4161-8453-8D7EC347712A}" destId="{8C321B2A-C45E-4AD7-B751-E65E7D672CE6}" srcOrd="5" destOrd="0" presId="urn:microsoft.com/office/officeart/2005/8/layout/hProcess9"/>
-    <dgm:cxn modelId="{C1931F7B-CCD4-414B-A8FB-D4DAD553FA86}" type="presParOf" srcId="{3C1C29F1-0718-4161-8453-8D7EC347712A}" destId="{3230935B-8D15-47BC-977F-2D75D3251827}" srcOrd="6" destOrd="0" presId="urn:microsoft.com/office/officeart/2005/8/layout/hProcess9"/>
-    <dgm:cxn modelId="{1ECD7FDD-9EFD-42AB-99E9-80E3CE638F31}" type="presParOf" srcId="{3C1C29F1-0718-4161-8453-8D7EC347712A}" destId="{676C106C-8E1F-49B1-AEBA-5FD2A910DCE5}" srcOrd="7" destOrd="0" presId="urn:microsoft.com/office/officeart/2005/8/layout/hProcess9"/>
-    <dgm:cxn modelId="{BA1E8E4A-5544-43A8-9714-75E9413317C5}" type="presParOf" srcId="{3C1C29F1-0718-4161-8453-8D7EC347712A}" destId="{05F48C9F-06F4-4DEF-A939-0DBEABE97764}" srcOrd="8" destOrd="0" presId="urn:microsoft.com/office/officeart/2005/8/layout/hProcess9"/>
-  </dgm:cxnLst>
-  <dgm:bg/>
-  <dgm:whole/>
-  <dgm:extLst>
-    <a:ext uri="http://schemas.microsoft.com/office/drawing/2008/diagram">
-      <dsp:dataModelExt xmlns:dsp="http://schemas.microsoft.com/office/drawing/2008/diagram" relId="rId6" minVer="http://schemas.openxmlformats.org/drawingml/2006/diagram"/>
-    </a:ext>
-  </dgm:extLst>
-</dgm:dataModel>
-</file>
-
-<file path=ppt/diagrams/data3.xml><?xml version="1.0" encoding="utf-8"?>
-<dgm:dataModel xmlns:dgm="http://schemas.openxmlformats.org/drawingml/2006/diagram" xmlns:a="http://schemas.openxmlformats.org/drawingml/2006/main">
-  <dgm:ptLst>
-    <dgm:pt modelId="{A0BA1AC4-0A78-491C-8BB7-F63154E39DC0}" type="doc">
-      <dgm:prSet loTypeId="urn:microsoft.com/office/officeart/2005/8/layout/vList2" loCatId="list" qsTypeId="urn:microsoft.com/office/officeart/2005/8/quickstyle/simple1" qsCatId="simple" csTypeId="urn:microsoft.com/office/officeart/2005/8/colors/accent1_2" csCatId="accent1"/>
-      <dgm:spPr/>
-      <dgm:t>
-        <a:bodyPr/>
-        <a:lstStyle/>
-        <a:p>
-          <a:endParaRPr lang="fr-FR"/>
-        </a:p>
-      </dgm:t>
-    </dgm:pt>
-    <dgm:pt modelId="{24CDB6B7-5326-4D29-B768-1CC94FB0DFD9}">
-      <dgm:prSet/>
-      <dgm:spPr/>
-      <dgm:t>
-        <a:bodyPr/>
-        <a:lstStyle/>
-        <a:p>
-          <a:r>
-            <a:rPr lang="en-GB"/>
-            <a:t>Demo</a:t>
-          </a:r>
-          <a:endParaRPr lang="fr-FR"/>
-        </a:p>
-      </dgm:t>
-    </dgm:pt>
-    <dgm:pt modelId="{E6E2B39D-5D44-490E-8F9D-B78DFFCDBD98}" type="parTrans" cxnId="{1786F23D-F9D9-4702-933B-FC83DDCFFB8A}">
-      <dgm:prSet/>
-      <dgm:spPr/>
-      <dgm:t>
-        <a:bodyPr/>
-        <a:lstStyle/>
-        <a:p>
-          <a:endParaRPr lang="fr-FR"/>
-        </a:p>
-      </dgm:t>
-    </dgm:pt>
-    <dgm:pt modelId="{47A8DACA-DD79-4123-B034-2C8A210BF838}" type="sibTrans" cxnId="{1786F23D-F9D9-4702-933B-FC83DDCFFB8A}">
-      <dgm:prSet/>
-      <dgm:spPr/>
-      <dgm:t>
-        <a:bodyPr/>
-        <a:lstStyle/>
-        <a:p>
-          <a:endParaRPr lang="fr-FR"/>
-        </a:p>
-      </dgm:t>
-    </dgm:pt>
-    <dgm:pt modelId="{8D1B768F-0602-4B47-A3C9-70C6B0D63E6D}" type="pres">
-      <dgm:prSet presAssocID="{A0BA1AC4-0A78-491C-8BB7-F63154E39DC0}" presName="linear" presStyleCnt="0">
-        <dgm:presLayoutVars>
-          <dgm:animLvl val="lvl"/>
-          <dgm:resizeHandles val="exact"/>
-        </dgm:presLayoutVars>
-      </dgm:prSet>
-      <dgm:spPr/>
-    </dgm:pt>
-    <dgm:pt modelId="{3A72F8D2-CCCA-4AF6-87C2-B7EF07E4763F}" type="pres">
-      <dgm:prSet presAssocID="{24CDB6B7-5326-4D29-B768-1CC94FB0DFD9}" presName="parentText" presStyleLbl="node1" presStyleIdx="0" presStyleCnt="1">
-        <dgm:presLayoutVars>
-          <dgm:chMax val="0"/>
-          <dgm:bulletEnabled val="1"/>
-        </dgm:presLayoutVars>
-      </dgm:prSet>
-      <dgm:spPr/>
-    </dgm:pt>
-  </dgm:ptLst>
-  <dgm:cxnLst>
-    <dgm:cxn modelId="{1786F23D-F9D9-4702-933B-FC83DDCFFB8A}" srcId="{A0BA1AC4-0A78-491C-8BB7-F63154E39DC0}" destId="{24CDB6B7-5326-4D29-B768-1CC94FB0DFD9}" srcOrd="0" destOrd="0" parTransId="{E6E2B39D-5D44-490E-8F9D-B78DFFCDBD98}" sibTransId="{47A8DACA-DD79-4123-B034-2C8A210BF838}"/>
-    <dgm:cxn modelId="{8A2A2F9D-8471-47DF-8669-FA55D17B7EAC}" type="presOf" srcId="{24CDB6B7-5326-4D29-B768-1CC94FB0DFD9}" destId="{3A72F8D2-CCCA-4AF6-87C2-B7EF07E4763F}" srcOrd="0" destOrd="0" presId="urn:microsoft.com/office/officeart/2005/8/layout/vList2"/>
-    <dgm:cxn modelId="{9126C7C7-6A6B-4AB5-862B-D7928F22DF27}" type="presOf" srcId="{A0BA1AC4-0A78-491C-8BB7-F63154E39DC0}" destId="{8D1B768F-0602-4B47-A3C9-70C6B0D63E6D}" srcOrd="0" destOrd="0" presId="urn:microsoft.com/office/officeart/2005/8/layout/vList2"/>
-    <dgm:cxn modelId="{670D1415-8BD2-4DA0-9B76-ED3867CB9E8F}" type="presParOf" srcId="{8D1B768F-0602-4B47-A3C9-70C6B0D63E6D}" destId="{3A72F8D2-CCCA-4AF6-87C2-B7EF07E4763F}" srcOrd="0" destOrd="0" presId="urn:microsoft.com/office/officeart/2005/8/layout/vList2"/>
-  </dgm:cxnLst>
-  <dgm:bg/>
-  <dgm:whole/>
-  <dgm:extLst>
-    <a:ext uri="http://schemas.microsoft.com/office/drawing/2008/diagram">
-      <dsp:dataModelExt xmlns:dsp="http://schemas.microsoft.com/office/drawing/2008/diagram" relId="rId6" minVer="http://schemas.openxmlformats.org/drawingml/2006/diagram"/>
-    </a:ext>
-  </dgm:extLst>
-</dgm:dataModel>
-</file>
-
-<file path=ppt/diagrams/data4.xml><?xml version="1.0" encoding="utf-8"?>
-<dgm:dataModel xmlns:dgm="http://schemas.openxmlformats.org/drawingml/2006/diagram" xmlns:a="http://schemas.openxmlformats.org/drawingml/2006/main">
-  <dgm:ptLst>
     <dgm:pt modelId="{A2045882-AA78-451D-AC0A-E8F84F4AC838}" type="doc">
       <dgm:prSet loTypeId="urn:microsoft.com/office/officeart/2005/8/layout/vList2" loCatId="list" qsTypeId="urn:microsoft.com/office/officeart/2005/8/quickstyle/simple1" qsCatId="simple" csTypeId="urn:microsoft.com/office/officeart/2005/8/colors/accent1_2" csCatId="accent1"/>
       <dgm:spPr/>
@@ -4532,10 +5624,14 @@
         <a:lstStyle/>
         <a:p>
           <a:r>
-            <a:rPr lang="fr-FR" b="0"/>
-            <a:t>createElement("…")</a:t>
+            <a:rPr lang="fr-FR" b="0" dirty="0" err="1"/>
+            <a:t>createElement</a:t>
           </a:r>
-          <a:endParaRPr lang="fr-FR"/>
+          <a:r>
+            <a:rPr lang="fr-FR" b="0" dirty="0"/>
+            <a:t>("…")</a:t>
+          </a:r>
+          <a:endParaRPr lang="fr-FR" dirty="0"/>
         </a:p>
       </dgm:t>
     </dgm:pt>
@@ -4755,10 +5851,14 @@
         <a:lstStyle/>
         <a:p>
           <a:r>
-            <a:rPr lang="fr-FR" b="0"/>
-            <a:t>e.target.parentElement.remove();</a:t>
+            <a:rPr lang="fr-FR" b="0" dirty="0" err="1"/>
+            <a:t>e.target.parentElement.remove</a:t>
           </a:r>
-          <a:endParaRPr lang="fr-FR"/>
+          <a:r>
+            <a:rPr lang="fr-FR" b="0" dirty="0"/>
+            <a:t>();</a:t>
+          </a:r>
+          <a:endParaRPr lang="fr-FR" dirty="0"/>
         </a:p>
       </dgm:t>
     </dgm:pt>
@@ -4829,10 +5929,14 @@
         <a:lstStyle/>
         <a:p>
           <a:r>
-            <a:rPr lang="fr-FR" b="0"/>
-            <a:t>element.className =…</a:t>
+            <a:rPr lang="fr-FR" b="0" dirty="0" err="1"/>
+            <a:t>element.className</a:t>
           </a:r>
-          <a:endParaRPr lang="fr-FR"/>
+          <a:r>
+            <a:rPr lang="fr-FR" b="0" dirty="0"/>
+            <a:t> =…</a:t>
+          </a:r>
+          <a:endParaRPr lang="fr-FR" dirty="0"/>
         </a:p>
       </dgm:t>
     </dgm:pt>
@@ -5129,7 +6233,1049 @@
 </dgm:dataModel>
 </file>
 
+<file path=ppt/diagrams/data3.xml><?xml version="1.0" encoding="utf-8"?>
+<dgm:dataModel xmlns:dgm="http://schemas.openxmlformats.org/drawingml/2006/diagram" xmlns:a="http://schemas.openxmlformats.org/drawingml/2006/main">
+  <dgm:ptLst>
+    <dgm:pt modelId="{A0BA1AC4-0A78-491C-8BB7-F63154E39DC0}" type="doc">
+      <dgm:prSet loTypeId="urn:microsoft.com/office/officeart/2005/8/layout/vList2" loCatId="list" qsTypeId="urn:microsoft.com/office/officeart/2005/8/quickstyle/simple1" qsCatId="simple" csTypeId="urn:microsoft.com/office/officeart/2005/8/colors/accent1_2" csCatId="accent1" phldr="1"/>
+      <dgm:spPr/>
+      <dgm:t>
+        <a:bodyPr/>
+        <a:lstStyle/>
+        <a:p>
+          <a:endParaRPr lang="fr-FR"/>
+        </a:p>
+      </dgm:t>
+    </dgm:pt>
+    <dgm:pt modelId="{8D1B768F-0602-4B47-A3C9-70C6B0D63E6D}" type="pres">
+      <dgm:prSet presAssocID="{A0BA1AC4-0A78-491C-8BB7-F63154E39DC0}" presName="linear" presStyleCnt="0">
+        <dgm:presLayoutVars>
+          <dgm:animLvl val="lvl"/>
+          <dgm:resizeHandles val="exact"/>
+        </dgm:presLayoutVars>
+      </dgm:prSet>
+      <dgm:spPr/>
+    </dgm:pt>
+  </dgm:ptLst>
+  <dgm:cxnLst>
+    <dgm:cxn modelId="{9126C7C7-6A6B-4AB5-862B-D7928F22DF27}" type="presOf" srcId="{A0BA1AC4-0A78-491C-8BB7-F63154E39DC0}" destId="{8D1B768F-0602-4B47-A3C9-70C6B0D63E6D}" srcOrd="0" destOrd="0" presId="urn:microsoft.com/office/officeart/2005/8/layout/vList2"/>
+  </dgm:cxnLst>
+  <dgm:bg/>
+  <dgm:whole/>
+  <dgm:extLst>
+    <a:ext uri="http://schemas.microsoft.com/office/drawing/2008/diagram">
+      <dsp:dataModelExt xmlns:dsp="http://schemas.microsoft.com/office/drawing/2008/diagram" relId="rId6" minVer="http://schemas.openxmlformats.org/drawingml/2006/diagram"/>
+    </a:ext>
+  </dgm:extLst>
+</dgm:dataModel>
+</file>
+
+<file path=ppt/diagrams/data4.xml><?xml version="1.0" encoding="utf-8"?>
+<dgm:dataModel xmlns:dgm="http://schemas.openxmlformats.org/drawingml/2006/diagram" xmlns:a="http://schemas.openxmlformats.org/drawingml/2006/main">
+  <dgm:ptLst>
+    <dgm:pt modelId="{A0BA1AC4-0A78-491C-8BB7-F63154E39DC0}" type="doc">
+      <dgm:prSet loTypeId="urn:microsoft.com/office/officeart/2005/8/layout/vList2" loCatId="list" qsTypeId="urn:microsoft.com/office/officeart/2005/8/quickstyle/simple1" qsCatId="simple" csTypeId="urn:microsoft.com/office/officeart/2005/8/colors/accent1_2" csCatId="accent1" phldr="1"/>
+      <dgm:spPr/>
+      <dgm:t>
+        <a:bodyPr/>
+        <a:lstStyle/>
+        <a:p>
+          <a:endParaRPr lang="fr-FR"/>
+        </a:p>
+      </dgm:t>
+    </dgm:pt>
+    <dgm:pt modelId="{8D1B768F-0602-4B47-A3C9-70C6B0D63E6D}" type="pres">
+      <dgm:prSet presAssocID="{A0BA1AC4-0A78-491C-8BB7-F63154E39DC0}" presName="linear" presStyleCnt="0">
+        <dgm:presLayoutVars>
+          <dgm:animLvl val="lvl"/>
+          <dgm:resizeHandles val="exact"/>
+        </dgm:presLayoutVars>
+      </dgm:prSet>
+      <dgm:spPr/>
+    </dgm:pt>
+  </dgm:ptLst>
+  <dgm:cxnLst>
+    <dgm:cxn modelId="{9126C7C7-6A6B-4AB5-862B-D7928F22DF27}" type="presOf" srcId="{A0BA1AC4-0A78-491C-8BB7-F63154E39DC0}" destId="{8D1B768F-0602-4B47-A3C9-70C6B0D63E6D}" srcOrd="0" destOrd="0" presId="urn:microsoft.com/office/officeart/2005/8/layout/vList2"/>
+  </dgm:cxnLst>
+  <dgm:bg/>
+  <dgm:whole/>
+  <dgm:extLst>
+    <a:ext uri="http://schemas.microsoft.com/office/drawing/2008/diagram">
+      <dsp:dataModelExt xmlns:dsp="http://schemas.microsoft.com/office/drawing/2008/diagram" relId="rId6" minVer="http://schemas.openxmlformats.org/drawingml/2006/diagram"/>
+    </a:ext>
+  </dgm:extLst>
+</dgm:dataModel>
+</file>
+
 <file path=ppt/diagrams/data5.xml><?xml version="1.0" encoding="utf-8"?>
+<dgm:dataModel xmlns:dgm="http://schemas.openxmlformats.org/drawingml/2006/diagram" xmlns:a="http://schemas.openxmlformats.org/drawingml/2006/main">
+  <dgm:ptLst>
+    <dgm:pt modelId="{A0BA1AC4-0A78-491C-8BB7-F63154E39DC0}" type="doc">
+      <dgm:prSet loTypeId="urn:microsoft.com/office/officeart/2005/8/layout/vList2" loCatId="list" qsTypeId="urn:microsoft.com/office/officeart/2005/8/quickstyle/simple1" qsCatId="simple" csTypeId="urn:microsoft.com/office/officeart/2005/8/colors/accent1_2" csCatId="accent1" phldr="1"/>
+      <dgm:spPr/>
+      <dgm:t>
+        <a:bodyPr/>
+        <a:lstStyle/>
+        <a:p>
+          <a:endParaRPr lang="fr-FR"/>
+        </a:p>
+      </dgm:t>
+    </dgm:pt>
+    <dgm:pt modelId="{E0892E4E-87CE-41DB-B9B1-4EC5F18EBC9C}">
+      <dgm:prSet/>
+      <dgm:spPr/>
+      <dgm:t>
+        <a:bodyPr/>
+        <a:lstStyle/>
+        <a:p>
+          <a:r>
+            <a:rPr lang="fr-FR"/>
+            <a:t>async function logMovies() {</a:t>
+          </a:r>
+        </a:p>
+      </dgm:t>
+    </dgm:pt>
+    <dgm:pt modelId="{657EABCF-99C2-4D3C-AE38-EA497EC79AD8}" type="parTrans" cxnId="{A2038192-82D1-4831-B970-87A6CEDE0042}">
+      <dgm:prSet/>
+      <dgm:spPr/>
+      <dgm:t>
+        <a:bodyPr/>
+        <a:lstStyle/>
+        <a:p>
+          <a:endParaRPr lang="fr-FR"/>
+        </a:p>
+      </dgm:t>
+    </dgm:pt>
+    <dgm:pt modelId="{8CCDA862-C59F-4392-9E8B-A6C2314EE06F}" type="sibTrans" cxnId="{A2038192-82D1-4831-B970-87A6CEDE0042}">
+      <dgm:prSet/>
+      <dgm:spPr/>
+      <dgm:t>
+        <a:bodyPr/>
+        <a:lstStyle/>
+        <a:p>
+          <a:endParaRPr lang="fr-FR"/>
+        </a:p>
+      </dgm:t>
+    </dgm:pt>
+    <dgm:pt modelId="{06C7DD4D-B2F2-4F0C-A52C-89B804C81D45}">
+      <dgm:prSet/>
+      <dgm:spPr/>
+      <dgm:t>
+        <a:bodyPr/>
+        <a:lstStyle/>
+        <a:p>
+          <a:r>
+            <a:rPr lang="en-US" dirty="0"/>
+            <a:t>    const response = await fetch('/</a:t>
+          </a:r>
+          <a:r>
+            <a:rPr lang="en-US" dirty="0" err="1"/>
+            <a:t>posts.json</a:t>
+          </a:r>
+          <a:r>
+            <a:rPr lang="en-US" dirty="0"/>
+            <a:t>');</a:t>
+          </a:r>
+          <a:endParaRPr lang="fr-FR" dirty="0"/>
+        </a:p>
+      </dgm:t>
+    </dgm:pt>
+    <dgm:pt modelId="{9D80FD6F-A056-4BF5-85F9-78B9CE634CB1}" type="parTrans" cxnId="{C394CC04-D14F-47D2-8EB9-0036C18C016B}">
+      <dgm:prSet/>
+      <dgm:spPr/>
+      <dgm:t>
+        <a:bodyPr/>
+        <a:lstStyle/>
+        <a:p>
+          <a:endParaRPr lang="fr-FR"/>
+        </a:p>
+      </dgm:t>
+    </dgm:pt>
+    <dgm:pt modelId="{B20DF1C6-78BE-42B3-BEBE-F22276F03ECD}" type="sibTrans" cxnId="{C394CC04-D14F-47D2-8EB9-0036C18C016B}">
+      <dgm:prSet/>
+      <dgm:spPr/>
+      <dgm:t>
+        <a:bodyPr/>
+        <a:lstStyle/>
+        <a:p>
+          <a:endParaRPr lang="fr-FR"/>
+        </a:p>
+      </dgm:t>
+    </dgm:pt>
+    <dgm:pt modelId="{3104EDA8-A6FC-4DDB-AA95-FD1C9CBC64FF}">
+      <dgm:prSet/>
+      <dgm:spPr/>
+      <dgm:t>
+        <a:bodyPr/>
+        <a:lstStyle/>
+        <a:p>
+          <a:r>
+            <a:rPr lang="fr-FR"/>
+            <a:t>    const movies = await response.json();</a:t>
+          </a:r>
+        </a:p>
+      </dgm:t>
+    </dgm:pt>
+    <dgm:pt modelId="{A95D0CDE-9EC3-4929-9EC7-75514586B06A}" type="parTrans" cxnId="{D53723CC-BD2D-4980-B668-5FDEB86E2944}">
+      <dgm:prSet/>
+      <dgm:spPr/>
+      <dgm:t>
+        <a:bodyPr/>
+        <a:lstStyle/>
+        <a:p>
+          <a:endParaRPr lang="fr-FR"/>
+        </a:p>
+      </dgm:t>
+    </dgm:pt>
+    <dgm:pt modelId="{29D45A37-84BC-47E1-9B49-C2845738FF2F}" type="sibTrans" cxnId="{D53723CC-BD2D-4980-B668-5FDEB86E2944}">
+      <dgm:prSet/>
+      <dgm:spPr/>
+      <dgm:t>
+        <a:bodyPr/>
+        <a:lstStyle/>
+        <a:p>
+          <a:endParaRPr lang="fr-FR"/>
+        </a:p>
+      </dgm:t>
+    </dgm:pt>
+    <dgm:pt modelId="{3964A06D-E4AC-4131-ABBF-3243C9FA8FF1}">
+      <dgm:prSet/>
+      <dgm:spPr/>
+      <dgm:t>
+        <a:bodyPr/>
+        <a:lstStyle/>
+        <a:p>
+          <a:r>
+            <a:rPr lang="fr-FR"/>
+            <a:t>    console.log(movies);</a:t>
+          </a:r>
+        </a:p>
+      </dgm:t>
+    </dgm:pt>
+    <dgm:pt modelId="{2A06AA42-4A7E-4B25-BAF3-9499CF82984F}" type="parTrans" cxnId="{F4F7DF11-D39F-4C8B-90CE-780A08D42CED}">
+      <dgm:prSet/>
+      <dgm:spPr/>
+      <dgm:t>
+        <a:bodyPr/>
+        <a:lstStyle/>
+        <a:p>
+          <a:endParaRPr lang="fr-FR"/>
+        </a:p>
+      </dgm:t>
+    </dgm:pt>
+    <dgm:pt modelId="{A958E7B9-6F0D-4EC5-AAB0-ED839FC1F419}" type="sibTrans" cxnId="{F4F7DF11-D39F-4C8B-90CE-780A08D42CED}">
+      <dgm:prSet/>
+      <dgm:spPr/>
+      <dgm:t>
+        <a:bodyPr/>
+        <a:lstStyle/>
+        <a:p>
+          <a:endParaRPr lang="fr-FR"/>
+        </a:p>
+      </dgm:t>
+    </dgm:pt>
+    <dgm:pt modelId="{72E5321F-F5E2-4362-9F6D-5C639BF234B7}">
+      <dgm:prSet/>
+      <dgm:spPr/>
+      <dgm:t>
+        <a:bodyPr/>
+        <a:lstStyle/>
+        <a:p>
+          <a:r>
+            <a:rPr lang="fr-FR"/>
+            <a:t>  }</a:t>
+          </a:r>
+        </a:p>
+      </dgm:t>
+    </dgm:pt>
+    <dgm:pt modelId="{4B8D22DD-0313-4CDD-9BA6-156D9DF055F6}" type="parTrans" cxnId="{06D21043-CF52-4A90-8407-48EFFD81B2D7}">
+      <dgm:prSet/>
+      <dgm:spPr/>
+      <dgm:t>
+        <a:bodyPr/>
+        <a:lstStyle/>
+        <a:p>
+          <a:endParaRPr lang="fr-FR"/>
+        </a:p>
+      </dgm:t>
+    </dgm:pt>
+    <dgm:pt modelId="{56788E48-51DA-4388-9C05-539A01C5E2BE}" type="sibTrans" cxnId="{06D21043-CF52-4A90-8407-48EFFD81B2D7}">
+      <dgm:prSet/>
+      <dgm:spPr/>
+      <dgm:t>
+        <a:bodyPr/>
+        <a:lstStyle/>
+        <a:p>
+          <a:endParaRPr lang="fr-FR"/>
+        </a:p>
+      </dgm:t>
+    </dgm:pt>
+    <dgm:pt modelId="{3D275FEB-D4C4-43A9-81B4-BC11762ECB21}">
+      <dgm:prSet/>
+      <dgm:spPr/>
+      <dgm:t>
+        <a:bodyPr/>
+        <a:lstStyle/>
+        <a:p>
+          <a:r>
+            <a:rPr lang="fr-FR"/>
+            <a:t>logMovies();</a:t>
+          </a:r>
+        </a:p>
+      </dgm:t>
+    </dgm:pt>
+    <dgm:pt modelId="{C9D445FA-C746-4E2A-93CA-2353BCA77455}" type="parTrans" cxnId="{B91CA1B7-C8E9-4860-8A56-1BBCA4E4BFEF}">
+      <dgm:prSet/>
+      <dgm:spPr/>
+      <dgm:t>
+        <a:bodyPr/>
+        <a:lstStyle/>
+        <a:p>
+          <a:endParaRPr lang="fr-FR"/>
+        </a:p>
+      </dgm:t>
+    </dgm:pt>
+    <dgm:pt modelId="{D3FB04C7-31B5-4078-ABBF-3FF231F2339E}" type="sibTrans" cxnId="{B91CA1B7-C8E9-4860-8A56-1BBCA4E4BFEF}">
+      <dgm:prSet/>
+      <dgm:spPr/>
+      <dgm:t>
+        <a:bodyPr/>
+        <a:lstStyle/>
+        <a:p>
+          <a:endParaRPr lang="fr-FR"/>
+        </a:p>
+      </dgm:t>
+    </dgm:pt>
+    <dgm:pt modelId="{8D1B768F-0602-4B47-A3C9-70C6B0D63E6D}" type="pres">
+      <dgm:prSet presAssocID="{A0BA1AC4-0A78-491C-8BB7-F63154E39DC0}" presName="linear" presStyleCnt="0">
+        <dgm:presLayoutVars>
+          <dgm:animLvl val="lvl"/>
+          <dgm:resizeHandles val="exact"/>
+        </dgm:presLayoutVars>
+      </dgm:prSet>
+      <dgm:spPr/>
+    </dgm:pt>
+    <dgm:pt modelId="{01D0E85A-B19F-41A4-8D3A-77EB2C6D1F63}" type="pres">
+      <dgm:prSet presAssocID="{E0892E4E-87CE-41DB-B9B1-4EC5F18EBC9C}" presName="parentText" presStyleLbl="node1" presStyleIdx="0" presStyleCnt="6">
+        <dgm:presLayoutVars>
+          <dgm:chMax val="0"/>
+          <dgm:bulletEnabled val="1"/>
+        </dgm:presLayoutVars>
+      </dgm:prSet>
+      <dgm:spPr/>
+    </dgm:pt>
+    <dgm:pt modelId="{1E411DB9-51D3-4A49-94EF-B0EA28C983DC}" type="pres">
+      <dgm:prSet presAssocID="{8CCDA862-C59F-4392-9E8B-A6C2314EE06F}" presName="spacer" presStyleCnt="0"/>
+      <dgm:spPr/>
+    </dgm:pt>
+    <dgm:pt modelId="{131922D8-3E6B-4212-B159-709C3C46E2D3}" type="pres">
+      <dgm:prSet presAssocID="{06C7DD4D-B2F2-4F0C-A52C-89B804C81D45}" presName="parentText" presStyleLbl="node1" presStyleIdx="1" presStyleCnt="6">
+        <dgm:presLayoutVars>
+          <dgm:chMax val="0"/>
+          <dgm:bulletEnabled val="1"/>
+        </dgm:presLayoutVars>
+      </dgm:prSet>
+      <dgm:spPr/>
+    </dgm:pt>
+    <dgm:pt modelId="{A24B47DF-3203-4CBA-844D-BD33928BE02B}" type="pres">
+      <dgm:prSet presAssocID="{B20DF1C6-78BE-42B3-BEBE-F22276F03ECD}" presName="spacer" presStyleCnt="0"/>
+      <dgm:spPr/>
+    </dgm:pt>
+    <dgm:pt modelId="{B87B625B-1699-4DC7-9F53-48F24C871CCE}" type="pres">
+      <dgm:prSet presAssocID="{3104EDA8-A6FC-4DDB-AA95-FD1C9CBC64FF}" presName="parentText" presStyleLbl="node1" presStyleIdx="2" presStyleCnt="6">
+        <dgm:presLayoutVars>
+          <dgm:chMax val="0"/>
+          <dgm:bulletEnabled val="1"/>
+        </dgm:presLayoutVars>
+      </dgm:prSet>
+      <dgm:spPr/>
+    </dgm:pt>
+    <dgm:pt modelId="{EF98EFC2-276D-4654-BE4A-3502281A7AA0}" type="pres">
+      <dgm:prSet presAssocID="{29D45A37-84BC-47E1-9B49-C2845738FF2F}" presName="spacer" presStyleCnt="0"/>
+      <dgm:spPr/>
+    </dgm:pt>
+    <dgm:pt modelId="{712C7743-2B03-4F8D-ADFD-DFA28F2925A0}" type="pres">
+      <dgm:prSet presAssocID="{3964A06D-E4AC-4131-ABBF-3243C9FA8FF1}" presName="parentText" presStyleLbl="node1" presStyleIdx="3" presStyleCnt="6">
+        <dgm:presLayoutVars>
+          <dgm:chMax val="0"/>
+          <dgm:bulletEnabled val="1"/>
+        </dgm:presLayoutVars>
+      </dgm:prSet>
+      <dgm:spPr/>
+    </dgm:pt>
+    <dgm:pt modelId="{A71EE8B5-A3BB-4E8C-ABF2-C54C407A8ED5}" type="pres">
+      <dgm:prSet presAssocID="{A958E7B9-6F0D-4EC5-AAB0-ED839FC1F419}" presName="spacer" presStyleCnt="0"/>
+      <dgm:spPr/>
+    </dgm:pt>
+    <dgm:pt modelId="{9E21F25A-28B1-494B-B217-00A4522BB2BB}" type="pres">
+      <dgm:prSet presAssocID="{72E5321F-F5E2-4362-9F6D-5C639BF234B7}" presName="parentText" presStyleLbl="node1" presStyleIdx="4" presStyleCnt="6">
+        <dgm:presLayoutVars>
+          <dgm:chMax val="0"/>
+          <dgm:bulletEnabled val="1"/>
+        </dgm:presLayoutVars>
+      </dgm:prSet>
+      <dgm:spPr/>
+    </dgm:pt>
+    <dgm:pt modelId="{373EA1E3-56CF-4653-A862-A53713D0DE04}" type="pres">
+      <dgm:prSet presAssocID="{56788E48-51DA-4388-9C05-539A01C5E2BE}" presName="spacer" presStyleCnt="0"/>
+      <dgm:spPr/>
+    </dgm:pt>
+    <dgm:pt modelId="{846062D9-B4A9-42DB-803C-0414C0A81B0A}" type="pres">
+      <dgm:prSet presAssocID="{3D275FEB-D4C4-43A9-81B4-BC11762ECB21}" presName="parentText" presStyleLbl="node1" presStyleIdx="5" presStyleCnt="6">
+        <dgm:presLayoutVars>
+          <dgm:chMax val="0"/>
+          <dgm:bulletEnabled val="1"/>
+        </dgm:presLayoutVars>
+      </dgm:prSet>
+      <dgm:spPr/>
+    </dgm:pt>
+  </dgm:ptLst>
+  <dgm:cxnLst>
+    <dgm:cxn modelId="{C394CC04-D14F-47D2-8EB9-0036C18C016B}" srcId="{A0BA1AC4-0A78-491C-8BB7-F63154E39DC0}" destId="{06C7DD4D-B2F2-4F0C-A52C-89B804C81D45}" srcOrd="1" destOrd="0" parTransId="{9D80FD6F-A056-4BF5-85F9-78B9CE634CB1}" sibTransId="{B20DF1C6-78BE-42B3-BEBE-F22276F03ECD}"/>
+    <dgm:cxn modelId="{F4F7DF11-D39F-4C8B-90CE-780A08D42CED}" srcId="{A0BA1AC4-0A78-491C-8BB7-F63154E39DC0}" destId="{3964A06D-E4AC-4131-ABBF-3243C9FA8FF1}" srcOrd="3" destOrd="0" parTransId="{2A06AA42-4A7E-4B25-BAF3-9499CF82984F}" sibTransId="{A958E7B9-6F0D-4EC5-AAB0-ED839FC1F419}"/>
+    <dgm:cxn modelId="{1306751E-A35D-408B-987B-483A4D252458}" type="presOf" srcId="{3D275FEB-D4C4-43A9-81B4-BC11762ECB21}" destId="{846062D9-B4A9-42DB-803C-0414C0A81B0A}" srcOrd="0" destOrd="0" presId="urn:microsoft.com/office/officeart/2005/8/layout/vList2"/>
+    <dgm:cxn modelId="{4D11E82C-ED47-4529-AE86-86205DC3A871}" type="presOf" srcId="{3104EDA8-A6FC-4DDB-AA95-FD1C9CBC64FF}" destId="{B87B625B-1699-4DC7-9F53-48F24C871CCE}" srcOrd="0" destOrd="0" presId="urn:microsoft.com/office/officeart/2005/8/layout/vList2"/>
+    <dgm:cxn modelId="{06D21043-CF52-4A90-8407-48EFFD81B2D7}" srcId="{A0BA1AC4-0A78-491C-8BB7-F63154E39DC0}" destId="{72E5321F-F5E2-4362-9F6D-5C639BF234B7}" srcOrd="4" destOrd="0" parTransId="{4B8D22DD-0313-4CDD-9BA6-156D9DF055F6}" sibTransId="{56788E48-51DA-4388-9C05-539A01C5E2BE}"/>
+    <dgm:cxn modelId="{F16D8955-8837-432E-8DA4-BF0F0584D896}" type="presOf" srcId="{E0892E4E-87CE-41DB-B9B1-4EC5F18EBC9C}" destId="{01D0E85A-B19F-41A4-8D3A-77EB2C6D1F63}" srcOrd="0" destOrd="0" presId="urn:microsoft.com/office/officeart/2005/8/layout/vList2"/>
+    <dgm:cxn modelId="{A2038192-82D1-4831-B970-87A6CEDE0042}" srcId="{A0BA1AC4-0A78-491C-8BB7-F63154E39DC0}" destId="{E0892E4E-87CE-41DB-B9B1-4EC5F18EBC9C}" srcOrd="0" destOrd="0" parTransId="{657EABCF-99C2-4D3C-AE38-EA497EC79AD8}" sibTransId="{8CCDA862-C59F-4392-9E8B-A6C2314EE06F}"/>
+    <dgm:cxn modelId="{515940AE-5A15-46CC-A180-1197737FF01F}" type="presOf" srcId="{72E5321F-F5E2-4362-9F6D-5C639BF234B7}" destId="{9E21F25A-28B1-494B-B217-00A4522BB2BB}" srcOrd="0" destOrd="0" presId="urn:microsoft.com/office/officeart/2005/8/layout/vList2"/>
+    <dgm:cxn modelId="{B91CA1B7-C8E9-4860-8A56-1BBCA4E4BFEF}" srcId="{A0BA1AC4-0A78-491C-8BB7-F63154E39DC0}" destId="{3D275FEB-D4C4-43A9-81B4-BC11762ECB21}" srcOrd="5" destOrd="0" parTransId="{C9D445FA-C746-4E2A-93CA-2353BCA77455}" sibTransId="{D3FB04C7-31B5-4078-ABBF-3FF231F2339E}"/>
+    <dgm:cxn modelId="{FF0216BC-1080-48F7-BFF4-5B155D4EF9BC}" type="presOf" srcId="{3964A06D-E4AC-4131-ABBF-3243C9FA8FF1}" destId="{712C7743-2B03-4F8D-ADFD-DFA28F2925A0}" srcOrd="0" destOrd="0" presId="urn:microsoft.com/office/officeart/2005/8/layout/vList2"/>
+    <dgm:cxn modelId="{9126C7C7-6A6B-4AB5-862B-D7928F22DF27}" type="presOf" srcId="{A0BA1AC4-0A78-491C-8BB7-F63154E39DC0}" destId="{8D1B768F-0602-4B47-A3C9-70C6B0D63E6D}" srcOrd="0" destOrd="0" presId="urn:microsoft.com/office/officeart/2005/8/layout/vList2"/>
+    <dgm:cxn modelId="{D53723CC-BD2D-4980-B668-5FDEB86E2944}" srcId="{A0BA1AC4-0A78-491C-8BB7-F63154E39DC0}" destId="{3104EDA8-A6FC-4DDB-AA95-FD1C9CBC64FF}" srcOrd="2" destOrd="0" parTransId="{A95D0CDE-9EC3-4929-9EC7-75514586B06A}" sibTransId="{29D45A37-84BC-47E1-9B49-C2845738FF2F}"/>
+    <dgm:cxn modelId="{792CEFDF-CD4D-4A73-928A-905CD017C834}" type="presOf" srcId="{06C7DD4D-B2F2-4F0C-A52C-89B804C81D45}" destId="{131922D8-3E6B-4212-B159-709C3C46E2D3}" srcOrd="0" destOrd="0" presId="urn:microsoft.com/office/officeart/2005/8/layout/vList2"/>
+    <dgm:cxn modelId="{7FA393EE-6437-4253-BAFE-52B4F09DE1C4}" type="presParOf" srcId="{8D1B768F-0602-4B47-A3C9-70C6B0D63E6D}" destId="{01D0E85A-B19F-41A4-8D3A-77EB2C6D1F63}" srcOrd="0" destOrd="0" presId="urn:microsoft.com/office/officeart/2005/8/layout/vList2"/>
+    <dgm:cxn modelId="{622E9C23-0290-4436-9C67-DAE30425F32F}" type="presParOf" srcId="{8D1B768F-0602-4B47-A3C9-70C6B0D63E6D}" destId="{1E411DB9-51D3-4A49-94EF-B0EA28C983DC}" srcOrd="1" destOrd="0" presId="urn:microsoft.com/office/officeart/2005/8/layout/vList2"/>
+    <dgm:cxn modelId="{DDBC480B-9B38-4576-97EE-1821B171F002}" type="presParOf" srcId="{8D1B768F-0602-4B47-A3C9-70C6B0D63E6D}" destId="{131922D8-3E6B-4212-B159-709C3C46E2D3}" srcOrd="2" destOrd="0" presId="urn:microsoft.com/office/officeart/2005/8/layout/vList2"/>
+    <dgm:cxn modelId="{868EFC04-D2B8-4BA6-9D90-6E0703411B61}" type="presParOf" srcId="{8D1B768F-0602-4B47-A3C9-70C6B0D63E6D}" destId="{A24B47DF-3203-4CBA-844D-BD33928BE02B}" srcOrd="3" destOrd="0" presId="urn:microsoft.com/office/officeart/2005/8/layout/vList2"/>
+    <dgm:cxn modelId="{644B0F16-C7E3-41D1-AF92-D1A38A9CC57E}" type="presParOf" srcId="{8D1B768F-0602-4B47-A3C9-70C6B0D63E6D}" destId="{B87B625B-1699-4DC7-9F53-48F24C871CCE}" srcOrd="4" destOrd="0" presId="urn:microsoft.com/office/officeart/2005/8/layout/vList2"/>
+    <dgm:cxn modelId="{606B3EAB-27D1-4CCA-89BE-3FCC0BC70155}" type="presParOf" srcId="{8D1B768F-0602-4B47-A3C9-70C6B0D63E6D}" destId="{EF98EFC2-276D-4654-BE4A-3502281A7AA0}" srcOrd="5" destOrd="0" presId="urn:microsoft.com/office/officeart/2005/8/layout/vList2"/>
+    <dgm:cxn modelId="{85A20E8B-4F87-4F91-A004-A96EBA7E5FB8}" type="presParOf" srcId="{8D1B768F-0602-4B47-A3C9-70C6B0D63E6D}" destId="{712C7743-2B03-4F8D-ADFD-DFA28F2925A0}" srcOrd="6" destOrd="0" presId="urn:microsoft.com/office/officeart/2005/8/layout/vList2"/>
+    <dgm:cxn modelId="{D4D7BFA1-0502-4CEF-9B69-09FF4CE3C1EF}" type="presParOf" srcId="{8D1B768F-0602-4B47-A3C9-70C6B0D63E6D}" destId="{A71EE8B5-A3BB-4E8C-ABF2-C54C407A8ED5}" srcOrd="7" destOrd="0" presId="urn:microsoft.com/office/officeart/2005/8/layout/vList2"/>
+    <dgm:cxn modelId="{3DBC3289-29F6-40C8-854C-28862D0CC10E}" type="presParOf" srcId="{8D1B768F-0602-4B47-A3C9-70C6B0D63E6D}" destId="{9E21F25A-28B1-494B-B217-00A4522BB2BB}" srcOrd="8" destOrd="0" presId="urn:microsoft.com/office/officeart/2005/8/layout/vList2"/>
+    <dgm:cxn modelId="{508532B3-F006-4969-AC4B-4B26DC675AE1}" type="presParOf" srcId="{8D1B768F-0602-4B47-A3C9-70C6B0D63E6D}" destId="{373EA1E3-56CF-4653-A862-A53713D0DE04}" srcOrd="9" destOrd="0" presId="urn:microsoft.com/office/officeart/2005/8/layout/vList2"/>
+    <dgm:cxn modelId="{11DF1AFF-8F3B-40CB-8B5E-BB7FECE33AC6}" type="presParOf" srcId="{8D1B768F-0602-4B47-A3C9-70C6B0D63E6D}" destId="{846062D9-B4A9-42DB-803C-0414C0A81B0A}" srcOrd="10" destOrd="0" presId="urn:microsoft.com/office/officeart/2005/8/layout/vList2"/>
+  </dgm:cxnLst>
+  <dgm:bg/>
+  <dgm:whole/>
+  <dgm:extLst>
+    <a:ext uri="http://schemas.microsoft.com/office/drawing/2008/diagram">
+      <dsp:dataModelExt xmlns:dsp="http://schemas.microsoft.com/office/drawing/2008/diagram" relId="rId6" minVer="http://schemas.openxmlformats.org/drawingml/2006/diagram"/>
+    </a:ext>
+  </dgm:extLst>
+</dgm:dataModel>
+</file>
+
+<file path=ppt/diagrams/data6.xml><?xml version="1.0" encoding="utf-8"?>
+<dgm:dataModel xmlns:dgm="http://schemas.openxmlformats.org/drawingml/2006/diagram" xmlns:a="http://schemas.openxmlformats.org/drawingml/2006/main">
+  <dgm:ptLst>
+    <dgm:pt modelId="{A0BA1AC4-0A78-491C-8BB7-F63154E39DC0}" type="doc">
+      <dgm:prSet loTypeId="urn:microsoft.com/office/officeart/2005/8/layout/vList2" loCatId="list" qsTypeId="urn:microsoft.com/office/officeart/2005/8/quickstyle/simple1" qsCatId="simple" csTypeId="urn:microsoft.com/office/officeart/2005/8/colors/accent1_2" csCatId="accent1" phldr="1"/>
+      <dgm:spPr/>
+      <dgm:t>
+        <a:bodyPr/>
+        <a:lstStyle/>
+        <a:p>
+          <a:endParaRPr lang="fr-FR"/>
+        </a:p>
+      </dgm:t>
+    </dgm:pt>
+    <dgm:pt modelId="{24CDB6B7-5326-4D29-B768-1CC94FB0DFD9}">
+      <dgm:prSet/>
+      <dgm:spPr/>
+      <dgm:t>
+        <a:bodyPr/>
+        <a:lstStyle/>
+        <a:p>
+          <a:r>
+            <a:rPr lang="en-GB" dirty="0"/>
+            <a:t>Demo</a:t>
+          </a:r>
+          <a:endParaRPr lang="fr-FR" dirty="0"/>
+        </a:p>
+      </dgm:t>
+    </dgm:pt>
+    <dgm:pt modelId="{E6E2B39D-5D44-490E-8F9D-B78DFFCDBD98}" type="parTrans" cxnId="{1786F23D-F9D9-4702-933B-FC83DDCFFB8A}">
+      <dgm:prSet/>
+      <dgm:spPr/>
+      <dgm:t>
+        <a:bodyPr/>
+        <a:lstStyle/>
+        <a:p>
+          <a:endParaRPr lang="fr-FR"/>
+        </a:p>
+      </dgm:t>
+    </dgm:pt>
+    <dgm:pt modelId="{47A8DACA-DD79-4123-B034-2C8A210BF838}" type="sibTrans" cxnId="{1786F23D-F9D9-4702-933B-FC83DDCFFB8A}">
+      <dgm:prSet/>
+      <dgm:spPr/>
+      <dgm:t>
+        <a:bodyPr/>
+        <a:lstStyle/>
+        <a:p>
+          <a:endParaRPr lang="fr-FR"/>
+        </a:p>
+      </dgm:t>
+    </dgm:pt>
+    <dgm:pt modelId="{723E9206-5CF5-4020-AC8C-FACD43762E63}">
+      <dgm:prSet/>
+      <dgm:spPr/>
+      <dgm:t>
+        <a:bodyPr/>
+        <a:lstStyle/>
+        <a:p>
+          <a:r>
+            <a:rPr lang="fr-FR" dirty="0" err="1"/>
+            <a:t>const</a:t>
+          </a:r>
+          <a:r>
+            <a:rPr lang="fr-FR" dirty="0"/>
+            <a:t> </a:t>
+          </a:r>
+          <a:r>
+            <a:rPr lang="fr-FR" dirty="0" err="1"/>
+            <a:t>api_url</a:t>
+          </a:r>
+          <a:r>
+            <a:rPr lang="fr-FR" dirty="0"/>
+            <a:t> = "http://api.quotable.io/</a:t>
+          </a:r>
+          <a:r>
+            <a:rPr lang="fr-FR" dirty="0" err="1"/>
+            <a:t>random</a:t>
+          </a:r>
+          <a:r>
+            <a:rPr lang="fr-FR" dirty="0"/>
+            <a:t>";</a:t>
+          </a:r>
+        </a:p>
+      </dgm:t>
+    </dgm:pt>
+    <dgm:pt modelId="{9A755513-9F88-4EF8-9EF1-62B969E6F31C}" type="parTrans" cxnId="{E0C041A4-6251-4254-8E7A-4B651A789242}">
+      <dgm:prSet/>
+      <dgm:spPr/>
+      <dgm:t>
+        <a:bodyPr/>
+        <a:lstStyle/>
+        <a:p>
+          <a:endParaRPr lang="fr-FR"/>
+        </a:p>
+      </dgm:t>
+    </dgm:pt>
+    <dgm:pt modelId="{7372C325-9630-4712-80AB-567ACC2C0CC6}" type="sibTrans" cxnId="{E0C041A4-6251-4254-8E7A-4B651A789242}">
+      <dgm:prSet/>
+      <dgm:spPr/>
+      <dgm:t>
+        <a:bodyPr/>
+        <a:lstStyle/>
+        <a:p>
+          <a:endParaRPr lang="fr-FR"/>
+        </a:p>
+      </dgm:t>
+    </dgm:pt>
+    <dgm:pt modelId="{E5C0FBB4-F765-47A7-8767-7D003E2A6942}">
+      <dgm:prSet/>
+      <dgm:spPr/>
+      <dgm:t>
+        <a:bodyPr/>
+        <a:lstStyle/>
+        <a:p>
+          <a:r>
+            <a:rPr lang="fr-FR" dirty="0" err="1"/>
+            <a:t>const</a:t>
+          </a:r>
+          <a:r>
+            <a:rPr lang="fr-FR" dirty="0"/>
+            <a:t> </a:t>
+          </a:r>
+          <a:r>
+            <a:rPr lang="fr-FR" dirty="0" err="1"/>
+            <a:t>author</a:t>
+          </a:r>
+          <a:r>
+            <a:rPr lang="fr-FR" dirty="0"/>
+            <a:t> = </a:t>
+          </a:r>
+          <a:r>
+            <a:rPr lang="fr-FR" dirty="0" err="1"/>
+            <a:t>document.querySelector</a:t>
+          </a:r>
+          <a:r>
+            <a:rPr lang="fr-FR" dirty="0"/>
+            <a:t>("#</a:t>
+          </a:r>
+          <a:r>
+            <a:rPr lang="fr-FR" dirty="0" err="1"/>
+            <a:t>author</a:t>
+          </a:r>
+          <a:r>
+            <a:rPr lang="fr-FR" dirty="0"/>
+            <a:t>");</a:t>
+          </a:r>
+        </a:p>
+      </dgm:t>
+    </dgm:pt>
+    <dgm:pt modelId="{9B9B7D39-329D-4E1A-9480-A62A9E5A4A8F}" type="parTrans" cxnId="{61B4D4DA-AB05-464F-8B22-2F8930A0743B}">
+      <dgm:prSet/>
+      <dgm:spPr/>
+      <dgm:t>
+        <a:bodyPr/>
+        <a:lstStyle/>
+        <a:p>
+          <a:endParaRPr lang="fr-FR"/>
+        </a:p>
+      </dgm:t>
+    </dgm:pt>
+    <dgm:pt modelId="{EAEF1ED0-1C2D-4B55-82DA-53D3C11DF468}" type="sibTrans" cxnId="{61B4D4DA-AB05-464F-8B22-2F8930A0743B}">
+      <dgm:prSet/>
+      <dgm:spPr/>
+      <dgm:t>
+        <a:bodyPr/>
+        <a:lstStyle/>
+        <a:p>
+          <a:endParaRPr lang="fr-FR"/>
+        </a:p>
+      </dgm:t>
+    </dgm:pt>
+    <dgm:pt modelId="{899BED28-47DD-47EA-8797-17E263D308FC}">
+      <dgm:prSet/>
+      <dgm:spPr/>
+      <dgm:t>
+        <a:bodyPr/>
+        <a:lstStyle/>
+        <a:p>
+          <a:r>
+            <a:rPr lang="fr-FR" dirty="0" err="1"/>
+            <a:t>const</a:t>
+          </a:r>
+          <a:r>
+            <a:rPr lang="fr-FR" dirty="0"/>
+            <a:t> </a:t>
+          </a:r>
+          <a:r>
+            <a:rPr lang="fr-FR" dirty="0" err="1"/>
+            <a:t>quote</a:t>
+          </a:r>
+          <a:r>
+            <a:rPr lang="fr-FR" dirty="0"/>
+            <a:t> = </a:t>
+          </a:r>
+          <a:r>
+            <a:rPr lang="fr-FR" dirty="0" err="1"/>
+            <a:t>document.querySelector</a:t>
+          </a:r>
+          <a:r>
+            <a:rPr lang="fr-FR" dirty="0"/>
+            <a:t>(".</a:t>
+          </a:r>
+          <a:r>
+            <a:rPr lang="fr-FR" dirty="0" err="1"/>
+            <a:t>blockquote</a:t>
+          </a:r>
+          <a:r>
+            <a:rPr lang="fr-FR" dirty="0"/>
+            <a:t>");</a:t>
+          </a:r>
+        </a:p>
+      </dgm:t>
+    </dgm:pt>
+    <dgm:pt modelId="{D8AD0A42-2BFE-452C-9900-5FA9163E6709}" type="parTrans" cxnId="{FDBA17E0-B8A4-4221-B68F-288471BA7562}">
+      <dgm:prSet/>
+      <dgm:spPr/>
+      <dgm:t>
+        <a:bodyPr/>
+        <a:lstStyle/>
+        <a:p>
+          <a:endParaRPr lang="fr-FR"/>
+        </a:p>
+      </dgm:t>
+    </dgm:pt>
+    <dgm:pt modelId="{3F3908C1-A6B5-4F25-95B9-D9FEF50BB1DE}" type="sibTrans" cxnId="{FDBA17E0-B8A4-4221-B68F-288471BA7562}">
+      <dgm:prSet/>
+      <dgm:spPr/>
+      <dgm:t>
+        <a:bodyPr/>
+        <a:lstStyle/>
+        <a:p>
+          <a:endParaRPr lang="fr-FR"/>
+        </a:p>
+      </dgm:t>
+    </dgm:pt>
+    <dgm:pt modelId="{57D060C4-EA02-4128-9145-D185AD8BAED3}">
+      <dgm:prSet/>
+      <dgm:spPr/>
+      <dgm:t>
+        <a:bodyPr/>
+        <a:lstStyle/>
+        <a:p>
+          <a:r>
+            <a:rPr lang="fr-FR" dirty="0" err="1"/>
+            <a:t>async</a:t>
+          </a:r>
+          <a:r>
+            <a:rPr lang="fr-FR" dirty="0"/>
+            <a:t> </a:t>
+          </a:r>
+          <a:r>
+            <a:rPr lang="fr-FR" dirty="0" err="1"/>
+            <a:t>function</a:t>
+          </a:r>
+          <a:r>
+            <a:rPr lang="fr-FR" dirty="0"/>
+            <a:t> </a:t>
+          </a:r>
+          <a:r>
+            <a:rPr lang="fr-FR" dirty="0" err="1"/>
+            <a:t>GetQuote</a:t>
+          </a:r>
+          <a:r>
+            <a:rPr lang="fr-FR" dirty="0"/>
+            <a:t>()  {</a:t>
+          </a:r>
+        </a:p>
+      </dgm:t>
+    </dgm:pt>
+    <dgm:pt modelId="{D40C9F84-4C2D-493D-98BF-6102D6FFA54F}" type="parTrans" cxnId="{FA7619D2-09DF-46A0-8673-F969CF396328}">
+      <dgm:prSet/>
+      <dgm:spPr/>
+      <dgm:t>
+        <a:bodyPr/>
+        <a:lstStyle/>
+        <a:p>
+          <a:endParaRPr lang="fr-FR"/>
+        </a:p>
+      </dgm:t>
+    </dgm:pt>
+    <dgm:pt modelId="{A59A64D6-C429-4F1F-B66B-37F4C859E297}" type="sibTrans" cxnId="{FA7619D2-09DF-46A0-8673-F969CF396328}">
+      <dgm:prSet/>
+      <dgm:spPr/>
+      <dgm:t>
+        <a:bodyPr/>
+        <a:lstStyle/>
+        <a:p>
+          <a:endParaRPr lang="fr-FR"/>
+        </a:p>
+      </dgm:t>
+    </dgm:pt>
+    <dgm:pt modelId="{BEB5D10C-30DC-4858-B55F-537571FFCD0F}">
+      <dgm:prSet/>
+      <dgm:spPr/>
+      <dgm:t>
+        <a:bodyPr/>
+        <a:lstStyle/>
+        <a:p>
+          <a:r>
+            <a:rPr lang="fr-FR" dirty="0"/>
+            <a:t> </a:t>
+          </a:r>
+          <a:r>
+            <a:rPr lang="fr-FR" dirty="0" err="1"/>
+            <a:t>const</a:t>
+          </a:r>
+          <a:r>
+            <a:rPr lang="fr-FR" dirty="0"/>
+            <a:t> </a:t>
+          </a:r>
+          <a:r>
+            <a:rPr lang="fr-FR" dirty="0" err="1"/>
+            <a:t>response</a:t>
+          </a:r>
+          <a:r>
+            <a:rPr lang="fr-FR" dirty="0"/>
+            <a:t> = </a:t>
+          </a:r>
+          <a:r>
+            <a:rPr lang="fr-FR" dirty="0" err="1"/>
+            <a:t>await</a:t>
+          </a:r>
+          <a:r>
+            <a:rPr lang="fr-FR" dirty="0"/>
+            <a:t> </a:t>
+          </a:r>
+          <a:r>
+            <a:rPr lang="fr-FR" dirty="0" err="1"/>
+            <a:t>fetch</a:t>
+          </a:r>
+          <a:r>
+            <a:rPr lang="fr-FR" dirty="0"/>
+            <a:t>("http://api.quotable.io/</a:t>
+          </a:r>
+          <a:r>
+            <a:rPr lang="fr-FR" dirty="0" err="1"/>
+            <a:t>random</a:t>
+          </a:r>
+          <a:r>
+            <a:rPr lang="fr-FR" dirty="0"/>
+            <a:t>");</a:t>
+          </a:r>
+        </a:p>
+      </dgm:t>
+    </dgm:pt>
+    <dgm:pt modelId="{9A0F573F-C20C-443A-B8D0-EA2DE851A163}" type="parTrans" cxnId="{66A69907-2B0B-4BB2-986E-B7709B5693C3}">
+      <dgm:prSet/>
+      <dgm:spPr/>
+      <dgm:t>
+        <a:bodyPr/>
+        <a:lstStyle/>
+        <a:p>
+          <a:endParaRPr lang="fr-FR"/>
+        </a:p>
+      </dgm:t>
+    </dgm:pt>
+    <dgm:pt modelId="{B72ECF99-A64B-499E-BD8F-641CCB6FEBB6}" type="sibTrans" cxnId="{66A69907-2B0B-4BB2-986E-B7709B5693C3}">
+      <dgm:prSet/>
+      <dgm:spPr/>
+      <dgm:t>
+        <a:bodyPr/>
+        <a:lstStyle/>
+        <a:p>
+          <a:endParaRPr lang="fr-FR"/>
+        </a:p>
+      </dgm:t>
+    </dgm:pt>
+    <dgm:pt modelId="{FC263D97-ED4E-47D1-96F4-FE5852F05BE5}">
+      <dgm:prSet/>
+      <dgm:spPr/>
+      <dgm:t>
+        <a:bodyPr/>
+        <a:lstStyle/>
+        <a:p>
+          <a:r>
+            <a:rPr lang="fr-FR" dirty="0"/>
+            <a:t> let data = </a:t>
+          </a:r>
+          <a:r>
+            <a:rPr lang="fr-FR" dirty="0" err="1"/>
+            <a:t>await</a:t>
+          </a:r>
+          <a:r>
+            <a:rPr lang="fr-FR" dirty="0"/>
+            <a:t> </a:t>
+          </a:r>
+          <a:r>
+            <a:rPr lang="fr-FR" dirty="0" err="1"/>
+            <a:t>response.json</a:t>
+          </a:r>
+          <a:r>
+            <a:rPr lang="fr-FR" dirty="0"/>
+            <a:t>();</a:t>
+          </a:r>
+        </a:p>
+      </dgm:t>
+    </dgm:pt>
+    <dgm:pt modelId="{BC20C9B1-214C-448F-B365-2FA24321FD47}" type="parTrans" cxnId="{6A020139-5758-4BC6-9982-24B5B78BC3A8}">
+      <dgm:prSet/>
+      <dgm:spPr/>
+      <dgm:t>
+        <a:bodyPr/>
+        <a:lstStyle/>
+        <a:p>
+          <a:endParaRPr lang="fr-FR"/>
+        </a:p>
+      </dgm:t>
+    </dgm:pt>
+    <dgm:pt modelId="{BF2E6DFE-3208-45C2-9727-E0997420FCB5}" type="sibTrans" cxnId="{6A020139-5758-4BC6-9982-24B5B78BC3A8}">
+      <dgm:prSet/>
+      <dgm:spPr/>
+      <dgm:t>
+        <a:bodyPr/>
+        <a:lstStyle/>
+        <a:p>
+          <a:endParaRPr lang="fr-FR"/>
+        </a:p>
+      </dgm:t>
+    </dgm:pt>
+    <dgm:pt modelId="{744F1744-E0E4-4C07-8021-C6BBDDF38B4C}">
+      <dgm:prSet/>
+      <dgm:spPr/>
+      <dgm:t>
+        <a:bodyPr/>
+        <a:lstStyle/>
+        <a:p>
+          <a:r>
+            <a:rPr lang="fr-FR"/>
+            <a:t> quote.innerHTML = data.content;</a:t>
+          </a:r>
+        </a:p>
+      </dgm:t>
+    </dgm:pt>
+    <dgm:pt modelId="{07EBCEB9-1AC9-4AC7-98A7-909DC85A870C}" type="parTrans" cxnId="{065DC95C-00B1-4695-B156-5AE656A40CA2}">
+      <dgm:prSet/>
+      <dgm:spPr/>
+      <dgm:t>
+        <a:bodyPr/>
+        <a:lstStyle/>
+        <a:p>
+          <a:endParaRPr lang="fr-FR"/>
+        </a:p>
+      </dgm:t>
+    </dgm:pt>
+    <dgm:pt modelId="{3C5CD6D9-3F67-470E-8D1D-483B0C1D2EA7}" type="sibTrans" cxnId="{065DC95C-00B1-4695-B156-5AE656A40CA2}">
+      <dgm:prSet/>
+      <dgm:spPr/>
+      <dgm:t>
+        <a:bodyPr/>
+        <a:lstStyle/>
+        <a:p>
+          <a:endParaRPr lang="fr-FR"/>
+        </a:p>
+      </dgm:t>
+    </dgm:pt>
+    <dgm:pt modelId="{003F7B99-26FC-4F37-A8D1-ACA2C3A76DD3}">
+      <dgm:prSet/>
+      <dgm:spPr/>
+      <dgm:t>
+        <a:bodyPr/>
+        <a:lstStyle/>
+        <a:p>
+          <a:r>
+            <a:rPr lang="fr-FR" dirty="0"/>
+            <a:t> </a:t>
+          </a:r>
+          <a:r>
+            <a:rPr lang="fr-FR" dirty="0" err="1"/>
+            <a:t>author.innerHTML</a:t>
+          </a:r>
+          <a:r>
+            <a:rPr lang="fr-FR" dirty="0"/>
+            <a:t> = </a:t>
+          </a:r>
+          <a:r>
+            <a:rPr lang="fr-FR" dirty="0" err="1"/>
+            <a:t>data.author</a:t>
+          </a:r>
+          <a:r>
+            <a:rPr lang="fr-FR" dirty="0"/>
+            <a:t>; };</a:t>
+          </a:r>
+        </a:p>
+      </dgm:t>
+    </dgm:pt>
+    <dgm:pt modelId="{7B7EBE2F-CE8E-44C9-87CC-9EC546FC5041}" type="parTrans" cxnId="{E1F8A4A0-B967-4A4F-A80F-8FA794BDA3F2}">
+      <dgm:prSet/>
+      <dgm:spPr/>
+      <dgm:t>
+        <a:bodyPr/>
+        <a:lstStyle/>
+        <a:p>
+          <a:endParaRPr lang="fr-FR"/>
+        </a:p>
+      </dgm:t>
+    </dgm:pt>
+    <dgm:pt modelId="{B6B6A040-1390-4825-8DF5-4273D39124BB}" type="sibTrans" cxnId="{E1F8A4A0-B967-4A4F-A80F-8FA794BDA3F2}">
+      <dgm:prSet/>
+      <dgm:spPr/>
+      <dgm:t>
+        <a:bodyPr/>
+        <a:lstStyle/>
+        <a:p>
+          <a:endParaRPr lang="fr-FR"/>
+        </a:p>
+      </dgm:t>
+    </dgm:pt>
+    <dgm:pt modelId="{3FA87FB5-D23D-4CAE-8339-2A65193E6578}">
+      <dgm:prSet/>
+      <dgm:spPr/>
+      <dgm:t>
+        <a:bodyPr/>
+        <a:lstStyle/>
+        <a:p>
+          <a:r>
+            <a:rPr lang="fr-FR" dirty="0" err="1"/>
+            <a:t>GetQuote</a:t>
+          </a:r>
+          <a:r>
+            <a:rPr lang="fr-FR" dirty="0"/>
+            <a:t>();</a:t>
+          </a:r>
+        </a:p>
+      </dgm:t>
+    </dgm:pt>
+    <dgm:pt modelId="{90614278-A818-4744-B590-28CC630C5604}" type="parTrans" cxnId="{19D8A4FF-2F72-4A9D-A923-6A686C570A9D}">
+      <dgm:prSet/>
+      <dgm:spPr/>
+      <dgm:t>
+        <a:bodyPr/>
+        <a:lstStyle/>
+        <a:p>
+          <a:endParaRPr lang="fr-FR"/>
+        </a:p>
+      </dgm:t>
+    </dgm:pt>
+    <dgm:pt modelId="{FB84F8A5-6C88-4C29-80C5-E108481CF186}" type="sibTrans" cxnId="{19D8A4FF-2F72-4A9D-A923-6A686C570A9D}">
+      <dgm:prSet/>
+      <dgm:spPr/>
+      <dgm:t>
+        <a:bodyPr/>
+        <a:lstStyle/>
+        <a:p>
+          <a:endParaRPr lang="fr-FR"/>
+        </a:p>
+      </dgm:t>
+    </dgm:pt>
+    <dgm:pt modelId="{8D1B768F-0602-4B47-A3C9-70C6B0D63E6D}" type="pres">
+      <dgm:prSet presAssocID="{A0BA1AC4-0A78-491C-8BB7-F63154E39DC0}" presName="linear" presStyleCnt="0">
+        <dgm:presLayoutVars>
+          <dgm:animLvl val="lvl"/>
+          <dgm:resizeHandles val="exact"/>
+        </dgm:presLayoutVars>
+      </dgm:prSet>
+      <dgm:spPr/>
+    </dgm:pt>
+    <dgm:pt modelId="{3A72F8D2-CCCA-4AF6-87C2-B7EF07E4763F}" type="pres">
+      <dgm:prSet presAssocID="{24CDB6B7-5326-4D29-B768-1CC94FB0DFD9}" presName="parentText" presStyleLbl="node1" presStyleIdx="0" presStyleCnt="1">
+        <dgm:presLayoutVars>
+          <dgm:chMax val="0"/>
+          <dgm:bulletEnabled val="1"/>
+        </dgm:presLayoutVars>
+      </dgm:prSet>
+      <dgm:spPr/>
+    </dgm:pt>
+    <dgm:pt modelId="{4AF5422F-198F-4234-8F54-9409FE6A72FC}" type="pres">
+      <dgm:prSet presAssocID="{24CDB6B7-5326-4D29-B768-1CC94FB0DFD9}" presName="childText" presStyleLbl="revTx" presStyleIdx="0" presStyleCnt="1">
+        <dgm:presLayoutVars>
+          <dgm:bulletEnabled val="1"/>
+        </dgm:presLayoutVars>
+      </dgm:prSet>
+      <dgm:spPr/>
+    </dgm:pt>
+  </dgm:ptLst>
+  <dgm:cxnLst>
+    <dgm:cxn modelId="{66A69907-2B0B-4BB2-986E-B7709B5693C3}" srcId="{24CDB6B7-5326-4D29-B768-1CC94FB0DFD9}" destId="{BEB5D10C-30DC-4858-B55F-537571FFCD0F}" srcOrd="4" destOrd="0" parTransId="{9A0F573F-C20C-443A-B8D0-EA2DE851A163}" sibTransId="{B72ECF99-A64B-499E-BD8F-641CCB6FEBB6}"/>
+    <dgm:cxn modelId="{6A020139-5758-4BC6-9982-24B5B78BC3A8}" srcId="{24CDB6B7-5326-4D29-B768-1CC94FB0DFD9}" destId="{FC263D97-ED4E-47D1-96F4-FE5852F05BE5}" srcOrd="5" destOrd="0" parTransId="{BC20C9B1-214C-448F-B365-2FA24321FD47}" sibTransId="{BF2E6DFE-3208-45C2-9727-E0997420FCB5}"/>
+    <dgm:cxn modelId="{1786F23D-F9D9-4702-933B-FC83DDCFFB8A}" srcId="{A0BA1AC4-0A78-491C-8BB7-F63154E39DC0}" destId="{24CDB6B7-5326-4D29-B768-1CC94FB0DFD9}" srcOrd="0" destOrd="0" parTransId="{E6E2B39D-5D44-490E-8F9D-B78DFFCDBD98}" sibTransId="{47A8DACA-DD79-4123-B034-2C8A210BF838}"/>
+    <dgm:cxn modelId="{065DC95C-00B1-4695-B156-5AE656A40CA2}" srcId="{24CDB6B7-5326-4D29-B768-1CC94FB0DFD9}" destId="{744F1744-E0E4-4C07-8021-C6BBDDF38B4C}" srcOrd="6" destOrd="0" parTransId="{07EBCEB9-1AC9-4AC7-98A7-909DC85A870C}" sibTransId="{3C5CD6D9-3F67-470E-8D1D-483B0C1D2EA7}"/>
+    <dgm:cxn modelId="{33255242-D98C-432D-9014-8AC0B6277FED}" type="presOf" srcId="{57D060C4-EA02-4128-9145-D185AD8BAED3}" destId="{4AF5422F-198F-4234-8F54-9409FE6A72FC}" srcOrd="0" destOrd="3" presId="urn:microsoft.com/office/officeart/2005/8/layout/vList2"/>
+    <dgm:cxn modelId="{ADEF9F6E-6FB3-448E-A651-329BAE74B044}" type="presOf" srcId="{E5C0FBB4-F765-47A7-8767-7D003E2A6942}" destId="{4AF5422F-198F-4234-8F54-9409FE6A72FC}" srcOrd="0" destOrd="1" presId="urn:microsoft.com/office/officeart/2005/8/layout/vList2"/>
+    <dgm:cxn modelId="{C2E27074-E896-4CEB-9B51-D1A5B71A64A5}" type="presOf" srcId="{723E9206-5CF5-4020-AC8C-FACD43762E63}" destId="{4AF5422F-198F-4234-8F54-9409FE6A72FC}" srcOrd="0" destOrd="0" presId="urn:microsoft.com/office/officeart/2005/8/layout/vList2"/>
+    <dgm:cxn modelId="{541E817A-4773-430C-B66D-3653C7CA8CDC}" type="presOf" srcId="{3FA87FB5-D23D-4CAE-8339-2A65193E6578}" destId="{4AF5422F-198F-4234-8F54-9409FE6A72FC}" srcOrd="0" destOrd="8" presId="urn:microsoft.com/office/officeart/2005/8/layout/vList2"/>
+    <dgm:cxn modelId="{5A31F18D-0671-413F-ADAE-3B4BD3057E3B}" type="presOf" srcId="{FC263D97-ED4E-47D1-96F4-FE5852F05BE5}" destId="{4AF5422F-198F-4234-8F54-9409FE6A72FC}" srcOrd="0" destOrd="5" presId="urn:microsoft.com/office/officeart/2005/8/layout/vList2"/>
+    <dgm:cxn modelId="{FEA8AC9A-65BA-424D-B8AD-D08E3E4ECB67}" type="presOf" srcId="{899BED28-47DD-47EA-8797-17E263D308FC}" destId="{4AF5422F-198F-4234-8F54-9409FE6A72FC}" srcOrd="0" destOrd="2" presId="urn:microsoft.com/office/officeart/2005/8/layout/vList2"/>
+    <dgm:cxn modelId="{8A2A2F9D-8471-47DF-8669-FA55D17B7EAC}" type="presOf" srcId="{24CDB6B7-5326-4D29-B768-1CC94FB0DFD9}" destId="{3A72F8D2-CCCA-4AF6-87C2-B7EF07E4763F}" srcOrd="0" destOrd="0" presId="urn:microsoft.com/office/officeart/2005/8/layout/vList2"/>
+    <dgm:cxn modelId="{E1F8A4A0-B967-4A4F-A80F-8FA794BDA3F2}" srcId="{24CDB6B7-5326-4D29-B768-1CC94FB0DFD9}" destId="{003F7B99-26FC-4F37-A8D1-ACA2C3A76DD3}" srcOrd="7" destOrd="0" parTransId="{7B7EBE2F-CE8E-44C9-87CC-9EC546FC5041}" sibTransId="{B6B6A040-1390-4825-8DF5-4273D39124BB}"/>
+    <dgm:cxn modelId="{E0C041A4-6251-4254-8E7A-4B651A789242}" srcId="{24CDB6B7-5326-4D29-B768-1CC94FB0DFD9}" destId="{723E9206-5CF5-4020-AC8C-FACD43762E63}" srcOrd="0" destOrd="0" parTransId="{9A755513-9F88-4EF8-9EF1-62B969E6F31C}" sibTransId="{7372C325-9630-4712-80AB-567ACC2C0CC6}"/>
+    <dgm:cxn modelId="{7895FEAB-0797-4E3F-80A4-9B926B46D5EF}" type="presOf" srcId="{BEB5D10C-30DC-4858-B55F-537571FFCD0F}" destId="{4AF5422F-198F-4234-8F54-9409FE6A72FC}" srcOrd="0" destOrd="4" presId="urn:microsoft.com/office/officeart/2005/8/layout/vList2"/>
+    <dgm:cxn modelId="{9126C7C7-6A6B-4AB5-862B-D7928F22DF27}" type="presOf" srcId="{A0BA1AC4-0A78-491C-8BB7-F63154E39DC0}" destId="{8D1B768F-0602-4B47-A3C9-70C6B0D63E6D}" srcOrd="0" destOrd="0" presId="urn:microsoft.com/office/officeart/2005/8/layout/vList2"/>
+    <dgm:cxn modelId="{FA7619D2-09DF-46A0-8673-F969CF396328}" srcId="{24CDB6B7-5326-4D29-B768-1CC94FB0DFD9}" destId="{57D060C4-EA02-4128-9145-D185AD8BAED3}" srcOrd="3" destOrd="0" parTransId="{D40C9F84-4C2D-493D-98BF-6102D6FFA54F}" sibTransId="{A59A64D6-C429-4F1F-B66B-37F4C859E297}"/>
+    <dgm:cxn modelId="{61B4D4DA-AB05-464F-8B22-2F8930A0743B}" srcId="{24CDB6B7-5326-4D29-B768-1CC94FB0DFD9}" destId="{E5C0FBB4-F765-47A7-8767-7D003E2A6942}" srcOrd="1" destOrd="0" parTransId="{9B9B7D39-329D-4E1A-9480-A62A9E5A4A8F}" sibTransId="{EAEF1ED0-1C2D-4B55-82DA-53D3C11DF468}"/>
+    <dgm:cxn modelId="{FDBA17E0-B8A4-4221-B68F-288471BA7562}" srcId="{24CDB6B7-5326-4D29-B768-1CC94FB0DFD9}" destId="{899BED28-47DD-47EA-8797-17E263D308FC}" srcOrd="2" destOrd="0" parTransId="{D8AD0A42-2BFE-452C-9900-5FA9163E6709}" sibTransId="{3F3908C1-A6B5-4F25-95B9-D9FEF50BB1DE}"/>
+    <dgm:cxn modelId="{2B10ADEF-EA16-45E5-99BB-8E47CEDB05D6}" type="presOf" srcId="{744F1744-E0E4-4C07-8021-C6BBDDF38B4C}" destId="{4AF5422F-198F-4234-8F54-9409FE6A72FC}" srcOrd="0" destOrd="6" presId="urn:microsoft.com/office/officeart/2005/8/layout/vList2"/>
+    <dgm:cxn modelId="{18E9FCEF-E2BE-4BA1-9AAD-F91A4713D47D}" type="presOf" srcId="{003F7B99-26FC-4F37-A8D1-ACA2C3A76DD3}" destId="{4AF5422F-198F-4234-8F54-9409FE6A72FC}" srcOrd="0" destOrd="7" presId="urn:microsoft.com/office/officeart/2005/8/layout/vList2"/>
+    <dgm:cxn modelId="{19D8A4FF-2F72-4A9D-A923-6A686C570A9D}" srcId="{24CDB6B7-5326-4D29-B768-1CC94FB0DFD9}" destId="{3FA87FB5-D23D-4CAE-8339-2A65193E6578}" srcOrd="8" destOrd="0" parTransId="{90614278-A818-4744-B590-28CC630C5604}" sibTransId="{FB84F8A5-6C88-4C29-80C5-E108481CF186}"/>
+    <dgm:cxn modelId="{670D1415-8BD2-4DA0-9B76-ED3867CB9E8F}" type="presParOf" srcId="{8D1B768F-0602-4B47-A3C9-70C6B0D63E6D}" destId="{3A72F8D2-CCCA-4AF6-87C2-B7EF07E4763F}" srcOrd="0" destOrd="0" presId="urn:microsoft.com/office/officeart/2005/8/layout/vList2"/>
+    <dgm:cxn modelId="{B68A19F2-37F7-4558-AAEE-F5C406F95A25}" type="presParOf" srcId="{8D1B768F-0602-4B47-A3C9-70C6B0D63E6D}" destId="{4AF5422F-198F-4234-8F54-9409FE6A72FC}" srcOrd="1" destOrd="0" presId="urn:microsoft.com/office/officeart/2005/8/layout/vList2"/>
+  </dgm:cxnLst>
+  <dgm:bg/>
+  <dgm:whole/>
+  <dgm:extLst>
+    <a:ext uri="http://schemas.microsoft.com/office/drawing/2008/diagram">
+      <dsp:dataModelExt xmlns:dsp="http://schemas.microsoft.com/office/drawing/2008/diagram" relId="rId6" minVer="http://schemas.openxmlformats.org/drawingml/2006/diagram"/>
+    </a:ext>
+  </dgm:extLst>
+</dgm:dataModel>
+</file>
+
+<file path=ppt/diagrams/data7.xml><?xml version="1.0" encoding="utf-8"?>
 <dgm:dataModel xmlns:dgm="http://schemas.openxmlformats.org/drawingml/2006/diagram" xmlns:a="http://schemas.openxmlformats.org/drawingml/2006/main">
   <dgm:ptLst>
     <dgm:pt modelId="{39197549-F3AA-4C5C-8722-83CEE70098E0}" type="doc">
@@ -5320,15 +7466,7 @@
           </a:pPr>
           <a:r>
             <a:rPr lang="en-GB" sz="3800" kern="1200" dirty="0"/>
-            <a:t>Developing a </a:t>
-          </a:r>
-          <a:r>
-            <a:rPr lang="en-GB" sz="3800" kern="1200" dirty="0" err="1"/>
-            <a:t>todo</a:t>
-          </a:r>
-          <a:r>
-            <a:rPr lang="en-GB" sz="3800" kern="1200" dirty="0"/>
-            <a:t> app with JS and Bootstrap5</a:t>
+            <a:t>Developing a quote generator app with JS fetch</a:t>
           </a:r>
           <a:endParaRPr lang="fr-FR" sz="3800" kern="1200" dirty="0"/>
         </a:p>
@@ -5410,7 +7548,7 @@
           </a:r>
           <a:r>
             <a:rPr lang="en-GB" sz="3800" kern="1200" dirty="0"/>
-            <a:t> desktop - pull requests</a:t>
+            <a:t> desktop</a:t>
           </a:r>
           <a:endParaRPr lang="fr-FR" sz="3800" kern="1200" dirty="0"/>
         </a:p>
@@ -5488,7 +7626,7 @@
           </a:pPr>
           <a:r>
             <a:rPr lang="en-GB" sz="3800" kern="1200" dirty="0"/>
-            <a:t>Homework assignment explanation</a:t>
+            <a:t>Homework done check</a:t>
           </a:r>
           <a:endParaRPr lang="fr-FR" sz="3800" kern="1200" dirty="0"/>
         </a:p>
@@ -5503,542 +7641,6 @@
 </file>
 
 <file path=ppt/diagrams/drawing2.xml><?xml version="1.0" encoding="utf-8"?>
-<dsp:drawing xmlns:dgm="http://schemas.openxmlformats.org/drawingml/2006/diagram" xmlns:dsp="http://schemas.microsoft.com/office/drawing/2008/diagram" xmlns:a="http://schemas.openxmlformats.org/drawingml/2006/main">
-  <dsp:spTree>
-    <dsp:nvGrpSpPr>
-      <dsp:cNvPr id="0" name=""/>
-      <dsp:cNvGrpSpPr/>
-    </dsp:nvGrpSpPr>
-    <dsp:grpSpPr/>
-    <dsp:sp modelId="{9318A06C-DA59-47D7-B4F1-A96325CD669C}">
-      <dsp:nvSpPr>
-        <dsp:cNvPr id="0" name=""/>
-        <dsp:cNvSpPr/>
-      </dsp:nvSpPr>
-      <dsp:spPr>
-        <a:xfrm>
-          <a:off x="754379" y="0"/>
-          <a:ext cx="8549640" cy="4022725"/>
-        </a:xfrm>
-        <a:prstGeom prst="rightArrow">
-          <a:avLst/>
-        </a:prstGeom>
-        <a:solidFill>
-          <a:schemeClr val="accent1">
-            <a:tint val="40000"/>
-            <a:hueOff val="0"/>
-            <a:satOff val="0"/>
-            <a:lumOff val="0"/>
-            <a:alphaOff val="0"/>
-          </a:schemeClr>
-        </a:solidFill>
-        <a:ln>
-          <a:noFill/>
-        </a:ln>
-        <a:effectLst/>
-      </dsp:spPr>
-      <dsp:style>
-        <a:lnRef idx="0">
-          <a:scrgbClr r="0" g="0" b="0"/>
-        </a:lnRef>
-        <a:fillRef idx="1">
-          <a:scrgbClr r="0" g="0" b="0"/>
-        </a:fillRef>
-        <a:effectRef idx="0">
-          <a:scrgbClr r="0" g="0" b="0"/>
-        </a:effectRef>
-        <a:fontRef idx="minor"/>
-      </dsp:style>
-    </dsp:sp>
-    <dsp:sp modelId="{F07C9E71-2D40-48D8-A937-D4F7E581F0F4}">
-      <dsp:nvSpPr>
-        <dsp:cNvPr id="0" name=""/>
-        <dsp:cNvSpPr/>
-      </dsp:nvSpPr>
-      <dsp:spPr>
-        <a:xfrm>
-          <a:off x="4420" y="1206817"/>
-          <a:ext cx="1932607" cy="1609090"/>
-        </a:xfrm>
-        <a:prstGeom prst="roundRect">
-          <a:avLst/>
-        </a:prstGeom>
-        <a:solidFill>
-          <a:schemeClr val="accent1">
-            <a:hueOff val="0"/>
-            <a:satOff val="0"/>
-            <a:lumOff val="0"/>
-            <a:alphaOff val="0"/>
-          </a:schemeClr>
-        </a:solidFill>
-        <a:ln w="15875" cap="flat" cmpd="sng" algn="ctr">
-          <a:solidFill>
-            <a:schemeClr val="lt1">
-              <a:hueOff val="0"/>
-              <a:satOff val="0"/>
-              <a:lumOff val="0"/>
-              <a:alphaOff val="0"/>
-            </a:schemeClr>
-          </a:solidFill>
-          <a:prstDash val="solid"/>
-        </a:ln>
-        <a:effectLst/>
-      </dsp:spPr>
-      <dsp:style>
-        <a:lnRef idx="2">
-          <a:scrgbClr r="0" g="0" b="0"/>
-        </a:lnRef>
-        <a:fillRef idx="1">
-          <a:scrgbClr r="0" g="0" b="0"/>
-        </a:fillRef>
-        <a:effectRef idx="0">
-          <a:scrgbClr r="0" g="0" b="0"/>
-        </a:effectRef>
-        <a:fontRef idx="minor">
-          <a:schemeClr val="lt1"/>
-        </a:fontRef>
-      </dsp:style>
-      <dsp:txBody>
-        <a:bodyPr spcFirstLastPara="0" vert="horz" wrap="square" lIns="72390" tIns="72390" rIns="72390" bIns="72390" numCol="1" spcCol="1270" anchor="ctr" anchorCtr="0">
-          <a:noAutofit/>
-        </a:bodyPr>
-        <a:lstStyle/>
-        <a:p>
-          <a:pPr marL="0" lvl="0" indent="0" algn="ctr" defTabSz="844550">
-            <a:lnSpc>
-              <a:spcPct val="90000"/>
-            </a:lnSpc>
-            <a:spcBef>
-              <a:spcPct val="0"/>
-            </a:spcBef>
-            <a:spcAft>
-              <a:spcPct val="35000"/>
-            </a:spcAft>
-            <a:buNone/>
-          </a:pPr>
-          <a:r>
-            <a:rPr lang="en-GB" sz="1900" kern="1200"/>
-            <a:t>Learn syntax</a:t>
-          </a:r>
-          <a:endParaRPr lang="fr-FR" sz="1900" kern="1200"/>
-        </a:p>
-      </dsp:txBody>
-      <dsp:txXfrm>
-        <a:off x="82969" y="1285366"/>
-        <a:ext cx="1775509" cy="1451992"/>
-      </dsp:txXfrm>
-    </dsp:sp>
-    <dsp:sp modelId="{937F17FD-A9A5-4A65-9F23-9BD4D0351EEE}">
-      <dsp:nvSpPr>
-        <dsp:cNvPr id="0" name=""/>
-        <dsp:cNvSpPr/>
-      </dsp:nvSpPr>
-      <dsp:spPr>
-        <a:xfrm>
-          <a:off x="2033658" y="1206817"/>
-          <a:ext cx="1932607" cy="1609090"/>
-        </a:xfrm>
-        <a:prstGeom prst="roundRect">
-          <a:avLst/>
-        </a:prstGeom>
-        <a:solidFill>
-          <a:schemeClr val="accent1">
-            <a:hueOff val="0"/>
-            <a:satOff val="0"/>
-            <a:lumOff val="0"/>
-            <a:alphaOff val="0"/>
-          </a:schemeClr>
-        </a:solidFill>
-        <a:ln w="15875" cap="flat" cmpd="sng" algn="ctr">
-          <a:solidFill>
-            <a:schemeClr val="lt1">
-              <a:hueOff val="0"/>
-              <a:satOff val="0"/>
-              <a:lumOff val="0"/>
-              <a:alphaOff val="0"/>
-            </a:schemeClr>
-          </a:solidFill>
-          <a:prstDash val="solid"/>
-        </a:ln>
-        <a:effectLst/>
-      </dsp:spPr>
-      <dsp:style>
-        <a:lnRef idx="2">
-          <a:scrgbClr r="0" g="0" b="0"/>
-        </a:lnRef>
-        <a:fillRef idx="1">
-          <a:scrgbClr r="0" g="0" b="0"/>
-        </a:fillRef>
-        <a:effectRef idx="0">
-          <a:scrgbClr r="0" g="0" b="0"/>
-        </a:effectRef>
-        <a:fontRef idx="minor">
-          <a:schemeClr val="lt1"/>
-        </a:fontRef>
-      </dsp:style>
-      <dsp:txBody>
-        <a:bodyPr spcFirstLastPara="0" vert="horz" wrap="square" lIns="72390" tIns="72390" rIns="72390" bIns="72390" numCol="1" spcCol="1270" anchor="ctr" anchorCtr="0">
-          <a:noAutofit/>
-        </a:bodyPr>
-        <a:lstStyle/>
-        <a:p>
-          <a:pPr marL="0" lvl="0" indent="0" algn="ctr" defTabSz="844550">
-            <a:lnSpc>
-              <a:spcPct val="90000"/>
-            </a:lnSpc>
-            <a:spcBef>
-              <a:spcPct val="0"/>
-            </a:spcBef>
-            <a:spcAft>
-              <a:spcPct val="35000"/>
-            </a:spcAft>
-            <a:buNone/>
-          </a:pPr>
-          <a:r>
-            <a:rPr lang="en-GB" sz="1900" kern="1200" dirty="0"/>
-            <a:t>Get Certified Online</a:t>
-          </a:r>
-          <a:endParaRPr lang="fr-FR" sz="1900" kern="1200" dirty="0"/>
-        </a:p>
-      </dsp:txBody>
-      <dsp:txXfrm>
-        <a:off x="2112207" y="1285366"/>
-        <a:ext cx="1775509" cy="1451992"/>
-      </dsp:txXfrm>
-    </dsp:sp>
-    <dsp:sp modelId="{597C6813-0B97-4A21-A364-DE9F23EB31CC}">
-      <dsp:nvSpPr>
-        <dsp:cNvPr id="0" name=""/>
-        <dsp:cNvSpPr/>
-      </dsp:nvSpPr>
-      <dsp:spPr>
-        <a:xfrm>
-          <a:off x="4062896" y="1206817"/>
-          <a:ext cx="1932607" cy="1609090"/>
-        </a:xfrm>
-        <a:prstGeom prst="roundRect">
-          <a:avLst/>
-        </a:prstGeom>
-        <a:solidFill>
-          <a:schemeClr val="accent1">
-            <a:hueOff val="0"/>
-            <a:satOff val="0"/>
-            <a:lumOff val="0"/>
-            <a:alphaOff val="0"/>
-          </a:schemeClr>
-        </a:solidFill>
-        <a:ln w="15875" cap="flat" cmpd="sng" algn="ctr">
-          <a:solidFill>
-            <a:schemeClr val="lt1">
-              <a:hueOff val="0"/>
-              <a:satOff val="0"/>
-              <a:lumOff val="0"/>
-              <a:alphaOff val="0"/>
-            </a:schemeClr>
-          </a:solidFill>
-          <a:prstDash val="solid"/>
-        </a:ln>
-        <a:effectLst/>
-      </dsp:spPr>
-      <dsp:style>
-        <a:lnRef idx="2">
-          <a:scrgbClr r="0" g="0" b="0"/>
-        </a:lnRef>
-        <a:fillRef idx="1">
-          <a:scrgbClr r="0" g="0" b="0"/>
-        </a:fillRef>
-        <a:effectRef idx="0">
-          <a:scrgbClr r="0" g="0" b="0"/>
-        </a:effectRef>
-        <a:fontRef idx="minor">
-          <a:schemeClr val="lt1"/>
-        </a:fontRef>
-      </dsp:style>
-      <dsp:txBody>
-        <a:bodyPr spcFirstLastPara="0" vert="horz" wrap="square" lIns="72390" tIns="72390" rIns="72390" bIns="72390" numCol="1" spcCol="1270" anchor="ctr" anchorCtr="0">
-          <a:noAutofit/>
-        </a:bodyPr>
-        <a:lstStyle/>
-        <a:p>
-          <a:pPr marL="0" lvl="0" indent="0" algn="ctr" defTabSz="844550">
-            <a:lnSpc>
-              <a:spcPct val="90000"/>
-            </a:lnSpc>
-            <a:spcBef>
-              <a:spcPct val="0"/>
-            </a:spcBef>
-            <a:spcAft>
-              <a:spcPct val="35000"/>
-            </a:spcAft>
-            <a:buNone/>
-          </a:pPr>
-          <a:r>
-            <a:rPr lang="en-GB" sz="1900" kern="1200" dirty="0"/>
-            <a:t>Do Projects To build portfolio</a:t>
-          </a:r>
-          <a:endParaRPr lang="fr-FR" sz="1900" kern="1200" dirty="0"/>
-        </a:p>
-      </dsp:txBody>
-      <dsp:txXfrm>
-        <a:off x="4141445" y="1285366"/>
-        <a:ext cx="1775509" cy="1451992"/>
-      </dsp:txXfrm>
-    </dsp:sp>
-    <dsp:sp modelId="{3230935B-8D15-47BC-977F-2D75D3251827}">
-      <dsp:nvSpPr>
-        <dsp:cNvPr id="0" name=""/>
-        <dsp:cNvSpPr/>
-      </dsp:nvSpPr>
-      <dsp:spPr>
-        <a:xfrm>
-          <a:off x="6092134" y="1206817"/>
-          <a:ext cx="1932607" cy="1609090"/>
-        </a:xfrm>
-        <a:prstGeom prst="roundRect">
-          <a:avLst/>
-        </a:prstGeom>
-        <a:solidFill>
-          <a:schemeClr val="accent1">
-            <a:hueOff val="0"/>
-            <a:satOff val="0"/>
-            <a:lumOff val="0"/>
-            <a:alphaOff val="0"/>
-          </a:schemeClr>
-        </a:solidFill>
-        <a:ln w="15875" cap="flat" cmpd="sng" algn="ctr">
-          <a:solidFill>
-            <a:schemeClr val="lt1">
-              <a:hueOff val="0"/>
-              <a:satOff val="0"/>
-              <a:lumOff val="0"/>
-              <a:alphaOff val="0"/>
-            </a:schemeClr>
-          </a:solidFill>
-          <a:prstDash val="solid"/>
-        </a:ln>
-        <a:effectLst/>
-      </dsp:spPr>
-      <dsp:style>
-        <a:lnRef idx="2">
-          <a:scrgbClr r="0" g="0" b="0"/>
-        </a:lnRef>
-        <a:fillRef idx="1">
-          <a:scrgbClr r="0" g="0" b="0"/>
-        </a:fillRef>
-        <a:effectRef idx="0">
-          <a:scrgbClr r="0" g="0" b="0"/>
-        </a:effectRef>
-        <a:fontRef idx="minor">
-          <a:schemeClr val="lt1"/>
-        </a:fontRef>
-      </dsp:style>
-      <dsp:txBody>
-        <a:bodyPr spcFirstLastPara="0" vert="horz" wrap="square" lIns="72390" tIns="72390" rIns="72390" bIns="72390" numCol="1" spcCol="1270" anchor="ctr" anchorCtr="0">
-          <a:noAutofit/>
-        </a:bodyPr>
-        <a:lstStyle/>
-        <a:p>
-          <a:pPr marL="0" lvl="0" indent="0" algn="ctr" defTabSz="844550">
-            <a:lnSpc>
-              <a:spcPct val="90000"/>
-            </a:lnSpc>
-            <a:spcBef>
-              <a:spcPct val="0"/>
-            </a:spcBef>
-            <a:spcAft>
-              <a:spcPct val="35000"/>
-            </a:spcAft>
-            <a:buNone/>
-          </a:pPr>
-          <a:r>
-            <a:rPr lang="en-GB" sz="1900" kern="1200" dirty="0"/>
-            <a:t>Internship with </a:t>
-          </a:r>
-          <a:r>
-            <a:rPr lang="en-GB" sz="1900" kern="1200" dirty="0" err="1"/>
-            <a:t>CodeMentorMU</a:t>
-          </a:r>
-          <a:endParaRPr lang="fr-FR" sz="1900" kern="1200" dirty="0"/>
-        </a:p>
-      </dsp:txBody>
-      <dsp:txXfrm>
-        <a:off x="6170683" y="1285366"/>
-        <a:ext cx="1775509" cy="1451992"/>
-      </dsp:txXfrm>
-    </dsp:sp>
-    <dsp:sp modelId="{05F48C9F-06F4-4DEF-A939-0DBEABE97764}">
-      <dsp:nvSpPr>
-        <dsp:cNvPr id="0" name=""/>
-        <dsp:cNvSpPr/>
-      </dsp:nvSpPr>
-      <dsp:spPr>
-        <a:xfrm>
-          <a:off x="8121372" y="1206817"/>
-          <a:ext cx="1932607" cy="1609090"/>
-        </a:xfrm>
-        <a:prstGeom prst="roundRect">
-          <a:avLst/>
-        </a:prstGeom>
-        <a:solidFill>
-          <a:schemeClr val="accent1">
-            <a:hueOff val="0"/>
-            <a:satOff val="0"/>
-            <a:lumOff val="0"/>
-            <a:alphaOff val="0"/>
-          </a:schemeClr>
-        </a:solidFill>
-        <a:ln w="15875" cap="flat" cmpd="sng" algn="ctr">
-          <a:solidFill>
-            <a:schemeClr val="lt1">
-              <a:hueOff val="0"/>
-              <a:satOff val="0"/>
-              <a:lumOff val="0"/>
-              <a:alphaOff val="0"/>
-            </a:schemeClr>
-          </a:solidFill>
-          <a:prstDash val="solid"/>
-        </a:ln>
-        <a:effectLst/>
-      </dsp:spPr>
-      <dsp:style>
-        <a:lnRef idx="2">
-          <a:scrgbClr r="0" g="0" b="0"/>
-        </a:lnRef>
-        <a:fillRef idx="1">
-          <a:scrgbClr r="0" g="0" b="0"/>
-        </a:fillRef>
-        <a:effectRef idx="0">
-          <a:scrgbClr r="0" g="0" b="0"/>
-        </a:effectRef>
-        <a:fontRef idx="minor">
-          <a:schemeClr val="lt1"/>
-        </a:fontRef>
-      </dsp:style>
-      <dsp:txBody>
-        <a:bodyPr spcFirstLastPara="0" vert="horz" wrap="square" lIns="72390" tIns="72390" rIns="72390" bIns="72390" numCol="1" spcCol="1270" anchor="ctr" anchorCtr="0">
-          <a:noAutofit/>
-        </a:bodyPr>
-        <a:lstStyle/>
-        <a:p>
-          <a:pPr marL="0" lvl="0" indent="0" algn="ctr" defTabSz="844550">
-            <a:lnSpc>
-              <a:spcPct val="90000"/>
-            </a:lnSpc>
-            <a:spcBef>
-              <a:spcPct val="0"/>
-            </a:spcBef>
-            <a:spcAft>
-              <a:spcPct val="35000"/>
-            </a:spcAft>
-            <a:buNone/>
-          </a:pPr>
-          <a:r>
-            <a:rPr lang="en-GB" sz="1900" kern="1200" dirty="0"/>
-            <a:t>Interview Preparation</a:t>
-          </a:r>
-          <a:endParaRPr lang="fr-FR" sz="1900" kern="1200" dirty="0"/>
-        </a:p>
-      </dsp:txBody>
-      <dsp:txXfrm>
-        <a:off x="8199921" y="1285366"/>
-        <a:ext cx="1775509" cy="1451992"/>
-      </dsp:txXfrm>
-    </dsp:sp>
-  </dsp:spTree>
-</dsp:drawing>
-</file>
-
-<file path=ppt/diagrams/drawing3.xml><?xml version="1.0" encoding="utf-8"?>
-<dsp:drawing xmlns:dgm="http://schemas.openxmlformats.org/drawingml/2006/diagram" xmlns:dsp="http://schemas.microsoft.com/office/drawing/2008/diagram" xmlns:a="http://schemas.openxmlformats.org/drawingml/2006/main">
-  <dsp:spTree>
-    <dsp:nvGrpSpPr>
-      <dsp:cNvPr id="0" name=""/>
-      <dsp:cNvGrpSpPr/>
-    </dsp:nvGrpSpPr>
-    <dsp:grpSpPr/>
-    <dsp:sp modelId="{3A72F8D2-CCCA-4AF6-87C2-B7EF07E4763F}">
-      <dsp:nvSpPr>
-        <dsp:cNvPr id="0" name=""/>
-        <dsp:cNvSpPr/>
-      </dsp:nvSpPr>
-      <dsp:spPr>
-        <a:xfrm>
-          <a:off x="0" y="1231849"/>
-          <a:ext cx="10058399" cy="1559025"/>
-        </a:xfrm>
-        <a:prstGeom prst="roundRect">
-          <a:avLst/>
-        </a:prstGeom>
-        <a:solidFill>
-          <a:schemeClr val="accent1">
-            <a:hueOff val="0"/>
-            <a:satOff val="0"/>
-            <a:lumOff val="0"/>
-            <a:alphaOff val="0"/>
-          </a:schemeClr>
-        </a:solidFill>
-        <a:ln w="15875" cap="flat" cmpd="sng" algn="ctr">
-          <a:solidFill>
-            <a:schemeClr val="lt1">
-              <a:hueOff val="0"/>
-              <a:satOff val="0"/>
-              <a:lumOff val="0"/>
-              <a:alphaOff val="0"/>
-            </a:schemeClr>
-          </a:solidFill>
-          <a:prstDash val="solid"/>
-        </a:ln>
-        <a:effectLst/>
-      </dsp:spPr>
-      <dsp:style>
-        <a:lnRef idx="2">
-          <a:scrgbClr r="0" g="0" b="0"/>
-        </a:lnRef>
-        <a:fillRef idx="1">
-          <a:scrgbClr r="0" g="0" b="0"/>
-        </a:fillRef>
-        <a:effectRef idx="0">
-          <a:scrgbClr r="0" g="0" b="0"/>
-        </a:effectRef>
-        <a:fontRef idx="minor">
-          <a:schemeClr val="lt1"/>
-        </a:fontRef>
-      </dsp:style>
-      <dsp:txBody>
-        <a:bodyPr spcFirstLastPara="0" vert="horz" wrap="square" lIns="247650" tIns="247650" rIns="247650" bIns="247650" numCol="1" spcCol="1270" anchor="ctr" anchorCtr="0">
-          <a:noAutofit/>
-        </a:bodyPr>
-        <a:lstStyle/>
-        <a:p>
-          <a:pPr marL="0" lvl="0" indent="0" algn="l" defTabSz="2889250">
-            <a:lnSpc>
-              <a:spcPct val="90000"/>
-            </a:lnSpc>
-            <a:spcBef>
-              <a:spcPct val="0"/>
-            </a:spcBef>
-            <a:spcAft>
-              <a:spcPct val="35000"/>
-            </a:spcAft>
-            <a:buNone/>
-          </a:pPr>
-          <a:r>
-            <a:rPr lang="en-GB" sz="6500" kern="1200"/>
-            <a:t>Demo</a:t>
-          </a:r>
-          <a:endParaRPr lang="fr-FR" sz="6500" kern="1200"/>
-        </a:p>
-      </dsp:txBody>
-      <dsp:txXfrm>
-        <a:off x="76105" y="1307954"/>
-        <a:ext cx="9906189" cy="1406815"/>
-      </dsp:txXfrm>
-    </dsp:sp>
-  </dsp:spTree>
-</dsp:drawing>
-</file>
-
-<file path=ppt/diagrams/drawing4.xml><?xml version="1.0" encoding="utf-8"?>
 <dsp:drawing xmlns:dgm="http://schemas.openxmlformats.org/drawingml/2006/diagram" xmlns:dsp="http://schemas.microsoft.com/office/drawing/2008/diagram" xmlns:a="http://schemas.openxmlformats.org/drawingml/2006/main">
   <dsp:spTree>
     <dsp:nvGrpSpPr>
@@ -6113,10 +7715,14 @@
             <a:buNone/>
           </a:pPr>
           <a:r>
-            <a:rPr lang="fr-FR" sz="1600" b="0" kern="1200"/>
-            <a:t>createElement("…")</a:t>
+            <a:rPr lang="fr-FR" sz="1600" b="0" kern="1200" dirty="0" err="1"/>
+            <a:t>createElement</a:t>
           </a:r>
-          <a:endParaRPr lang="fr-FR" sz="1600" kern="1200"/>
+          <a:r>
+            <a:rPr lang="fr-FR" sz="1600" b="0" kern="1200" dirty="0"/>
+            <a:t>("…")</a:t>
+          </a:r>
+          <a:endParaRPr lang="fr-FR" sz="1600" kern="1200" dirty="0"/>
         </a:p>
       </dsp:txBody>
       <dsp:txXfrm>
@@ -6531,10 +8137,14 @@
             <a:buNone/>
           </a:pPr>
           <a:r>
-            <a:rPr lang="fr-FR" sz="1600" b="0" kern="1200"/>
-            <a:t>e.target.parentElement.remove();</a:t>
+            <a:rPr lang="fr-FR" sz="1600" b="0" kern="1200" dirty="0" err="1"/>
+            <a:t>e.target.parentElement.remove</a:t>
           </a:r>
-          <a:endParaRPr lang="fr-FR" sz="1600" kern="1200"/>
+          <a:r>
+            <a:rPr lang="fr-FR" sz="1600" b="0" kern="1200" dirty="0"/>
+            <a:t>();</a:t>
+          </a:r>
+          <a:endParaRPr lang="fr-FR" sz="1600" kern="1200" dirty="0"/>
         </a:p>
       </dsp:txBody>
       <dsp:txXfrm>
@@ -6670,10 +8280,14 @@
             <a:buNone/>
           </a:pPr>
           <a:r>
-            <a:rPr lang="fr-FR" sz="1600" b="0" kern="1200"/>
-            <a:t>element.className =…</a:t>
+            <a:rPr lang="fr-FR" sz="1600" b="0" kern="1200" dirty="0" err="1"/>
+            <a:t>element.className</a:t>
           </a:r>
-          <a:endParaRPr lang="fr-FR" sz="1600" kern="1200"/>
+          <a:r>
+            <a:rPr lang="fr-FR" sz="1600" b="0" kern="1200" dirty="0"/>
+            <a:t> =…</a:t>
+          </a:r>
+          <a:endParaRPr lang="fr-FR" sz="1600" kern="1200" dirty="0"/>
         </a:p>
       </dsp:txBody>
       <dsp:txXfrm>
@@ -6884,7 +8498,980 @@
 </dsp:drawing>
 </file>
 
+<file path=ppt/diagrams/drawing3.xml><?xml version="1.0" encoding="utf-8"?>
+<dsp:drawing xmlns:dgm="http://schemas.openxmlformats.org/drawingml/2006/diagram" xmlns:dsp="http://schemas.microsoft.com/office/drawing/2008/diagram" xmlns:a="http://schemas.openxmlformats.org/drawingml/2006/main">
+  <dsp:spTree>
+    <dsp:nvGrpSpPr>
+      <dsp:cNvPr id="0" name=""/>
+      <dsp:cNvGrpSpPr/>
+    </dsp:nvGrpSpPr>
+    <dsp:grpSpPr/>
+  </dsp:spTree>
+</dsp:drawing>
+</file>
+
+<file path=ppt/diagrams/drawing4.xml><?xml version="1.0" encoding="utf-8"?>
+<dsp:drawing xmlns:dgm="http://schemas.openxmlformats.org/drawingml/2006/diagram" xmlns:dsp="http://schemas.microsoft.com/office/drawing/2008/diagram" xmlns:a="http://schemas.openxmlformats.org/drawingml/2006/main">
+  <dsp:spTree>
+    <dsp:nvGrpSpPr>
+      <dsp:cNvPr id="0" name=""/>
+      <dsp:cNvGrpSpPr/>
+    </dsp:nvGrpSpPr>
+    <dsp:grpSpPr/>
+  </dsp:spTree>
+</dsp:drawing>
+</file>
+
 <file path=ppt/diagrams/drawing5.xml><?xml version="1.0" encoding="utf-8"?>
+<dsp:drawing xmlns:dgm="http://schemas.openxmlformats.org/drawingml/2006/diagram" xmlns:dsp="http://schemas.microsoft.com/office/drawing/2008/diagram" xmlns:a="http://schemas.openxmlformats.org/drawingml/2006/main">
+  <dsp:spTree>
+    <dsp:nvGrpSpPr>
+      <dsp:cNvPr id="0" name=""/>
+      <dsp:cNvGrpSpPr/>
+    </dsp:nvGrpSpPr>
+    <dsp:grpSpPr/>
+    <dsp:sp modelId="{01D0E85A-B19F-41A4-8D3A-77EB2C6D1F63}">
+      <dsp:nvSpPr>
+        <dsp:cNvPr id="0" name=""/>
+        <dsp:cNvSpPr/>
+      </dsp:nvSpPr>
+      <dsp:spPr>
+        <a:xfrm>
+          <a:off x="0" y="32487"/>
+          <a:ext cx="10058399" cy="599625"/>
+        </a:xfrm>
+        <a:prstGeom prst="roundRect">
+          <a:avLst/>
+        </a:prstGeom>
+        <a:solidFill>
+          <a:schemeClr val="accent1">
+            <a:hueOff val="0"/>
+            <a:satOff val="0"/>
+            <a:lumOff val="0"/>
+            <a:alphaOff val="0"/>
+          </a:schemeClr>
+        </a:solidFill>
+        <a:ln w="15875" cap="flat" cmpd="sng" algn="ctr">
+          <a:solidFill>
+            <a:schemeClr val="lt1">
+              <a:hueOff val="0"/>
+              <a:satOff val="0"/>
+              <a:lumOff val="0"/>
+              <a:alphaOff val="0"/>
+            </a:schemeClr>
+          </a:solidFill>
+          <a:prstDash val="solid"/>
+        </a:ln>
+        <a:effectLst/>
+      </dsp:spPr>
+      <dsp:style>
+        <a:lnRef idx="2">
+          <a:scrgbClr r="0" g="0" b="0"/>
+        </a:lnRef>
+        <a:fillRef idx="1">
+          <a:scrgbClr r="0" g="0" b="0"/>
+        </a:fillRef>
+        <a:effectRef idx="0">
+          <a:scrgbClr r="0" g="0" b="0"/>
+        </a:effectRef>
+        <a:fontRef idx="minor">
+          <a:schemeClr val="lt1"/>
+        </a:fontRef>
+      </dsp:style>
+      <dsp:txBody>
+        <a:bodyPr spcFirstLastPara="0" vert="horz" wrap="square" lIns="95250" tIns="95250" rIns="95250" bIns="95250" numCol="1" spcCol="1270" anchor="ctr" anchorCtr="0">
+          <a:noAutofit/>
+        </a:bodyPr>
+        <a:lstStyle/>
+        <a:p>
+          <a:pPr marL="0" lvl="0" indent="0" algn="l" defTabSz="1111250">
+            <a:lnSpc>
+              <a:spcPct val="90000"/>
+            </a:lnSpc>
+            <a:spcBef>
+              <a:spcPct val="0"/>
+            </a:spcBef>
+            <a:spcAft>
+              <a:spcPct val="35000"/>
+            </a:spcAft>
+            <a:buNone/>
+          </a:pPr>
+          <a:r>
+            <a:rPr lang="fr-FR" sz="2500" kern="1200"/>
+            <a:t>async function logMovies() {</a:t>
+          </a:r>
+        </a:p>
+      </dsp:txBody>
+      <dsp:txXfrm>
+        <a:off x="29271" y="61758"/>
+        <a:ext cx="9999857" cy="541083"/>
+      </dsp:txXfrm>
+    </dsp:sp>
+    <dsp:sp modelId="{131922D8-3E6B-4212-B159-709C3C46E2D3}">
+      <dsp:nvSpPr>
+        <dsp:cNvPr id="0" name=""/>
+        <dsp:cNvSpPr/>
+      </dsp:nvSpPr>
+      <dsp:spPr>
+        <a:xfrm>
+          <a:off x="0" y="704112"/>
+          <a:ext cx="10058399" cy="599625"/>
+        </a:xfrm>
+        <a:prstGeom prst="roundRect">
+          <a:avLst/>
+        </a:prstGeom>
+        <a:solidFill>
+          <a:schemeClr val="accent1">
+            <a:hueOff val="0"/>
+            <a:satOff val="0"/>
+            <a:lumOff val="0"/>
+            <a:alphaOff val="0"/>
+          </a:schemeClr>
+        </a:solidFill>
+        <a:ln w="15875" cap="flat" cmpd="sng" algn="ctr">
+          <a:solidFill>
+            <a:schemeClr val="lt1">
+              <a:hueOff val="0"/>
+              <a:satOff val="0"/>
+              <a:lumOff val="0"/>
+              <a:alphaOff val="0"/>
+            </a:schemeClr>
+          </a:solidFill>
+          <a:prstDash val="solid"/>
+        </a:ln>
+        <a:effectLst/>
+      </dsp:spPr>
+      <dsp:style>
+        <a:lnRef idx="2">
+          <a:scrgbClr r="0" g="0" b="0"/>
+        </a:lnRef>
+        <a:fillRef idx="1">
+          <a:scrgbClr r="0" g="0" b="0"/>
+        </a:fillRef>
+        <a:effectRef idx="0">
+          <a:scrgbClr r="0" g="0" b="0"/>
+        </a:effectRef>
+        <a:fontRef idx="minor">
+          <a:schemeClr val="lt1"/>
+        </a:fontRef>
+      </dsp:style>
+      <dsp:txBody>
+        <a:bodyPr spcFirstLastPara="0" vert="horz" wrap="square" lIns="95250" tIns="95250" rIns="95250" bIns="95250" numCol="1" spcCol="1270" anchor="ctr" anchorCtr="0">
+          <a:noAutofit/>
+        </a:bodyPr>
+        <a:lstStyle/>
+        <a:p>
+          <a:pPr marL="0" lvl="0" indent="0" algn="l" defTabSz="1111250">
+            <a:lnSpc>
+              <a:spcPct val="90000"/>
+            </a:lnSpc>
+            <a:spcBef>
+              <a:spcPct val="0"/>
+            </a:spcBef>
+            <a:spcAft>
+              <a:spcPct val="35000"/>
+            </a:spcAft>
+            <a:buNone/>
+          </a:pPr>
+          <a:r>
+            <a:rPr lang="en-US" sz="2500" kern="1200" dirty="0"/>
+            <a:t>    const response = await fetch('/</a:t>
+          </a:r>
+          <a:r>
+            <a:rPr lang="en-US" sz="2500" kern="1200" dirty="0" err="1"/>
+            <a:t>posts.json</a:t>
+          </a:r>
+          <a:r>
+            <a:rPr lang="en-US" sz="2500" kern="1200" dirty="0"/>
+            <a:t>');</a:t>
+          </a:r>
+          <a:endParaRPr lang="fr-FR" sz="2500" kern="1200" dirty="0"/>
+        </a:p>
+      </dsp:txBody>
+      <dsp:txXfrm>
+        <a:off x="29271" y="733383"/>
+        <a:ext cx="9999857" cy="541083"/>
+      </dsp:txXfrm>
+    </dsp:sp>
+    <dsp:sp modelId="{B87B625B-1699-4DC7-9F53-48F24C871CCE}">
+      <dsp:nvSpPr>
+        <dsp:cNvPr id="0" name=""/>
+        <dsp:cNvSpPr/>
+      </dsp:nvSpPr>
+      <dsp:spPr>
+        <a:xfrm>
+          <a:off x="0" y="1375737"/>
+          <a:ext cx="10058399" cy="599625"/>
+        </a:xfrm>
+        <a:prstGeom prst="roundRect">
+          <a:avLst/>
+        </a:prstGeom>
+        <a:solidFill>
+          <a:schemeClr val="accent1">
+            <a:hueOff val="0"/>
+            <a:satOff val="0"/>
+            <a:lumOff val="0"/>
+            <a:alphaOff val="0"/>
+          </a:schemeClr>
+        </a:solidFill>
+        <a:ln w="15875" cap="flat" cmpd="sng" algn="ctr">
+          <a:solidFill>
+            <a:schemeClr val="lt1">
+              <a:hueOff val="0"/>
+              <a:satOff val="0"/>
+              <a:lumOff val="0"/>
+              <a:alphaOff val="0"/>
+            </a:schemeClr>
+          </a:solidFill>
+          <a:prstDash val="solid"/>
+        </a:ln>
+        <a:effectLst/>
+      </dsp:spPr>
+      <dsp:style>
+        <a:lnRef idx="2">
+          <a:scrgbClr r="0" g="0" b="0"/>
+        </a:lnRef>
+        <a:fillRef idx="1">
+          <a:scrgbClr r="0" g="0" b="0"/>
+        </a:fillRef>
+        <a:effectRef idx="0">
+          <a:scrgbClr r="0" g="0" b="0"/>
+        </a:effectRef>
+        <a:fontRef idx="minor">
+          <a:schemeClr val="lt1"/>
+        </a:fontRef>
+      </dsp:style>
+      <dsp:txBody>
+        <a:bodyPr spcFirstLastPara="0" vert="horz" wrap="square" lIns="95250" tIns="95250" rIns="95250" bIns="95250" numCol="1" spcCol="1270" anchor="ctr" anchorCtr="0">
+          <a:noAutofit/>
+        </a:bodyPr>
+        <a:lstStyle/>
+        <a:p>
+          <a:pPr marL="0" lvl="0" indent="0" algn="l" defTabSz="1111250">
+            <a:lnSpc>
+              <a:spcPct val="90000"/>
+            </a:lnSpc>
+            <a:spcBef>
+              <a:spcPct val="0"/>
+            </a:spcBef>
+            <a:spcAft>
+              <a:spcPct val="35000"/>
+            </a:spcAft>
+            <a:buNone/>
+          </a:pPr>
+          <a:r>
+            <a:rPr lang="fr-FR" sz="2500" kern="1200"/>
+            <a:t>    const movies = await response.json();</a:t>
+          </a:r>
+        </a:p>
+      </dsp:txBody>
+      <dsp:txXfrm>
+        <a:off x="29271" y="1405008"/>
+        <a:ext cx="9999857" cy="541083"/>
+      </dsp:txXfrm>
+    </dsp:sp>
+    <dsp:sp modelId="{712C7743-2B03-4F8D-ADFD-DFA28F2925A0}">
+      <dsp:nvSpPr>
+        <dsp:cNvPr id="0" name=""/>
+        <dsp:cNvSpPr/>
+      </dsp:nvSpPr>
+      <dsp:spPr>
+        <a:xfrm>
+          <a:off x="0" y="2047362"/>
+          <a:ext cx="10058399" cy="599625"/>
+        </a:xfrm>
+        <a:prstGeom prst="roundRect">
+          <a:avLst/>
+        </a:prstGeom>
+        <a:solidFill>
+          <a:schemeClr val="accent1">
+            <a:hueOff val="0"/>
+            <a:satOff val="0"/>
+            <a:lumOff val="0"/>
+            <a:alphaOff val="0"/>
+          </a:schemeClr>
+        </a:solidFill>
+        <a:ln w="15875" cap="flat" cmpd="sng" algn="ctr">
+          <a:solidFill>
+            <a:schemeClr val="lt1">
+              <a:hueOff val="0"/>
+              <a:satOff val="0"/>
+              <a:lumOff val="0"/>
+              <a:alphaOff val="0"/>
+            </a:schemeClr>
+          </a:solidFill>
+          <a:prstDash val="solid"/>
+        </a:ln>
+        <a:effectLst/>
+      </dsp:spPr>
+      <dsp:style>
+        <a:lnRef idx="2">
+          <a:scrgbClr r="0" g="0" b="0"/>
+        </a:lnRef>
+        <a:fillRef idx="1">
+          <a:scrgbClr r="0" g="0" b="0"/>
+        </a:fillRef>
+        <a:effectRef idx="0">
+          <a:scrgbClr r="0" g="0" b="0"/>
+        </a:effectRef>
+        <a:fontRef idx="minor">
+          <a:schemeClr val="lt1"/>
+        </a:fontRef>
+      </dsp:style>
+      <dsp:txBody>
+        <a:bodyPr spcFirstLastPara="0" vert="horz" wrap="square" lIns="95250" tIns="95250" rIns="95250" bIns="95250" numCol="1" spcCol="1270" anchor="ctr" anchorCtr="0">
+          <a:noAutofit/>
+        </a:bodyPr>
+        <a:lstStyle/>
+        <a:p>
+          <a:pPr marL="0" lvl="0" indent="0" algn="l" defTabSz="1111250">
+            <a:lnSpc>
+              <a:spcPct val="90000"/>
+            </a:lnSpc>
+            <a:spcBef>
+              <a:spcPct val="0"/>
+            </a:spcBef>
+            <a:spcAft>
+              <a:spcPct val="35000"/>
+            </a:spcAft>
+            <a:buNone/>
+          </a:pPr>
+          <a:r>
+            <a:rPr lang="fr-FR" sz="2500" kern="1200"/>
+            <a:t>    console.log(movies);</a:t>
+          </a:r>
+        </a:p>
+      </dsp:txBody>
+      <dsp:txXfrm>
+        <a:off x="29271" y="2076633"/>
+        <a:ext cx="9999857" cy="541083"/>
+      </dsp:txXfrm>
+    </dsp:sp>
+    <dsp:sp modelId="{9E21F25A-28B1-494B-B217-00A4522BB2BB}">
+      <dsp:nvSpPr>
+        <dsp:cNvPr id="0" name=""/>
+        <dsp:cNvSpPr/>
+      </dsp:nvSpPr>
+      <dsp:spPr>
+        <a:xfrm>
+          <a:off x="0" y="2718987"/>
+          <a:ext cx="10058399" cy="599625"/>
+        </a:xfrm>
+        <a:prstGeom prst="roundRect">
+          <a:avLst/>
+        </a:prstGeom>
+        <a:solidFill>
+          <a:schemeClr val="accent1">
+            <a:hueOff val="0"/>
+            <a:satOff val="0"/>
+            <a:lumOff val="0"/>
+            <a:alphaOff val="0"/>
+          </a:schemeClr>
+        </a:solidFill>
+        <a:ln w="15875" cap="flat" cmpd="sng" algn="ctr">
+          <a:solidFill>
+            <a:schemeClr val="lt1">
+              <a:hueOff val="0"/>
+              <a:satOff val="0"/>
+              <a:lumOff val="0"/>
+              <a:alphaOff val="0"/>
+            </a:schemeClr>
+          </a:solidFill>
+          <a:prstDash val="solid"/>
+        </a:ln>
+        <a:effectLst/>
+      </dsp:spPr>
+      <dsp:style>
+        <a:lnRef idx="2">
+          <a:scrgbClr r="0" g="0" b="0"/>
+        </a:lnRef>
+        <a:fillRef idx="1">
+          <a:scrgbClr r="0" g="0" b="0"/>
+        </a:fillRef>
+        <a:effectRef idx="0">
+          <a:scrgbClr r="0" g="0" b="0"/>
+        </a:effectRef>
+        <a:fontRef idx="minor">
+          <a:schemeClr val="lt1"/>
+        </a:fontRef>
+      </dsp:style>
+      <dsp:txBody>
+        <a:bodyPr spcFirstLastPara="0" vert="horz" wrap="square" lIns="95250" tIns="95250" rIns="95250" bIns="95250" numCol="1" spcCol="1270" anchor="ctr" anchorCtr="0">
+          <a:noAutofit/>
+        </a:bodyPr>
+        <a:lstStyle/>
+        <a:p>
+          <a:pPr marL="0" lvl="0" indent="0" algn="l" defTabSz="1111250">
+            <a:lnSpc>
+              <a:spcPct val="90000"/>
+            </a:lnSpc>
+            <a:spcBef>
+              <a:spcPct val="0"/>
+            </a:spcBef>
+            <a:spcAft>
+              <a:spcPct val="35000"/>
+            </a:spcAft>
+            <a:buNone/>
+          </a:pPr>
+          <a:r>
+            <a:rPr lang="fr-FR" sz="2500" kern="1200"/>
+            <a:t>  }</a:t>
+          </a:r>
+        </a:p>
+      </dsp:txBody>
+      <dsp:txXfrm>
+        <a:off x="29271" y="2748258"/>
+        <a:ext cx="9999857" cy="541083"/>
+      </dsp:txXfrm>
+    </dsp:sp>
+    <dsp:sp modelId="{846062D9-B4A9-42DB-803C-0414C0A81B0A}">
+      <dsp:nvSpPr>
+        <dsp:cNvPr id="0" name=""/>
+        <dsp:cNvSpPr/>
+      </dsp:nvSpPr>
+      <dsp:spPr>
+        <a:xfrm>
+          <a:off x="0" y="3390612"/>
+          <a:ext cx="10058399" cy="599625"/>
+        </a:xfrm>
+        <a:prstGeom prst="roundRect">
+          <a:avLst/>
+        </a:prstGeom>
+        <a:solidFill>
+          <a:schemeClr val="accent1">
+            <a:hueOff val="0"/>
+            <a:satOff val="0"/>
+            <a:lumOff val="0"/>
+            <a:alphaOff val="0"/>
+          </a:schemeClr>
+        </a:solidFill>
+        <a:ln w="15875" cap="flat" cmpd="sng" algn="ctr">
+          <a:solidFill>
+            <a:schemeClr val="lt1">
+              <a:hueOff val="0"/>
+              <a:satOff val="0"/>
+              <a:lumOff val="0"/>
+              <a:alphaOff val="0"/>
+            </a:schemeClr>
+          </a:solidFill>
+          <a:prstDash val="solid"/>
+        </a:ln>
+        <a:effectLst/>
+      </dsp:spPr>
+      <dsp:style>
+        <a:lnRef idx="2">
+          <a:scrgbClr r="0" g="0" b="0"/>
+        </a:lnRef>
+        <a:fillRef idx="1">
+          <a:scrgbClr r="0" g="0" b="0"/>
+        </a:fillRef>
+        <a:effectRef idx="0">
+          <a:scrgbClr r="0" g="0" b="0"/>
+        </a:effectRef>
+        <a:fontRef idx="minor">
+          <a:schemeClr val="lt1"/>
+        </a:fontRef>
+      </dsp:style>
+      <dsp:txBody>
+        <a:bodyPr spcFirstLastPara="0" vert="horz" wrap="square" lIns="95250" tIns="95250" rIns="95250" bIns="95250" numCol="1" spcCol="1270" anchor="ctr" anchorCtr="0">
+          <a:noAutofit/>
+        </a:bodyPr>
+        <a:lstStyle/>
+        <a:p>
+          <a:pPr marL="0" lvl="0" indent="0" algn="l" defTabSz="1111250">
+            <a:lnSpc>
+              <a:spcPct val="90000"/>
+            </a:lnSpc>
+            <a:spcBef>
+              <a:spcPct val="0"/>
+            </a:spcBef>
+            <a:spcAft>
+              <a:spcPct val="35000"/>
+            </a:spcAft>
+            <a:buNone/>
+          </a:pPr>
+          <a:r>
+            <a:rPr lang="fr-FR" sz="2500" kern="1200"/>
+            <a:t>logMovies();</a:t>
+          </a:r>
+        </a:p>
+      </dsp:txBody>
+      <dsp:txXfrm>
+        <a:off x="29271" y="3419883"/>
+        <a:ext cx="9999857" cy="541083"/>
+      </dsp:txXfrm>
+    </dsp:sp>
+  </dsp:spTree>
+</dsp:drawing>
+</file>
+
+<file path=ppt/diagrams/drawing6.xml><?xml version="1.0" encoding="utf-8"?>
+<dsp:drawing xmlns:dgm="http://schemas.openxmlformats.org/drawingml/2006/diagram" xmlns:dsp="http://schemas.microsoft.com/office/drawing/2008/diagram" xmlns:a="http://schemas.openxmlformats.org/drawingml/2006/main">
+  <dsp:spTree>
+    <dsp:nvGrpSpPr>
+      <dsp:cNvPr id="0" name=""/>
+      <dsp:cNvGrpSpPr/>
+    </dsp:nvGrpSpPr>
+    <dsp:grpSpPr/>
+    <dsp:sp modelId="{3A72F8D2-CCCA-4AF6-87C2-B7EF07E4763F}">
+      <dsp:nvSpPr>
+        <dsp:cNvPr id="0" name=""/>
+        <dsp:cNvSpPr/>
+      </dsp:nvSpPr>
+      <dsp:spPr>
+        <a:xfrm>
+          <a:off x="0" y="66755"/>
+          <a:ext cx="10058399" cy="647595"/>
+        </a:xfrm>
+        <a:prstGeom prst="roundRect">
+          <a:avLst/>
+        </a:prstGeom>
+        <a:solidFill>
+          <a:schemeClr val="accent1">
+            <a:hueOff val="0"/>
+            <a:satOff val="0"/>
+            <a:lumOff val="0"/>
+            <a:alphaOff val="0"/>
+          </a:schemeClr>
+        </a:solidFill>
+        <a:ln w="15875" cap="flat" cmpd="sng" algn="ctr">
+          <a:solidFill>
+            <a:schemeClr val="lt1">
+              <a:hueOff val="0"/>
+              <a:satOff val="0"/>
+              <a:lumOff val="0"/>
+              <a:alphaOff val="0"/>
+            </a:schemeClr>
+          </a:solidFill>
+          <a:prstDash val="solid"/>
+        </a:ln>
+        <a:effectLst/>
+      </dsp:spPr>
+      <dsp:style>
+        <a:lnRef idx="2">
+          <a:scrgbClr r="0" g="0" b="0"/>
+        </a:lnRef>
+        <a:fillRef idx="1">
+          <a:scrgbClr r="0" g="0" b="0"/>
+        </a:fillRef>
+        <a:effectRef idx="0">
+          <a:scrgbClr r="0" g="0" b="0"/>
+        </a:effectRef>
+        <a:fontRef idx="minor">
+          <a:schemeClr val="lt1"/>
+        </a:fontRef>
+      </dsp:style>
+      <dsp:txBody>
+        <a:bodyPr spcFirstLastPara="0" vert="horz" wrap="square" lIns="102870" tIns="102870" rIns="102870" bIns="102870" numCol="1" spcCol="1270" anchor="ctr" anchorCtr="0">
+          <a:noAutofit/>
+        </a:bodyPr>
+        <a:lstStyle/>
+        <a:p>
+          <a:pPr marL="0" lvl="0" indent="0" algn="l" defTabSz="1200150">
+            <a:lnSpc>
+              <a:spcPct val="90000"/>
+            </a:lnSpc>
+            <a:spcBef>
+              <a:spcPct val="0"/>
+            </a:spcBef>
+            <a:spcAft>
+              <a:spcPct val="35000"/>
+            </a:spcAft>
+            <a:buNone/>
+          </a:pPr>
+          <a:r>
+            <a:rPr lang="en-GB" sz="2700" kern="1200" dirty="0"/>
+            <a:t>Demo</a:t>
+          </a:r>
+          <a:endParaRPr lang="fr-FR" sz="2700" kern="1200" dirty="0"/>
+        </a:p>
+      </dsp:txBody>
+      <dsp:txXfrm>
+        <a:off x="31613" y="98368"/>
+        <a:ext cx="9995173" cy="584369"/>
+      </dsp:txXfrm>
+    </dsp:sp>
+    <dsp:sp modelId="{4AF5422F-198F-4234-8F54-9409FE6A72FC}">
+      <dsp:nvSpPr>
+        <dsp:cNvPr id="0" name=""/>
+        <dsp:cNvSpPr/>
+      </dsp:nvSpPr>
+      <dsp:spPr>
+        <a:xfrm>
+          <a:off x="0" y="714350"/>
+          <a:ext cx="10058399" cy="3241619"/>
+        </a:xfrm>
+        <a:prstGeom prst="rect">
+          <a:avLst/>
+        </a:prstGeom>
+        <a:noFill/>
+        <a:ln>
+          <a:noFill/>
+        </a:ln>
+        <a:effectLst/>
+      </dsp:spPr>
+      <dsp:style>
+        <a:lnRef idx="0">
+          <a:scrgbClr r="0" g="0" b="0"/>
+        </a:lnRef>
+        <a:fillRef idx="0">
+          <a:scrgbClr r="0" g="0" b="0"/>
+        </a:fillRef>
+        <a:effectRef idx="0">
+          <a:scrgbClr r="0" g="0" b="0"/>
+        </a:effectRef>
+        <a:fontRef idx="minor"/>
+      </dsp:style>
+      <dsp:txBody>
+        <a:bodyPr spcFirstLastPara="0" vert="horz" wrap="square" lIns="319354" tIns="34290" rIns="192024" bIns="34290" numCol="1" spcCol="1270" anchor="t" anchorCtr="0">
+          <a:noAutofit/>
+        </a:bodyPr>
+        <a:lstStyle/>
+        <a:p>
+          <a:pPr marL="228600" lvl="1" indent="-228600" algn="l" defTabSz="933450">
+            <a:lnSpc>
+              <a:spcPct val="90000"/>
+            </a:lnSpc>
+            <a:spcBef>
+              <a:spcPct val="0"/>
+            </a:spcBef>
+            <a:spcAft>
+              <a:spcPct val="20000"/>
+            </a:spcAft>
+            <a:buChar char="•"/>
+          </a:pPr>
+          <a:r>
+            <a:rPr lang="fr-FR" sz="2100" kern="1200" dirty="0" err="1"/>
+            <a:t>const</a:t>
+          </a:r>
+          <a:r>
+            <a:rPr lang="fr-FR" sz="2100" kern="1200" dirty="0"/>
+            <a:t> </a:t>
+          </a:r>
+          <a:r>
+            <a:rPr lang="fr-FR" sz="2100" kern="1200" dirty="0" err="1"/>
+            <a:t>api_url</a:t>
+          </a:r>
+          <a:r>
+            <a:rPr lang="fr-FR" sz="2100" kern="1200" dirty="0"/>
+            <a:t> = "http://api.quotable.io/</a:t>
+          </a:r>
+          <a:r>
+            <a:rPr lang="fr-FR" sz="2100" kern="1200" dirty="0" err="1"/>
+            <a:t>random</a:t>
+          </a:r>
+          <a:r>
+            <a:rPr lang="fr-FR" sz="2100" kern="1200" dirty="0"/>
+            <a:t>";</a:t>
+          </a:r>
+        </a:p>
+        <a:p>
+          <a:pPr marL="228600" lvl="1" indent="-228600" algn="l" defTabSz="933450">
+            <a:lnSpc>
+              <a:spcPct val="90000"/>
+            </a:lnSpc>
+            <a:spcBef>
+              <a:spcPct val="0"/>
+            </a:spcBef>
+            <a:spcAft>
+              <a:spcPct val="20000"/>
+            </a:spcAft>
+            <a:buChar char="•"/>
+          </a:pPr>
+          <a:r>
+            <a:rPr lang="fr-FR" sz="2100" kern="1200" dirty="0" err="1"/>
+            <a:t>const</a:t>
+          </a:r>
+          <a:r>
+            <a:rPr lang="fr-FR" sz="2100" kern="1200" dirty="0"/>
+            <a:t> </a:t>
+          </a:r>
+          <a:r>
+            <a:rPr lang="fr-FR" sz="2100" kern="1200" dirty="0" err="1"/>
+            <a:t>author</a:t>
+          </a:r>
+          <a:r>
+            <a:rPr lang="fr-FR" sz="2100" kern="1200" dirty="0"/>
+            <a:t> = </a:t>
+          </a:r>
+          <a:r>
+            <a:rPr lang="fr-FR" sz="2100" kern="1200" dirty="0" err="1"/>
+            <a:t>document.querySelector</a:t>
+          </a:r>
+          <a:r>
+            <a:rPr lang="fr-FR" sz="2100" kern="1200" dirty="0"/>
+            <a:t>("#</a:t>
+          </a:r>
+          <a:r>
+            <a:rPr lang="fr-FR" sz="2100" kern="1200" dirty="0" err="1"/>
+            <a:t>author</a:t>
+          </a:r>
+          <a:r>
+            <a:rPr lang="fr-FR" sz="2100" kern="1200" dirty="0"/>
+            <a:t>");</a:t>
+          </a:r>
+        </a:p>
+        <a:p>
+          <a:pPr marL="228600" lvl="1" indent="-228600" algn="l" defTabSz="933450">
+            <a:lnSpc>
+              <a:spcPct val="90000"/>
+            </a:lnSpc>
+            <a:spcBef>
+              <a:spcPct val="0"/>
+            </a:spcBef>
+            <a:spcAft>
+              <a:spcPct val="20000"/>
+            </a:spcAft>
+            <a:buChar char="•"/>
+          </a:pPr>
+          <a:r>
+            <a:rPr lang="fr-FR" sz="2100" kern="1200" dirty="0" err="1"/>
+            <a:t>const</a:t>
+          </a:r>
+          <a:r>
+            <a:rPr lang="fr-FR" sz="2100" kern="1200" dirty="0"/>
+            <a:t> </a:t>
+          </a:r>
+          <a:r>
+            <a:rPr lang="fr-FR" sz="2100" kern="1200" dirty="0" err="1"/>
+            <a:t>quote</a:t>
+          </a:r>
+          <a:r>
+            <a:rPr lang="fr-FR" sz="2100" kern="1200" dirty="0"/>
+            <a:t> = </a:t>
+          </a:r>
+          <a:r>
+            <a:rPr lang="fr-FR" sz="2100" kern="1200" dirty="0" err="1"/>
+            <a:t>document.querySelector</a:t>
+          </a:r>
+          <a:r>
+            <a:rPr lang="fr-FR" sz="2100" kern="1200" dirty="0"/>
+            <a:t>(".</a:t>
+          </a:r>
+          <a:r>
+            <a:rPr lang="fr-FR" sz="2100" kern="1200" dirty="0" err="1"/>
+            <a:t>blockquote</a:t>
+          </a:r>
+          <a:r>
+            <a:rPr lang="fr-FR" sz="2100" kern="1200" dirty="0"/>
+            <a:t>");</a:t>
+          </a:r>
+        </a:p>
+        <a:p>
+          <a:pPr marL="228600" lvl="1" indent="-228600" algn="l" defTabSz="933450">
+            <a:lnSpc>
+              <a:spcPct val="90000"/>
+            </a:lnSpc>
+            <a:spcBef>
+              <a:spcPct val="0"/>
+            </a:spcBef>
+            <a:spcAft>
+              <a:spcPct val="20000"/>
+            </a:spcAft>
+            <a:buChar char="•"/>
+          </a:pPr>
+          <a:r>
+            <a:rPr lang="fr-FR" sz="2100" kern="1200" dirty="0" err="1"/>
+            <a:t>async</a:t>
+          </a:r>
+          <a:r>
+            <a:rPr lang="fr-FR" sz="2100" kern="1200" dirty="0"/>
+            <a:t> </a:t>
+          </a:r>
+          <a:r>
+            <a:rPr lang="fr-FR" sz="2100" kern="1200" dirty="0" err="1"/>
+            <a:t>function</a:t>
+          </a:r>
+          <a:r>
+            <a:rPr lang="fr-FR" sz="2100" kern="1200" dirty="0"/>
+            <a:t> </a:t>
+          </a:r>
+          <a:r>
+            <a:rPr lang="fr-FR" sz="2100" kern="1200" dirty="0" err="1"/>
+            <a:t>GetQuote</a:t>
+          </a:r>
+          <a:r>
+            <a:rPr lang="fr-FR" sz="2100" kern="1200" dirty="0"/>
+            <a:t>()  {</a:t>
+          </a:r>
+        </a:p>
+        <a:p>
+          <a:pPr marL="228600" lvl="1" indent="-228600" algn="l" defTabSz="933450">
+            <a:lnSpc>
+              <a:spcPct val="90000"/>
+            </a:lnSpc>
+            <a:spcBef>
+              <a:spcPct val="0"/>
+            </a:spcBef>
+            <a:spcAft>
+              <a:spcPct val="20000"/>
+            </a:spcAft>
+            <a:buChar char="•"/>
+          </a:pPr>
+          <a:r>
+            <a:rPr lang="fr-FR" sz="2100" kern="1200" dirty="0"/>
+            <a:t> </a:t>
+          </a:r>
+          <a:r>
+            <a:rPr lang="fr-FR" sz="2100" kern="1200" dirty="0" err="1"/>
+            <a:t>const</a:t>
+          </a:r>
+          <a:r>
+            <a:rPr lang="fr-FR" sz="2100" kern="1200" dirty="0"/>
+            <a:t> </a:t>
+          </a:r>
+          <a:r>
+            <a:rPr lang="fr-FR" sz="2100" kern="1200" dirty="0" err="1"/>
+            <a:t>response</a:t>
+          </a:r>
+          <a:r>
+            <a:rPr lang="fr-FR" sz="2100" kern="1200" dirty="0"/>
+            <a:t> = </a:t>
+          </a:r>
+          <a:r>
+            <a:rPr lang="fr-FR" sz="2100" kern="1200" dirty="0" err="1"/>
+            <a:t>await</a:t>
+          </a:r>
+          <a:r>
+            <a:rPr lang="fr-FR" sz="2100" kern="1200" dirty="0"/>
+            <a:t> </a:t>
+          </a:r>
+          <a:r>
+            <a:rPr lang="fr-FR" sz="2100" kern="1200" dirty="0" err="1"/>
+            <a:t>fetch</a:t>
+          </a:r>
+          <a:r>
+            <a:rPr lang="fr-FR" sz="2100" kern="1200" dirty="0"/>
+            <a:t>("http://api.quotable.io/</a:t>
+          </a:r>
+          <a:r>
+            <a:rPr lang="fr-FR" sz="2100" kern="1200" dirty="0" err="1"/>
+            <a:t>random</a:t>
+          </a:r>
+          <a:r>
+            <a:rPr lang="fr-FR" sz="2100" kern="1200" dirty="0"/>
+            <a:t>");</a:t>
+          </a:r>
+        </a:p>
+        <a:p>
+          <a:pPr marL="228600" lvl="1" indent="-228600" algn="l" defTabSz="933450">
+            <a:lnSpc>
+              <a:spcPct val="90000"/>
+            </a:lnSpc>
+            <a:spcBef>
+              <a:spcPct val="0"/>
+            </a:spcBef>
+            <a:spcAft>
+              <a:spcPct val="20000"/>
+            </a:spcAft>
+            <a:buChar char="•"/>
+          </a:pPr>
+          <a:r>
+            <a:rPr lang="fr-FR" sz="2100" kern="1200" dirty="0"/>
+            <a:t> let data = </a:t>
+          </a:r>
+          <a:r>
+            <a:rPr lang="fr-FR" sz="2100" kern="1200" dirty="0" err="1"/>
+            <a:t>await</a:t>
+          </a:r>
+          <a:r>
+            <a:rPr lang="fr-FR" sz="2100" kern="1200" dirty="0"/>
+            <a:t> </a:t>
+          </a:r>
+          <a:r>
+            <a:rPr lang="fr-FR" sz="2100" kern="1200" dirty="0" err="1"/>
+            <a:t>response.json</a:t>
+          </a:r>
+          <a:r>
+            <a:rPr lang="fr-FR" sz="2100" kern="1200" dirty="0"/>
+            <a:t>();</a:t>
+          </a:r>
+        </a:p>
+        <a:p>
+          <a:pPr marL="228600" lvl="1" indent="-228600" algn="l" defTabSz="933450">
+            <a:lnSpc>
+              <a:spcPct val="90000"/>
+            </a:lnSpc>
+            <a:spcBef>
+              <a:spcPct val="0"/>
+            </a:spcBef>
+            <a:spcAft>
+              <a:spcPct val="20000"/>
+            </a:spcAft>
+            <a:buChar char="•"/>
+          </a:pPr>
+          <a:r>
+            <a:rPr lang="fr-FR" sz="2100" kern="1200"/>
+            <a:t> quote.innerHTML = data.content;</a:t>
+          </a:r>
+        </a:p>
+        <a:p>
+          <a:pPr marL="228600" lvl="1" indent="-228600" algn="l" defTabSz="933450">
+            <a:lnSpc>
+              <a:spcPct val="90000"/>
+            </a:lnSpc>
+            <a:spcBef>
+              <a:spcPct val="0"/>
+            </a:spcBef>
+            <a:spcAft>
+              <a:spcPct val="20000"/>
+            </a:spcAft>
+            <a:buChar char="•"/>
+          </a:pPr>
+          <a:r>
+            <a:rPr lang="fr-FR" sz="2100" kern="1200" dirty="0"/>
+            <a:t> </a:t>
+          </a:r>
+          <a:r>
+            <a:rPr lang="fr-FR" sz="2100" kern="1200" dirty="0" err="1"/>
+            <a:t>author.innerHTML</a:t>
+          </a:r>
+          <a:r>
+            <a:rPr lang="fr-FR" sz="2100" kern="1200" dirty="0"/>
+            <a:t> = </a:t>
+          </a:r>
+          <a:r>
+            <a:rPr lang="fr-FR" sz="2100" kern="1200" dirty="0" err="1"/>
+            <a:t>data.author</a:t>
+          </a:r>
+          <a:r>
+            <a:rPr lang="fr-FR" sz="2100" kern="1200" dirty="0"/>
+            <a:t>; };</a:t>
+          </a:r>
+        </a:p>
+        <a:p>
+          <a:pPr marL="228600" lvl="1" indent="-228600" algn="l" defTabSz="933450">
+            <a:lnSpc>
+              <a:spcPct val="90000"/>
+            </a:lnSpc>
+            <a:spcBef>
+              <a:spcPct val="0"/>
+            </a:spcBef>
+            <a:spcAft>
+              <a:spcPct val="20000"/>
+            </a:spcAft>
+            <a:buChar char="•"/>
+          </a:pPr>
+          <a:r>
+            <a:rPr lang="fr-FR" sz="2100" kern="1200" dirty="0" err="1"/>
+            <a:t>GetQuote</a:t>
+          </a:r>
+          <a:r>
+            <a:rPr lang="fr-FR" sz="2100" kern="1200" dirty="0"/>
+            <a:t>();</a:t>
+          </a:r>
+        </a:p>
+      </dsp:txBody>
+      <dsp:txXfrm>
+        <a:off x="0" y="714350"/>
+        <a:ext cx="10058399" cy="3241619"/>
+      </dsp:txXfrm>
+    </dsp:sp>
+  </dsp:spTree>
+</dsp:drawing>
+</file>
+
+<file path=ppt/diagrams/drawing7.xml><?xml version="1.0" encoding="utf-8"?>
 <dsp:drawing xmlns:dgm="http://schemas.openxmlformats.org/drawingml/2006/diagram" xmlns:dsp="http://schemas.microsoft.com/office/drawing/2008/diagram" xmlns:a="http://schemas.openxmlformats.org/drawingml/2006/main">
   <dsp:spTree>
     <dsp:nvGrpSpPr>
@@ -7064,16 +9651,36 @@
 </file>
 
 <file path=ppt/diagrams/layout2.xml><?xml version="1.0" encoding="utf-8"?>
-<dgm:layoutDef xmlns:dgm="http://schemas.openxmlformats.org/drawingml/2006/diagram" xmlns:a="http://schemas.openxmlformats.org/drawingml/2006/main" uniqueId="urn:microsoft.com/office/officeart/2005/8/layout/hProcess9">
+<dgm:layoutDef xmlns:dgm="http://schemas.openxmlformats.org/drawingml/2006/diagram" xmlns:a="http://schemas.openxmlformats.org/drawingml/2006/main" uniqueId="urn:microsoft.com/office/officeart/2005/8/layout/vList2">
   <dgm:title val=""/>
   <dgm:desc val=""/>
   <dgm:catLst>
-    <dgm:cat type="process" pri="5000"/>
-    <dgm:cat type="convert" pri="13000"/>
+    <dgm:cat type="list" pri="3000"/>
+    <dgm:cat type="convert" pri="1000"/>
   </dgm:catLst>
-  <dgm:sampData useDef="1">
+  <dgm:sampData>
     <dgm:dataModel>
-      <dgm:ptLst/>
+      <dgm:ptLst>
+        <dgm:pt modelId="0" type="doc"/>
+        <dgm:pt modelId="1">
+          <dgm:prSet phldr="1"/>
+        </dgm:pt>
+        <dgm:pt modelId="11">
+          <dgm:prSet phldr="1"/>
+        </dgm:pt>
+        <dgm:pt modelId="2">
+          <dgm:prSet phldr="1"/>
+        </dgm:pt>
+        <dgm:pt modelId="21">
+          <dgm:prSet phldr="1"/>
+        </dgm:pt>
+      </dgm:ptLst>
+      <dgm:cxnLst>
+        <dgm:cxn modelId="4" srcId="0" destId="1" srcOrd="0" destOrd="0"/>
+        <dgm:cxn modelId="5" srcId="0" destId="2" srcOrd="1" destOrd="0"/>
+        <dgm:cxn modelId="12" srcId="1" destId="11" srcOrd="0" destOrd="0"/>
+        <dgm:cxn modelId="23" srcId="2" destId="21" srcOrd="0" destOrd="0"/>
+      </dgm:cxnLst>
       <dgm:bg/>
       <dgm:whole/>
     </dgm:dataModel>
@@ -7112,13 +9719,13 @@
       <dgm:whole/>
     </dgm:dataModel>
   </dgm:clrData>
-  <dgm:layoutNode name="CompostProcess">
+  <dgm:layoutNode name="linear">
     <dgm:varLst>
-      <dgm:dir/>
+      <dgm:animLvl val="lvl"/>
       <dgm:resizeHandles val="exact"/>
     </dgm:varLst>
-    <dgm:alg type="composite">
-      <dgm:param type="horzAlign" val="ctr"/>
+    <dgm:alg type="lin">
+      <dgm:param type="linDir" val="fromT"/>
       <dgm:param type="vertAlign" val="mid"/>
     </dgm:alg>
     <dgm:shape xmlns:r="http://schemas.openxmlformats.org/officeDocument/2006/relationships" r:blip="">
@@ -7126,93 +9733,86 @@
     </dgm:shape>
     <dgm:presOf/>
     <dgm:constrLst>
-      <dgm:constr type="w" for="ch" forName="arrow" refType="w" fact="0.85"/>
-      <dgm:constr type="h" for="ch" forName="arrow" refType="h"/>
-      <dgm:constr type="ctrX" for="ch" forName="arrow" refType="w" fact="0.5"/>
-      <dgm:constr type="ctrY" for="ch" forName="arrow" refType="h" fact="0.5"/>
-      <dgm:constr type="w" for="ch" forName="linearProcess" refType="w"/>
-      <dgm:constr type="h" for="ch" forName="linearProcess" refType="h" fact="0.4"/>
-      <dgm:constr type="ctrX" for="ch" forName="linearProcess" refType="w" fact="0.5"/>
-      <dgm:constr type="ctrY" for="ch" forName="linearProcess" refType="h" fact="0.5"/>
+      <dgm:constr type="w" for="ch" forName="parentText" refType="w"/>
+      <dgm:constr type="h" for="ch" forName="parentText" refType="primFontSz" refFor="ch" refForName="parentText" fact="0.52"/>
+      <dgm:constr type="w" for="ch" forName="childText" refType="w"/>
+      <dgm:constr type="h" for="ch" forName="childText" refType="primFontSz" refFor="ch" refForName="parentText" fact="0.46"/>
+      <dgm:constr type="h" for="ch" forName="parentText" op="equ"/>
+      <dgm:constr type="primFontSz" for="ch" forName="parentText" op="equ" val="65"/>
+      <dgm:constr type="primFontSz" for="ch" forName="childText" refType="primFontSz" refFor="ch" refForName="parentText" op="equ"/>
+      <dgm:constr type="h" for="ch" forName="spacer" refType="primFontSz" refFor="ch" refForName="parentText" fact="0.08"/>
     </dgm:constrLst>
-    <dgm:ruleLst/>
-    <dgm:layoutNode name="arrow" styleLbl="bgShp">
-      <dgm:alg type="sp"/>
-      <dgm:choose name="Name0">
-        <dgm:if name="Name1" func="var" arg="dir" op="equ" val="norm">
-          <dgm:shape xmlns:r="http://schemas.openxmlformats.org/officeDocument/2006/relationships" type="rightArrow" r:blip="">
-            <dgm:adjLst/>
-          </dgm:shape>
+    <dgm:ruleLst>
+      <dgm:rule type="primFontSz" for="ch" forName="parentText" val="5" fact="NaN" max="NaN"/>
+    </dgm:ruleLst>
+    <dgm:forEach name="Name0" axis="ch" ptType="node">
+      <dgm:layoutNode name="parentText" styleLbl="node1">
+        <dgm:varLst>
+          <dgm:chMax val="0"/>
+          <dgm:bulletEnabled val="1"/>
+        </dgm:varLst>
+        <dgm:alg type="tx">
+          <dgm:param type="parTxLTRAlign" val="l"/>
+          <dgm:param type="parTxRTLAlign" val="r"/>
+        </dgm:alg>
+        <dgm:shape xmlns:r="http://schemas.openxmlformats.org/officeDocument/2006/relationships" type="roundRect" r:blip="">
+          <dgm:adjLst/>
+        </dgm:shape>
+        <dgm:presOf axis="self"/>
+        <dgm:constrLst>
+          <dgm:constr type="tMarg" refType="primFontSz" fact="0.3"/>
+          <dgm:constr type="bMarg" refType="primFontSz" fact="0.3"/>
+          <dgm:constr type="lMarg" refType="primFontSz" fact="0.3"/>
+          <dgm:constr type="rMarg" refType="primFontSz" fact="0.3"/>
+        </dgm:constrLst>
+        <dgm:ruleLst>
+          <dgm:rule type="h" val="INF" fact="NaN" max="NaN"/>
+        </dgm:ruleLst>
+      </dgm:layoutNode>
+      <dgm:choose name="Name1">
+        <dgm:if name="Name2" axis="ch" ptType="node" func="cnt" op="gte" val="1">
+          <dgm:layoutNode name="childText" styleLbl="revTx">
+            <dgm:varLst>
+              <dgm:bulletEnabled val="1"/>
+            </dgm:varLst>
+            <dgm:alg type="tx">
+              <dgm:param type="stBulletLvl" val="1"/>
+              <dgm:param type="lnSpAfChP" val="20"/>
+            </dgm:alg>
+            <dgm:shape xmlns:r="http://schemas.openxmlformats.org/officeDocument/2006/relationships" type="rect" r:blip="">
+              <dgm:adjLst/>
+            </dgm:shape>
+            <dgm:presOf axis="des" ptType="node"/>
+            <dgm:constrLst>
+              <dgm:constr type="tMarg" refType="primFontSz" fact="0.1"/>
+              <dgm:constr type="bMarg" refType="primFontSz" fact="0.1"/>
+              <dgm:constr type="lMarg" refType="w" fact="0.09"/>
+            </dgm:constrLst>
+            <dgm:ruleLst>
+              <dgm:rule type="h" val="INF" fact="NaN" max="NaN"/>
+            </dgm:ruleLst>
+          </dgm:layoutNode>
         </dgm:if>
-        <dgm:else name="Name2">
-          <dgm:shape xmlns:r="http://schemas.openxmlformats.org/officeDocument/2006/relationships" type="leftArrow" r:blip="">
-            <dgm:adjLst/>
-          </dgm:shape>
+        <dgm:else name="Name3">
+          <dgm:choose name="Name4">
+            <dgm:if name="Name5" axis="par ch" ptType="doc node" func="cnt" op="gte" val="2">
+              <dgm:forEach name="Name6" axis="followSib" ptType="sibTrans" cnt="1">
+                <dgm:layoutNode name="spacer">
+                  <dgm:alg type="sp"/>
+                  <dgm:shape xmlns:r="http://schemas.openxmlformats.org/officeDocument/2006/relationships" r:blip="">
+                    <dgm:adjLst/>
+                  </dgm:shape>
+                  <dgm:presOf/>
+                  <dgm:constrLst/>
+                  <dgm:ruleLst/>
+                </dgm:layoutNode>
+              </dgm:forEach>
+            </dgm:if>
+            <dgm:else name="Name7"/>
+          </dgm:choose>
         </dgm:else>
       </dgm:choose>
-      <dgm:presOf/>
-      <dgm:constrLst/>
-      <dgm:ruleLst/>
-    </dgm:layoutNode>
-    <dgm:layoutNode name="linearProcess">
-      <dgm:choose name="Name3">
-        <dgm:if name="Name4" func="var" arg="dir" op="equ" val="norm">
-          <dgm:alg type="lin"/>
-        </dgm:if>
-        <dgm:else name="Name5">
-          <dgm:alg type="lin">
-            <dgm:param type="linDir" val="fromR"/>
-          </dgm:alg>
-        </dgm:else>
-      </dgm:choose>
-      <dgm:shape xmlns:r="http://schemas.openxmlformats.org/officeDocument/2006/relationships" r:blip="">
-        <dgm:adjLst/>
-      </dgm:shape>
-      <dgm:presOf/>
-      <dgm:constrLst>
-        <dgm:constr type="userA" for="ch" ptType="node" refType="w"/>
-        <dgm:constr type="h" for="ch" ptType="node" refType="h"/>
-        <dgm:constr type="w" for="ch" ptType="node" op="equ"/>
-        <dgm:constr type="w" for="ch" forName="sibTrans" refType="w" fact="0.05"/>
-        <dgm:constr type="primFontSz" for="ch" ptType="node" op="equ" val="65"/>
-      </dgm:constrLst>
-      <dgm:ruleLst/>
-      <dgm:forEach name="Name6" axis="ch" ptType="node">
-        <dgm:layoutNode name="textNode" styleLbl="node1">
-          <dgm:varLst>
-            <dgm:bulletEnabled val="1"/>
-          </dgm:varLst>
-          <dgm:alg type="tx"/>
-          <dgm:shape xmlns:r="http://schemas.openxmlformats.org/officeDocument/2006/relationships" type="roundRect" r:blip="">
-            <dgm:adjLst/>
-          </dgm:shape>
-          <dgm:presOf axis="desOrSelf" ptType="node"/>
-          <dgm:constrLst>
-            <dgm:constr type="userA"/>
-            <dgm:constr type="w" refType="userA" fact="0.3"/>
-            <dgm:constr type="tMarg" refType="primFontSz" fact="0.3"/>
-            <dgm:constr type="bMarg" refType="primFontSz" fact="0.3"/>
-            <dgm:constr type="lMarg" refType="primFontSz" fact="0.3"/>
-            <dgm:constr type="rMarg" refType="primFontSz" fact="0.3"/>
-          </dgm:constrLst>
-          <dgm:ruleLst>
-            <dgm:rule type="w" val="NaN" fact="1" max="NaN"/>
-            <dgm:rule type="primFontSz" val="5" fact="NaN" max="NaN"/>
-          </dgm:ruleLst>
-        </dgm:layoutNode>
-        <dgm:forEach name="Name7" axis="followSib" ptType="sibTrans" cnt="1">
-          <dgm:layoutNode name="sibTrans">
-            <dgm:alg type="sp"/>
-            <dgm:shape xmlns:r="http://schemas.openxmlformats.org/officeDocument/2006/relationships" r:blip="">
-              <dgm:adjLst/>
-            </dgm:shape>
-            <dgm:presOf/>
-            <dgm:constrLst/>
-            <dgm:ruleLst/>
-          </dgm:layoutNode>
-        </dgm:forEach>
-      </dgm:forEach>
-    </dgm:layoutNode>
+    </dgm:forEach>
   </dgm:layoutNode>
 </dgm:layoutDef>
 </file>
@@ -7552,6 +10152,340 @@
 </file>
 
 <file path=ppt/diagrams/layout5.xml><?xml version="1.0" encoding="utf-8"?>
+<dgm:layoutDef xmlns:dgm="http://schemas.openxmlformats.org/drawingml/2006/diagram" xmlns:a="http://schemas.openxmlformats.org/drawingml/2006/main" uniqueId="urn:microsoft.com/office/officeart/2005/8/layout/vList2">
+  <dgm:title val=""/>
+  <dgm:desc val=""/>
+  <dgm:catLst>
+    <dgm:cat type="list" pri="3000"/>
+    <dgm:cat type="convert" pri="1000"/>
+  </dgm:catLst>
+  <dgm:sampData>
+    <dgm:dataModel>
+      <dgm:ptLst>
+        <dgm:pt modelId="0" type="doc"/>
+        <dgm:pt modelId="1">
+          <dgm:prSet phldr="1"/>
+        </dgm:pt>
+        <dgm:pt modelId="11">
+          <dgm:prSet phldr="1"/>
+        </dgm:pt>
+        <dgm:pt modelId="2">
+          <dgm:prSet phldr="1"/>
+        </dgm:pt>
+        <dgm:pt modelId="21">
+          <dgm:prSet phldr="1"/>
+        </dgm:pt>
+      </dgm:ptLst>
+      <dgm:cxnLst>
+        <dgm:cxn modelId="4" srcId="0" destId="1" srcOrd="0" destOrd="0"/>
+        <dgm:cxn modelId="5" srcId="0" destId="2" srcOrd="1" destOrd="0"/>
+        <dgm:cxn modelId="12" srcId="1" destId="11" srcOrd="0" destOrd="0"/>
+        <dgm:cxn modelId="23" srcId="2" destId="21" srcOrd="0" destOrd="0"/>
+      </dgm:cxnLst>
+      <dgm:bg/>
+      <dgm:whole/>
+    </dgm:dataModel>
+  </dgm:sampData>
+  <dgm:styleData>
+    <dgm:dataModel>
+      <dgm:ptLst>
+        <dgm:pt modelId="0" type="doc"/>
+        <dgm:pt modelId="1"/>
+        <dgm:pt modelId="2"/>
+      </dgm:ptLst>
+      <dgm:cxnLst>
+        <dgm:cxn modelId="3" srcId="0" destId="1" srcOrd="0" destOrd="0"/>
+        <dgm:cxn modelId="4" srcId="0" destId="2" srcOrd="1" destOrd="0"/>
+      </dgm:cxnLst>
+      <dgm:bg/>
+      <dgm:whole/>
+    </dgm:dataModel>
+  </dgm:styleData>
+  <dgm:clrData>
+    <dgm:dataModel>
+      <dgm:ptLst>
+        <dgm:pt modelId="0" type="doc"/>
+        <dgm:pt modelId="1"/>
+        <dgm:pt modelId="2"/>
+        <dgm:pt modelId="3"/>
+        <dgm:pt modelId="4"/>
+      </dgm:ptLst>
+      <dgm:cxnLst>
+        <dgm:cxn modelId="5" srcId="0" destId="1" srcOrd="0" destOrd="0"/>
+        <dgm:cxn modelId="6" srcId="0" destId="2" srcOrd="1" destOrd="0"/>
+        <dgm:cxn modelId="7" srcId="0" destId="3" srcOrd="2" destOrd="0"/>
+        <dgm:cxn modelId="8" srcId="0" destId="4" srcOrd="3" destOrd="0"/>
+      </dgm:cxnLst>
+      <dgm:bg/>
+      <dgm:whole/>
+    </dgm:dataModel>
+  </dgm:clrData>
+  <dgm:layoutNode name="linear">
+    <dgm:varLst>
+      <dgm:animLvl val="lvl"/>
+      <dgm:resizeHandles val="exact"/>
+    </dgm:varLst>
+    <dgm:alg type="lin">
+      <dgm:param type="linDir" val="fromT"/>
+      <dgm:param type="vertAlign" val="mid"/>
+    </dgm:alg>
+    <dgm:shape xmlns:r="http://schemas.openxmlformats.org/officeDocument/2006/relationships" r:blip="">
+      <dgm:adjLst/>
+    </dgm:shape>
+    <dgm:presOf/>
+    <dgm:constrLst>
+      <dgm:constr type="w" for="ch" forName="parentText" refType="w"/>
+      <dgm:constr type="h" for="ch" forName="parentText" refType="primFontSz" refFor="ch" refForName="parentText" fact="0.52"/>
+      <dgm:constr type="w" for="ch" forName="childText" refType="w"/>
+      <dgm:constr type="h" for="ch" forName="childText" refType="primFontSz" refFor="ch" refForName="parentText" fact="0.46"/>
+      <dgm:constr type="h" for="ch" forName="parentText" op="equ"/>
+      <dgm:constr type="primFontSz" for="ch" forName="parentText" op="equ" val="65"/>
+      <dgm:constr type="primFontSz" for="ch" forName="childText" refType="primFontSz" refFor="ch" refForName="parentText" op="equ"/>
+      <dgm:constr type="h" for="ch" forName="spacer" refType="primFontSz" refFor="ch" refForName="parentText" fact="0.08"/>
+    </dgm:constrLst>
+    <dgm:ruleLst>
+      <dgm:rule type="primFontSz" for="ch" forName="parentText" val="5" fact="NaN" max="NaN"/>
+    </dgm:ruleLst>
+    <dgm:forEach name="Name0" axis="ch" ptType="node">
+      <dgm:layoutNode name="parentText" styleLbl="node1">
+        <dgm:varLst>
+          <dgm:chMax val="0"/>
+          <dgm:bulletEnabled val="1"/>
+        </dgm:varLst>
+        <dgm:alg type="tx">
+          <dgm:param type="parTxLTRAlign" val="l"/>
+          <dgm:param type="parTxRTLAlign" val="r"/>
+        </dgm:alg>
+        <dgm:shape xmlns:r="http://schemas.openxmlformats.org/officeDocument/2006/relationships" type="roundRect" r:blip="">
+          <dgm:adjLst/>
+        </dgm:shape>
+        <dgm:presOf axis="self"/>
+        <dgm:constrLst>
+          <dgm:constr type="tMarg" refType="primFontSz" fact="0.3"/>
+          <dgm:constr type="bMarg" refType="primFontSz" fact="0.3"/>
+          <dgm:constr type="lMarg" refType="primFontSz" fact="0.3"/>
+          <dgm:constr type="rMarg" refType="primFontSz" fact="0.3"/>
+        </dgm:constrLst>
+        <dgm:ruleLst>
+          <dgm:rule type="h" val="INF" fact="NaN" max="NaN"/>
+        </dgm:ruleLst>
+      </dgm:layoutNode>
+      <dgm:choose name="Name1">
+        <dgm:if name="Name2" axis="ch" ptType="node" func="cnt" op="gte" val="1">
+          <dgm:layoutNode name="childText" styleLbl="revTx">
+            <dgm:varLst>
+              <dgm:bulletEnabled val="1"/>
+            </dgm:varLst>
+            <dgm:alg type="tx">
+              <dgm:param type="stBulletLvl" val="1"/>
+              <dgm:param type="lnSpAfChP" val="20"/>
+            </dgm:alg>
+            <dgm:shape xmlns:r="http://schemas.openxmlformats.org/officeDocument/2006/relationships" type="rect" r:blip="">
+              <dgm:adjLst/>
+            </dgm:shape>
+            <dgm:presOf axis="des" ptType="node"/>
+            <dgm:constrLst>
+              <dgm:constr type="tMarg" refType="primFontSz" fact="0.1"/>
+              <dgm:constr type="bMarg" refType="primFontSz" fact="0.1"/>
+              <dgm:constr type="lMarg" refType="w" fact="0.09"/>
+            </dgm:constrLst>
+            <dgm:ruleLst>
+              <dgm:rule type="h" val="INF" fact="NaN" max="NaN"/>
+            </dgm:ruleLst>
+          </dgm:layoutNode>
+        </dgm:if>
+        <dgm:else name="Name3">
+          <dgm:choose name="Name4">
+            <dgm:if name="Name5" axis="par ch" ptType="doc node" func="cnt" op="gte" val="2">
+              <dgm:forEach name="Name6" axis="followSib" ptType="sibTrans" cnt="1">
+                <dgm:layoutNode name="spacer">
+                  <dgm:alg type="sp"/>
+                  <dgm:shape xmlns:r="http://schemas.openxmlformats.org/officeDocument/2006/relationships" r:blip="">
+                    <dgm:adjLst/>
+                  </dgm:shape>
+                  <dgm:presOf/>
+                  <dgm:constrLst/>
+                  <dgm:ruleLst/>
+                </dgm:layoutNode>
+              </dgm:forEach>
+            </dgm:if>
+            <dgm:else name="Name7"/>
+          </dgm:choose>
+        </dgm:else>
+      </dgm:choose>
+    </dgm:forEach>
+  </dgm:layoutNode>
+</dgm:layoutDef>
+</file>
+
+<file path=ppt/diagrams/layout6.xml><?xml version="1.0" encoding="utf-8"?>
+<dgm:layoutDef xmlns:dgm="http://schemas.openxmlformats.org/drawingml/2006/diagram" xmlns:a="http://schemas.openxmlformats.org/drawingml/2006/main" uniqueId="urn:microsoft.com/office/officeart/2005/8/layout/vList2">
+  <dgm:title val=""/>
+  <dgm:desc val=""/>
+  <dgm:catLst>
+    <dgm:cat type="list" pri="3000"/>
+    <dgm:cat type="convert" pri="1000"/>
+  </dgm:catLst>
+  <dgm:sampData>
+    <dgm:dataModel>
+      <dgm:ptLst>
+        <dgm:pt modelId="0" type="doc"/>
+        <dgm:pt modelId="1">
+          <dgm:prSet phldr="1"/>
+        </dgm:pt>
+        <dgm:pt modelId="11">
+          <dgm:prSet phldr="1"/>
+        </dgm:pt>
+        <dgm:pt modelId="2">
+          <dgm:prSet phldr="1"/>
+        </dgm:pt>
+        <dgm:pt modelId="21">
+          <dgm:prSet phldr="1"/>
+        </dgm:pt>
+      </dgm:ptLst>
+      <dgm:cxnLst>
+        <dgm:cxn modelId="4" srcId="0" destId="1" srcOrd="0" destOrd="0"/>
+        <dgm:cxn modelId="5" srcId="0" destId="2" srcOrd="1" destOrd="0"/>
+        <dgm:cxn modelId="12" srcId="1" destId="11" srcOrd="0" destOrd="0"/>
+        <dgm:cxn modelId="23" srcId="2" destId="21" srcOrd="0" destOrd="0"/>
+      </dgm:cxnLst>
+      <dgm:bg/>
+      <dgm:whole/>
+    </dgm:dataModel>
+  </dgm:sampData>
+  <dgm:styleData>
+    <dgm:dataModel>
+      <dgm:ptLst>
+        <dgm:pt modelId="0" type="doc"/>
+        <dgm:pt modelId="1"/>
+        <dgm:pt modelId="2"/>
+      </dgm:ptLst>
+      <dgm:cxnLst>
+        <dgm:cxn modelId="3" srcId="0" destId="1" srcOrd="0" destOrd="0"/>
+        <dgm:cxn modelId="4" srcId="0" destId="2" srcOrd="1" destOrd="0"/>
+      </dgm:cxnLst>
+      <dgm:bg/>
+      <dgm:whole/>
+    </dgm:dataModel>
+  </dgm:styleData>
+  <dgm:clrData>
+    <dgm:dataModel>
+      <dgm:ptLst>
+        <dgm:pt modelId="0" type="doc"/>
+        <dgm:pt modelId="1"/>
+        <dgm:pt modelId="2"/>
+        <dgm:pt modelId="3"/>
+        <dgm:pt modelId="4"/>
+      </dgm:ptLst>
+      <dgm:cxnLst>
+        <dgm:cxn modelId="5" srcId="0" destId="1" srcOrd="0" destOrd="0"/>
+        <dgm:cxn modelId="6" srcId="0" destId="2" srcOrd="1" destOrd="0"/>
+        <dgm:cxn modelId="7" srcId="0" destId="3" srcOrd="2" destOrd="0"/>
+        <dgm:cxn modelId="8" srcId="0" destId="4" srcOrd="3" destOrd="0"/>
+      </dgm:cxnLst>
+      <dgm:bg/>
+      <dgm:whole/>
+    </dgm:dataModel>
+  </dgm:clrData>
+  <dgm:layoutNode name="linear">
+    <dgm:varLst>
+      <dgm:animLvl val="lvl"/>
+      <dgm:resizeHandles val="exact"/>
+    </dgm:varLst>
+    <dgm:alg type="lin">
+      <dgm:param type="linDir" val="fromT"/>
+      <dgm:param type="vertAlign" val="mid"/>
+    </dgm:alg>
+    <dgm:shape xmlns:r="http://schemas.openxmlformats.org/officeDocument/2006/relationships" r:blip="">
+      <dgm:adjLst/>
+    </dgm:shape>
+    <dgm:presOf/>
+    <dgm:constrLst>
+      <dgm:constr type="w" for="ch" forName="parentText" refType="w"/>
+      <dgm:constr type="h" for="ch" forName="parentText" refType="primFontSz" refFor="ch" refForName="parentText" fact="0.52"/>
+      <dgm:constr type="w" for="ch" forName="childText" refType="w"/>
+      <dgm:constr type="h" for="ch" forName="childText" refType="primFontSz" refFor="ch" refForName="parentText" fact="0.46"/>
+      <dgm:constr type="h" for="ch" forName="parentText" op="equ"/>
+      <dgm:constr type="primFontSz" for="ch" forName="parentText" op="equ" val="65"/>
+      <dgm:constr type="primFontSz" for="ch" forName="childText" refType="primFontSz" refFor="ch" refForName="parentText" op="equ"/>
+      <dgm:constr type="h" for="ch" forName="spacer" refType="primFontSz" refFor="ch" refForName="parentText" fact="0.08"/>
+    </dgm:constrLst>
+    <dgm:ruleLst>
+      <dgm:rule type="primFontSz" for="ch" forName="parentText" val="5" fact="NaN" max="NaN"/>
+    </dgm:ruleLst>
+    <dgm:forEach name="Name0" axis="ch" ptType="node">
+      <dgm:layoutNode name="parentText" styleLbl="node1">
+        <dgm:varLst>
+          <dgm:chMax val="0"/>
+          <dgm:bulletEnabled val="1"/>
+        </dgm:varLst>
+        <dgm:alg type="tx">
+          <dgm:param type="parTxLTRAlign" val="l"/>
+          <dgm:param type="parTxRTLAlign" val="r"/>
+        </dgm:alg>
+        <dgm:shape xmlns:r="http://schemas.openxmlformats.org/officeDocument/2006/relationships" type="roundRect" r:blip="">
+          <dgm:adjLst/>
+        </dgm:shape>
+        <dgm:presOf axis="self"/>
+        <dgm:constrLst>
+          <dgm:constr type="tMarg" refType="primFontSz" fact="0.3"/>
+          <dgm:constr type="bMarg" refType="primFontSz" fact="0.3"/>
+          <dgm:constr type="lMarg" refType="primFontSz" fact="0.3"/>
+          <dgm:constr type="rMarg" refType="primFontSz" fact="0.3"/>
+        </dgm:constrLst>
+        <dgm:ruleLst>
+          <dgm:rule type="h" val="INF" fact="NaN" max="NaN"/>
+        </dgm:ruleLst>
+      </dgm:layoutNode>
+      <dgm:choose name="Name1">
+        <dgm:if name="Name2" axis="ch" ptType="node" func="cnt" op="gte" val="1">
+          <dgm:layoutNode name="childText" styleLbl="revTx">
+            <dgm:varLst>
+              <dgm:bulletEnabled val="1"/>
+            </dgm:varLst>
+            <dgm:alg type="tx">
+              <dgm:param type="stBulletLvl" val="1"/>
+              <dgm:param type="lnSpAfChP" val="20"/>
+            </dgm:alg>
+            <dgm:shape xmlns:r="http://schemas.openxmlformats.org/officeDocument/2006/relationships" type="rect" r:blip="">
+              <dgm:adjLst/>
+            </dgm:shape>
+            <dgm:presOf axis="des" ptType="node"/>
+            <dgm:constrLst>
+              <dgm:constr type="tMarg" refType="primFontSz" fact="0.1"/>
+              <dgm:constr type="bMarg" refType="primFontSz" fact="0.1"/>
+              <dgm:constr type="lMarg" refType="w" fact="0.09"/>
+            </dgm:constrLst>
+            <dgm:ruleLst>
+              <dgm:rule type="h" val="INF" fact="NaN" max="NaN"/>
+            </dgm:ruleLst>
+          </dgm:layoutNode>
+        </dgm:if>
+        <dgm:else name="Name3">
+          <dgm:choose name="Name4">
+            <dgm:if name="Name5" axis="par ch" ptType="doc node" func="cnt" op="gte" val="2">
+              <dgm:forEach name="Name6" axis="followSib" ptType="sibTrans" cnt="1">
+                <dgm:layoutNode name="spacer">
+                  <dgm:alg type="sp"/>
+                  <dgm:shape xmlns:r="http://schemas.openxmlformats.org/officeDocument/2006/relationships" r:blip="">
+                    <dgm:adjLst/>
+                  </dgm:shape>
+                  <dgm:presOf/>
+                  <dgm:constrLst/>
+                  <dgm:ruleLst/>
+                </dgm:layoutNode>
+              </dgm:forEach>
+            </dgm:if>
+            <dgm:else name="Name7"/>
+          </dgm:choose>
+        </dgm:else>
+      </dgm:choose>
+    </dgm:forEach>
+  </dgm:layoutNode>
+</dgm:layoutDef>
+</file>
+
+<file path=ppt/diagrams/layout7.xml><?xml version="1.0" encoding="utf-8"?>
 <dgm:layoutDef xmlns:dgm="http://schemas.openxmlformats.org/drawingml/2006/diagram" xmlns:a="http://schemas.openxmlformats.org/drawingml/2006/main" uniqueId="urn:microsoft.com/office/officeart/2005/8/layout/pyramid2">
   <dgm:title val=""/>
   <dgm:desc val=""/>
@@ -11817,6 +14751,2074 @@
 </file>
 
 <file path=ppt/diagrams/quickStyle5.xml><?xml version="1.0" encoding="utf-8"?>
+<dgm:styleDef xmlns:dgm="http://schemas.openxmlformats.org/drawingml/2006/diagram" xmlns:a="http://schemas.openxmlformats.org/drawingml/2006/main" uniqueId="urn:microsoft.com/office/officeart/2005/8/quickstyle/simple1">
+  <dgm:title val=""/>
+  <dgm:desc val=""/>
+  <dgm:catLst>
+    <dgm:cat type="simple" pri="10100"/>
+  </dgm:catLst>
+  <dgm:scene3d>
+    <a:camera prst="orthographicFront"/>
+    <a:lightRig rig="threePt" dir="t"/>
+  </dgm:scene3d>
+  <dgm:styleLbl name="node0">
+    <dgm:scene3d>
+      <a:camera prst="orthographicFront"/>
+      <a:lightRig rig="threePt" dir="t"/>
+    </dgm:scene3d>
+    <dgm:sp3d/>
+    <dgm:txPr/>
+    <dgm:style>
+      <a:lnRef idx="2">
+        <a:scrgbClr r="0" g="0" b="0"/>
+      </a:lnRef>
+      <a:fillRef idx="1">
+        <a:scrgbClr r="0" g="0" b="0"/>
+      </a:fillRef>
+      <a:effectRef idx="0">
+        <a:scrgbClr r="0" g="0" b="0"/>
+      </a:effectRef>
+      <a:fontRef idx="minor">
+        <a:schemeClr val="lt1"/>
+      </a:fontRef>
+    </dgm:style>
+  </dgm:styleLbl>
+  <dgm:styleLbl name="lnNode1">
+    <dgm:scene3d>
+      <a:camera prst="orthographicFront"/>
+      <a:lightRig rig="threePt" dir="t"/>
+    </dgm:scene3d>
+    <dgm:sp3d/>
+    <dgm:txPr/>
+    <dgm:style>
+      <a:lnRef idx="2">
+        <a:scrgbClr r="0" g="0" b="0"/>
+      </a:lnRef>
+      <a:fillRef idx="1">
+        <a:scrgbClr r="0" g="0" b="0"/>
+      </a:fillRef>
+      <a:effectRef idx="0">
+        <a:scrgbClr r="0" g="0" b="0"/>
+      </a:effectRef>
+      <a:fontRef idx="minor">
+        <a:schemeClr val="lt1"/>
+      </a:fontRef>
+    </dgm:style>
+  </dgm:styleLbl>
+  <dgm:styleLbl name="vennNode1">
+    <dgm:scene3d>
+      <a:camera prst="orthographicFront"/>
+      <a:lightRig rig="threePt" dir="t"/>
+    </dgm:scene3d>
+    <dgm:sp3d/>
+    <dgm:txPr/>
+    <dgm:style>
+      <a:lnRef idx="2">
+        <a:scrgbClr r="0" g="0" b="0"/>
+      </a:lnRef>
+      <a:fillRef idx="1">
+        <a:scrgbClr r="0" g="0" b="0"/>
+      </a:fillRef>
+      <a:effectRef idx="0">
+        <a:scrgbClr r="0" g="0" b="0"/>
+      </a:effectRef>
+      <a:fontRef idx="minor">
+        <a:schemeClr val="tx1"/>
+      </a:fontRef>
+    </dgm:style>
+  </dgm:styleLbl>
+  <dgm:styleLbl name="alignNode1">
+    <dgm:scene3d>
+      <a:camera prst="orthographicFront"/>
+      <a:lightRig rig="threePt" dir="t"/>
+    </dgm:scene3d>
+    <dgm:sp3d/>
+    <dgm:txPr/>
+    <dgm:style>
+      <a:lnRef idx="2">
+        <a:scrgbClr r="0" g="0" b="0"/>
+      </a:lnRef>
+      <a:fillRef idx="1">
+        <a:scrgbClr r="0" g="0" b="0"/>
+      </a:fillRef>
+      <a:effectRef idx="0">
+        <a:scrgbClr r="0" g="0" b="0"/>
+      </a:effectRef>
+      <a:fontRef idx="minor">
+        <a:schemeClr val="lt1"/>
+      </a:fontRef>
+    </dgm:style>
+  </dgm:styleLbl>
+  <dgm:styleLbl name="node1">
+    <dgm:scene3d>
+      <a:camera prst="orthographicFront"/>
+      <a:lightRig rig="threePt" dir="t"/>
+    </dgm:scene3d>
+    <dgm:sp3d/>
+    <dgm:txPr/>
+    <dgm:style>
+      <a:lnRef idx="2">
+        <a:scrgbClr r="0" g="0" b="0"/>
+      </a:lnRef>
+      <a:fillRef idx="1">
+        <a:scrgbClr r="0" g="0" b="0"/>
+      </a:fillRef>
+      <a:effectRef idx="0">
+        <a:scrgbClr r="0" g="0" b="0"/>
+      </a:effectRef>
+      <a:fontRef idx="minor">
+        <a:schemeClr val="lt1"/>
+      </a:fontRef>
+    </dgm:style>
+  </dgm:styleLbl>
+  <dgm:styleLbl name="node2">
+    <dgm:scene3d>
+      <a:camera prst="orthographicFront"/>
+      <a:lightRig rig="threePt" dir="t"/>
+    </dgm:scene3d>
+    <dgm:sp3d/>
+    <dgm:txPr/>
+    <dgm:style>
+      <a:lnRef idx="2">
+        <a:scrgbClr r="0" g="0" b="0"/>
+      </a:lnRef>
+      <a:fillRef idx="1">
+        <a:scrgbClr r="0" g="0" b="0"/>
+      </a:fillRef>
+      <a:effectRef idx="0">
+        <a:scrgbClr r="0" g="0" b="0"/>
+      </a:effectRef>
+      <a:fontRef idx="minor">
+        <a:schemeClr val="lt1"/>
+      </a:fontRef>
+    </dgm:style>
+  </dgm:styleLbl>
+  <dgm:styleLbl name="node3">
+    <dgm:scene3d>
+      <a:camera prst="orthographicFront"/>
+      <a:lightRig rig="threePt" dir="t"/>
+    </dgm:scene3d>
+    <dgm:sp3d/>
+    <dgm:txPr/>
+    <dgm:style>
+      <a:lnRef idx="2">
+        <a:scrgbClr r="0" g="0" b="0"/>
+      </a:lnRef>
+      <a:fillRef idx="1">
+        <a:scrgbClr r="0" g="0" b="0"/>
+      </a:fillRef>
+      <a:effectRef idx="0">
+        <a:scrgbClr r="0" g="0" b="0"/>
+      </a:effectRef>
+      <a:fontRef idx="minor">
+        <a:schemeClr val="lt1"/>
+      </a:fontRef>
+    </dgm:style>
+  </dgm:styleLbl>
+  <dgm:styleLbl name="node4">
+    <dgm:scene3d>
+      <a:camera prst="orthographicFront"/>
+      <a:lightRig rig="threePt" dir="t"/>
+    </dgm:scene3d>
+    <dgm:sp3d/>
+    <dgm:txPr/>
+    <dgm:style>
+      <a:lnRef idx="2">
+        <a:scrgbClr r="0" g="0" b="0"/>
+      </a:lnRef>
+      <a:fillRef idx="1">
+        <a:scrgbClr r="0" g="0" b="0"/>
+      </a:fillRef>
+      <a:effectRef idx="0">
+        <a:scrgbClr r="0" g="0" b="0"/>
+      </a:effectRef>
+      <a:fontRef idx="minor">
+        <a:schemeClr val="lt1"/>
+      </a:fontRef>
+    </dgm:style>
+  </dgm:styleLbl>
+  <dgm:styleLbl name="fgImgPlace1">
+    <dgm:scene3d>
+      <a:camera prst="orthographicFront"/>
+      <a:lightRig rig="threePt" dir="t"/>
+    </dgm:scene3d>
+    <dgm:sp3d/>
+    <dgm:txPr/>
+    <dgm:style>
+      <a:lnRef idx="2">
+        <a:scrgbClr r="0" g="0" b="0"/>
+      </a:lnRef>
+      <a:fillRef idx="1">
+        <a:scrgbClr r="0" g="0" b="0"/>
+      </a:fillRef>
+      <a:effectRef idx="0">
+        <a:scrgbClr r="0" g="0" b="0"/>
+      </a:effectRef>
+      <a:fontRef idx="minor"/>
+    </dgm:style>
+  </dgm:styleLbl>
+  <dgm:styleLbl name="alignImgPlace1">
+    <dgm:scene3d>
+      <a:camera prst="orthographicFront"/>
+      <a:lightRig rig="threePt" dir="t"/>
+    </dgm:scene3d>
+    <dgm:sp3d/>
+    <dgm:txPr/>
+    <dgm:style>
+      <a:lnRef idx="2">
+        <a:scrgbClr r="0" g="0" b="0"/>
+      </a:lnRef>
+      <a:fillRef idx="1">
+        <a:scrgbClr r="0" g="0" b="0"/>
+      </a:fillRef>
+      <a:effectRef idx="0">
+        <a:scrgbClr r="0" g="0" b="0"/>
+      </a:effectRef>
+      <a:fontRef idx="minor"/>
+    </dgm:style>
+  </dgm:styleLbl>
+  <dgm:styleLbl name="bgImgPlace1">
+    <dgm:scene3d>
+      <a:camera prst="orthographicFront"/>
+      <a:lightRig rig="threePt" dir="t"/>
+    </dgm:scene3d>
+    <dgm:sp3d/>
+    <dgm:txPr/>
+    <dgm:style>
+      <a:lnRef idx="2">
+        <a:scrgbClr r="0" g="0" b="0"/>
+      </a:lnRef>
+      <a:fillRef idx="1">
+        <a:scrgbClr r="0" g="0" b="0"/>
+      </a:fillRef>
+      <a:effectRef idx="0">
+        <a:scrgbClr r="0" g="0" b="0"/>
+      </a:effectRef>
+      <a:fontRef idx="minor"/>
+    </dgm:style>
+  </dgm:styleLbl>
+  <dgm:styleLbl name="sibTrans2D1">
+    <dgm:scene3d>
+      <a:camera prst="orthographicFront"/>
+      <a:lightRig rig="threePt" dir="t"/>
+    </dgm:scene3d>
+    <dgm:sp3d/>
+    <dgm:txPr/>
+    <dgm:style>
+      <a:lnRef idx="0">
+        <a:scrgbClr r="0" g="0" b="0"/>
+      </a:lnRef>
+      <a:fillRef idx="1">
+        <a:scrgbClr r="0" g="0" b="0"/>
+      </a:fillRef>
+      <a:effectRef idx="0">
+        <a:scrgbClr r="0" g="0" b="0"/>
+      </a:effectRef>
+      <a:fontRef idx="minor">
+        <a:schemeClr val="lt1"/>
+      </a:fontRef>
+    </dgm:style>
+  </dgm:styleLbl>
+  <dgm:styleLbl name="fgSibTrans2D1">
+    <dgm:scene3d>
+      <a:camera prst="orthographicFront"/>
+      <a:lightRig rig="threePt" dir="t"/>
+    </dgm:scene3d>
+    <dgm:sp3d/>
+    <dgm:txPr/>
+    <dgm:style>
+      <a:lnRef idx="0">
+        <a:scrgbClr r="0" g="0" b="0"/>
+      </a:lnRef>
+      <a:fillRef idx="1">
+        <a:scrgbClr r="0" g="0" b="0"/>
+      </a:fillRef>
+      <a:effectRef idx="0">
+        <a:scrgbClr r="0" g="0" b="0"/>
+      </a:effectRef>
+      <a:fontRef idx="minor">
+        <a:schemeClr val="lt1"/>
+      </a:fontRef>
+    </dgm:style>
+  </dgm:styleLbl>
+  <dgm:styleLbl name="bgSibTrans2D1">
+    <dgm:scene3d>
+      <a:camera prst="orthographicFront"/>
+      <a:lightRig rig="threePt" dir="t"/>
+    </dgm:scene3d>
+    <dgm:sp3d/>
+    <dgm:txPr/>
+    <dgm:style>
+      <a:lnRef idx="0">
+        <a:scrgbClr r="0" g="0" b="0"/>
+      </a:lnRef>
+      <a:fillRef idx="1">
+        <a:scrgbClr r="0" g="0" b="0"/>
+      </a:fillRef>
+      <a:effectRef idx="0">
+        <a:scrgbClr r="0" g="0" b="0"/>
+      </a:effectRef>
+      <a:fontRef idx="minor">
+        <a:schemeClr val="lt1"/>
+      </a:fontRef>
+    </dgm:style>
+  </dgm:styleLbl>
+  <dgm:styleLbl name="sibTrans1D1">
+    <dgm:scene3d>
+      <a:camera prst="orthographicFront"/>
+      <a:lightRig rig="threePt" dir="t"/>
+    </dgm:scene3d>
+    <dgm:sp3d/>
+    <dgm:txPr/>
+    <dgm:style>
+      <a:lnRef idx="1">
+        <a:scrgbClr r="0" g="0" b="0"/>
+      </a:lnRef>
+      <a:fillRef idx="0">
+        <a:scrgbClr r="0" g="0" b="0"/>
+      </a:fillRef>
+      <a:effectRef idx="0">
+        <a:scrgbClr r="0" g="0" b="0"/>
+      </a:effectRef>
+      <a:fontRef idx="minor"/>
+    </dgm:style>
+  </dgm:styleLbl>
+  <dgm:styleLbl name="callout">
+    <dgm:scene3d>
+      <a:camera prst="orthographicFront"/>
+      <a:lightRig rig="threePt" dir="t"/>
+    </dgm:scene3d>
+    <dgm:sp3d/>
+    <dgm:txPr/>
+    <dgm:style>
+      <a:lnRef idx="2">
+        <a:scrgbClr r="0" g="0" b="0"/>
+      </a:lnRef>
+      <a:fillRef idx="1">
+        <a:scrgbClr r="0" g="0" b="0"/>
+      </a:fillRef>
+      <a:effectRef idx="0">
+        <a:scrgbClr r="0" g="0" b="0"/>
+      </a:effectRef>
+      <a:fontRef idx="minor"/>
+    </dgm:style>
+  </dgm:styleLbl>
+  <dgm:styleLbl name="asst0">
+    <dgm:scene3d>
+      <a:camera prst="orthographicFront"/>
+      <a:lightRig rig="threePt" dir="t"/>
+    </dgm:scene3d>
+    <dgm:sp3d/>
+    <dgm:txPr/>
+    <dgm:style>
+      <a:lnRef idx="2">
+        <a:scrgbClr r="0" g="0" b="0"/>
+      </a:lnRef>
+      <a:fillRef idx="1">
+        <a:scrgbClr r="0" g="0" b="0"/>
+      </a:fillRef>
+      <a:effectRef idx="0">
+        <a:scrgbClr r="0" g="0" b="0"/>
+      </a:effectRef>
+      <a:fontRef idx="minor">
+        <a:schemeClr val="lt1"/>
+      </a:fontRef>
+    </dgm:style>
+  </dgm:styleLbl>
+  <dgm:styleLbl name="asst1">
+    <dgm:scene3d>
+      <a:camera prst="orthographicFront"/>
+      <a:lightRig rig="threePt" dir="t"/>
+    </dgm:scene3d>
+    <dgm:sp3d/>
+    <dgm:txPr/>
+    <dgm:style>
+      <a:lnRef idx="2">
+        <a:scrgbClr r="0" g="0" b="0"/>
+      </a:lnRef>
+      <a:fillRef idx="1">
+        <a:scrgbClr r="0" g="0" b="0"/>
+      </a:fillRef>
+      <a:effectRef idx="0">
+        <a:scrgbClr r="0" g="0" b="0"/>
+      </a:effectRef>
+      <a:fontRef idx="minor">
+        <a:schemeClr val="lt1"/>
+      </a:fontRef>
+    </dgm:style>
+  </dgm:styleLbl>
+  <dgm:styleLbl name="asst2">
+    <dgm:scene3d>
+      <a:camera prst="orthographicFront"/>
+      <a:lightRig rig="threePt" dir="t"/>
+    </dgm:scene3d>
+    <dgm:sp3d/>
+    <dgm:txPr/>
+    <dgm:style>
+      <a:lnRef idx="2">
+        <a:scrgbClr r="0" g="0" b="0"/>
+      </a:lnRef>
+      <a:fillRef idx="1">
+        <a:scrgbClr r="0" g="0" b="0"/>
+      </a:fillRef>
+      <a:effectRef idx="0">
+        <a:scrgbClr r="0" g="0" b="0"/>
+      </a:effectRef>
+      <a:fontRef idx="minor">
+        <a:schemeClr val="lt1"/>
+      </a:fontRef>
+    </dgm:style>
+  </dgm:styleLbl>
+  <dgm:styleLbl name="asst3">
+    <dgm:scene3d>
+      <a:camera prst="orthographicFront"/>
+      <a:lightRig rig="threePt" dir="t"/>
+    </dgm:scene3d>
+    <dgm:sp3d/>
+    <dgm:txPr/>
+    <dgm:style>
+      <a:lnRef idx="2">
+        <a:scrgbClr r="0" g="0" b="0"/>
+      </a:lnRef>
+      <a:fillRef idx="1">
+        <a:scrgbClr r="0" g="0" b="0"/>
+      </a:fillRef>
+      <a:effectRef idx="0">
+        <a:scrgbClr r="0" g="0" b="0"/>
+      </a:effectRef>
+      <a:fontRef idx="minor">
+        <a:schemeClr val="lt1"/>
+      </a:fontRef>
+    </dgm:style>
+  </dgm:styleLbl>
+  <dgm:styleLbl name="asst4">
+    <dgm:scene3d>
+      <a:camera prst="orthographicFront"/>
+      <a:lightRig rig="threePt" dir="t"/>
+    </dgm:scene3d>
+    <dgm:sp3d/>
+    <dgm:txPr/>
+    <dgm:style>
+      <a:lnRef idx="2">
+        <a:scrgbClr r="0" g="0" b="0"/>
+      </a:lnRef>
+      <a:fillRef idx="1">
+        <a:scrgbClr r="0" g="0" b="0"/>
+      </a:fillRef>
+      <a:effectRef idx="0">
+        <a:scrgbClr r="0" g="0" b="0"/>
+      </a:effectRef>
+      <a:fontRef idx="minor">
+        <a:schemeClr val="lt1"/>
+      </a:fontRef>
+    </dgm:style>
+  </dgm:styleLbl>
+  <dgm:styleLbl name="parChTrans2D1">
+    <dgm:scene3d>
+      <a:camera prst="orthographicFront"/>
+      <a:lightRig rig="threePt" dir="t"/>
+    </dgm:scene3d>
+    <dgm:sp3d/>
+    <dgm:txPr/>
+    <dgm:style>
+      <a:lnRef idx="2">
+        <a:scrgbClr r="0" g="0" b="0"/>
+      </a:lnRef>
+      <a:fillRef idx="1">
+        <a:scrgbClr r="0" g="0" b="0"/>
+      </a:fillRef>
+      <a:effectRef idx="0">
+        <a:scrgbClr r="0" g="0" b="0"/>
+      </a:effectRef>
+      <a:fontRef idx="minor">
+        <a:schemeClr val="lt1"/>
+      </a:fontRef>
+    </dgm:style>
+  </dgm:styleLbl>
+  <dgm:styleLbl name="parChTrans2D2">
+    <dgm:scene3d>
+      <a:camera prst="orthographicFront"/>
+      <a:lightRig rig="threePt" dir="t"/>
+    </dgm:scene3d>
+    <dgm:sp3d/>
+    <dgm:txPr/>
+    <dgm:style>
+      <a:lnRef idx="2">
+        <a:scrgbClr r="0" g="0" b="0"/>
+      </a:lnRef>
+      <a:fillRef idx="1">
+        <a:scrgbClr r="0" g="0" b="0"/>
+      </a:fillRef>
+      <a:effectRef idx="0">
+        <a:scrgbClr r="0" g="0" b="0"/>
+      </a:effectRef>
+      <a:fontRef idx="minor">
+        <a:schemeClr val="lt1"/>
+      </a:fontRef>
+    </dgm:style>
+  </dgm:styleLbl>
+  <dgm:styleLbl name="parChTrans2D3">
+    <dgm:scene3d>
+      <a:camera prst="orthographicFront"/>
+      <a:lightRig rig="threePt" dir="t"/>
+    </dgm:scene3d>
+    <dgm:sp3d/>
+    <dgm:txPr/>
+    <dgm:style>
+      <a:lnRef idx="2">
+        <a:scrgbClr r="0" g="0" b="0"/>
+      </a:lnRef>
+      <a:fillRef idx="1">
+        <a:scrgbClr r="0" g="0" b="0"/>
+      </a:fillRef>
+      <a:effectRef idx="0">
+        <a:scrgbClr r="0" g="0" b="0"/>
+      </a:effectRef>
+      <a:fontRef idx="minor">
+        <a:schemeClr val="lt1"/>
+      </a:fontRef>
+    </dgm:style>
+  </dgm:styleLbl>
+  <dgm:styleLbl name="parChTrans2D4">
+    <dgm:scene3d>
+      <a:camera prst="orthographicFront"/>
+      <a:lightRig rig="threePt" dir="t"/>
+    </dgm:scene3d>
+    <dgm:sp3d/>
+    <dgm:txPr/>
+    <dgm:style>
+      <a:lnRef idx="2">
+        <a:scrgbClr r="0" g="0" b="0"/>
+      </a:lnRef>
+      <a:fillRef idx="1">
+        <a:scrgbClr r="0" g="0" b="0"/>
+      </a:fillRef>
+      <a:effectRef idx="0">
+        <a:scrgbClr r="0" g="0" b="0"/>
+      </a:effectRef>
+      <a:fontRef idx="minor">
+        <a:schemeClr val="lt1"/>
+      </a:fontRef>
+    </dgm:style>
+  </dgm:styleLbl>
+  <dgm:styleLbl name="parChTrans1D1">
+    <dgm:scene3d>
+      <a:camera prst="orthographicFront"/>
+      <a:lightRig rig="threePt" dir="t"/>
+    </dgm:scene3d>
+    <dgm:sp3d/>
+    <dgm:txPr/>
+    <dgm:style>
+      <a:lnRef idx="2">
+        <a:scrgbClr r="0" g="0" b="0"/>
+      </a:lnRef>
+      <a:fillRef idx="0">
+        <a:scrgbClr r="0" g="0" b="0"/>
+      </a:fillRef>
+      <a:effectRef idx="0">
+        <a:scrgbClr r="0" g="0" b="0"/>
+      </a:effectRef>
+      <a:fontRef idx="minor"/>
+    </dgm:style>
+  </dgm:styleLbl>
+  <dgm:styleLbl name="parChTrans1D2">
+    <dgm:scene3d>
+      <a:camera prst="orthographicFront"/>
+      <a:lightRig rig="threePt" dir="t"/>
+    </dgm:scene3d>
+    <dgm:sp3d/>
+    <dgm:txPr/>
+    <dgm:style>
+      <a:lnRef idx="2">
+        <a:scrgbClr r="0" g="0" b="0"/>
+      </a:lnRef>
+      <a:fillRef idx="0">
+        <a:scrgbClr r="0" g="0" b="0"/>
+      </a:fillRef>
+      <a:effectRef idx="0">
+        <a:scrgbClr r="0" g="0" b="0"/>
+      </a:effectRef>
+      <a:fontRef idx="minor"/>
+    </dgm:style>
+  </dgm:styleLbl>
+  <dgm:styleLbl name="parChTrans1D3">
+    <dgm:scene3d>
+      <a:camera prst="orthographicFront"/>
+      <a:lightRig rig="threePt" dir="t"/>
+    </dgm:scene3d>
+    <dgm:sp3d/>
+    <dgm:txPr/>
+    <dgm:style>
+      <a:lnRef idx="2">
+        <a:scrgbClr r="0" g="0" b="0"/>
+      </a:lnRef>
+      <a:fillRef idx="0">
+        <a:scrgbClr r="0" g="0" b="0"/>
+      </a:fillRef>
+      <a:effectRef idx="0">
+        <a:scrgbClr r="0" g="0" b="0"/>
+      </a:effectRef>
+      <a:fontRef idx="minor"/>
+    </dgm:style>
+  </dgm:styleLbl>
+  <dgm:styleLbl name="parChTrans1D4">
+    <dgm:scene3d>
+      <a:camera prst="orthographicFront"/>
+      <a:lightRig rig="threePt" dir="t"/>
+    </dgm:scene3d>
+    <dgm:sp3d/>
+    <dgm:txPr/>
+    <dgm:style>
+      <a:lnRef idx="2">
+        <a:scrgbClr r="0" g="0" b="0"/>
+      </a:lnRef>
+      <a:fillRef idx="0">
+        <a:scrgbClr r="0" g="0" b="0"/>
+      </a:fillRef>
+      <a:effectRef idx="0">
+        <a:scrgbClr r="0" g="0" b="0"/>
+      </a:effectRef>
+      <a:fontRef idx="minor"/>
+    </dgm:style>
+  </dgm:styleLbl>
+  <dgm:styleLbl name="fgAcc1">
+    <dgm:scene3d>
+      <a:camera prst="orthographicFront"/>
+      <a:lightRig rig="threePt" dir="t"/>
+    </dgm:scene3d>
+    <dgm:sp3d/>
+    <dgm:txPr/>
+    <dgm:style>
+      <a:lnRef idx="2">
+        <a:scrgbClr r="0" g="0" b="0"/>
+      </a:lnRef>
+      <a:fillRef idx="1">
+        <a:scrgbClr r="0" g="0" b="0"/>
+      </a:fillRef>
+      <a:effectRef idx="0">
+        <a:scrgbClr r="0" g="0" b="0"/>
+      </a:effectRef>
+      <a:fontRef idx="minor"/>
+    </dgm:style>
+  </dgm:styleLbl>
+  <dgm:styleLbl name="conFgAcc1">
+    <dgm:scene3d>
+      <a:camera prst="orthographicFront"/>
+      <a:lightRig rig="threePt" dir="t"/>
+    </dgm:scene3d>
+    <dgm:sp3d/>
+    <dgm:txPr/>
+    <dgm:style>
+      <a:lnRef idx="2">
+        <a:scrgbClr r="0" g="0" b="0"/>
+      </a:lnRef>
+      <a:fillRef idx="1">
+        <a:scrgbClr r="0" g="0" b="0"/>
+      </a:fillRef>
+      <a:effectRef idx="0">
+        <a:scrgbClr r="0" g="0" b="0"/>
+      </a:effectRef>
+      <a:fontRef idx="minor"/>
+    </dgm:style>
+  </dgm:styleLbl>
+  <dgm:styleLbl name="alignAcc1">
+    <dgm:scene3d>
+      <a:camera prst="orthographicFront"/>
+      <a:lightRig rig="threePt" dir="t"/>
+    </dgm:scene3d>
+    <dgm:sp3d/>
+    <dgm:txPr/>
+    <dgm:style>
+      <a:lnRef idx="2">
+        <a:scrgbClr r="0" g="0" b="0"/>
+      </a:lnRef>
+      <a:fillRef idx="1">
+        <a:scrgbClr r="0" g="0" b="0"/>
+      </a:fillRef>
+      <a:effectRef idx="0">
+        <a:scrgbClr r="0" g="0" b="0"/>
+      </a:effectRef>
+      <a:fontRef idx="minor"/>
+    </dgm:style>
+  </dgm:styleLbl>
+  <dgm:styleLbl name="trAlignAcc1">
+    <dgm:scene3d>
+      <a:camera prst="orthographicFront"/>
+      <a:lightRig rig="threePt" dir="t"/>
+    </dgm:scene3d>
+    <dgm:sp3d/>
+    <dgm:txPr/>
+    <dgm:style>
+      <a:lnRef idx="1">
+        <a:scrgbClr r="0" g="0" b="0"/>
+      </a:lnRef>
+      <a:fillRef idx="1">
+        <a:scrgbClr r="0" g="0" b="0"/>
+      </a:fillRef>
+      <a:effectRef idx="0">
+        <a:scrgbClr r="0" g="0" b="0"/>
+      </a:effectRef>
+      <a:fontRef idx="minor"/>
+    </dgm:style>
+  </dgm:styleLbl>
+  <dgm:styleLbl name="bgAcc1">
+    <dgm:scene3d>
+      <a:camera prst="orthographicFront"/>
+      <a:lightRig rig="threePt" dir="t"/>
+    </dgm:scene3d>
+    <dgm:sp3d/>
+    <dgm:txPr/>
+    <dgm:style>
+      <a:lnRef idx="2">
+        <a:scrgbClr r="0" g="0" b="0"/>
+      </a:lnRef>
+      <a:fillRef idx="1">
+        <a:scrgbClr r="0" g="0" b="0"/>
+      </a:fillRef>
+      <a:effectRef idx="0">
+        <a:scrgbClr r="0" g="0" b="0"/>
+      </a:effectRef>
+      <a:fontRef idx="minor"/>
+    </dgm:style>
+  </dgm:styleLbl>
+  <dgm:styleLbl name="solidFgAcc1">
+    <dgm:scene3d>
+      <a:camera prst="orthographicFront"/>
+      <a:lightRig rig="threePt" dir="t"/>
+    </dgm:scene3d>
+    <dgm:sp3d/>
+    <dgm:txPr/>
+    <dgm:style>
+      <a:lnRef idx="2">
+        <a:scrgbClr r="0" g="0" b="0"/>
+      </a:lnRef>
+      <a:fillRef idx="1">
+        <a:scrgbClr r="0" g="0" b="0"/>
+      </a:fillRef>
+      <a:effectRef idx="0">
+        <a:scrgbClr r="0" g="0" b="0"/>
+      </a:effectRef>
+      <a:fontRef idx="minor"/>
+    </dgm:style>
+  </dgm:styleLbl>
+  <dgm:styleLbl name="solidAlignAcc1">
+    <dgm:scene3d>
+      <a:camera prst="orthographicFront"/>
+      <a:lightRig rig="threePt" dir="t"/>
+    </dgm:scene3d>
+    <dgm:sp3d/>
+    <dgm:txPr/>
+    <dgm:style>
+      <a:lnRef idx="2">
+        <a:scrgbClr r="0" g="0" b="0"/>
+      </a:lnRef>
+      <a:fillRef idx="1">
+        <a:scrgbClr r="0" g="0" b="0"/>
+      </a:fillRef>
+      <a:effectRef idx="0">
+        <a:scrgbClr r="0" g="0" b="0"/>
+      </a:effectRef>
+      <a:fontRef idx="minor"/>
+    </dgm:style>
+  </dgm:styleLbl>
+  <dgm:styleLbl name="solidBgAcc1">
+    <dgm:scene3d>
+      <a:camera prst="orthographicFront"/>
+      <a:lightRig rig="threePt" dir="t"/>
+    </dgm:scene3d>
+    <dgm:sp3d/>
+    <dgm:txPr/>
+    <dgm:style>
+      <a:lnRef idx="2">
+        <a:scrgbClr r="0" g="0" b="0"/>
+      </a:lnRef>
+      <a:fillRef idx="1">
+        <a:scrgbClr r="0" g="0" b="0"/>
+      </a:fillRef>
+      <a:effectRef idx="0">
+        <a:scrgbClr r="0" g="0" b="0"/>
+      </a:effectRef>
+      <a:fontRef idx="minor"/>
+    </dgm:style>
+  </dgm:styleLbl>
+  <dgm:styleLbl name="fgAccFollowNode1">
+    <dgm:scene3d>
+      <a:camera prst="orthographicFront"/>
+      <a:lightRig rig="threePt" dir="t"/>
+    </dgm:scene3d>
+    <dgm:sp3d/>
+    <dgm:txPr/>
+    <dgm:style>
+      <a:lnRef idx="2">
+        <a:scrgbClr r="0" g="0" b="0"/>
+      </a:lnRef>
+      <a:fillRef idx="1">
+        <a:scrgbClr r="0" g="0" b="0"/>
+      </a:fillRef>
+      <a:effectRef idx="0">
+        <a:scrgbClr r="0" g="0" b="0"/>
+      </a:effectRef>
+      <a:fontRef idx="minor"/>
+    </dgm:style>
+  </dgm:styleLbl>
+  <dgm:styleLbl name="alignAccFollowNode1">
+    <dgm:scene3d>
+      <a:camera prst="orthographicFront"/>
+      <a:lightRig rig="threePt" dir="t"/>
+    </dgm:scene3d>
+    <dgm:sp3d/>
+    <dgm:txPr/>
+    <dgm:style>
+      <a:lnRef idx="2">
+        <a:scrgbClr r="0" g="0" b="0"/>
+      </a:lnRef>
+      <a:fillRef idx="1">
+        <a:scrgbClr r="0" g="0" b="0"/>
+      </a:fillRef>
+      <a:effectRef idx="0">
+        <a:scrgbClr r="0" g="0" b="0"/>
+      </a:effectRef>
+      <a:fontRef idx="minor"/>
+    </dgm:style>
+  </dgm:styleLbl>
+  <dgm:styleLbl name="bgAccFollowNode1">
+    <dgm:scene3d>
+      <a:camera prst="orthographicFront"/>
+      <a:lightRig rig="threePt" dir="t"/>
+    </dgm:scene3d>
+    <dgm:sp3d/>
+    <dgm:txPr/>
+    <dgm:style>
+      <a:lnRef idx="2">
+        <a:scrgbClr r="0" g="0" b="0"/>
+      </a:lnRef>
+      <a:fillRef idx="1">
+        <a:scrgbClr r="0" g="0" b="0"/>
+      </a:fillRef>
+      <a:effectRef idx="0">
+        <a:scrgbClr r="0" g="0" b="0"/>
+      </a:effectRef>
+      <a:fontRef idx="minor"/>
+    </dgm:style>
+  </dgm:styleLbl>
+  <dgm:styleLbl name="fgAcc0">
+    <dgm:scene3d>
+      <a:camera prst="orthographicFront"/>
+      <a:lightRig rig="threePt" dir="t"/>
+    </dgm:scene3d>
+    <dgm:sp3d/>
+    <dgm:txPr/>
+    <dgm:style>
+      <a:lnRef idx="2">
+        <a:scrgbClr r="0" g="0" b="0"/>
+      </a:lnRef>
+      <a:fillRef idx="1">
+        <a:scrgbClr r="0" g="0" b="0"/>
+      </a:fillRef>
+      <a:effectRef idx="0">
+        <a:scrgbClr r="0" g="0" b="0"/>
+      </a:effectRef>
+      <a:fontRef idx="minor"/>
+    </dgm:style>
+  </dgm:styleLbl>
+  <dgm:styleLbl name="fgAcc2">
+    <dgm:scene3d>
+      <a:camera prst="orthographicFront"/>
+      <a:lightRig rig="threePt" dir="t"/>
+    </dgm:scene3d>
+    <dgm:sp3d/>
+    <dgm:txPr/>
+    <dgm:style>
+      <a:lnRef idx="2">
+        <a:scrgbClr r="0" g="0" b="0"/>
+      </a:lnRef>
+      <a:fillRef idx="1">
+        <a:scrgbClr r="0" g="0" b="0"/>
+      </a:fillRef>
+      <a:effectRef idx="0">
+        <a:scrgbClr r="0" g="0" b="0"/>
+      </a:effectRef>
+      <a:fontRef idx="minor"/>
+    </dgm:style>
+  </dgm:styleLbl>
+  <dgm:styleLbl name="fgAcc3">
+    <dgm:scene3d>
+      <a:camera prst="orthographicFront"/>
+      <a:lightRig rig="threePt" dir="t"/>
+    </dgm:scene3d>
+    <dgm:sp3d/>
+    <dgm:txPr/>
+    <dgm:style>
+      <a:lnRef idx="2">
+        <a:scrgbClr r="0" g="0" b="0"/>
+      </a:lnRef>
+      <a:fillRef idx="1">
+        <a:scrgbClr r="0" g="0" b="0"/>
+      </a:fillRef>
+      <a:effectRef idx="0">
+        <a:scrgbClr r="0" g="0" b="0"/>
+      </a:effectRef>
+      <a:fontRef idx="minor"/>
+    </dgm:style>
+  </dgm:styleLbl>
+  <dgm:styleLbl name="fgAcc4">
+    <dgm:scene3d>
+      <a:camera prst="orthographicFront"/>
+      <a:lightRig rig="threePt" dir="t"/>
+    </dgm:scene3d>
+    <dgm:sp3d/>
+    <dgm:txPr/>
+    <dgm:style>
+      <a:lnRef idx="2">
+        <a:scrgbClr r="0" g="0" b="0"/>
+      </a:lnRef>
+      <a:fillRef idx="1">
+        <a:scrgbClr r="0" g="0" b="0"/>
+      </a:fillRef>
+      <a:effectRef idx="0">
+        <a:scrgbClr r="0" g="0" b="0"/>
+      </a:effectRef>
+      <a:fontRef idx="minor"/>
+    </dgm:style>
+  </dgm:styleLbl>
+  <dgm:styleLbl name="bgShp">
+    <dgm:scene3d>
+      <a:camera prst="orthographicFront"/>
+      <a:lightRig rig="threePt" dir="t"/>
+    </dgm:scene3d>
+    <dgm:sp3d/>
+    <dgm:txPr/>
+    <dgm:style>
+      <a:lnRef idx="0">
+        <a:scrgbClr r="0" g="0" b="0"/>
+      </a:lnRef>
+      <a:fillRef idx="1">
+        <a:scrgbClr r="0" g="0" b="0"/>
+      </a:fillRef>
+      <a:effectRef idx="0">
+        <a:scrgbClr r="0" g="0" b="0"/>
+      </a:effectRef>
+      <a:fontRef idx="minor"/>
+    </dgm:style>
+  </dgm:styleLbl>
+  <dgm:styleLbl name="dkBgShp">
+    <dgm:scene3d>
+      <a:camera prst="orthographicFront"/>
+      <a:lightRig rig="threePt" dir="t"/>
+    </dgm:scene3d>
+    <dgm:sp3d/>
+    <dgm:txPr/>
+    <dgm:style>
+      <a:lnRef idx="0">
+        <a:scrgbClr r="0" g="0" b="0"/>
+      </a:lnRef>
+      <a:fillRef idx="1">
+        <a:scrgbClr r="0" g="0" b="0"/>
+      </a:fillRef>
+      <a:effectRef idx="0">
+        <a:scrgbClr r="0" g="0" b="0"/>
+      </a:effectRef>
+      <a:fontRef idx="minor"/>
+    </dgm:style>
+  </dgm:styleLbl>
+  <dgm:styleLbl name="trBgShp">
+    <dgm:scene3d>
+      <a:camera prst="orthographicFront"/>
+      <a:lightRig rig="threePt" dir="t"/>
+    </dgm:scene3d>
+    <dgm:sp3d/>
+    <dgm:txPr/>
+    <dgm:style>
+      <a:lnRef idx="0">
+        <a:scrgbClr r="0" g="0" b="0"/>
+      </a:lnRef>
+      <a:fillRef idx="1">
+        <a:scrgbClr r="0" g="0" b="0"/>
+      </a:fillRef>
+      <a:effectRef idx="0">
+        <a:scrgbClr r="0" g="0" b="0"/>
+      </a:effectRef>
+      <a:fontRef idx="minor"/>
+    </dgm:style>
+  </dgm:styleLbl>
+  <dgm:styleLbl name="fgShp">
+    <dgm:scene3d>
+      <a:camera prst="orthographicFront"/>
+      <a:lightRig rig="threePt" dir="t"/>
+    </dgm:scene3d>
+    <dgm:sp3d/>
+    <dgm:txPr/>
+    <dgm:style>
+      <a:lnRef idx="2">
+        <a:scrgbClr r="0" g="0" b="0"/>
+      </a:lnRef>
+      <a:fillRef idx="1">
+        <a:scrgbClr r="0" g="0" b="0"/>
+      </a:fillRef>
+      <a:effectRef idx="0">
+        <a:scrgbClr r="0" g="0" b="0"/>
+      </a:effectRef>
+      <a:fontRef idx="minor"/>
+    </dgm:style>
+  </dgm:styleLbl>
+  <dgm:styleLbl name="revTx">
+    <dgm:scene3d>
+      <a:camera prst="orthographicFront"/>
+      <a:lightRig rig="threePt" dir="t"/>
+    </dgm:scene3d>
+    <dgm:sp3d/>
+    <dgm:txPr/>
+    <dgm:style>
+      <a:lnRef idx="0">
+        <a:scrgbClr r="0" g="0" b="0"/>
+      </a:lnRef>
+      <a:fillRef idx="0">
+        <a:scrgbClr r="0" g="0" b="0"/>
+      </a:fillRef>
+      <a:effectRef idx="0">
+        <a:scrgbClr r="0" g="0" b="0"/>
+      </a:effectRef>
+      <a:fontRef idx="minor"/>
+    </dgm:style>
+  </dgm:styleLbl>
+</dgm:styleDef>
+</file>
+
+<file path=ppt/diagrams/quickStyle6.xml><?xml version="1.0" encoding="utf-8"?>
+<dgm:styleDef xmlns:dgm="http://schemas.openxmlformats.org/drawingml/2006/diagram" xmlns:a="http://schemas.openxmlformats.org/drawingml/2006/main" uniqueId="urn:microsoft.com/office/officeart/2005/8/quickstyle/simple1">
+  <dgm:title val=""/>
+  <dgm:desc val=""/>
+  <dgm:catLst>
+    <dgm:cat type="simple" pri="10100"/>
+  </dgm:catLst>
+  <dgm:scene3d>
+    <a:camera prst="orthographicFront"/>
+    <a:lightRig rig="threePt" dir="t"/>
+  </dgm:scene3d>
+  <dgm:styleLbl name="node0">
+    <dgm:scene3d>
+      <a:camera prst="orthographicFront"/>
+      <a:lightRig rig="threePt" dir="t"/>
+    </dgm:scene3d>
+    <dgm:sp3d/>
+    <dgm:txPr/>
+    <dgm:style>
+      <a:lnRef idx="2">
+        <a:scrgbClr r="0" g="0" b="0"/>
+      </a:lnRef>
+      <a:fillRef idx="1">
+        <a:scrgbClr r="0" g="0" b="0"/>
+      </a:fillRef>
+      <a:effectRef idx="0">
+        <a:scrgbClr r="0" g="0" b="0"/>
+      </a:effectRef>
+      <a:fontRef idx="minor">
+        <a:schemeClr val="lt1"/>
+      </a:fontRef>
+    </dgm:style>
+  </dgm:styleLbl>
+  <dgm:styleLbl name="lnNode1">
+    <dgm:scene3d>
+      <a:camera prst="orthographicFront"/>
+      <a:lightRig rig="threePt" dir="t"/>
+    </dgm:scene3d>
+    <dgm:sp3d/>
+    <dgm:txPr/>
+    <dgm:style>
+      <a:lnRef idx="2">
+        <a:scrgbClr r="0" g="0" b="0"/>
+      </a:lnRef>
+      <a:fillRef idx="1">
+        <a:scrgbClr r="0" g="0" b="0"/>
+      </a:fillRef>
+      <a:effectRef idx="0">
+        <a:scrgbClr r="0" g="0" b="0"/>
+      </a:effectRef>
+      <a:fontRef idx="minor">
+        <a:schemeClr val="lt1"/>
+      </a:fontRef>
+    </dgm:style>
+  </dgm:styleLbl>
+  <dgm:styleLbl name="vennNode1">
+    <dgm:scene3d>
+      <a:camera prst="orthographicFront"/>
+      <a:lightRig rig="threePt" dir="t"/>
+    </dgm:scene3d>
+    <dgm:sp3d/>
+    <dgm:txPr/>
+    <dgm:style>
+      <a:lnRef idx="2">
+        <a:scrgbClr r="0" g="0" b="0"/>
+      </a:lnRef>
+      <a:fillRef idx="1">
+        <a:scrgbClr r="0" g="0" b="0"/>
+      </a:fillRef>
+      <a:effectRef idx="0">
+        <a:scrgbClr r="0" g="0" b="0"/>
+      </a:effectRef>
+      <a:fontRef idx="minor">
+        <a:schemeClr val="tx1"/>
+      </a:fontRef>
+    </dgm:style>
+  </dgm:styleLbl>
+  <dgm:styleLbl name="alignNode1">
+    <dgm:scene3d>
+      <a:camera prst="orthographicFront"/>
+      <a:lightRig rig="threePt" dir="t"/>
+    </dgm:scene3d>
+    <dgm:sp3d/>
+    <dgm:txPr/>
+    <dgm:style>
+      <a:lnRef idx="2">
+        <a:scrgbClr r="0" g="0" b="0"/>
+      </a:lnRef>
+      <a:fillRef idx="1">
+        <a:scrgbClr r="0" g="0" b="0"/>
+      </a:fillRef>
+      <a:effectRef idx="0">
+        <a:scrgbClr r="0" g="0" b="0"/>
+      </a:effectRef>
+      <a:fontRef idx="minor">
+        <a:schemeClr val="lt1"/>
+      </a:fontRef>
+    </dgm:style>
+  </dgm:styleLbl>
+  <dgm:styleLbl name="node1">
+    <dgm:scene3d>
+      <a:camera prst="orthographicFront"/>
+      <a:lightRig rig="threePt" dir="t"/>
+    </dgm:scene3d>
+    <dgm:sp3d/>
+    <dgm:txPr/>
+    <dgm:style>
+      <a:lnRef idx="2">
+        <a:scrgbClr r="0" g="0" b="0"/>
+      </a:lnRef>
+      <a:fillRef idx="1">
+        <a:scrgbClr r="0" g="0" b="0"/>
+      </a:fillRef>
+      <a:effectRef idx="0">
+        <a:scrgbClr r="0" g="0" b="0"/>
+      </a:effectRef>
+      <a:fontRef idx="minor">
+        <a:schemeClr val="lt1"/>
+      </a:fontRef>
+    </dgm:style>
+  </dgm:styleLbl>
+  <dgm:styleLbl name="node2">
+    <dgm:scene3d>
+      <a:camera prst="orthographicFront"/>
+      <a:lightRig rig="threePt" dir="t"/>
+    </dgm:scene3d>
+    <dgm:sp3d/>
+    <dgm:txPr/>
+    <dgm:style>
+      <a:lnRef idx="2">
+        <a:scrgbClr r="0" g="0" b="0"/>
+      </a:lnRef>
+      <a:fillRef idx="1">
+        <a:scrgbClr r="0" g="0" b="0"/>
+      </a:fillRef>
+      <a:effectRef idx="0">
+        <a:scrgbClr r="0" g="0" b="0"/>
+      </a:effectRef>
+      <a:fontRef idx="minor">
+        <a:schemeClr val="lt1"/>
+      </a:fontRef>
+    </dgm:style>
+  </dgm:styleLbl>
+  <dgm:styleLbl name="node3">
+    <dgm:scene3d>
+      <a:camera prst="orthographicFront"/>
+      <a:lightRig rig="threePt" dir="t"/>
+    </dgm:scene3d>
+    <dgm:sp3d/>
+    <dgm:txPr/>
+    <dgm:style>
+      <a:lnRef idx="2">
+        <a:scrgbClr r="0" g="0" b="0"/>
+      </a:lnRef>
+      <a:fillRef idx="1">
+        <a:scrgbClr r="0" g="0" b="0"/>
+      </a:fillRef>
+      <a:effectRef idx="0">
+        <a:scrgbClr r="0" g="0" b="0"/>
+      </a:effectRef>
+      <a:fontRef idx="minor">
+        <a:schemeClr val="lt1"/>
+      </a:fontRef>
+    </dgm:style>
+  </dgm:styleLbl>
+  <dgm:styleLbl name="node4">
+    <dgm:scene3d>
+      <a:camera prst="orthographicFront"/>
+      <a:lightRig rig="threePt" dir="t"/>
+    </dgm:scene3d>
+    <dgm:sp3d/>
+    <dgm:txPr/>
+    <dgm:style>
+      <a:lnRef idx="2">
+        <a:scrgbClr r="0" g="0" b="0"/>
+      </a:lnRef>
+      <a:fillRef idx="1">
+        <a:scrgbClr r="0" g="0" b="0"/>
+      </a:fillRef>
+      <a:effectRef idx="0">
+        <a:scrgbClr r="0" g="0" b="0"/>
+      </a:effectRef>
+      <a:fontRef idx="minor">
+        <a:schemeClr val="lt1"/>
+      </a:fontRef>
+    </dgm:style>
+  </dgm:styleLbl>
+  <dgm:styleLbl name="fgImgPlace1">
+    <dgm:scene3d>
+      <a:camera prst="orthographicFront"/>
+      <a:lightRig rig="threePt" dir="t"/>
+    </dgm:scene3d>
+    <dgm:sp3d/>
+    <dgm:txPr/>
+    <dgm:style>
+      <a:lnRef idx="2">
+        <a:scrgbClr r="0" g="0" b="0"/>
+      </a:lnRef>
+      <a:fillRef idx="1">
+        <a:scrgbClr r="0" g="0" b="0"/>
+      </a:fillRef>
+      <a:effectRef idx="0">
+        <a:scrgbClr r="0" g="0" b="0"/>
+      </a:effectRef>
+      <a:fontRef idx="minor"/>
+    </dgm:style>
+  </dgm:styleLbl>
+  <dgm:styleLbl name="alignImgPlace1">
+    <dgm:scene3d>
+      <a:camera prst="orthographicFront"/>
+      <a:lightRig rig="threePt" dir="t"/>
+    </dgm:scene3d>
+    <dgm:sp3d/>
+    <dgm:txPr/>
+    <dgm:style>
+      <a:lnRef idx="2">
+        <a:scrgbClr r="0" g="0" b="0"/>
+      </a:lnRef>
+      <a:fillRef idx="1">
+        <a:scrgbClr r="0" g="0" b="0"/>
+      </a:fillRef>
+      <a:effectRef idx="0">
+        <a:scrgbClr r="0" g="0" b="0"/>
+      </a:effectRef>
+      <a:fontRef idx="minor"/>
+    </dgm:style>
+  </dgm:styleLbl>
+  <dgm:styleLbl name="bgImgPlace1">
+    <dgm:scene3d>
+      <a:camera prst="orthographicFront"/>
+      <a:lightRig rig="threePt" dir="t"/>
+    </dgm:scene3d>
+    <dgm:sp3d/>
+    <dgm:txPr/>
+    <dgm:style>
+      <a:lnRef idx="2">
+        <a:scrgbClr r="0" g="0" b="0"/>
+      </a:lnRef>
+      <a:fillRef idx="1">
+        <a:scrgbClr r="0" g="0" b="0"/>
+      </a:fillRef>
+      <a:effectRef idx="0">
+        <a:scrgbClr r="0" g="0" b="0"/>
+      </a:effectRef>
+      <a:fontRef idx="minor"/>
+    </dgm:style>
+  </dgm:styleLbl>
+  <dgm:styleLbl name="sibTrans2D1">
+    <dgm:scene3d>
+      <a:camera prst="orthographicFront"/>
+      <a:lightRig rig="threePt" dir="t"/>
+    </dgm:scene3d>
+    <dgm:sp3d/>
+    <dgm:txPr/>
+    <dgm:style>
+      <a:lnRef idx="0">
+        <a:scrgbClr r="0" g="0" b="0"/>
+      </a:lnRef>
+      <a:fillRef idx="1">
+        <a:scrgbClr r="0" g="0" b="0"/>
+      </a:fillRef>
+      <a:effectRef idx="0">
+        <a:scrgbClr r="0" g="0" b="0"/>
+      </a:effectRef>
+      <a:fontRef idx="minor">
+        <a:schemeClr val="lt1"/>
+      </a:fontRef>
+    </dgm:style>
+  </dgm:styleLbl>
+  <dgm:styleLbl name="fgSibTrans2D1">
+    <dgm:scene3d>
+      <a:camera prst="orthographicFront"/>
+      <a:lightRig rig="threePt" dir="t"/>
+    </dgm:scene3d>
+    <dgm:sp3d/>
+    <dgm:txPr/>
+    <dgm:style>
+      <a:lnRef idx="0">
+        <a:scrgbClr r="0" g="0" b="0"/>
+      </a:lnRef>
+      <a:fillRef idx="1">
+        <a:scrgbClr r="0" g="0" b="0"/>
+      </a:fillRef>
+      <a:effectRef idx="0">
+        <a:scrgbClr r="0" g="0" b="0"/>
+      </a:effectRef>
+      <a:fontRef idx="minor">
+        <a:schemeClr val="lt1"/>
+      </a:fontRef>
+    </dgm:style>
+  </dgm:styleLbl>
+  <dgm:styleLbl name="bgSibTrans2D1">
+    <dgm:scene3d>
+      <a:camera prst="orthographicFront"/>
+      <a:lightRig rig="threePt" dir="t"/>
+    </dgm:scene3d>
+    <dgm:sp3d/>
+    <dgm:txPr/>
+    <dgm:style>
+      <a:lnRef idx="0">
+        <a:scrgbClr r="0" g="0" b="0"/>
+      </a:lnRef>
+      <a:fillRef idx="1">
+        <a:scrgbClr r="0" g="0" b="0"/>
+      </a:fillRef>
+      <a:effectRef idx="0">
+        <a:scrgbClr r="0" g="0" b="0"/>
+      </a:effectRef>
+      <a:fontRef idx="minor">
+        <a:schemeClr val="lt1"/>
+      </a:fontRef>
+    </dgm:style>
+  </dgm:styleLbl>
+  <dgm:styleLbl name="sibTrans1D1">
+    <dgm:scene3d>
+      <a:camera prst="orthographicFront"/>
+      <a:lightRig rig="threePt" dir="t"/>
+    </dgm:scene3d>
+    <dgm:sp3d/>
+    <dgm:txPr/>
+    <dgm:style>
+      <a:lnRef idx="1">
+        <a:scrgbClr r="0" g="0" b="0"/>
+      </a:lnRef>
+      <a:fillRef idx="0">
+        <a:scrgbClr r="0" g="0" b="0"/>
+      </a:fillRef>
+      <a:effectRef idx="0">
+        <a:scrgbClr r="0" g="0" b="0"/>
+      </a:effectRef>
+      <a:fontRef idx="minor"/>
+    </dgm:style>
+  </dgm:styleLbl>
+  <dgm:styleLbl name="callout">
+    <dgm:scene3d>
+      <a:camera prst="orthographicFront"/>
+      <a:lightRig rig="threePt" dir="t"/>
+    </dgm:scene3d>
+    <dgm:sp3d/>
+    <dgm:txPr/>
+    <dgm:style>
+      <a:lnRef idx="2">
+        <a:scrgbClr r="0" g="0" b="0"/>
+      </a:lnRef>
+      <a:fillRef idx="1">
+        <a:scrgbClr r="0" g="0" b="0"/>
+      </a:fillRef>
+      <a:effectRef idx="0">
+        <a:scrgbClr r="0" g="0" b="0"/>
+      </a:effectRef>
+      <a:fontRef idx="minor"/>
+    </dgm:style>
+  </dgm:styleLbl>
+  <dgm:styleLbl name="asst0">
+    <dgm:scene3d>
+      <a:camera prst="orthographicFront"/>
+      <a:lightRig rig="threePt" dir="t"/>
+    </dgm:scene3d>
+    <dgm:sp3d/>
+    <dgm:txPr/>
+    <dgm:style>
+      <a:lnRef idx="2">
+        <a:scrgbClr r="0" g="0" b="0"/>
+      </a:lnRef>
+      <a:fillRef idx="1">
+        <a:scrgbClr r="0" g="0" b="0"/>
+      </a:fillRef>
+      <a:effectRef idx="0">
+        <a:scrgbClr r="0" g="0" b="0"/>
+      </a:effectRef>
+      <a:fontRef idx="minor">
+        <a:schemeClr val="lt1"/>
+      </a:fontRef>
+    </dgm:style>
+  </dgm:styleLbl>
+  <dgm:styleLbl name="asst1">
+    <dgm:scene3d>
+      <a:camera prst="orthographicFront"/>
+      <a:lightRig rig="threePt" dir="t"/>
+    </dgm:scene3d>
+    <dgm:sp3d/>
+    <dgm:txPr/>
+    <dgm:style>
+      <a:lnRef idx="2">
+        <a:scrgbClr r="0" g="0" b="0"/>
+      </a:lnRef>
+      <a:fillRef idx="1">
+        <a:scrgbClr r="0" g="0" b="0"/>
+      </a:fillRef>
+      <a:effectRef idx="0">
+        <a:scrgbClr r="0" g="0" b="0"/>
+      </a:effectRef>
+      <a:fontRef idx="minor">
+        <a:schemeClr val="lt1"/>
+      </a:fontRef>
+    </dgm:style>
+  </dgm:styleLbl>
+  <dgm:styleLbl name="asst2">
+    <dgm:scene3d>
+      <a:camera prst="orthographicFront"/>
+      <a:lightRig rig="threePt" dir="t"/>
+    </dgm:scene3d>
+    <dgm:sp3d/>
+    <dgm:txPr/>
+    <dgm:style>
+      <a:lnRef idx="2">
+        <a:scrgbClr r="0" g="0" b="0"/>
+      </a:lnRef>
+      <a:fillRef idx="1">
+        <a:scrgbClr r="0" g="0" b="0"/>
+      </a:fillRef>
+      <a:effectRef idx="0">
+        <a:scrgbClr r="0" g="0" b="0"/>
+      </a:effectRef>
+      <a:fontRef idx="minor">
+        <a:schemeClr val="lt1"/>
+      </a:fontRef>
+    </dgm:style>
+  </dgm:styleLbl>
+  <dgm:styleLbl name="asst3">
+    <dgm:scene3d>
+      <a:camera prst="orthographicFront"/>
+      <a:lightRig rig="threePt" dir="t"/>
+    </dgm:scene3d>
+    <dgm:sp3d/>
+    <dgm:txPr/>
+    <dgm:style>
+      <a:lnRef idx="2">
+        <a:scrgbClr r="0" g="0" b="0"/>
+      </a:lnRef>
+      <a:fillRef idx="1">
+        <a:scrgbClr r="0" g="0" b="0"/>
+      </a:fillRef>
+      <a:effectRef idx="0">
+        <a:scrgbClr r="0" g="0" b="0"/>
+      </a:effectRef>
+      <a:fontRef idx="minor">
+        <a:schemeClr val="lt1"/>
+      </a:fontRef>
+    </dgm:style>
+  </dgm:styleLbl>
+  <dgm:styleLbl name="asst4">
+    <dgm:scene3d>
+      <a:camera prst="orthographicFront"/>
+      <a:lightRig rig="threePt" dir="t"/>
+    </dgm:scene3d>
+    <dgm:sp3d/>
+    <dgm:txPr/>
+    <dgm:style>
+      <a:lnRef idx="2">
+        <a:scrgbClr r="0" g="0" b="0"/>
+      </a:lnRef>
+      <a:fillRef idx="1">
+        <a:scrgbClr r="0" g="0" b="0"/>
+      </a:fillRef>
+      <a:effectRef idx="0">
+        <a:scrgbClr r="0" g="0" b="0"/>
+      </a:effectRef>
+      <a:fontRef idx="minor">
+        <a:schemeClr val="lt1"/>
+      </a:fontRef>
+    </dgm:style>
+  </dgm:styleLbl>
+  <dgm:styleLbl name="parChTrans2D1">
+    <dgm:scene3d>
+      <a:camera prst="orthographicFront"/>
+      <a:lightRig rig="threePt" dir="t"/>
+    </dgm:scene3d>
+    <dgm:sp3d/>
+    <dgm:txPr/>
+    <dgm:style>
+      <a:lnRef idx="2">
+        <a:scrgbClr r="0" g="0" b="0"/>
+      </a:lnRef>
+      <a:fillRef idx="1">
+        <a:scrgbClr r="0" g="0" b="0"/>
+      </a:fillRef>
+      <a:effectRef idx="0">
+        <a:scrgbClr r="0" g="0" b="0"/>
+      </a:effectRef>
+      <a:fontRef idx="minor">
+        <a:schemeClr val="lt1"/>
+      </a:fontRef>
+    </dgm:style>
+  </dgm:styleLbl>
+  <dgm:styleLbl name="parChTrans2D2">
+    <dgm:scene3d>
+      <a:camera prst="orthographicFront"/>
+      <a:lightRig rig="threePt" dir="t"/>
+    </dgm:scene3d>
+    <dgm:sp3d/>
+    <dgm:txPr/>
+    <dgm:style>
+      <a:lnRef idx="2">
+        <a:scrgbClr r="0" g="0" b="0"/>
+      </a:lnRef>
+      <a:fillRef idx="1">
+        <a:scrgbClr r="0" g="0" b="0"/>
+      </a:fillRef>
+      <a:effectRef idx="0">
+        <a:scrgbClr r="0" g="0" b="0"/>
+      </a:effectRef>
+      <a:fontRef idx="minor">
+        <a:schemeClr val="lt1"/>
+      </a:fontRef>
+    </dgm:style>
+  </dgm:styleLbl>
+  <dgm:styleLbl name="parChTrans2D3">
+    <dgm:scene3d>
+      <a:camera prst="orthographicFront"/>
+      <a:lightRig rig="threePt" dir="t"/>
+    </dgm:scene3d>
+    <dgm:sp3d/>
+    <dgm:txPr/>
+    <dgm:style>
+      <a:lnRef idx="2">
+        <a:scrgbClr r="0" g="0" b="0"/>
+      </a:lnRef>
+      <a:fillRef idx="1">
+        <a:scrgbClr r="0" g="0" b="0"/>
+      </a:fillRef>
+      <a:effectRef idx="0">
+        <a:scrgbClr r="0" g="0" b="0"/>
+      </a:effectRef>
+      <a:fontRef idx="minor">
+        <a:schemeClr val="lt1"/>
+      </a:fontRef>
+    </dgm:style>
+  </dgm:styleLbl>
+  <dgm:styleLbl name="parChTrans2D4">
+    <dgm:scene3d>
+      <a:camera prst="orthographicFront"/>
+      <a:lightRig rig="threePt" dir="t"/>
+    </dgm:scene3d>
+    <dgm:sp3d/>
+    <dgm:txPr/>
+    <dgm:style>
+      <a:lnRef idx="2">
+        <a:scrgbClr r="0" g="0" b="0"/>
+      </a:lnRef>
+      <a:fillRef idx="1">
+        <a:scrgbClr r="0" g="0" b="0"/>
+      </a:fillRef>
+      <a:effectRef idx="0">
+        <a:scrgbClr r="0" g="0" b="0"/>
+      </a:effectRef>
+      <a:fontRef idx="minor">
+        <a:schemeClr val="lt1"/>
+      </a:fontRef>
+    </dgm:style>
+  </dgm:styleLbl>
+  <dgm:styleLbl name="parChTrans1D1">
+    <dgm:scene3d>
+      <a:camera prst="orthographicFront"/>
+      <a:lightRig rig="threePt" dir="t"/>
+    </dgm:scene3d>
+    <dgm:sp3d/>
+    <dgm:txPr/>
+    <dgm:style>
+      <a:lnRef idx="2">
+        <a:scrgbClr r="0" g="0" b="0"/>
+      </a:lnRef>
+      <a:fillRef idx="0">
+        <a:scrgbClr r="0" g="0" b="0"/>
+      </a:fillRef>
+      <a:effectRef idx="0">
+        <a:scrgbClr r="0" g="0" b="0"/>
+      </a:effectRef>
+      <a:fontRef idx="minor"/>
+    </dgm:style>
+  </dgm:styleLbl>
+  <dgm:styleLbl name="parChTrans1D2">
+    <dgm:scene3d>
+      <a:camera prst="orthographicFront"/>
+      <a:lightRig rig="threePt" dir="t"/>
+    </dgm:scene3d>
+    <dgm:sp3d/>
+    <dgm:txPr/>
+    <dgm:style>
+      <a:lnRef idx="2">
+        <a:scrgbClr r="0" g="0" b="0"/>
+      </a:lnRef>
+      <a:fillRef idx="0">
+        <a:scrgbClr r="0" g="0" b="0"/>
+      </a:fillRef>
+      <a:effectRef idx="0">
+        <a:scrgbClr r="0" g="0" b="0"/>
+      </a:effectRef>
+      <a:fontRef idx="minor"/>
+    </dgm:style>
+  </dgm:styleLbl>
+  <dgm:styleLbl name="parChTrans1D3">
+    <dgm:scene3d>
+      <a:camera prst="orthographicFront"/>
+      <a:lightRig rig="threePt" dir="t"/>
+    </dgm:scene3d>
+    <dgm:sp3d/>
+    <dgm:txPr/>
+    <dgm:style>
+      <a:lnRef idx="2">
+        <a:scrgbClr r="0" g="0" b="0"/>
+      </a:lnRef>
+      <a:fillRef idx="0">
+        <a:scrgbClr r="0" g="0" b="0"/>
+      </a:fillRef>
+      <a:effectRef idx="0">
+        <a:scrgbClr r="0" g="0" b="0"/>
+      </a:effectRef>
+      <a:fontRef idx="minor"/>
+    </dgm:style>
+  </dgm:styleLbl>
+  <dgm:styleLbl name="parChTrans1D4">
+    <dgm:scene3d>
+      <a:camera prst="orthographicFront"/>
+      <a:lightRig rig="threePt" dir="t"/>
+    </dgm:scene3d>
+    <dgm:sp3d/>
+    <dgm:txPr/>
+    <dgm:style>
+      <a:lnRef idx="2">
+        <a:scrgbClr r="0" g="0" b="0"/>
+      </a:lnRef>
+      <a:fillRef idx="0">
+        <a:scrgbClr r="0" g="0" b="0"/>
+      </a:fillRef>
+      <a:effectRef idx="0">
+        <a:scrgbClr r="0" g="0" b="0"/>
+      </a:effectRef>
+      <a:fontRef idx="minor"/>
+    </dgm:style>
+  </dgm:styleLbl>
+  <dgm:styleLbl name="fgAcc1">
+    <dgm:scene3d>
+      <a:camera prst="orthographicFront"/>
+      <a:lightRig rig="threePt" dir="t"/>
+    </dgm:scene3d>
+    <dgm:sp3d/>
+    <dgm:txPr/>
+    <dgm:style>
+      <a:lnRef idx="2">
+        <a:scrgbClr r="0" g="0" b="0"/>
+      </a:lnRef>
+      <a:fillRef idx="1">
+        <a:scrgbClr r="0" g="0" b="0"/>
+      </a:fillRef>
+      <a:effectRef idx="0">
+        <a:scrgbClr r="0" g="0" b="0"/>
+      </a:effectRef>
+      <a:fontRef idx="minor"/>
+    </dgm:style>
+  </dgm:styleLbl>
+  <dgm:styleLbl name="conFgAcc1">
+    <dgm:scene3d>
+      <a:camera prst="orthographicFront"/>
+      <a:lightRig rig="threePt" dir="t"/>
+    </dgm:scene3d>
+    <dgm:sp3d/>
+    <dgm:txPr/>
+    <dgm:style>
+      <a:lnRef idx="2">
+        <a:scrgbClr r="0" g="0" b="0"/>
+      </a:lnRef>
+      <a:fillRef idx="1">
+        <a:scrgbClr r="0" g="0" b="0"/>
+      </a:fillRef>
+      <a:effectRef idx="0">
+        <a:scrgbClr r="0" g="0" b="0"/>
+      </a:effectRef>
+      <a:fontRef idx="minor"/>
+    </dgm:style>
+  </dgm:styleLbl>
+  <dgm:styleLbl name="alignAcc1">
+    <dgm:scene3d>
+      <a:camera prst="orthographicFront"/>
+      <a:lightRig rig="threePt" dir="t"/>
+    </dgm:scene3d>
+    <dgm:sp3d/>
+    <dgm:txPr/>
+    <dgm:style>
+      <a:lnRef idx="2">
+        <a:scrgbClr r="0" g="0" b="0"/>
+      </a:lnRef>
+      <a:fillRef idx="1">
+        <a:scrgbClr r="0" g="0" b="0"/>
+      </a:fillRef>
+      <a:effectRef idx="0">
+        <a:scrgbClr r="0" g="0" b="0"/>
+      </a:effectRef>
+      <a:fontRef idx="minor"/>
+    </dgm:style>
+  </dgm:styleLbl>
+  <dgm:styleLbl name="trAlignAcc1">
+    <dgm:scene3d>
+      <a:camera prst="orthographicFront"/>
+      <a:lightRig rig="threePt" dir="t"/>
+    </dgm:scene3d>
+    <dgm:sp3d/>
+    <dgm:txPr/>
+    <dgm:style>
+      <a:lnRef idx="1">
+        <a:scrgbClr r="0" g="0" b="0"/>
+      </a:lnRef>
+      <a:fillRef idx="1">
+        <a:scrgbClr r="0" g="0" b="0"/>
+      </a:fillRef>
+      <a:effectRef idx="0">
+        <a:scrgbClr r="0" g="0" b="0"/>
+      </a:effectRef>
+      <a:fontRef idx="minor"/>
+    </dgm:style>
+  </dgm:styleLbl>
+  <dgm:styleLbl name="bgAcc1">
+    <dgm:scene3d>
+      <a:camera prst="orthographicFront"/>
+      <a:lightRig rig="threePt" dir="t"/>
+    </dgm:scene3d>
+    <dgm:sp3d/>
+    <dgm:txPr/>
+    <dgm:style>
+      <a:lnRef idx="2">
+        <a:scrgbClr r="0" g="0" b="0"/>
+      </a:lnRef>
+      <a:fillRef idx="1">
+        <a:scrgbClr r="0" g="0" b="0"/>
+      </a:fillRef>
+      <a:effectRef idx="0">
+        <a:scrgbClr r="0" g="0" b="0"/>
+      </a:effectRef>
+      <a:fontRef idx="minor"/>
+    </dgm:style>
+  </dgm:styleLbl>
+  <dgm:styleLbl name="solidFgAcc1">
+    <dgm:scene3d>
+      <a:camera prst="orthographicFront"/>
+      <a:lightRig rig="threePt" dir="t"/>
+    </dgm:scene3d>
+    <dgm:sp3d/>
+    <dgm:txPr/>
+    <dgm:style>
+      <a:lnRef idx="2">
+        <a:scrgbClr r="0" g="0" b="0"/>
+      </a:lnRef>
+      <a:fillRef idx="1">
+        <a:scrgbClr r="0" g="0" b="0"/>
+      </a:fillRef>
+      <a:effectRef idx="0">
+        <a:scrgbClr r="0" g="0" b="0"/>
+      </a:effectRef>
+      <a:fontRef idx="minor"/>
+    </dgm:style>
+  </dgm:styleLbl>
+  <dgm:styleLbl name="solidAlignAcc1">
+    <dgm:scene3d>
+      <a:camera prst="orthographicFront"/>
+      <a:lightRig rig="threePt" dir="t"/>
+    </dgm:scene3d>
+    <dgm:sp3d/>
+    <dgm:txPr/>
+    <dgm:style>
+      <a:lnRef idx="2">
+        <a:scrgbClr r="0" g="0" b="0"/>
+      </a:lnRef>
+      <a:fillRef idx="1">
+        <a:scrgbClr r="0" g="0" b="0"/>
+      </a:fillRef>
+      <a:effectRef idx="0">
+        <a:scrgbClr r="0" g="0" b="0"/>
+      </a:effectRef>
+      <a:fontRef idx="minor"/>
+    </dgm:style>
+  </dgm:styleLbl>
+  <dgm:styleLbl name="solidBgAcc1">
+    <dgm:scene3d>
+      <a:camera prst="orthographicFront"/>
+      <a:lightRig rig="threePt" dir="t"/>
+    </dgm:scene3d>
+    <dgm:sp3d/>
+    <dgm:txPr/>
+    <dgm:style>
+      <a:lnRef idx="2">
+        <a:scrgbClr r="0" g="0" b="0"/>
+      </a:lnRef>
+      <a:fillRef idx="1">
+        <a:scrgbClr r="0" g="0" b="0"/>
+      </a:fillRef>
+      <a:effectRef idx="0">
+        <a:scrgbClr r="0" g="0" b="0"/>
+      </a:effectRef>
+      <a:fontRef idx="minor"/>
+    </dgm:style>
+  </dgm:styleLbl>
+  <dgm:styleLbl name="fgAccFollowNode1">
+    <dgm:scene3d>
+      <a:camera prst="orthographicFront"/>
+      <a:lightRig rig="threePt" dir="t"/>
+    </dgm:scene3d>
+    <dgm:sp3d/>
+    <dgm:txPr/>
+    <dgm:style>
+      <a:lnRef idx="2">
+        <a:scrgbClr r="0" g="0" b="0"/>
+      </a:lnRef>
+      <a:fillRef idx="1">
+        <a:scrgbClr r="0" g="0" b="0"/>
+      </a:fillRef>
+      <a:effectRef idx="0">
+        <a:scrgbClr r="0" g="0" b="0"/>
+      </a:effectRef>
+      <a:fontRef idx="minor"/>
+    </dgm:style>
+  </dgm:styleLbl>
+  <dgm:styleLbl name="alignAccFollowNode1">
+    <dgm:scene3d>
+      <a:camera prst="orthographicFront"/>
+      <a:lightRig rig="threePt" dir="t"/>
+    </dgm:scene3d>
+    <dgm:sp3d/>
+    <dgm:txPr/>
+    <dgm:style>
+      <a:lnRef idx="2">
+        <a:scrgbClr r="0" g="0" b="0"/>
+      </a:lnRef>
+      <a:fillRef idx="1">
+        <a:scrgbClr r="0" g="0" b="0"/>
+      </a:fillRef>
+      <a:effectRef idx="0">
+        <a:scrgbClr r="0" g="0" b="0"/>
+      </a:effectRef>
+      <a:fontRef idx="minor"/>
+    </dgm:style>
+  </dgm:styleLbl>
+  <dgm:styleLbl name="bgAccFollowNode1">
+    <dgm:scene3d>
+      <a:camera prst="orthographicFront"/>
+      <a:lightRig rig="threePt" dir="t"/>
+    </dgm:scene3d>
+    <dgm:sp3d/>
+    <dgm:txPr/>
+    <dgm:style>
+      <a:lnRef idx="2">
+        <a:scrgbClr r="0" g="0" b="0"/>
+      </a:lnRef>
+      <a:fillRef idx="1">
+        <a:scrgbClr r="0" g="0" b="0"/>
+      </a:fillRef>
+      <a:effectRef idx="0">
+        <a:scrgbClr r="0" g="0" b="0"/>
+      </a:effectRef>
+      <a:fontRef idx="minor"/>
+    </dgm:style>
+  </dgm:styleLbl>
+  <dgm:styleLbl name="fgAcc0">
+    <dgm:scene3d>
+      <a:camera prst="orthographicFront"/>
+      <a:lightRig rig="threePt" dir="t"/>
+    </dgm:scene3d>
+    <dgm:sp3d/>
+    <dgm:txPr/>
+    <dgm:style>
+      <a:lnRef idx="2">
+        <a:scrgbClr r="0" g="0" b="0"/>
+      </a:lnRef>
+      <a:fillRef idx="1">
+        <a:scrgbClr r="0" g="0" b="0"/>
+      </a:fillRef>
+      <a:effectRef idx="0">
+        <a:scrgbClr r="0" g="0" b="0"/>
+      </a:effectRef>
+      <a:fontRef idx="minor"/>
+    </dgm:style>
+  </dgm:styleLbl>
+  <dgm:styleLbl name="fgAcc2">
+    <dgm:scene3d>
+      <a:camera prst="orthographicFront"/>
+      <a:lightRig rig="threePt" dir="t"/>
+    </dgm:scene3d>
+    <dgm:sp3d/>
+    <dgm:txPr/>
+    <dgm:style>
+      <a:lnRef idx="2">
+        <a:scrgbClr r="0" g="0" b="0"/>
+      </a:lnRef>
+      <a:fillRef idx="1">
+        <a:scrgbClr r="0" g="0" b="0"/>
+      </a:fillRef>
+      <a:effectRef idx="0">
+        <a:scrgbClr r="0" g="0" b="0"/>
+      </a:effectRef>
+      <a:fontRef idx="minor"/>
+    </dgm:style>
+  </dgm:styleLbl>
+  <dgm:styleLbl name="fgAcc3">
+    <dgm:scene3d>
+      <a:camera prst="orthographicFront"/>
+      <a:lightRig rig="threePt" dir="t"/>
+    </dgm:scene3d>
+    <dgm:sp3d/>
+    <dgm:txPr/>
+    <dgm:style>
+      <a:lnRef idx="2">
+        <a:scrgbClr r="0" g="0" b="0"/>
+      </a:lnRef>
+      <a:fillRef idx="1">
+        <a:scrgbClr r="0" g="0" b="0"/>
+      </a:fillRef>
+      <a:effectRef idx="0">
+        <a:scrgbClr r="0" g="0" b="0"/>
+      </a:effectRef>
+      <a:fontRef idx="minor"/>
+    </dgm:style>
+  </dgm:styleLbl>
+  <dgm:styleLbl name="fgAcc4">
+    <dgm:scene3d>
+      <a:camera prst="orthographicFront"/>
+      <a:lightRig rig="threePt" dir="t"/>
+    </dgm:scene3d>
+    <dgm:sp3d/>
+    <dgm:txPr/>
+    <dgm:style>
+      <a:lnRef idx="2">
+        <a:scrgbClr r="0" g="0" b="0"/>
+      </a:lnRef>
+      <a:fillRef idx="1">
+        <a:scrgbClr r="0" g="0" b="0"/>
+      </a:fillRef>
+      <a:effectRef idx="0">
+        <a:scrgbClr r="0" g="0" b="0"/>
+      </a:effectRef>
+      <a:fontRef idx="minor"/>
+    </dgm:style>
+  </dgm:styleLbl>
+  <dgm:styleLbl name="bgShp">
+    <dgm:scene3d>
+      <a:camera prst="orthographicFront"/>
+      <a:lightRig rig="threePt" dir="t"/>
+    </dgm:scene3d>
+    <dgm:sp3d/>
+    <dgm:txPr/>
+    <dgm:style>
+      <a:lnRef idx="0">
+        <a:scrgbClr r="0" g="0" b="0"/>
+      </a:lnRef>
+      <a:fillRef idx="1">
+        <a:scrgbClr r="0" g="0" b="0"/>
+      </a:fillRef>
+      <a:effectRef idx="0">
+        <a:scrgbClr r="0" g="0" b="0"/>
+      </a:effectRef>
+      <a:fontRef idx="minor"/>
+    </dgm:style>
+  </dgm:styleLbl>
+  <dgm:styleLbl name="dkBgShp">
+    <dgm:scene3d>
+      <a:camera prst="orthographicFront"/>
+      <a:lightRig rig="threePt" dir="t"/>
+    </dgm:scene3d>
+    <dgm:sp3d/>
+    <dgm:txPr/>
+    <dgm:style>
+      <a:lnRef idx="0">
+        <a:scrgbClr r="0" g="0" b="0"/>
+      </a:lnRef>
+      <a:fillRef idx="1">
+        <a:scrgbClr r="0" g="0" b="0"/>
+      </a:fillRef>
+      <a:effectRef idx="0">
+        <a:scrgbClr r="0" g="0" b="0"/>
+      </a:effectRef>
+      <a:fontRef idx="minor"/>
+    </dgm:style>
+  </dgm:styleLbl>
+  <dgm:styleLbl name="trBgShp">
+    <dgm:scene3d>
+      <a:camera prst="orthographicFront"/>
+      <a:lightRig rig="threePt" dir="t"/>
+    </dgm:scene3d>
+    <dgm:sp3d/>
+    <dgm:txPr/>
+    <dgm:style>
+      <a:lnRef idx="0">
+        <a:scrgbClr r="0" g="0" b="0"/>
+      </a:lnRef>
+      <a:fillRef idx="1">
+        <a:scrgbClr r="0" g="0" b="0"/>
+      </a:fillRef>
+      <a:effectRef idx="0">
+        <a:scrgbClr r="0" g="0" b="0"/>
+      </a:effectRef>
+      <a:fontRef idx="minor"/>
+    </dgm:style>
+  </dgm:styleLbl>
+  <dgm:styleLbl name="fgShp">
+    <dgm:scene3d>
+      <a:camera prst="orthographicFront"/>
+      <a:lightRig rig="threePt" dir="t"/>
+    </dgm:scene3d>
+    <dgm:sp3d/>
+    <dgm:txPr/>
+    <dgm:style>
+      <a:lnRef idx="2">
+        <a:scrgbClr r="0" g="0" b="0"/>
+      </a:lnRef>
+      <a:fillRef idx="1">
+        <a:scrgbClr r="0" g="0" b="0"/>
+      </a:fillRef>
+      <a:effectRef idx="0">
+        <a:scrgbClr r="0" g="0" b="0"/>
+      </a:effectRef>
+      <a:fontRef idx="minor"/>
+    </dgm:style>
+  </dgm:styleLbl>
+  <dgm:styleLbl name="revTx">
+    <dgm:scene3d>
+      <a:camera prst="orthographicFront"/>
+      <a:lightRig rig="threePt" dir="t"/>
+    </dgm:scene3d>
+    <dgm:sp3d/>
+    <dgm:txPr/>
+    <dgm:style>
+      <a:lnRef idx="0">
+        <a:scrgbClr r="0" g="0" b="0"/>
+      </a:lnRef>
+      <a:fillRef idx="0">
+        <a:scrgbClr r="0" g="0" b="0"/>
+      </a:fillRef>
+      <a:effectRef idx="0">
+        <a:scrgbClr r="0" g="0" b="0"/>
+      </a:effectRef>
+      <a:fontRef idx="minor"/>
+    </dgm:style>
+  </dgm:styleLbl>
+</dgm:styleDef>
+</file>
+
+<file path=ppt/diagrams/quickStyle7.xml><?xml version="1.0" encoding="utf-8"?>
 <dgm:styleDef xmlns:dgm="http://schemas.openxmlformats.org/drawingml/2006/diagram" xmlns:a="http://schemas.openxmlformats.org/drawingml/2006/main" uniqueId="urn:microsoft.com/office/officeart/2005/8/quickstyle/simple1">
   <dgm:title val=""/>
   <dgm:desc val=""/>
@@ -13076,7 +18078,7 @@
           <a:p>
             <a:fld id="{C2E97FD6-B269-4CD7-A073-512C01108090}" type="datetimeFigureOut">
               <a:rPr lang="fr-FR" smtClean="0"/>
-              <a:t>25/09/2023</a:t>
+              <a:t>27/09/2023</a:t>
             </a:fld>
             <a:endParaRPr lang="fr-FR"/>
           </a:p>
@@ -13284,7 +18286,7 @@
           <a:p>
             <a:fld id="{C2E97FD6-B269-4CD7-A073-512C01108090}" type="datetimeFigureOut">
               <a:rPr lang="fr-FR" smtClean="0"/>
-              <a:t>25/09/2023</a:t>
+              <a:t>27/09/2023</a:t>
             </a:fld>
             <a:endParaRPr lang="fr-FR"/>
           </a:p>
@@ -13540,7 +18542,7 @@
           <a:p>
             <a:fld id="{C2E97FD6-B269-4CD7-A073-512C01108090}" type="datetimeFigureOut">
               <a:rPr lang="fr-FR" smtClean="0"/>
-              <a:t>25/09/2023</a:t>
+              <a:t>27/09/2023</a:t>
             </a:fld>
             <a:endParaRPr lang="fr-FR"/>
           </a:p>
@@ -13710,7 +18712,7 @@
           <a:p>
             <a:fld id="{C2E97FD6-B269-4CD7-A073-512C01108090}" type="datetimeFigureOut">
               <a:rPr lang="fr-FR" smtClean="0"/>
-              <a:t>25/09/2023</a:t>
+              <a:t>27/09/2023</a:t>
             </a:fld>
             <a:endParaRPr lang="fr-FR"/>
           </a:p>
@@ -14053,7 +19055,7 @@
           <a:p>
             <a:fld id="{C2E97FD6-B269-4CD7-A073-512C01108090}" type="datetimeFigureOut">
               <a:rPr lang="fr-FR" smtClean="0"/>
-              <a:t>25/09/2023</a:t>
+              <a:t>27/09/2023</a:t>
             </a:fld>
             <a:endParaRPr lang="fr-FR"/>
           </a:p>
@@ -14328,7 +19330,7 @@
           <a:p>
             <a:fld id="{C2E97FD6-B269-4CD7-A073-512C01108090}" type="datetimeFigureOut">
               <a:rPr lang="fr-FR" smtClean="0"/>
-              <a:t>25/09/2023</a:t>
+              <a:t>27/09/2023</a:t>
             </a:fld>
             <a:endParaRPr lang="fr-FR"/>
           </a:p>
@@ -14707,7 +19709,7 @@
           <a:p>
             <a:fld id="{C2E97FD6-B269-4CD7-A073-512C01108090}" type="datetimeFigureOut">
               <a:rPr lang="fr-FR" smtClean="0"/>
-              <a:t>25/09/2023</a:t>
+              <a:t>27/09/2023</a:t>
             </a:fld>
             <a:endParaRPr lang="fr-FR"/>
           </a:p>
@@ -14825,7 +19827,7 @@
           <a:p>
             <a:fld id="{C2E97FD6-B269-4CD7-A073-512C01108090}" type="datetimeFigureOut">
               <a:rPr lang="fr-FR" smtClean="0"/>
-              <a:t>25/09/2023</a:t>
+              <a:t>27/09/2023</a:t>
             </a:fld>
             <a:endParaRPr lang="fr-FR"/>
           </a:p>
@@ -14996,7 +19998,7 @@
           <a:p>
             <a:fld id="{C2E97FD6-B269-4CD7-A073-512C01108090}" type="datetimeFigureOut">
               <a:rPr lang="fr-FR" smtClean="0"/>
-              <a:t>25/09/2023</a:t>
+              <a:t>27/09/2023</a:t>
             </a:fld>
             <a:endParaRPr lang="fr-FR"/>
           </a:p>
@@ -15350,7 +20352,7 @@
           <a:p>
             <a:fld id="{C2E97FD6-B269-4CD7-A073-512C01108090}" type="datetimeFigureOut">
               <a:rPr lang="fr-FR" smtClean="0"/>
-              <a:t>25/09/2023</a:t>
+              <a:t>27/09/2023</a:t>
             </a:fld>
             <a:endParaRPr lang="fr-FR"/>
           </a:p>
@@ -15727,7 +20729,7 @@
           <a:p>
             <a:fld id="{C2E97FD6-B269-4CD7-A073-512C01108090}" type="datetimeFigureOut">
               <a:rPr lang="fr-FR" smtClean="0"/>
-              <a:t>25/09/2023</a:t>
+              <a:t>27/09/2023</a:t>
             </a:fld>
             <a:endParaRPr lang="fr-FR"/>
           </a:p>
@@ -16014,7 +21016,7 @@
           <a:p>
             <a:fld id="{C2E97FD6-B269-4CD7-A073-512C01108090}" type="datetimeFigureOut">
               <a:rPr lang="fr-FR" smtClean="0"/>
-              <a:t>25/09/2023</a:t>
+              <a:t>27/09/2023</a:t>
             </a:fld>
             <a:endParaRPr lang="fr-FR"/>
           </a:p>
@@ -16658,6 +21660,48 @@
           </a:prstGeom>
         </p:spPr>
       </p:pic>
+      <p:sp>
+        <p:nvSpPr>
+          <p:cNvPr id="9" name="TextBox 8">
+            <a:extLst>
+              <a:ext uri="{FF2B5EF4-FFF2-40B4-BE49-F238E27FC236}">
+                <a16:creationId xmlns:a16="http://schemas.microsoft.com/office/drawing/2014/main" id="{ADF58833-285D-43E4-A91D-FBF49BBCFBCB}"/>
+              </a:ext>
+            </a:extLst>
+          </p:cNvPr>
+          <p:cNvSpPr txBox="1"/>
+          <p:nvPr/>
+        </p:nvSpPr>
+        <p:spPr>
+          <a:xfrm>
+            <a:off x="1097280" y="6409081"/>
+            <a:ext cx="7115542" cy="369332"/>
+          </a:xfrm>
+          <a:prstGeom prst="rect">
+            <a:avLst/>
+          </a:prstGeom>
+          <a:noFill/>
+        </p:spPr>
+        <p:txBody>
+          <a:bodyPr wrap="square">
+            <a:spAutoFit/>
+          </a:bodyPr>
+          <a:lstStyle/>
+          <a:p>
+            <a:r>
+              <a:rPr lang="en-GB" dirty="0">
+                <a:solidFill>
+                  <a:schemeClr val="accent1">
+                    <a:lumMod val="50000"/>
+                  </a:schemeClr>
+                </a:solidFill>
+              </a:rPr>
+              <a:t>Code Mentor Mauritius - JS Sessions – Full Stack Web Development</a:t>
+            </a:r>
+            <a:endParaRPr lang="fr-FR" dirty="0"/>
+          </a:p>
+        </p:txBody>
+      </p:sp>
     </p:spTree>
     <p:extLst>
       <p:ext uri="{BB962C8B-B14F-4D97-AF65-F5344CB8AC3E}">
@@ -16671,696 +21715,7 @@
 </p:sld>
 </file>
 
-<file path=ppt/slides/slide2.xml><?xml version="1.0" encoding="utf-8"?>
-<p:sld xmlns:a="http://schemas.openxmlformats.org/drawingml/2006/main" xmlns:r="http://schemas.openxmlformats.org/officeDocument/2006/relationships" xmlns:p="http://schemas.openxmlformats.org/presentationml/2006/main">
-  <p:cSld>
-    <p:spTree>
-      <p:nvGrpSpPr>
-        <p:cNvPr id="1" name=""/>
-        <p:cNvGrpSpPr/>
-        <p:nvPr/>
-      </p:nvGrpSpPr>
-      <p:grpSpPr>
-        <a:xfrm>
-          <a:off x="0" y="0"/>
-          <a:ext cx="0" cy="0"/>
-          <a:chOff x="0" y="0"/>
-          <a:chExt cx="0" cy="0"/>
-        </a:xfrm>
-      </p:grpSpPr>
-      <p:sp>
-        <p:nvSpPr>
-          <p:cNvPr id="2" name="Title 1">
-            <a:extLst>
-              <a:ext uri="{FF2B5EF4-FFF2-40B4-BE49-F238E27FC236}">
-                <a16:creationId xmlns:a16="http://schemas.microsoft.com/office/drawing/2014/main" id="{BF1B5C15-8200-4683-A950-5DC04884CD7C}"/>
-              </a:ext>
-            </a:extLst>
-          </p:cNvPr>
-          <p:cNvSpPr>
-            <a:spLocks noGrp="1"/>
-          </p:cNvSpPr>
-          <p:nvPr>
-            <p:ph type="title"/>
-          </p:nvPr>
-        </p:nvSpPr>
-        <p:spPr/>
-        <p:txBody>
-          <a:bodyPr/>
-          <a:lstStyle/>
-          <a:p>
-            <a:r>
-              <a:rPr lang="en-GB" dirty="0"/>
-              <a:t>Agenda</a:t>
-            </a:r>
-            <a:endParaRPr lang="fr-FR" dirty="0"/>
-          </a:p>
-        </p:txBody>
-      </p:sp>
-      <p:graphicFrame>
-        <p:nvGraphicFramePr>
-          <p:cNvPr id="4" name="Content Placeholder 3">
-            <a:extLst>
-              <a:ext uri="{FF2B5EF4-FFF2-40B4-BE49-F238E27FC236}">
-                <a16:creationId xmlns:a16="http://schemas.microsoft.com/office/drawing/2014/main" id="{F3372CAF-7B25-4731-A1A0-42CCB98E872D}"/>
-              </a:ext>
-            </a:extLst>
-          </p:cNvPr>
-          <p:cNvGraphicFramePr>
-            <a:graphicFrameLocks noGrp="1"/>
-          </p:cNvGraphicFramePr>
-          <p:nvPr>
-            <p:ph idx="1"/>
-            <p:extLst>
-              <p:ext uri="{D42A27DB-BD31-4B8C-83A1-F6EECF244321}">
-                <p14:modId xmlns:p14="http://schemas.microsoft.com/office/powerpoint/2010/main" val="4237762269"/>
-              </p:ext>
-            </p:extLst>
-          </p:nvPr>
-        </p:nvGraphicFramePr>
-        <p:xfrm>
-          <a:off x="1096963" y="1846263"/>
-          <a:ext cx="10058400" cy="4022725"/>
-        </p:xfrm>
-        <a:graphic>
-          <a:graphicData uri="http://schemas.openxmlformats.org/drawingml/2006/diagram">
-            <dgm:relIds xmlns:dgm="http://schemas.openxmlformats.org/drawingml/2006/diagram" xmlns:r="http://schemas.openxmlformats.org/officeDocument/2006/relationships" r:dm="rId2" r:lo="rId3" r:qs="rId4" r:cs="rId5"/>
-          </a:graphicData>
-        </a:graphic>
-      </p:graphicFrame>
-      <p:pic>
-        <p:nvPicPr>
-          <p:cNvPr id="5" name="Picture 4">
-            <a:extLst>
-              <a:ext uri="{FF2B5EF4-FFF2-40B4-BE49-F238E27FC236}">
-                <a16:creationId xmlns:a16="http://schemas.microsoft.com/office/drawing/2014/main" id="{215C7E6A-B710-43B0-84DF-E7AE4E2753FA}"/>
-              </a:ext>
-            </a:extLst>
-          </p:cNvPr>
-          <p:cNvPicPr>
-            <a:picLocks noChangeAspect="1"/>
-          </p:cNvPicPr>
-          <p:nvPr/>
-        </p:nvPicPr>
-        <p:blipFill>
-          <a:blip r:embed="rId7">
-            <a:extLst>
-              <a:ext uri="{BEBA8EAE-BF5A-486C-A8C5-ECC9F3942E4B}">
-                <a14:imgProps xmlns:a14="http://schemas.microsoft.com/office/drawing/2010/main">
-                  <a14:imgLayer r:embed="rId8">
-                    <a14:imgEffect>
-                      <a14:backgroundRemoval t="10000" b="90000" l="10000" r="90000"/>
-                    </a14:imgEffect>
-                  </a14:imgLayer>
-                </a14:imgProps>
-              </a:ext>
-              <a:ext uri="{28A0092B-C50C-407E-A947-70E740481C1C}">
-                <a14:useLocalDpi xmlns:a14="http://schemas.microsoft.com/office/drawing/2010/main" val="0"/>
-              </a:ext>
-            </a:extLst>
-          </a:blip>
-          <a:stretch>
-            <a:fillRect/>
-          </a:stretch>
-        </p:blipFill>
-        <p:spPr>
-          <a:xfrm>
-            <a:off x="10941799" y="5598621"/>
-            <a:ext cx="1479784" cy="1479784"/>
-          </a:xfrm>
-          <a:prstGeom prst="rect">
-            <a:avLst/>
-          </a:prstGeom>
-        </p:spPr>
-      </p:pic>
-    </p:spTree>
-    <p:extLst>
-      <p:ext uri="{BB962C8B-B14F-4D97-AF65-F5344CB8AC3E}">
-        <p14:creationId xmlns:p14="http://schemas.microsoft.com/office/powerpoint/2010/main" val="3088416921"/>
-      </p:ext>
-    </p:extLst>
-  </p:cSld>
-  <p:clrMapOvr>
-    <a:masterClrMapping/>
-  </p:clrMapOvr>
-</p:sld>
-</file>
-
-<file path=ppt/slides/slide3.xml><?xml version="1.0" encoding="utf-8"?>
-<p:sld xmlns:a="http://schemas.openxmlformats.org/drawingml/2006/main" xmlns:r="http://schemas.openxmlformats.org/officeDocument/2006/relationships" xmlns:p="http://schemas.openxmlformats.org/presentationml/2006/main">
-  <p:cSld>
-    <p:spTree>
-      <p:nvGrpSpPr>
-        <p:cNvPr id="1" name=""/>
-        <p:cNvGrpSpPr/>
-        <p:nvPr/>
-      </p:nvGrpSpPr>
-      <p:grpSpPr>
-        <a:xfrm>
-          <a:off x="0" y="0"/>
-          <a:ext cx="0" cy="0"/>
-          <a:chOff x="0" y="0"/>
-          <a:chExt cx="0" cy="0"/>
-        </a:xfrm>
-      </p:grpSpPr>
-      <p:sp>
-        <p:nvSpPr>
-          <p:cNvPr id="2" name="Title 1">
-            <a:extLst>
-              <a:ext uri="{FF2B5EF4-FFF2-40B4-BE49-F238E27FC236}">
-                <a16:creationId xmlns:a16="http://schemas.microsoft.com/office/drawing/2014/main" id="{7BE3E4B8-BD99-4A03-B7F8-B193F0863273}"/>
-              </a:ext>
-            </a:extLst>
-          </p:cNvPr>
-          <p:cNvSpPr>
-            <a:spLocks noGrp="1"/>
-          </p:cNvSpPr>
-          <p:nvPr>
-            <p:ph type="title"/>
-          </p:nvPr>
-        </p:nvSpPr>
-        <p:spPr/>
-        <p:txBody>
-          <a:bodyPr/>
-          <a:lstStyle/>
-          <a:p>
-            <a:r>
-              <a:rPr lang="en-GB" dirty="0"/>
-              <a:t>Our approach</a:t>
-            </a:r>
-            <a:endParaRPr lang="fr-FR" dirty="0"/>
-          </a:p>
-        </p:txBody>
-      </p:sp>
-      <p:graphicFrame>
-        <p:nvGraphicFramePr>
-          <p:cNvPr id="5" name="Content Placeholder 4">
-            <a:extLst>
-              <a:ext uri="{FF2B5EF4-FFF2-40B4-BE49-F238E27FC236}">
-                <a16:creationId xmlns:a16="http://schemas.microsoft.com/office/drawing/2014/main" id="{44EF2416-F745-4655-A0F7-6DBD8FF35812}"/>
-              </a:ext>
-            </a:extLst>
-          </p:cNvPr>
-          <p:cNvGraphicFramePr>
-            <a:graphicFrameLocks noGrp="1"/>
-          </p:cNvGraphicFramePr>
-          <p:nvPr>
-            <p:ph idx="1"/>
-            <p:extLst>
-              <p:ext uri="{D42A27DB-BD31-4B8C-83A1-F6EECF244321}">
-                <p14:modId xmlns:p14="http://schemas.microsoft.com/office/powerpoint/2010/main" val="472942155"/>
-              </p:ext>
-            </p:extLst>
-          </p:nvPr>
-        </p:nvGraphicFramePr>
-        <p:xfrm>
-          <a:off x="1096963" y="1846263"/>
-          <a:ext cx="10058400" cy="4022725"/>
-        </p:xfrm>
-        <a:graphic>
-          <a:graphicData uri="http://schemas.openxmlformats.org/drawingml/2006/diagram">
-            <dgm:relIds xmlns:dgm="http://schemas.openxmlformats.org/drawingml/2006/diagram" xmlns:r="http://schemas.openxmlformats.org/officeDocument/2006/relationships" r:dm="rId2" r:lo="rId3" r:qs="rId4" r:cs="rId5"/>
-          </a:graphicData>
-        </a:graphic>
-      </p:graphicFrame>
-      <p:pic>
-        <p:nvPicPr>
-          <p:cNvPr id="4" name="Picture 3">
-            <a:extLst>
-              <a:ext uri="{FF2B5EF4-FFF2-40B4-BE49-F238E27FC236}">
-                <a16:creationId xmlns:a16="http://schemas.microsoft.com/office/drawing/2014/main" id="{211A1F15-3F1E-40D9-8F6C-52E57437F744}"/>
-              </a:ext>
-            </a:extLst>
-          </p:cNvPr>
-          <p:cNvPicPr>
-            <a:picLocks noChangeAspect="1"/>
-          </p:cNvPicPr>
-          <p:nvPr/>
-        </p:nvPicPr>
-        <p:blipFill>
-          <a:blip r:embed="rId7">
-            <a:extLst>
-              <a:ext uri="{BEBA8EAE-BF5A-486C-A8C5-ECC9F3942E4B}">
-                <a14:imgProps xmlns:a14="http://schemas.microsoft.com/office/drawing/2010/main">
-                  <a14:imgLayer r:embed="rId8">
-                    <a14:imgEffect>
-                      <a14:backgroundRemoval t="10000" b="90000" l="10000" r="90000"/>
-                    </a14:imgEffect>
-                  </a14:imgLayer>
-                </a14:imgProps>
-              </a:ext>
-              <a:ext uri="{28A0092B-C50C-407E-A947-70E740481C1C}">
-                <a14:useLocalDpi xmlns:a14="http://schemas.microsoft.com/office/drawing/2010/main" val="0"/>
-              </a:ext>
-            </a:extLst>
-          </a:blip>
-          <a:stretch>
-            <a:fillRect/>
-          </a:stretch>
-        </p:blipFill>
-        <p:spPr>
-          <a:xfrm>
-            <a:off x="10941799" y="5598621"/>
-            <a:ext cx="1479784" cy="1479784"/>
-          </a:xfrm>
-          <a:prstGeom prst="rect">
-            <a:avLst/>
-          </a:prstGeom>
-        </p:spPr>
-      </p:pic>
-    </p:spTree>
-    <p:extLst>
-      <p:ext uri="{BB962C8B-B14F-4D97-AF65-F5344CB8AC3E}">
-        <p14:creationId xmlns:p14="http://schemas.microsoft.com/office/powerpoint/2010/main" val="58168516"/>
-      </p:ext>
-    </p:extLst>
-  </p:cSld>
-  <p:clrMapOvr>
-    <a:masterClrMapping/>
-  </p:clrMapOvr>
-</p:sld>
-</file>
-
-<file path=ppt/slides/slide4.xml><?xml version="1.0" encoding="utf-8"?>
-<p:sld xmlns:a="http://schemas.openxmlformats.org/drawingml/2006/main" xmlns:r="http://schemas.openxmlformats.org/officeDocument/2006/relationships" xmlns:p="http://schemas.openxmlformats.org/presentationml/2006/main">
-  <p:cSld>
-    <p:spTree>
-      <p:nvGrpSpPr>
-        <p:cNvPr id="1" name=""/>
-        <p:cNvGrpSpPr/>
-        <p:nvPr/>
-      </p:nvGrpSpPr>
-      <p:grpSpPr>
-        <a:xfrm>
-          <a:off x="0" y="0"/>
-          <a:ext cx="0" cy="0"/>
-          <a:chOff x="0" y="0"/>
-          <a:chExt cx="0" cy="0"/>
-        </a:xfrm>
-      </p:grpSpPr>
-      <p:sp>
-        <p:nvSpPr>
-          <p:cNvPr id="2" name="Title 1">
-            <a:extLst>
-              <a:ext uri="{FF2B5EF4-FFF2-40B4-BE49-F238E27FC236}">
-                <a16:creationId xmlns:a16="http://schemas.microsoft.com/office/drawing/2014/main" id="{83BF4FBA-7F3F-4FF3-9C36-57284FFAC38A}"/>
-              </a:ext>
-            </a:extLst>
-          </p:cNvPr>
-          <p:cNvSpPr>
-            <a:spLocks noGrp="1"/>
-          </p:cNvSpPr>
-          <p:nvPr>
-            <p:ph type="title"/>
-          </p:nvPr>
-        </p:nvSpPr>
-        <p:spPr/>
-        <p:txBody>
-          <a:bodyPr/>
-          <a:lstStyle/>
-          <a:p>
-            <a:r>
-              <a:rPr lang="en-GB" dirty="0"/>
-              <a:t>Session 4 - Recap </a:t>
-            </a:r>
-            <a:endParaRPr lang="fr-FR" dirty="0"/>
-          </a:p>
-        </p:txBody>
-      </p:sp>
-      <p:sp>
-        <p:nvSpPr>
-          <p:cNvPr id="3" name="Content Placeholder 2">
-            <a:extLst>
-              <a:ext uri="{FF2B5EF4-FFF2-40B4-BE49-F238E27FC236}">
-                <a16:creationId xmlns:a16="http://schemas.microsoft.com/office/drawing/2014/main" id="{3B7E18D9-5E5F-4D72-900E-7437C04B7C6A}"/>
-              </a:ext>
-            </a:extLst>
-          </p:cNvPr>
-          <p:cNvSpPr>
-            <a:spLocks noGrp="1"/>
-          </p:cNvSpPr>
-          <p:nvPr>
-            <p:ph idx="1"/>
-          </p:nvPr>
-        </p:nvSpPr>
-        <p:spPr/>
-        <p:txBody>
-          <a:bodyPr>
-            <a:normAutofit/>
-          </a:bodyPr>
-          <a:lstStyle/>
-          <a:p>
-            <a:r>
-              <a:rPr lang="en-GB" dirty="0"/>
-              <a:t>Onclick=“”</a:t>
-            </a:r>
-          </a:p>
-          <a:p>
-            <a:r>
-              <a:rPr lang="en-GB" dirty="0"/>
-              <a:t>BS5 docs</a:t>
-            </a:r>
-            <a:endParaRPr lang="fr-FR" dirty="0"/>
-          </a:p>
-        </p:txBody>
-      </p:sp>
-      <p:pic>
-        <p:nvPicPr>
-          <p:cNvPr id="4" name="Picture 3">
-            <a:extLst>
-              <a:ext uri="{FF2B5EF4-FFF2-40B4-BE49-F238E27FC236}">
-                <a16:creationId xmlns:a16="http://schemas.microsoft.com/office/drawing/2014/main" id="{67C24DDC-4B08-43EE-BFC0-C361095D9CFF}"/>
-              </a:ext>
-            </a:extLst>
-          </p:cNvPr>
-          <p:cNvPicPr>
-            <a:picLocks noChangeAspect="1"/>
-          </p:cNvPicPr>
-          <p:nvPr/>
-        </p:nvPicPr>
-        <p:blipFill>
-          <a:blip r:embed="rId2">
-            <a:extLst>
-              <a:ext uri="{BEBA8EAE-BF5A-486C-A8C5-ECC9F3942E4B}">
-                <a14:imgProps xmlns:a14="http://schemas.microsoft.com/office/drawing/2010/main">
-                  <a14:imgLayer r:embed="rId3">
-                    <a14:imgEffect>
-                      <a14:backgroundRemoval t="10000" b="90000" l="10000" r="90000"/>
-                    </a14:imgEffect>
-                  </a14:imgLayer>
-                </a14:imgProps>
-              </a:ext>
-              <a:ext uri="{28A0092B-C50C-407E-A947-70E740481C1C}">
-                <a14:useLocalDpi xmlns:a14="http://schemas.microsoft.com/office/drawing/2010/main" val="0"/>
-              </a:ext>
-            </a:extLst>
-          </a:blip>
-          <a:stretch>
-            <a:fillRect/>
-          </a:stretch>
-        </p:blipFill>
-        <p:spPr>
-          <a:xfrm>
-            <a:off x="10941799" y="5598621"/>
-            <a:ext cx="1479784" cy="1479784"/>
-          </a:xfrm>
-          <a:prstGeom prst="rect">
-            <a:avLst/>
-          </a:prstGeom>
-        </p:spPr>
-      </p:pic>
-    </p:spTree>
-    <p:extLst>
-      <p:ext uri="{BB962C8B-B14F-4D97-AF65-F5344CB8AC3E}">
-        <p14:creationId xmlns:p14="http://schemas.microsoft.com/office/powerpoint/2010/main" val="2621587402"/>
-      </p:ext>
-    </p:extLst>
-  </p:cSld>
-  <p:clrMapOvr>
-    <a:masterClrMapping/>
-  </p:clrMapOvr>
-</p:sld>
-</file>
-
-<file path=ppt/slides/slide5.xml><?xml version="1.0" encoding="utf-8"?>
-<p:sld xmlns:a="http://schemas.openxmlformats.org/drawingml/2006/main" xmlns:r="http://schemas.openxmlformats.org/officeDocument/2006/relationships" xmlns:p="http://schemas.openxmlformats.org/presentationml/2006/main">
-  <p:cSld>
-    <p:spTree>
-      <p:nvGrpSpPr>
-        <p:cNvPr id="1" name=""/>
-        <p:cNvGrpSpPr/>
-        <p:nvPr/>
-      </p:nvGrpSpPr>
-      <p:grpSpPr>
-        <a:xfrm>
-          <a:off x="0" y="0"/>
-          <a:ext cx="0" cy="0"/>
-          <a:chOff x="0" y="0"/>
-          <a:chExt cx="0" cy="0"/>
-        </a:xfrm>
-      </p:grpSpPr>
-      <p:sp>
-        <p:nvSpPr>
-          <p:cNvPr id="2" name="Title 1">
-            <a:extLst>
-              <a:ext uri="{FF2B5EF4-FFF2-40B4-BE49-F238E27FC236}">
-                <a16:creationId xmlns:a16="http://schemas.microsoft.com/office/drawing/2014/main" id="{F305E1A3-15A7-4FFC-876B-B16902921661}"/>
-              </a:ext>
-            </a:extLst>
-          </p:cNvPr>
-          <p:cNvSpPr>
-            <a:spLocks noGrp="1"/>
-          </p:cNvSpPr>
-          <p:nvPr>
-            <p:ph type="title"/>
-          </p:nvPr>
-        </p:nvSpPr>
-        <p:spPr/>
-        <p:txBody>
-          <a:bodyPr/>
-          <a:lstStyle/>
-          <a:p>
-            <a:r>
-              <a:rPr lang="en-GB" dirty="0"/>
-              <a:t>Session 5 - Developing a </a:t>
-            </a:r>
-            <a:r>
-              <a:rPr lang="en-GB" dirty="0" err="1"/>
-              <a:t>todo</a:t>
-            </a:r>
-            <a:r>
-              <a:rPr lang="en-GB" dirty="0"/>
-              <a:t> app</a:t>
-            </a:r>
-            <a:endParaRPr lang="fr-FR" dirty="0"/>
-          </a:p>
-        </p:txBody>
-      </p:sp>
-      <p:graphicFrame>
-        <p:nvGraphicFramePr>
-          <p:cNvPr id="4" name="Content Placeholder 3">
-            <a:extLst>
-              <a:ext uri="{FF2B5EF4-FFF2-40B4-BE49-F238E27FC236}">
-                <a16:creationId xmlns:a16="http://schemas.microsoft.com/office/drawing/2014/main" id="{674B3E46-03A1-43B5-8A51-304344028E4E}"/>
-              </a:ext>
-            </a:extLst>
-          </p:cNvPr>
-          <p:cNvGraphicFramePr>
-            <a:graphicFrameLocks noGrp="1"/>
-          </p:cNvGraphicFramePr>
-          <p:nvPr>
-            <p:ph idx="1"/>
-            <p:extLst>
-              <p:ext uri="{D42A27DB-BD31-4B8C-83A1-F6EECF244321}">
-                <p14:modId xmlns:p14="http://schemas.microsoft.com/office/powerpoint/2010/main" val="340459336"/>
-              </p:ext>
-            </p:extLst>
-          </p:nvPr>
-        </p:nvGraphicFramePr>
-        <p:xfrm>
-          <a:off x="1096963" y="1846263"/>
-          <a:ext cx="10058400" cy="4022725"/>
-        </p:xfrm>
-        <a:graphic>
-          <a:graphicData uri="http://schemas.openxmlformats.org/drawingml/2006/diagram">
-            <dgm:relIds xmlns:dgm="http://schemas.openxmlformats.org/drawingml/2006/diagram" xmlns:r="http://schemas.openxmlformats.org/officeDocument/2006/relationships" r:dm="rId2" r:lo="rId3" r:qs="rId4" r:cs="rId5"/>
-          </a:graphicData>
-        </a:graphic>
-      </p:graphicFrame>
-      <p:pic>
-        <p:nvPicPr>
-          <p:cNvPr id="5" name="Picture 4">
-            <a:extLst>
-              <a:ext uri="{FF2B5EF4-FFF2-40B4-BE49-F238E27FC236}">
-                <a16:creationId xmlns:a16="http://schemas.microsoft.com/office/drawing/2014/main" id="{7060080B-5CF9-4EEE-BA49-7DBA6650AEAE}"/>
-              </a:ext>
-            </a:extLst>
-          </p:cNvPr>
-          <p:cNvPicPr>
-            <a:picLocks noChangeAspect="1"/>
-          </p:cNvPicPr>
-          <p:nvPr/>
-        </p:nvPicPr>
-        <p:blipFill>
-          <a:blip r:embed="rId7">
-            <a:extLst>
-              <a:ext uri="{BEBA8EAE-BF5A-486C-A8C5-ECC9F3942E4B}">
-                <a14:imgProps xmlns:a14="http://schemas.microsoft.com/office/drawing/2010/main">
-                  <a14:imgLayer r:embed="rId8">
-                    <a14:imgEffect>
-                      <a14:backgroundRemoval t="10000" b="90000" l="10000" r="90000"/>
-                    </a14:imgEffect>
-                  </a14:imgLayer>
-                </a14:imgProps>
-              </a:ext>
-              <a:ext uri="{28A0092B-C50C-407E-A947-70E740481C1C}">
-                <a14:useLocalDpi xmlns:a14="http://schemas.microsoft.com/office/drawing/2010/main" val="0"/>
-              </a:ext>
-            </a:extLst>
-          </a:blip>
-          <a:stretch>
-            <a:fillRect/>
-          </a:stretch>
-        </p:blipFill>
-        <p:spPr>
-          <a:xfrm>
-            <a:off x="10941799" y="5598621"/>
-            <a:ext cx="1479784" cy="1479784"/>
-          </a:xfrm>
-          <a:prstGeom prst="rect">
-            <a:avLst/>
-          </a:prstGeom>
-        </p:spPr>
-      </p:pic>
-    </p:spTree>
-    <p:extLst>
-      <p:ext uri="{BB962C8B-B14F-4D97-AF65-F5344CB8AC3E}">
-        <p14:creationId xmlns:p14="http://schemas.microsoft.com/office/powerpoint/2010/main" val="540225685"/>
-      </p:ext>
-    </p:extLst>
-  </p:cSld>
-  <p:clrMapOvr>
-    <a:masterClrMapping/>
-  </p:clrMapOvr>
-</p:sld>
-</file>
-
-<file path=ppt/slides/slide6.xml><?xml version="1.0" encoding="utf-8"?>
-<p:sld xmlns:a="http://schemas.openxmlformats.org/drawingml/2006/main" xmlns:r="http://schemas.openxmlformats.org/officeDocument/2006/relationships" xmlns:p="http://schemas.openxmlformats.org/presentationml/2006/main">
-  <p:cSld>
-    <p:spTree>
-      <p:nvGrpSpPr>
-        <p:cNvPr id="1" name=""/>
-        <p:cNvGrpSpPr/>
-        <p:nvPr/>
-      </p:nvGrpSpPr>
-      <p:grpSpPr>
-        <a:xfrm>
-          <a:off x="0" y="0"/>
-          <a:ext cx="0" cy="0"/>
-          <a:chOff x="0" y="0"/>
-          <a:chExt cx="0" cy="0"/>
-        </a:xfrm>
-      </p:grpSpPr>
-      <p:sp>
-        <p:nvSpPr>
-          <p:cNvPr id="2" name="Title 1">
-            <a:extLst>
-              <a:ext uri="{FF2B5EF4-FFF2-40B4-BE49-F238E27FC236}">
-                <a16:creationId xmlns:a16="http://schemas.microsoft.com/office/drawing/2014/main" id="{18F83F41-D11F-4515-9D3E-870643AA82F3}"/>
-              </a:ext>
-            </a:extLst>
-          </p:cNvPr>
-          <p:cNvSpPr>
-            <a:spLocks noGrp="1"/>
-          </p:cNvSpPr>
-          <p:nvPr>
-            <p:ph type="title"/>
-          </p:nvPr>
-        </p:nvSpPr>
-        <p:spPr/>
-        <p:txBody>
-          <a:bodyPr/>
-          <a:lstStyle/>
-          <a:p>
-            <a:r>
-              <a:rPr lang="en-GB" dirty="0"/>
-              <a:t>Syntax covered</a:t>
-            </a:r>
-            <a:endParaRPr lang="fr-FR" dirty="0"/>
-          </a:p>
-        </p:txBody>
-      </p:sp>
-      <p:graphicFrame>
-        <p:nvGraphicFramePr>
-          <p:cNvPr id="4" name="Content Placeholder 3">
-            <a:extLst>
-              <a:ext uri="{FF2B5EF4-FFF2-40B4-BE49-F238E27FC236}">
-                <a16:creationId xmlns:a16="http://schemas.microsoft.com/office/drawing/2014/main" id="{02C01E4D-D837-4D5E-8193-89D00E46A253}"/>
-              </a:ext>
-            </a:extLst>
-          </p:cNvPr>
-          <p:cNvGraphicFramePr>
-            <a:graphicFrameLocks noGrp="1"/>
-          </p:cNvGraphicFramePr>
-          <p:nvPr>
-            <p:ph idx="1"/>
-            <p:extLst>
-              <p:ext uri="{D42A27DB-BD31-4B8C-83A1-F6EECF244321}">
-                <p14:modId xmlns:p14="http://schemas.microsoft.com/office/powerpoint/2010/main" val="690558514"/>
-              </p:ext>
-            </p:extLst>
-          </p:nvPr>
-        </p:nvGraphicFramePr>
-        <p:xfrm>
-          <a:off x="1097280" y="1845734"/>
-          <a:ext cx="10058400" cy="4023360"/>
-        </p:xfrm>
-        <a:graphic>
-          <a:graphicData uri="http://schemas.openxmlformats.org/drawingml/2006/diagram">
-            <dgm:relIds xmlns:dgm="http://schemas.openxmlformats.org/drawingml/2006/diagram" xmlns:r="http://schemas.openxmlformats.org/officeDocument/2006/relationships" r:dm="rId2" r:lo="rId3" r:qs="rId4" r:cs="rId5"/>
-          </a:graphicData>
-        </a:graphic>
-      </p:graphicFrame>
-      <p:pic>
-        <p:nvPicPr>
-          <p:cNvPr id="5" name="Picture 4">
-            <a:extLst>
-              <a:ext uri="{FF2B5EF4-FFF2-40B4-BE49-F238E27FC236}">
-                <a16:creationId xmlns:a16="http://schemas.microsoft.com/office/drawing/2014/main" id="{16A1F4FF-3CCD-46BC-9D51-DBCFC2AB25EF}"/>
-              </a:ext>
-            </a:extLst>
-          </p:cNvPr>
-          <p:cNvPicPr>
-            <a:picLocks noChangeAspect="1"/>
-          </p:cNvPicPr>
-          <p:nvPr/>
-        </p:nvPicPr>
-        <p:blipFill>
-          <a:blip r:embed="rId7">
-            <a:extLst>
-              <a:ext uri="{BEBA8EAE-BF5A-486C-A8C5-ECC9F3942E4B}">
-                <a14:imgProps xmlns:a14="http://schemas.microsoft.com/office/drawing/2010/main">
-                  <a14:imgLayer r:embed="rId8">
-                    <a14:imgEffect>
-                      <a14:backgroundRemoval t="10000" b="90000" l="10000" r="90000"/>
-                    </a14:imgEffect>
-                  </a14:imgLayer>
-                </a14:imgProps>
-              </a:ext>
-              <a:ext uri="{28A0092B-C50C-407E-A947-70E740481C1C}">
-                <a14:useLocalDpi xmlns:a14="http://schemas.microsoft.com/office/drawing/2010/main" val="0"/>
-              </a:ext>
-            </a:extLst>
-          </a:blip>
-          <a:stretch>
-            <a:fillRect/>
-          </a:stretch>
-        </p:blipFill>
-        <p:spPr>
-          <a:xfrm>
-            <a:off x="10941799" y="5598621"/>
-            <a:ext cx="1479784" cy="1479784"/>
-          </a:xfrm>
-          <a:prstGeom prst="rect">
-            <a:avLst/>
-          </a:prstGeom>
-        </p:spPr>
-      </p:pic>
-    </p:spTree>
-    <p:extLst>
-      <p:ext uri="{BB962C8B-B14F-4D97-AF65-F5344CB8AC3E}">
-        <p14:creationId xmlns:p14="http://schemas.microsoft.com/office/powerpoint/2010/main" val="2112192113"/>
-      </p:ext>
-    </p:extLst>
-  </p:cSld>
-  <p:clrMapOvr>
-    <a:masterClrMapping/>
-  </p:clrMapOvr>
-</p:sld>
-</file>
-
-<file path=ppt/slides/slide7.xml><?xml version="1.0" encoding="utf-8"?>
+<file path=ppt/slides/slide10.xml><?xml version="1.0" encoding="utf-8"?>
 <p:sld xmlns:a="http://schemas.openxmlformats.org/drawingml/2006/main" xmlns:r="http://schemas.openxmlformats.org/officeDocument/2006/relationships" xmlns:p="http://schemas.openxmlformats.org/presentationml/2006/main">
   <p:cSld>
     <p:spTree>
@@ -17482,10 +21837,1764 @@
           </a:prstGeom>
         </p:spPr>
       </p:pic>
+      <p:sp>
+        <p:nvSpPr>
+          <p:cNvPr id="5" name="TextBox 4">
+            <a:extLst>
+              <a:ext uri="{FF2B5EF4-FFF2-40B4-BE49-F238E27FC236}">
+                <a16:creationId xmlns:a16="http://schemas.microsoft.com/office/drawing/2014/main" id="{1DC00807-0A76-447A-8781-BCEF9EEB57CE}"/>
+              </a:ext>
+            </a:extLst>
+          </p:cNvPr>
+          <p:cNvSpPr txBox="1"/>
+          <p:nvPr/>
+        </p:nvSpPr>
+        <p:spPr>
+          <a:xfrm>
+            <a:off x="1097280" y="6409081"/>
+            <a:ext cx="7115542" cy="369332"/>
+          </a:xfrm>
+          <a:prstGeom prst="rect">
+            <a:avLst/>
+          </a:prstGeom>
+          <a:noFill/>
+        </p:spPr>
+        <p:txBody>
+          <a:bodyPr wrap="square">
+            <a:spAutoFit/>
+          </a:bodyPr>
+          <a:lstStyle/>
+          <a:p>
+            <a:r>
+              <a:rPr lang="en-GB" dirty="0">
+                <a:solidFill>
+                  <a:schemeClr val="accent1">
+                    <a:lumMod val="50000"/>
+                  </a:schemeClr>
+                </a:solidFill>
+              </a:rPr>
+              <a:t>Code Mentor Mauritius - JS Sessions – Full Stack Web Development</a:t>
+            </a:r>
+            <a:endParaRPr lang="fr-FR" dirty="0"/>
+          </a:p>
+        </p:txBody>
+      </p:sp>
     </p:spTree>
     <p:extLst>
       <p:ext uri="{BB962C8B-B14F-4D97-AF65-F5344CB8AC3E}">
         <p14:creationId xmlns:p14="http://schemas.microsoft.com/office/powerpoint/2010/main" val="3577657957"/>
+      </p:ext>
+    </p:extLst>
+  </p:cSld>
+  <p:clrMapOvr>
+    <a:masterClrMapping/>
+  </p:clrMapOvr>
+</p:sld>
+</file>
+
+<file path=ppt/slides/slide2.xml><?xml version="1.0" encoding="utf-8"?>
+<p:sld xmlns:a="http://schemas.openxmlformats.org/drawingml/2006/main" xmlns:r="http://schemas.openxmlformats.org/officeDocument/2006/relationships" xmlns:p="http://schemas.openxmlformats.org/presentationml/2006/main">
+  <p:cSld>
+    <p:spTree>
+      <p:nvGrpSpPr>
+        <p:cNvPr id="1" name=""/>
+        <p:cNvGrpSpPr/>
+        <p:nvPr/>
+      </p:nvGrpSpPr>
+      <p:grpSpPr>
+        <a:xfrm>
+          <a:off x="0" y="0"/>
+          <a:ext cx="0" cy="0"/>
+          <a:chOff x="0" y="0"/>
+          <a:chExt cx="0" cy="0"/>
+        </a:xfrm>
+      </p:grpSpPr>
+      <p:sp>
+        <p:nvSpPr>
+          <p:cNvPr id="2" name="Title 1">
+            <a:extLst>
+              <a:ext uri="{FF2B5EF4-FFF2-40B4-BE49-F238E27FC236}">
+                <a16:creationId xmlns:a16="http://schemas.microsoft.com/office/drawing/2014/main" id="{BF1B5C15-8200-4683-A950-5DC04884CD7C}"/>
+              </a:ext>
+            </a:extLst>
+          </p:cNvPr>
+          <p:cNvSpPr>
+            <a:spLocks noGrp="1"/>
+          </p:cNvSpPr>
+          <p:nvPr>
+            <p:ph type="title"/>
+          </p:nvPr>
+        </p:nvSpPr>
+        <p:spPr/>
+        <p:txBody>
+          <a:bodyPr/>
+          <a:lstStyle/>
+          <a:p>
+            <a:r>
+              <a:rPr lang="en-GB" dirty="0"/>
+              <a:t>Agenda</a:t>
+            </a:r>
+            <a:endParaRPr lang="fr-FR" dirty="0"/>
+          </a:p>
+        </p:txBody>
+      </p:sp>
+      <p:graphicFrame>
+        <p:nvGraphicFramePr>
+          <p:cNvPr id="4" name="Content Placeholder 3">
+            <a:extLst>
+              <a:ext uri="{FF2B5EF4-FFF2-40B4-BE49-F238E27FC236}">
+                <a16:creationId xmlns:a16="http://schemas.microsoft.com/office/drawing/2014/main" id="{F3372CAF-7B25-4731-A1A0-42CCB98E872D}"/>
+              </a:ext>
+            </a:extLst>
+          </p:cNvPr>
+          <p:cNvGraphicFramePr>
+            <a:graphicFrameLocks noGrp="1"/>
+          </p:cNvGraphicFramePr>
+          <p:nvPr>
+            <p:ph idx="1"/>
+            <p:extLst>
+              <p:ext uri="{D42A27DB-BD31-4B8C-83A1-F6EECF244321}">
+                <p14:modId xmlns:p14="http://schemas.microsoft.com/office/powerpoint/2010/main" val="2104105274"/>
+              </p:ext>
+            </p:extLst>
+          </p:nvPr>
+        </p:nvGraphicFramePr>
+        <p:xfrm>
+          <a:off x="1096963" y="1846263"/>
+          <a:ext cx="10058400" cy="4022725"/>
+        </p:xfrm>
+        <a:graphic>
+          <a:graphicData uri="http://schemas.openxmlformats.org/drawingml/2006/diagram">
+            <dgm:relIds xmlns:dgm="http://schemas.openxmlformats.org/drawingml/2006/diagram" xmlns:r="http://schemas.openxmlformats.org/officeDocument/2006/relationships" r:dm="rId2" r:lo="rId3" r:qs="rId4" r:cs="rId5"/>
+          </a:graphicData>
+        </a:graphic>
+      </p:graphicFrame>
+      <p:pic>
+        <p:nvPicPr>
+          <p:cNvPr id="5" name="Picture 4">
+            <a:extLst>
+              <a:ext uri="{FF2B5EF4-FFF2-40B4-BE49-F238E27FC236}">
+                <a16:creationId xmlns:a16="http://schemas.microsoft.com/office/drawing/2014/main" id="{215C7E6A-B710-43B0-84DF-E7AE4E2753FA}"/>
+              </a:ext>
+            </a:extLst>
+          </p:cNvPr>
+          <p:cNvPicPr>
+            <a:picLocks noChangeAspect="1"/>
+          </p:cNvPicPr>
+          <p:nvPr/>
+        </p:nvPicPr>
+        <p:blipFill>
+          <a:blip r:embed="rId7">
+            <a:extLst>
+              <a:ext uri="{BEBA8EAE-BF5A-486C-A8C5-ECC9F3942E4B}">
+                <a14:imgProps xmlns:a14="http://schemas.microsoft.com/office/drawing/2010/main">
+                  <a14:imgLayer r:embed="rId8">
+                    <a14:imgEffect>
+                      <a14:backgroundRemoval t="10000" b="90000" l="10000" r="90000"/>
+                    </a14:imgEffect>
+                  </a14:imgLayer>
+                </a14:imgProps>
+              </a:ext>
+              <a:ext uri="{28A0092B-C50C-407E-A947-70E740481C1C}">
+                <a14:useLocalDpi xmlns:a14="http://schemas.microsoft.com/office/drawing/2010/main" val="0"/>
+              </a:ext>
+            </a:extLst>
+          </a:blip>
+          <a:stretch>
+            <a:fillRect/>
+          </a:stretch>
+        </p:blipFill>
+        <p:spPr>
+          <a:xfrm>
+            <a:off x="10941799" y="5598621"/>
+            <a:ext cx="1479784" cy="1479784"/>
+          </a:xfrm>
+          <a:prstGeom prst="rect">
+            <a:avLst/>
+          </a:prstGeom>
+        </p:spPr>
+      </p:pic>
+      <p:sp>
+        <p:nvSpPr>
+          <p:cNvPr id="6" name="TextBox 5">
+            <a:extLst>
+              <a:ext uri="{FF2B5EF4-FFF2-40B4-BE49-F238E27FC236}">
+                <a16:creationId xmlns:a16="http://schemas.microsoft.com/office/drawing/2014/main" id="{CE3D1F32-584F-4F55-8064-299738F6C6DC}"/>
+              </a:ext>
+            </a:extLst>
+          </p:cNvPr>
+          <p:cNvSpPr txBox="1"/>
+          <p:nvPr/>
+        </p:nvSpPr>
+        <p:spPr>
+          <a:xfrm>
+            <a:off x="1097280" y="6409081"/>
+            <a:ext cx="7115542" cy="369332"/>
+          </a:xfrm>
+          <a:prstGeom prst="rect">
+            <a:avLst/>
+          </a:prstGeom>
+          <a:noFill/>
+        </p:spPr>
+        <p:txBody>
+          <a:bodyPr wrap="square">
+            <a:spAutoFit/>
+          </a:bodyPr>
+          <a:lstStyle/>
+          <a:p>
+            <a:r>
+              <a:rPr lang="en-GB" dirty="0">
+                <a:solidFill>
+                  <a:schemeClr val="accent1">
+                    <a:lumMod val="50000"/>
+                  </a:schemeClr>
+                </a:solidFill>
+              </a:rPr>
+              <a:t>Code Mentor Mauritius - JS Sessions – Full Stack Web Development</a:t>
+            </a:r>
+            <a:endParaRPr lang="fr-FR" dirty="0"/>
+          </a:p>
+        </p:txBody>
+      </p:sp>
+    </p:spTree>
+    <p:extLst>
+      <p:ext uri="{BB962C8B-B14F-4D97-AF65-F5344CB8AC3E}">
+        <p14:creationId xmlns:p14="http://schemas.microsoft.com/office/powerpoint/2010/main" val="3088416921"/>
+      </p:ext>
+    </p:extLst>
+  </p:cSld>
+  <p:clrMapOvr>
+    <a:masterClrMapping/>
+  </p:clrMapOvr>
+</p:sld>
+</file>
+
+<file path=ppt/slides/slide3.xml><?xml version="1.0" encoding="utf-8"?>
+<p:sld xmlns:a="http://schemas.openxmlformats.org/drawingml/2006/main" xmlns:r="http://schemas.openxmlformats.org/officeDocument/2006/relationships" xmlns:p="http://schemas.openxmlformats.org/presentationml/2006/main">
+  <p:cSld>
+    <p:spTree>
+      <p:nvGrpSpPr>
+        <p:cNvPr id="1" name=""/>
+        <p:cNvGrpSpPr/>
+        <p:nvPr/>
+      </p:nvGrpSpPr>
+      <p:grpSpPr>
+        <a:xfrm>
+          <a:off x="0" y="0"/>
+          <a:ext cx="0" cy="0"/>
+          <a:chOff x="0" y="0"/>
+          <a:chExt cx="0" cy="0"/>
+        </a:xfrm>
+      </p:grpSpPr>
+      <p:sp>
+        <p:nvSpPr>
+          <p:cNvPr id="2" name="Title 1">
+            <a:extLst>
+              <a:ext uri="{FF2B5EF4-FFF2-40B4-BE49-F238E27FC236}">
+                <a16:creationId xmlns:a16="http://schemas.microsoft.com/office/drawing/2014/main" id="{18F83F41-D11F-4515-9D3E-870643AA82F3}"/>
+              </a:ext>
+            </a:extLst>
+          </p:cNvPr>
+          <p:cNvSpPr>
+            <a:spLocks noGrp="1"/>
+          </p:cNvSpPr>
+          <p:nvPr>
+            <p:ph type="title"/>
+          </p:nvPr>
+        </p:nvSpPr>
+        <p:spPr/>
+        <p:txBody>
+          <a:bodyPr/>
+          <a:lstStyle/>
+          <a:p>
+            <a:r>
+              <a:rPr lang="en-GB" dirty="0"/>
+              <a:t>Session 4 - Recap - Syntax covered</a:t>
+            </a:r>
+            <a:endParaRPr lang="fr-FR" dirty="0"/>
+          </a:p>
+        </p:txBody>
+      </p:sp>
+      <p:graphicFrame>
+        <p:nvGraphicFramePr>
+          <p:cNvPr id="4" name="Content Placeholder 3">
+            <a:extLst>
+              <a:ext uri="{FF2B5EF4-FFF2-40B4-BE49-F238E27FC236}">
+                <a16:creationId xmlns:a16="http://schemas.microsoft.com/office/drawing/2014/main" id="{02C01E4D-D837-4D5E-8193-89D00E46A253}"/>
+              </a:ext>
+            </a:extLst>
+          </p:cNvPr>
+          <p:cNvGraphicFramePr>
+            <a:graphicFrameLocks noGrp="1"/>
+          </p:cNvGraphicFramePr>
+          <p:nvPr>
+            <p:ph idx="1"/>
+            <p:extLst>
+              <p:ext uri="{D42A27DB-BD31-4B8C-83A1-F6EECF244321}">
+                <p14:modId xmlns:p14="http://schemas.microsoft.com/office/powerpoint/2010/main" val="690558514"/>
+              </p:ext>
+            </p:extLst>
+          </p:nvPr>
+        </p:nvGraphicFramePr>
+        <p:xfrm>
+          <a:off x="1097280" y="1845734"/>
+          <a:ext cx="10058400" cy="4023360"/>
+        </p:xfrm>
+        <a:graphic>
+          <a:graphicData uri="http://schemas.openxmlformats.org/drawingml/2006/diagram">
+            <dgm:relIds xmlns:dgm="http://schemas.openxmlformats.org/drawingml/2006/diagram" xmlns:r="http://schemas.openxmlformats.org/officeDocument/2006/relationships" r:dm="rId2" r:lo="rId3" r:qs="rId4" r:cs="rId5"/>
+          </a:graphicData>
+        </a:graphic>
+      </p:graphicFrame>
+      <p:pic>
+        <p:nvPicPr>
+          <p:cNvPr id="5" name="Picture 4">
+            <a:extLst>
+              <a:ext uri="{FF2B5EF4-FFF2-40B4-BE49-F238E27FC236}">
+                <a16:creationId xmlns:a16="http://schemas.microsoft.com/office/drawing/2014/main" id="{16A1F4FF-3CCD-46BC-9D51-DBCFC2AB25EF}"/>
+              </a:ext>
+            </a:extLst>
+          </p:cNvPr>
+          <p:cNvPicPr>
+            <a:picLocks noChangeAspect="1"/>
+          </p:cNvPicPr>
+          <p:nvPr/>
+        </p:nvPicPr>
+        <p:blipFill>
+          <a:blip r:embed="rId7">
+            <a:extLst>
+              <a:ext uri="{BEBA8EAE-BF5A-486C-A8C5-ECC9F3942E4B}">
+                <a14:imgProps xmlns:a14="http://schemas.microsoft.com/office/drawing/2010/main">
+                  <a14:imgLayer r:embed="rId8">
+                    <a14:imgEffect>
+                      <a14:backgroundRemoval t="10000" b="90000" l="10000" r="90000"/>
+                    </a14:imgEffect>
+                  </a14:imgLayer>
+                </a14:imgProps>
+              </a:ext>
+              <a:ext uri="{28A0092B-C50C-407E-A947-70E740481C1C}">
+                <a14:useLocalDpi xmlns:a14="http://schemas.microsoft.com/office/drawing/2010/main" val="0"/>
+              </a:ext>
+            </a:extLst>
+          </a:blip>
+          <a:stretch>
+            <a:fillRect/>
+          </a:stretch>
+        </p:blipFill>
+        <p:spPr>
+          <a:xfrm>
+            <a:off x="10941799" y="5598621"/>
+            <a:ext cx="1479784" cy="1479784"/>
+          </a:xfrm>
+          <a:prstGeom prst="rect">
+            <a:avLst/>
+          </a:prstGeom>
+        </p:spPr>
+      </p:pic>
+      <p:sp>
+        <p:nvSpPr>
+          <p:cNvPr id="6" name="TextBox 5">
+            <a:extLst>
+              <a:ext uri="{FF2B5EF4-FFF2-40B4-BE49-F238E27FC236}">
+                <a16:creationId xmlns:a16="http://schemas.microsoft.com/office/drawing/2014/main" id="{B8D65499-EC4D-427E-B3AB-87A8B13D5E5A}"/>
+              </a:ext>
+            </a:extLst>
+          </p:cNvPr>
+          <p:cNvSpPr txBox="1"/>
+          <p:nvPr/>
+        </p:nvSpPr>
+        <p:spPr>
+          <a:xfrm>
+            <a:off x="1097280" y="6409081"/>
+            <a:ext cx="7115542" cy="369332"/>
+          </a:xfrm>
+          <a:prstGeom prst="rect">
+            <a:avLst/>
+          </a:prstGeom>
+          <a:noFill/>
+        </p:spPr>
+        <p:txBody>
+          <a:bodyPr wrap="square">
+            <a:spAutoFit/>
+          </a:bodyPr>
+          <a:lstStyle/>
+          <a:p>
+            <a:r>
+              <a:rPr lang="en-GB" dirty="0">
+                <a:solidFill>
+                  <a:schemeClr val="accent1">
+                    <a:lumMod val="50000"/>
+                  </a:schemeClr>
+                </a:solidFill>
+              </a:rPr>
+              <a:t>Code Mentor Mauritius - JS Sessions – Full Stack Web Development</a:t>
+            </a:r>
+            <a:endParaRPr lang="fr-FR" dirty="0"/>
+          </a:p>
+        </p:txBody>
+      </p:sp>
+    </p:spTree>
+    <p:extLst>
+      <p:ext uri="{BB962C8B-B14F-4D97-AF65-F5344CB8AC3E}">
+        <p14:creationId xmlns:p14="http://schemas.microsoft.com/office/powerpoint/2010/main" val="2112192113"/>
+      </p:ext>
+    </p:extLst>
+  </p:cSld>
+  <p:clrMapOvr>
+    <a:masterClrMapping/>
+  </p:clrMapOvr>
+</p:sld>
+</file>
+
+<file path=ppt/slides/slide4.xml><?xml version="1.0" encoding="utf-8"?>
+<p:sld xmlns:a="http://schemas.openxmlformats.org/drawingml/2006/main" xmlns:r="http://schemas.openxmlformats.org/officeDocument/2006/relationships" xmlns:p="http://schemas.openxmlformats.org/presentationml/2006/main">
+  <p:cSld>
+    <p:spTree>
+      <p:nvGrpSpPr>
+        <p:cNvPr id="1" name=""/>
+        <p:cNvGrpSpPr/>
+        <p:nvPr/>
+      </p:nvGrpSpPr>
+      <p:grpSpPr>
+        <a:xfrm>
+          <a:off x="0" y="0"/>
+          <a:ext cx="0" cy="0"/>
+          <a:chOff x="0" y="0"/>
+          <a:chExt cx="0" cy="0"/>
+        </a:xfrm>
+      </p:grpSpPr>
+      <p:sp>
+        <p:nvSpPr>
+          <p:cNvPr id="2" name="Title 1">
+            <a:extLst>
+              <a:ext uri="{FF2B5EF4-FFF2-40B4-BE49-F238E27FC236}">
+                <a16:creationId xmlns:a16="http://schemas.microsoft.com/office/drawing/2014/main" id="{83BF4FBA-7F3F-4FF3-9C36-57284FFAC38A}"/>
+              </a:ext>
+            </a:extLst>
+          </p:cNvPr>
+          <p:cNvSpPr>
+            <a:spLocks noGrp="1"/>
+          </p:cNvSpPr>
+          <p:nvPr>
+            <p:ph type="title"/>
+          </p:nvPr>
+        </p:nvSpPr>
+        <p:spPr/>
+        <p:txBody>
+          <a:bodyPr/>
+          <a:lstStyle/>
+          <a:p>
+            <a:r>
+              <a:rPr lang="en-GB" dirty="0"/>
+              <a:t>Session 4 – Recap - continued </a:t>
+            </a:r>
+            <a:endParaRPr lang="fr-FR" dirty="0"/>
+          </a:p>
+        </p:txBody>
+      </p:sp>
+      <p:sp>
+        <p:nvSpPr>
+          <p:cNvPr id="3" name="Content Placeholder 2">
+            <a:extLst>
+              <a:ext uri="{FF2B5EF4-FFF2-40B4-BE49-F238E27FC236}">
+                <a16:creationId xmlns:a16="http://schemas.microsoft.com/office/drawing/2014/main" id="{3B7E18D9-5E5F-4D72-900E-7437C04B7C6A}"/>
+              </a:ext>
+            </a:extLst>
+          </p:cNvPr>
+          <p:cNvSpPr>
+            <a:spLocks noGrp="1"/>
+          </p:cNvSpPr>
+          <p:nvPr>
+            <p:ph idx="1"/>
+          </p:nvPr>
+        </p:nvSpPr>
+        <p:spPr/>
+        <p:txBody>
+          <a:bodyPr>
+            <a:normAutofit fontScale="85000" lnSpcReduction="20000"/>
+          </a:bodyPr>
+          <a:lstStyle/>
+          <a:p>
+            <a:pPr marL="0" indent="0">
+              <a:buNone/>
+            </a:pPr>
+            <a:r>
+              <a:rPr lang="fr-FR" dirty="0" err="1">
+                <a:solidFill>
+                  <a:schemeClr val="tx2"/>
+                </a:solidFill>
+              </a:rPr>
+              <a:t>const</a:t>
+            </a:r>
+            <a:r>
+              <a:rPr lang="fr-FR" dirty="0">
+                <a:solidFill>
+                  <a:schemeClr val="tx2"/>
+                </a:solidFill>
+              </a:rPr>
+              <a:t> </a:t>
+            </a:r>
+            <a:r>
+              <a:rPr lang="fr-FR" dirty="0" err="1">
+                <a:solidFill>
+                  <a:schemeClr val="tx2"/>
+                </a:solidFill>
+              </a:rPr>
+              <a:t>listContainer</a:t>
+            </a:r>
+            <a:r>
+              <a:rPr lang="fr-FR" dirty="0">
+                <a:solidFill>
+                  <a:schemeClr val="tx2"/>
+                </a:solidFill>
+              </a:rPr>
+              <a:t> = </a:t>
+            </a:r>
+            <a:r>
+              <a:rPr lang="fr-FR" dirty="0" err="1">
+                <a:solidFill>
+                  <a:schemeClr val="tx2"/>
+                </a:solidFill>
+              </a:rPr>
+              <a:t>document.querySelector</a:t>
+            </a:r>
+            <a:r>
+              <a:rPr lang="fr-FR" dirty="0">
+                <a:solidFill>
+                  <a:schemeClr val="tx2"/>
+                </a:solidFill>
+              </a:rPr>
+              <a:t>("#</a:t>
+            </a:r>
+            <a:r>
+              <a:rPr lang="fr-FR" dirty="0" err="1">
+                <a:solidFill>
+                  <a:schemeClr val="tx2"/>
+                </a:solidFill>
+              </a:rPr>
+              <a:t>list</a:t>
+            </a:r>
+            <a:r>
+              <a:rPr lang="fr-FR" dirty="0">
+                <a:solidFill>
+                  <a:schemeClr val="tx2"/>
+                </a:solidFill>
+              </a:rPr>
+              <a:t>-container");</a:t>
+            </a:r>
+          </a:p>
+          <a:p>
+            <a:pPr marL="0" indent="0">
+              <a:buNone/>
+            </a:pPr>
+            <a:r>
+              <a:rPr lang="it-IT" dirty="0">
+                <a:solidFill>
+                  <a:schemeClr val="tx2"/>
+                </a:solidFill>
+              </a:rPr>
+              <a:t>let li = document.createElement("li"); li.className = "list-group-item"; </a:t>
+            </a:r>
+            <a:r>
+              <a:rPr lang="en-GB" dirty="0" err="1">
+                <a:solidFill>
+                  <a:schemeClr val="tx2"/>
+                </a:solidFill>
+              </a:rPr>
+              <a:t>listContainer.appendChild</a:t>
+            </a:r>
+            <a:r>
+              <a:rPr lang="en-GB" dirty="0">
+                <a:solidFill>
+                  <a:schemeClr val="tx2"/>
+                </a:solidFill>
+              </a:rPr>
+              <a:t>(li);</a:t>
+            </a:r>
+          </a:p>
+          <a:p>
+            <a:pPr marL="0" indent="0">
+              <a:buNone/>
+            </a:pPr>
+            <a:r>
+              <a:rPr lang="en-GB" dirty="0" err="1">
+                <a:solidFill>
+                  <a:schemeClr val="tx2"/>
+                </a:solidFill>
+              </a:rPr>
+              <a:t>addEventListener</a:t>
+            </a:r>
+            <a:r>
+              <a:rPr lang="en-GB" dirty="0">
+                <a:solidFill>
+                  <a:schemeClr val="tx2"/>
+                </a:solidFill>
+              </a:rPr>
+              <a:t>(</a:t>
+            </a:r>
+          </a:p>
+          <a:p>
+            <a:pPr marL="0" indent="0">
+              <a:buNone/>
+            </a:pPr>
+            <a:r>
+              <a:rPr lang="en-GB" dirty="0">
+                <a:solidFill>
+                  <a:schemeClr val="tx2"/>
+                </a:solidFill>
+              </a:rPr>
+              <a:t>  "click",</a:t>
+            </a:r>
+          </a:p>
+          <a:p>
+            <a:pPr marL="0" indent="0">
+              <a:buNone/>
+            </a:pPr>
+            <a:r>
+              <a:rPr lang="en-GB" dirty="0">
+                <a:solidFill>
+                  <a:schemeClr val="tx2"/>
+                </a:solidFill>
+              </a:rPr>
+              <a:t>  function (e) {</a:t>
+            </a:r>
+          </a:p>
+          <a:p>
+            <a:pPr marL="0" indent="0">
+              <a:buNone/>
+            </a:pPr>
+            <a:r>
+              <a:rPr lang="en-GB" dirty="0">
+                <a:solidFill>
+                  <a:schemeClr val="tx2"/>
+                </a:solidFill>
+              </a:rPr>
+              <a:t> if (</a:t>
+            </a:r>
+            <a:r>
+              <a:rPr lang="en-GB" dirty="0" err="1">
+                <a:solidFill>
+                  <a:schemeClr val="tx2"/>
+                </a:solidFill>
+              </a:rPr>
+              <a:t>e.target.tagName</a:t>
+            </a:r>
+            <a:r>
+              <a:rPr lang="en-GB" dirty="0">
+                <a:solidFill>
+                  <a:schemeClr val="tx2"/>
+                </a:solidFill>
+              </a:rPr>
+              <a:t> === "SPAN") {</a:t>
+            </a:r>
+          </a:p>
+          <a:p>
+            <a:pPr marL="0" indent="0">
+              <a:buNone/>
+            </a:pPr>
+            <a:r>
+              <a:rPr lang="en-GB" dirty="0">
+                <a:solidFill>
+                  <a:schemeClr val="tx2"/>
+                </a:solidFill>
+              </a:rPr>
+              <a:t>      </a:t>
+            </a:r>
+            <a:r>
+              <a:rPr lang="en-GB" dirty="0" err="1">
+                <a:solidFill>
+                  <a:schemeClr val="tx2"/>
+                </a:solidFill>
+              </a:rPr>
+              <a:t>e.target.parentElement.remove</a:t>
+            </a:r>
+            <a:r>
+              <a:rPr lang="en-GB" dirty="0">
+                <a:solidFill>
+                  <a:schemeClr val="tx2"/>
+                </a:solidFill>
+              </a:rPr>
+              <a:t>();</a:t>
+            </a:r>
+          </a:p>
+          <a:p>
+            <a:pPr marL="0" indent="0">
+              <a:buNone/>
+            </a:pPr>
+            <a:r>
+              <a:rPr lang="en-GB" dirty="0">
+                <a:solidFill>
+                  <a:schemeClr val="tx2"/>
+                </a:solidFill>
+              </a:rPr>
+              <a:t>    }</a:t>
+            </a:r>
+          </a:p>
+          <a:p>
+            <a:pPr marL="0" indent="0">
+              <a:buNone/>
+            </a:pPr>
+            <a:r>
+              <a:rPr lang="en-GB" dirty="0">
+                <a:solidFill>
+                  <a:schemeClr val="tx2"/>
+                </a:solidFill>
+              </a:rPr>
+              <a:t>}</a:t>
+            </a:r>
+          </a:p>
+          <a:p>
+            <a:pPr marL="0" indent="0">
+              <a:buNone/>
+            </a:pPr>
+            <a:r>
+              <a:rPr lang="en-GB" dirty="0"/>
+              <a:t>-----------------------------------------------------</a:t>
+            </a:r>
+          </a:p>
+          <a:p>
+            <a:r>
+              <a:rPr lang="en-GB" dirty="0"/>
+              <a:t>Onclick=“” BS5 docs</a:t>
+            </a:r>
+            <a:endParaRPr lang="fr-FR" dirty="0"/>
+          </a:p>
+        </p:txBody>
+      </p:sp>
+      <p:pic>
+        <p:nvPicPr>
+          <p:cNvPr id="4" name="Picture 3">
+            <a:extLst>
+              <a:ext uri="{FF2B5EF4-FFF2-40B4-BE49-F238E27FC236}">
+                <a16:creationId xmlns:a16="http://schemas.microsoft.com/office/drawing/2014/main" id="{67C24DDC-4B08-43EE-BFC0-C361095D9CFF}"/>
+              </a:ext>
+            </a:extLst>
+          </p:cNvPr>
+          <p:cNvPicPr>
+            <a:picLocks noChangeAspect="1"/>
+          </p:cNvPicPr>
+          <p:nvPr/>
+        </p:nvPicPr>
+        <p:blipFill>
+          <a:blip r:embed="rId2">
+            <a:extLst>
+              <a:ext uri="{BEBA8EAE-BF5A-486C-A8C5-ECC9F3942E4B}">
+                <a14:imgProps xmlns:a14="http://schemas.microsoft.com/office/drawing/2010/main">
+                  <a14:imgLayer r:embed="rId3">
+                    <a14:imgEffect>
+                      <a14:backgroundRemoval t="10000" b="90000" l="10000" r="90000"/>
+                    </a14:imgEffect>
+                  </a14:imgLayer>
+                </a14:imgProps>
+              </a:ext>
+              <a:ext uri="{28A0092B-C50C-407E-A947-70E740481C1C}">
+                <a14:useLocalDpi xmlns:a14="http://schemas.microsoft.com/office/drawing/2010/main" val="0"/>
+              </a:ext>
+            </a:extLst>
+          </a:blip>
+          <a:stretch>
+            <a:fillRect/>
+          </a:stretch>
+        </p:blipFill>
+        <p:spPr>
+          <a:xfrm>
+            <a:off x="10941799" y="5598621"/>
+            <a:ext cx="1479784" cy="1479784"/>
+          </a:xfrm>
+          <a:prstGeom prst="rect">
+            <a:avLst/>
+          </a:prstGeom>
+        </p:spPr>
+      </p:pic>
+      <p:sp>
+        <p:nvSpPr>
+          <p:cNvPr id="5" name="TextBox 4">
+            <a:extLst>
+              <a:ext uri="{FF2B5EF4-FFF2-40B4-BE49-F238E27FC236}">
+                <a16:creationId xmlns:a16="http://schemas.microsoft.com/office/drawing/2014/main" id="{3379A2B2-26E9-43FE-A513-3A576EECE634}"/>
+              </a:ext>
+            </a:extLst>
+          </p:cNvPr>
+          <p:cNvSpPr txBox="1"/>
+          <p:nvPr/>
+        </p:nvSpPr>
+        <p:spPr>
+          <a:xfrm>
+            <a:off x="1097280" y="6409081"/>
+            <a:ext cx="7115542" cy="369332"/>
+          </a:xfrm>
+          <a:prstGeom prst="rect">
+            <a:avLst/>
+          </a:prstGeom>
+          <a:noFill/>
+        </p:spPr>
+        <p:txBody>
+          <a:bodyPr wrap="square">
+            <a:spAutoFit/>
+          </a:bodyPr>
+          <a:lstStyle/>
+          <a:p>
+            <a:r>
+              <a:rPr lang="en-GB" dirty="0">
+                <a:solidFill>
+                  <a:schemeClr val="accent1">
+                    <a:lumMod val="50000"/>
+                  </a:schemeClr>
+                </a:solidFill>
+              </a:rPr>
+              <a:t>Code Mentor Mauritius - JS Sessions – Full Stack Web Development</a:t>
+            </a:r>
+            <a:endParaRPr lang="fr-FR" dirty="0"/>
+          </a:p>
+        </p:txBody>
+      </p:sp>
+    </p:spTree>
+    <p:extLst>
+      <p:ext uri="{BB962C8B-B14F-4D97-AF65-F5344CB8AC3E}">
+        <p14:creationId xmlns:p14="http://schemas.microsoft.com/office/powerpoint/2010/main" val="2621587402"/>
+      </p:ext>
+    </p:extLst>
+  </p:cSld>
+  <p:clrMapOvr>
+    <a:masterClrMapping/>
+  </p:clrMapOvr>
+</p:sld>
+</file>
+
+<file path=ppt/slides/slide5.xml><?xml version="1.0" encoding="utf-8"?>
+<p:sld xmlns:a="http://schemas.openxmlformats.org/drawingml/2006/main" xmlns:r="http://schemas.openxmlformats.org/officeDocument/2006/relationships" xmlns:p="http://schemas.openxmlformats.org/presentationml/2006/main">
+  <p:cSld>
+    <p:spTree>
+      <p:nvGrpSpPr>
+        <p:cNvPr id="1" name=""/>
+        <p:cNvGrpSpPr/>
+        <p:nvPr/>
+      </p:nvGrpSpPr>
+      <p:grpSpPr>
+        <a:xfrm>
+          <a:off x="0" y="0"/>
+          <a:ext cx="0" cy="0"/>
+          <a:chOff x="0" y="0"/>
+          <a:chExt cx="0" cy="0"/>
+        </a:xfrm>
+      </p:grpSpPr>
+      <p:sp>
+        <p:nvSpPr>
+          <p:cNvPr id="2" name="Title 1">
+            <a:extLst>
+              <a:ext uri="{FF2B5EF4-FFF2-40B4-BE49-F238E27FC236}">
+                <a16:creationId xmlns:a16="http://schemas.microsoft.com/office/drawing/2014/main" id="{F305E1A3-15A7-4FFC-876B-B16902921661}"/>
+              </a:ext>
+            </a:extLst>
+          </p:cNvPr>
+          <p:cNvSpPr>
+            <a:spLocks noGrp="1"/>
+          </p:cNvSpPr>
+          <p:nvPr>
+            <p:ph type="title"/>
+          </p:nvPr>
+        </p:nvSpPr>
+        <p:spPr/>
+        <p:txBody>
+          <a:bodyPr/>
+          <a:lstStyle/>
+          <a:p>
+            <a:r>
+              <a:rPr lang="en-GB" dirty="0"/>
+              <a:t>Sync VS Async processes</a:t>
+            </a:r>
+            <a:endParaRPr lang="fr-FR" dirty="0"/>
+          </a:p>
+        </p:txBody>
+      </p:sp>
+      <p:graphicFrame>
+        <p:nvGraphicFramePr>
+          <p:cNvPr id="4" name="Content Placeholder 3">
+            <a:extLst>
+              <a:ext uri="{FF2B5EF4-FFF2-40B4-BE49-F238E27FC236}">
+                <a16:creationId xmlns:a16="http://schemas.microsoft.com/office/drawing/2014/main" id="{674B3E46-03A1-43B5-8A51-304344028E4E}"/>
+              </a:ext>
+            </a:extLst>
+          </p:cNvPr>
+          <p:cNvGraphicFramePr>
+            <a:graphicFrameLocks noGrp="1"/>
+          </p:cNvGraphicFramePr>
+          <p:nvPr>
+            <p:ph idx="1"/>
+            <p:extLst>
+              <p:ext uri="{D42A27DB-BD31-4B8C-83A1-F6EECF244321}">
+                <p14:modId xmlns:p14="http://schemas.microsoft.com/office/powerpoint/2010/main" val="3634616601"/>
+              </p:ext>
+            </p:extLst>
+          </p:nvPr>
+        </p:nvGraphicFramePr>
+        <p:xfrm>
+          <a:off x="1096963" y="1846263"/>
+          <a:ext cx="10058400" cy="4022725"/>
+        </p:xfrm>
+        <a:graphic>
+          <a:graphicData uri="http://schemas.openxmlformats.org/drawingml/2006/diagram">
+            <dgm:relIds xmlns:dgm="http://schemas.openxmlformats.org/drawingml/2006/diagram" xmlns:r="http://schemas.openxmlformats.org/officeDocument/2006/relationships" r:dm="rId2" r:lo="rId3" r:qs="rId4" r:cs="rId5"/>
+          </a:graphicData>
+        </a:graphic>
+      </p:graphicFrame>
+      <p:pic>
+        <p:nvPicPr>
+          <p:cNvPr id="5" name="Picture 4">
+            <a:extLst>
+              <a:ext uri="{FF2B5EF4-FFF2-40B4-BE49-F238E27FC236}">
+                <a16:creationId xmlns:a16="http://schemas.microsoft.com/office/drawing/2014/main" id="{7060080B-5CF9-4EEE-BA49-7DBA6650AEAE}"/>
+              </a:ext>
+            </a:extLst>
+          </p:cNvPr>
+          <p:cNvPicPr>
+            <a:picLocks noChangeAspect="1"/>
+          </p:cNvPicPr>
+          <p:nvPr/>
+        </p:nvPicPr>
+        <p:blipFill>
+          <a:blip r:embed="rId7">
+            <a:extLst>
+              <a:ext uri="{BEBA8EAE-BF5A-486C-A8C5-ECC9F3942E4B}">
+                <a14:imgProps xmlns:a14="http://schemas.microsoft.com/office/drawing/2010/main">
+                  <a14:imgLayer r:embed="rId8">
+                    <a14:imgEffect>
+                      <a14:backgroundRemoval t="10000" b="90000" l="10000" r="90000"/>
+                    </a14:imgEffect>
+                  </a14:imgLayer>
+                </a14:imgProps>
+              </a:ext>
+              <a:ext uri="{28A0092B-C50C-407E-A947-70E740481C1C}">
+                <a14:useLocalDpi xmlns:a14="http://schemas.microsoft.com/office/drawing/2010/main" val="0"/>
+              </a:ext>
+            </a:extLst>
+          </a:blip>
+          <a:stretch>
+            <a:fillRect/>
+          </a:stretch>
+        </p:blipFill>
+        <p:spPr>
+          <a:xfrm>
+            <a:off x="10941799" y="5598621"/>
+            <a:ext cx="1479784" cy="1479784"/>
+          </a:xfrm>
+          <a:prstGeom prst="rect">
+            <a:avLst/>
+          </a:prstGeom>
+        </p:spPr>
+      </p:pic>
+      <p:sp>
+        <p:nvSpPr>
+          <p:cNvPr id="6" name="TextBox 5">
+            <a:extLst>
+              <a:ext uri="{FF2B5EF4-FFF2-40B4-BE49-F238E27FC236}">
+                <a16:creationId xmlns:a16="http://schemas.microsoft.com/office/drawing/2014/main" id="{BB591298-9909-4330-8D81-735FFF4FD0EE}"/>
+              </a:ext>
+            </a:extLst>
+          </p:cNvPr>
+          <p:cNvSpPr txBox="1"/>
+          <p:nvPr/>
+        </p:nvSpPr>
+        <p:spPr>
+          <a:xfrm>
+            <a:off x="1097280" y="6409081"/>
+            <a:ext cx="7115542" cy="369332"/>
+          </a:xfrm>
+          <a:prstGeom prst="rect">
+            <a:avLst/>
+          </a:prstGeom>
+          <a:noFill/>
+        </p:spPr>
+        <p:txBody>
+          <a:bodyPr wrap="square">
+            <a:spAutoFit/>
+          </a:bodyPr>
+          <a:lstStyle/>
+          <a:p>
+            <a:r>
+              <a:rPr lang="en-GB" dirty="0">
+                <a:solidFill>
+                  <a:schemeClr val="accent1">
+                    <a:lumMod val="50000"/>
+                  </a:schemeClr>
+                </a:solidFill>
+              </a:rPr>
+              <a:t>Code Mentor Mauritius - JS Sessions – Full Stack Web Development</a:t>
+            </a:r>
+            <a:endParaRPr lang="fr-FR" dirty="0"/>
+          </a:p>
+        </p:txBody>
+      </p:sp>
+      <p:pic>
+        <p:nvPicPr>
+          <p:cNvPr id="7" name="Picture 6">
+            <a:extLst>
+              <a:ext uri="{FF2B5EF4-FFF2-40B4-BE49-F238E27FC236}">
+                <a16:creationId xmlns:a16="http://schemas.microsoft.com/office/drawing/2014/main" id="{83D2DA64-5ACA-4EC1-AB33-5DE237D956E5}"/>
+              </a:ext>
+            </a:extLst>
+          </p:cNvPr>
+          <p:cNvPicPr>
+            <a:picLocks noChangeAspect="1"/>
+          </p:cNvPicPr>
+          <p:nvPr/>
+        </p:nvPicPr>
+        <p:blipFill>
+          <a:blip r:embed="rId9">
+            <a:extLst>
+              <a:ext uri="{28A0092B-C50C-407E-A947-70E740481C1C}">
+                <a14:useLocalDpi xmlns:a14="http://schemas.microsoft.com/office/drawing/2010/main" val="0"/>
+              </a:ext>
+            </a:extLst>
+          </a:blip>
+          <a:stretch>
+            <a:fillRect/>
+          </a:stretch>
+        </p:blipFill>
+        <p:spPr>
+          <a:xfrm>
+            <a:off x="1032065" y="2105984"/>
+            <a:ext cx="7245971" cy="3763004"/>
+          </a:xfrm>
+          <a:prstGeom prst="rect">
+            <a:avLst/>
+          </a:prstGeom>
+        </p:spPr>
+      </p:pic>
+    </p:spTree>
+    <p:extLst>
+      <p:ext uri="{BB962C8B-B14F-4D97-AF65-F5344CB8AC3E}">
+        <p14:creationId xmlns:p14="http://schemas.microsoft.com/office/powerpoint/2010/main" val="16333609"/>
+      </p:ext>
+    </p:extLst>
+  </p:cSld>
+  <p:clrMapOvr>
+    <a:masterClrMapping/>
+  </p:clrMapOvr>
+</p:sld>
+</file>
+
+<file path=ppt/slides/slide6.xml><?xml version="1.0" encoding="utf-8"?>
+<p:sld xmlns:a="http://schemas.openxmlformats.org/drawingml/2006/main" xmlns:r="http://schemas.openxmlformats.org/officeDocument/2006/relationships" xmlns:p="http://schemas.openxmlformats.org/presentationml/2006/main">
+  <p:cSld>
+    <p:spTree>
+      <p:nvGrpSpPr>
+        <p:cNvPr id="1" name=""/>
+        <p:cNvGrpSpPr/>
+        <p:nvPr/>
+      </p:nvGrpSpPr>
+      <p:grpSpPr>
+        <a:xfrm>
+          <a:off x="0" y="0"/>
+          <a:ext cx="0" cy="0"/>
+          <a:chOff x="0" y="0"/>
+          <a:chExt cx="0" cy="0"/>
+        </a:xfrm>
+      </p:grpSpPr>
+      <p:sp>
+        <p:nvSpPr>
+          <p:cNvPr id="2" name="Title 1">
+            <a:extLst>
+              <a:ext uri="{FF2B5EF4-FFF2-40B4-BE49-F238E27FC236}">
+                <a16:creationId xmlns:a16="http://schemas.microsoft.com/office/drawing/2014/main" id="{54FF2564-3A67-4292-A46F-22692647D9A3}"/>
+              </a:ext>
+            </a:extLst>
+          </p:cNvPr>
+          <p:cNvSpPr>
+            <a:spLocks noGrp="1"/>
+          </p:cNvSpPr>
+          <p:nvPr>
+            <p:ph type="title"/>
+          </p:nvPr>
+        </p:nvSpPr>
+        <p:spPr/>
+        <p:txBody>
+          <a:bodyPr/>
+          <a:lstStyle/>
+          <a:p>
+            <a:r>
+              <a:rPr lang="en-GB" dirty="0"/>
+              <a:t>Promises</a:t>
+            </a:r>
+            <a:endParaRPr lang="fr-FR" dirty="0"/>
+          </a:p>
+        </p:txBody>
+      </p:sp>
+      <p:pic>
+        <p:nvPicPr>
+          <p:cNvPr id="1026" name="Picture 2" descr="JavaScript Promise Tutorial: Resolve, Reject, and Chaining in JS and ES6">
+            <a:extLst>
+              <a:ext uri="{FF2B5EF4-FFF2-40B4-BE49-F238E27FC236}">
+                <a16:creationId xmlns:a16="http://schemas.microsoft.com/office/drawing/2014/main" id="{54CDE613-5593-47AE-8AC5-DC2394277440}"/>
+              </a:ext>
+            </a:extLst>
+          </p:cNvPr>
+          <p:cNvPicPr>
+            <a:picLocks noGrp="1" noChangeAspect="1" noChangeArrowheads="1"/>
+          </p:cNvPicPr>
+          <p:nvPr>
+            <p:ph idx="1"/>
+          </p:nvPr>
+        </p:nvPicPr>
+        <p:blipFill>
+          <a:blip r:embed="rId2">
+            <a:extLst>
+              <a:ext uri="{28A0092B-C50C-407E-A947-70E740481C1C}">
+                <a14:useLocalDpi xmlns:a14="http://schemas.microsoft.com/office/drawing/2010/main" val="0"/>
+              </a:ext>
+            </a:extLst>
+          </a:blip>
+          <a:srcRect/>
+          <a:stretch>
+            <a:fillRect/>
+          </a:stretch>
+        </p:blipFill>
+        <p:spPr bwMode="auto">
+          <a:xfrm>
+            <a:off x="6126480" y="2605538"/>
+            <a:ext cx="5260496" cy="2949962"/>
+          </a:xfrm>
+          <a:prstGeom prst="rect">
+            <a:avLst/>
+          </a:prstGeom>
+          <a:noFill/>
+          <a:extLst>
+            <a:ext uri="{909E8E84-426E-40DD-AFC4-6F175D3DCCD1}">
+              <a14:hiddenFill xmlns:a14="http://schemas.microsoft.com/office/drawing/2010/main">
+                <a:solidFill>
+                  <a:srgbClr val="FFFFFF"/>
+                </a:solidFill>
+              </a14:hiddenFill>
+            </a:ext>
+          </a:extLst>
+        </p:spPr>
+      </p:pic>
+      <p:sp>
+        <p:nvSpPr>
+          <p:cNvPr id="6" name="TextBox 5">
+            <a:extLst>
+              <a:ext uri="{FF2B5EF4-FFF2-40B4-BE49-F238E27FC236}">
+                <a16:creationId xmlns:a16="http://schemas.microsoft.com/office/drawing/2014/main" id="{D399D37D-48CD-4394-A243-2BCB0FB5278C}"/>
+              </a:ext>
+            </a:extLst>
+          </p:cNvPr>
+          <p:cNvSpPr txBox="1"/>
+          <p:nvPr/>
+        </p:nvSpPr>
+        <p:spPr>
+          <a:xfrm>
+            <a:off x="1097280" y="1854152"/>
+            <a:ext cx="6096000" cy="923330"/>
+          </a:xfrm>
+          <a:prstGeom prst="rect">
+            <a:avLst/>
+          </a:prstGeom>
+          <a:noFill/>
+        </p:spPr>
+        <p:txBody>
+          <a:bodyPr wrap="square">
+            <a:spAutoFit/>
+          </a:bodyPr>
+          <a:lstStyle/>
+          <a:p>
+            <a:pPr marL="285750" indent="-285750">
+              <a:buFont typeface="Arial" panose="020B0604020202020204" pitchFamily="34" charset="0"/>
+              <a:buChar char="•"/>
+            </a:pPr>
+            <a:r>
+              <a:rPr lang="en-US" dirty="0">
+                <a:latin typeface="Söhne"/>
+              </a:rPr>
+              <a:t>P</a:t>
+            </a:r>
+            <a:r>
+              <a:rPr lang="en-US" b="0" i="0" dirty="0">
+                <a:effectLst/>
+                <a:latin typeface="Söhne"/>
+              </a:rPr>
+              <a:t>romises are a way to handle asynchronous tasks. </a:t>
+            </a:r>
+          </a:p>
+          <a:p>
+            <a:pPr marL="742950" lvl="1" indent="-285750">
+              <a:buFont typeface="Arial" panose="020B0604020202020204" pitchFamily="34" charset="0"/>
+              <a:buChar char="•"/>
+            </a:pPr>
+            <a:r>
+              <a:rPr lang="en-US" b="0" i="0" dirty="0">
+                <a:effectLst/>
+                <a:latin typeface="Söhne"/>
+              </a:rPr>
+              <a:t>They represent the eventual success or failure of an operation</a:t>
+            </a:r>
+          </a:p>
+        </p:txBody>
+      </p:sp>
+    </p:spTree>
+    <p:extLst>
+      <p:ext uri="{BB962C8B-B14F-4D97-AF65-F5344CB8AC3E}">
+        <p14:creationId xmlns:p14="http://schemas.microsoft.com/office/powerpoint/2010/main" val="1094092044"/>
+      </p:ext>
+    </p:extLst>
+  </p:cSld>
+  <p:clrMapOvr>
+    <a:masterClrMapping/>
+  </p:clrMapOvr>
+</p:sld>
+</file>
+
+<file path=ppt/slides/slide7.xml><?xml version="1.0" encoding="utf-8"?>
+<p:sld xmlns:a="http://schemas.openxmlformats.org/drawingml/2006/main" xmlns:r="http://schemas.openxmlformats.org/officeDocument/2006/relationships" xmlns:p="http://schemas.openxmlformats.org/presentationml/2006/main">
+  <p:cSld>
+    <p:spTree>
+      <p:nvGrpSpPr>
+        <p:cNvPr id="1" name=""/>
+        <p:cNvGrpSpPr/>
+        <p:nvPr/>
+      </p:nvGrpSpPr>
+      <p:grpSpPr>
+        <a:xfrm>
+          <a:off x="0" y="0"/>
+          <a:ext cx="0" cy="0"/>
+          <a:chOff x="0" y="0"/>
+          <a:chExt cx="0" cy="0"/>
+        </a:xfrm>
+      </p:grpSpPr>
+      <p:sp>
+        <p:nvSpPr>
+          <p:cNvPr id="2" name="Title 1">
+            <a:extLst>
+              <a:ext uri="{FF2B5EF4-FFF2-40B4-BE49-F238E27FC236}">
+                <a16:creationId xmlns:a16="http://schemas.microsoft.com/office/drawing/2014/main" id="{F305E1A3-15A7-4FFC-876B-B16902921661}"/>
+              </a:ext>
+            </a:extLst>
+          </p:cNvPr>
+          <p:cNvSpPr>
+            <a:spLocks noGrp="1"/>
+          </p:cNvSpPr>
+          <p:nvPr>
+            <p:ph type="title"/>
+          </p:nvPr>
+        </p:nvSpPr>
+        <p:spPr/>
+        <p:txBody>
+          <a:bodyPr/>
+          <a:lstStyle/>
+          <a:p>
+            <a:r>
+              <a:rPr lang="en-GB" dirty="0"/>
+              <a:t>Promises</a:t>
+            </a:r>
+            <a:endParaRPr lang="fr-FR" dirty="0"/>
+          </a:p>
+        </p:txBody>
+      </p:sp>
+      <p:graphicFrame>
+        <p:nvGraphicFramePr>
+          <p:cNvPr id="4" name="Content Placeholder 3">
+            <a:extLst>
+              <a:ext uri="{FF2B5EF4-FFF2-40B4-BE49-F238E27FC236}">
+                <a16:creationId xmlns:a16="http://schemas.microsoft.com/office/drawing/2014/main" id="{674B3E46-03A1-43B5-8A51-304344028E4E}"/>
+              </a:ext>
+            </a:extLst>
+          </p:cNvPr>
+          <p:cNvGraphicFramePr>
+            <a:graphicFrameLocks noGrp="1"/>
+          </p:cNvGraphicFramePr>
+          <p:nvPr>
+            <p:ph idx="1"/>
+            <p:extLst>
+              <p:ext uri="{D42A27DB-BD31-4B8C-83A1-F6EECF244321}">
+                <p14:modId xmlns:p14="http://schemas.microsoft.com/office/powerpoint/2010/main" val="133997995"/>
+              </p:ext>
+            </p:extLst>
+          </p:nvPr>
+        </p:nvGraphicFramePr>
+        <p:xfrm>
+          <a:off x="1096963" y="1846263"/>
+          <a:ext cx="10058400" cy="4022725"/>
+        </p:xfrm>
+        <a:graphic>
+          <a:graphicData uri="http://schemas.openxmlformats.org/drawingml/2006/diagram">
+            <dgm:relIds xmlns:dgm="http://schemas.openxmlformats.org/drawingml/2006/diagram" xmlns:r="http://schemas.openxmlformats.org/officeDocument/2006/relationships" r:dm="rId2" r:lo="rId3" r:qs="rId4" r:cs="rId5"/>
+          </a:graphicData>
+        </a:graphic>
+      </p:graphicFrame>
+      <p:pic>
+        <p:nvPicPr>
+          <p:cNvPr id="5" name="Picture 4">
+            <a:extLst>
+              <a:ext uri="{FF2B5EF4-FFF2-40B4-BE49-F238E27FC236}">
+                <a16:creationId xmlns:a16="http://schemas.microsoft.com/office/drawing/2014/main" id="{7060080B-5CF9-4EEE-BA49-7DBA6650AEAE}"/>
+              </a:ext>
+            </a:extLst>
+          </p:cNvPr>
+          <p:cNvPicPr>
+            <a:picLocks noChangeAspect="1"/>
+          </p:cNvPicPr>
+          <p:nvPr/>
+        </p:nvPicPr>
+        <p:blipFill>
+          <a:blip r:embed="rId7">
+            <a:extLst>
+              <a:ext uri="{BEBA8EAE-BF5A-486C-A8C5-ECC9F3942E4B}">
+                <a14:imgProps xmlns:a14="http://schemas.microsoft.com/office/drawing/2010/main">
+                  <a14:imgLayer r:embed="rId8">
+                    <a14:imgEffect>
+                      <a14:backgroundRemoval t="10000" b="90000" l="10000" r="90000"/>
+                    </a14:imgEffect>
+                  </a14:imgLayer>
+                </a14:imgProps>
+              </a:ext>
+              <a:ext uri="{28A0092B-C50C-407E-A947-70E740481C1C}">
+                <a14:useLocalDpi xmlns:a14="http://schemas.microsoft.com/office/drawing/2010/main" val="0"/>
+              </a:ext>
+            </a:extLst>
+          </a:blip>
+          <a:stretch>
+            <a:fillRect/>
+          </a:stretch>
+        </p:blipFill>
+        <p:spPr>
+          <a:xfrm>
+            <a:off x="10941799" y="5598621"/>
+            <a:ext cx="1479784" cy="1479784"/>
+          </a:xfrm>
+          <a:prstGeom prst="rect">
+            <a:avLst/>
+          </a:prstGeom>
+        </p:spPr>
+      </p:pic>
+      <p:sp>
+        <p:nvSpPr>
+          <p:cNvPr id="6" name="TextBox 5">
+            <a:extLst>
+              <a:ext uri="{FF2B5EF4-FFF2-40B4-BE49-F238E27FC236}">
+                <a16:creationId xmlns:a16="http://schemas.microsoft.com/office/drawing/2014/main" id="{BB591298-9909-4330-8D81-735FFF4FD0EE}"/>
+              </a:ext>
+            </a:extLst>
+          </p:cNvPr>
+          <p:cNvSpPr txBox="1"/>
+          <p:nvPr/>
+        </p:nvSpPr>
+        <p:spPr>
+          <a:xfrm>
+            <a:off x="1097280" y="6409081"/>
+            <a:ext cx="7115542" cy="369332"/>
+          </a:xfrm>
+          <a:prstGeom prst="rect">
+            <a:avLst/>
+          </a:prstGeom>
+          <a:noFill/>
+        </p:spPr>
+        <p:txBody>
+          <a:bodyPr wrap="square">
+            <a:spAutoFit/>
+          </a:bodyPr>
+          <a:lstStyle/>
+          <a:p>
+            <a:r>
+              <a:rPr lang="en-GB" dirty="0">
+                <a:solidFill>
+                  <a:schemeClr val="accent1">
+                    <a:lumMod val="50000"/>
+                  </a:schemeClr>
+                </a:solidFill>
+              </a:rPr>
+              <a:t>Code Mentor Mauritius - JS Sessions – Full Stack Web Development</a:t>
+            </a:r>
+            <a:endParaRPr lang="fr-FR" dirty="0"/>
+          </a:p>
+        </p:txBody>
+      </p:sp>
+      <p:pic>
+        <p:nvPicPr>
+          <p:cNvPr id="11" name="Picture 10">
+            <a:extLst>
+              <a:ext uri="{FF2B5EF4-FFF2-40B4-BE49-F238E27FC236}">
+                <a16:creationId xmlns:a16="http://schemas.microsoft.com/office/drawing/2014/main" id="{8739C6FA-A64E-4CE2-A949-4E89BE797744}"/>
+              </a:ext>
+            </a:extLst>
+          </p:cNvPr>
+          <p:cNvPicPr>
+            <a:picLocks noChangeAspect="1"/>
+          </p:cNvPicPr>
+          <p:nvPr/>
+        </p:nvPicPr>
+        <p:blipFill>
+          <a:blip r:embed="rId9"/>
+          <a:stretch>
+            <a:fillRect/>
+          </a:stretch>
+        </p:blipFill>
+        <p:spPr>
+          <a:xfrm>
+            <a:off x="1209892" y="1856202"/>
+            <a:ext cx="5525271" cy="4782217"/>
+          </a:xfrm>
+          <a:prstGeom prst="rect">
+            <a:avLst/>
+          </a:prstGeom>
+        </p:spPr>
+      </p:pic>
+    </p:spTree>
+    <p:extLst>
+      <p:ext uri="{BB962C8B-B14F-4D97-AF65-F5344CB8AC3E}">
+        <p14:creationId xmlns:p14="http://schemas.microsoft.com/office/powerpoint/2010/main" val="2567206085"/>
+      </p:ext>
+    </p:extLst>
+  </p:cSld>
+  <p:clrMapOvr>
+    <a:masterClrMapping/>
+  </p:clrMapOvr>
+</p:sld>
+</file>
+
+<file path=ppt/slides/slide8.xml><?xml version="1.0" encoding="utf-8"?>
+<p:sld xmlns:a="http://schemas.openxmlformats.org/drawingml/2006/main" xmlns:r="http://schemas.openxmlformats.org/officeDocument/2006/relationships" xmlns:p="http://schemas.openxmlformats.org/presentationml/2006/main">
+  <p:cSld>
+    <p:spTree>
+      <p:nvGrpSpPr>
+        <p:cNvPr id="1" name=""/>
+        <p:cNvGrpSpPr/>
+        <p:nvPr/>
+      </p:nvGrpSpPr>
+      <p:grpSpPr>
+        <a:xfrm>
+          <a:off x="0" y="0"/>
+          <a:ext cx="0" cy="0"/>
+          <a:chOff x="0" y="0"/>
+          <a:chExt cx="0" cy="0"/>
+        </a:xfrm>
+      </p:grpSpPr>
+      <p:sp>
+        <p:nvSpPr>
+          <p:cNvPr id="2" name="Title 1">
+            <a:extLst>
+              <a:ext uri="{FF2B5EF4-FFF2-40B4-BE49-F238E27FC236}">
+                <a16:creationId xmlns:a16="http://schemas.microsoft.com/office/drawing/2014/main" id="{F305E1A3-15A7-4FFC-876B-B16902921661}"/>
+              </a:ext>
+            </a:extLst>
+          </p:cNvPr>
+          <p:cNvSpPr>
+            <a:spLocks noGrp="1"/>
+          </p:cNvSpPr>
+          <p:nvPr>
+            <p:ph type="title"/>
+          </p:nvPr>
+        </p:nvSpPr>
+        <p:spPr/>
+        <p:txBody>
+          <a:bodyPr/>
+          <a:lstStyle/>
+          <a:p>
+            <a:r>
+              <a:rPr lang="en-GB" dirty="0"/>
+              <a:t>Fetch API – Get request</a:t>
+            </a:r>
+            <a:endParaRPr lang="fr-FR" dirty="0"/>
+          </a:p>
+        </p:txBody>
+      </p:sp>
+      <p:graphicFrame>
+        <p:nvGraphicFramePr>
+          <p:cNvPr id="4" name="Content Placeholder 3">
+            <a:extLst>
+              <a:ext uri="{FF2B5EF4-FFF2-40B4-BE49-F238E27FC236}">
+                <a16:creationId xmlns:a16="http://schemas.microsoft.com/office/drawing/2014/main" id="{674B3E46-03A1-43B5-8A51-304344028E4E}"/>
+              </a:ext>
+            </a:extLst>
+          </p:cNvPr>
+          <p:cNvGraphicFramePr>
+            <a:graphicFrameLocks noGrp="1"/>
+          </p:cNvGraphicFramePr>
+          <p:nvPr>
+            <p:ph idx="1"/>
+            <p:extLst>
+              <p:ext uri="{D42A27DB-BD31-4B8C-83A1-F6EECF244321}">
+                <p14:modId xmlns:p14="http://schemas.microsoft.com/office/powerpoint/2010/main" val="718913189"/>
+              </p:ext>
+            </p:extLst>
+          </p:nvPr>
+        </p:nvGraphicFramePr>
+        <p:xfrm>
+          <a:off x="1096963" y="1846263"/>
+          <a:ext cx="10058400" cy="4022725"/>
+        </p:xfrm>
+        <a:graphic>
+          <a:graphicData uri="http://schemas.openxmlformats.org/drawingml/2006/diagram">
+            <dgm:relIds xmlns:dgm="http://schemas.openxmlformats.org/drawingml/2006/diagram" xmlns:r="http://schemas.openxmlformats.org/officeDocument/2006/relationships" r:dm="rId2" r:lo="rId3" r:qs="rId4" r:cs="rId5"/>
+          </a:graphicData>
+        </a:graphic>
+      </p:graphicFrame>
+      <p:pic>
+        <p:nvPicPr>
+          <p:cNvPr id="5" name="Picture 4">
+            <a:extLst>
+              <a:ext uri="{FF2B5EF4-FFF2-40B4-BE49-F238E27FC236}">
+                <a16:creationId xmlns:a16="http://schemas.microsoft.com/office/drawing/2014/main" id="{7060080B-5CF9-4EEE-BA49-7DBA6650AEAE}"/>
+              </a:ext>
+            </a:extLst>
+          </p:cNvPr>
+          <p:cNvPicPr>
+            <a:picLocks noChangeAspect="1"/>
+          </p:cNvPicPr>
+          <p:nvPr/>
+        </p:nvPicPr>
+        <p:blipFill>
+          <a:blip r:embed="rId7">
+            <a:extLst>
+              <a:ext uri="{BEBA8EAE-BF5A-486C-A8C5-ECC9F3942E4B}">
+                <a14:imgProps xmlns:a14="http://schemas.microsoft.com/office/drawing/2010/main">
+                  <a14:imgLayer r:embed="rId8">
+                    <a14:imgEffect>
+                      <a14:backgroundRemoval t="10000" b="90000" l="10000" r="90000"/>
+                    </a14:imgEffect>
+                  </a14:imgLayer>
+                </a14:imgProps>
+              </a:ext>
+              <a:ext uri="{28A0092B-C50C-407E-A947-70E740481C1C}">
+                <a14:useLocalDpi xmlns:a14="http://schemas.microsoft.com/office/drawing/2010/main" val="0"/>
+              </a:ext>
+            </a:extLst>
+          </a:blip>
+          <a:stretch>
+            <a:fillRect/>
+          </a:stretch>
+        </p:blipFill>
+        <p:spPr>
+          <a:xfrm>
+            <a:off x="10941799" y="5598621"/>
+            <a:ext cx="1479784" cy="1479784"/>
+          </a:xfrm>
+          <a:prstGeom prst="rect">
+            <a:avLst/>
+          </a:prstGeom>
+        </p:spPr>
+      </p:pic>
+      <p:sp>
+        <p:nvSpPr>
+          <p:cNvPr id="6" name="TextBox 5">
+            <a:extLst>
+              <a:ext uri="{FF2B5EF4-FFF2-40B4-BE49-F238E27FC236}">
+                <a16:creationId xmlns:a16="http://schemas.microsoft.com/office/drawing/2014/main" id="{BB591298-9909-4330-8D81-735FFF4FD0EE}"/>
+              </a:ext>
+            </a:extLst>
+          </p:cNvPr>
+          <p:cNvSpPr txBox="1"/>
+          <p:nvPr/>
+        </p:nvSpPr>
+        <p:spPr>
+          <a:xfrm>
+            <a:off x="1097280" y="6409081"/>
+            <a:ext cx="7115542" cy="369332"/>
+          </a:xfrm>
+          <a:prstGeom prst="rect">
+            <a:avLst/>
+          </a:prstGeom>
+          <a:noFill/>
+        </p:spPr>
+        <p:txBody>
+          <a:bodyPr wrap="square">
+            <a:spAutoFit/>
+          </a:bodyPr>
+          <a:lstStyle/>
+          <a:p>
+            <a:r>
+              <a:rPr lang="en-GB" dirty="0">
+                <a:solidFill>
+                  <a:schemeClr val="accent1">
+                    <a:lumMod val="50000"/>
+                  </a:schemeClr>
+                </a:solidFill>
+              </a:rPr>
+              <a:t>Code Mentor Mauritius - JS Sessions – Full Stack Web Development</a:t>
+            </a:r>
+            <a:endParaRPr lang="fr-FR" dirty="0"/>
+          </a:p>
+        </p:txBody>
+      </p:sp>
+    </p:spTree>
+    <p:extLst>
+      <p:ext uri="{BB962C8B-B14F-4D97-AF65-F5344CB8AC3E}">
+        <p14:creationId xmlns:p14="http://schemas.microsoft.com/office/powerpoint/2010/main" val="636352517"/>
+      </p:ext>
+    </p:extLst>
+  </p:cSld>
+  <p:clrMapOvr>
+    <a:masterClrMapping/>
+  </p:clrMapOvr>
+</p:sld>
+</file>
+
+<file path=ppt/slides/slide9.xml><?xml version="1.0" encoding="utf-8"?>
+<p:sld xmlns:a="http://schemas.openxmlformats.org/drawingml/2006/main" xmlns:r="http://schemas.openxmlformats.org/officeDocument/2006/relationships" xmlns:p="http://schemas.openxmlformats.org/presentationml/2006/main">
+  <p:cSld>
+    <p:spTree>
+      <p:nvGrpSpPr>
+        <p:cNvPr id="1" name=""/>
+        <p:cNvGrpSpPr/>
+        <p:nvPr/>
+      </p:nvGrpSpPr>
+      <p:grpSpPr>
+        <a:xfrm>
+          <a:off x="0" y="0"/>
+          <a:ext cx="0" cy="0"/>
+          <a:chOff x="0" y="0"/>
+          <a:chExt cx="0" cy="0"/>
+        </a:xfrm>
+      </p:grpSpPr>
+      <p:sp>
+        <p:nvSpPr>
+          <p:cNvPr id="2" name="Title 1">
+            <a:extLst>
+              <a:ext uri="{FF2B5EF4-FFF2-40B4-BE49-F238E27FC236}">
+                <a16:creationId xmlns:a16="http://schemas.microsoft.com/office/drawing/2014/main" id="{F305E1A3-15A7-4FFC-876B-B16902921661}"/>
+              </a:ext>
+            </a:extLst>
+          </p:cNvPr>
+          <p:cNvSpPr>
+            <a:spLocks noGrp="1"/>
+          </p:cNvSpPr>
+          <p:nvPr>
+            <p:ph type="title"/>
+          </p:nvPr>
+        </p:nvSpPr>
+        <p:spPr/>
+        <p:txBody>
+          <a:bodyPr/>
+          <a:lstStyle/>
+          <a:p>
+            <a:r>
+              <a:rPr lang="en-GB" dirty="0"/>
+              <a:t>Session 5 - Developing a quote generator</a:t>
+            </a:r>
+            <a:endParaRPr lang="fr-FR" dirty="0"/>
+          </a:p>
+        </p:txBody>
+      </p:sp>
+      <p:graphicFrame>
+        <p:nvGraphicFramePr>
+          <p:cNvPr id="4" name="Content Placeholder 3">
+            <a:extLst>
+              <a:ext uri="{FF2B5EF4-FFF2-40B4-BE49-F238E27FC236}">
+                <a16:creationId xmlns:a16="http://schemas.microsoft.com/office/drawing/2014/main" id="{674B3E46-03A1-43B5-8A51-304344028E4E}"/>
+              </a:ext>
+            </a:extLst>
+          </p:cNvPr>
+          <p:cNvGraphicFramePr>
+            <a:graphicFrameLocks noGrp="1"/>
+          </p:cNvGraphicFramePr>
+          <p:nvPr>
+            <p:ph idx="1"/>
+            <p:extLst>
+              <p:ext uri="{D42A27DB-BD31-4B8C-83A1-F6EECF244321}">
+                <p14:modId xmlns:p14="http://schemas.microsoft.com/office/powerpoint/2010/main" val="4256129350"/>
+              </p:ext>
+            </p:extLst>
+          </p:nvPr>
+        </p:nvGraphicFramePr>
+        <p:xfrm>
+          <a:off x="1096963" y="1846263"/>
+          <a:ext cx="10058400" cy="4022725"/>
+        </p:xfrm>
+        <a:graphic>
+          <a:graphicData uri="http://schemas.openxmlformats.org/drawingml/2006/diagram">
+            <dgm:relIds xmlns:dgm="http://schemas.openxmlformats.org/drawingml/2006/diagram" xmlns:r="http://schemas.openxmlformats.org/officeDocument/2006/relationships" r:dm="rId2" r:lo="rId3" r:qs="rId4" r:cs="rId5"/>
+          </a:graphicData>
+        </a:graphic>
+      </p:graphicFrame>
+      <p:pic>
+        <p:nvPicPr>
+          <p:cNvPr id="5" name="Picture 4">
+            <a:extLst>
+              <a:ext uri="{FF2B5EF4-FFF2-40B4-BE49-F238E27FC236}">
+                <a16:creationId xmlns:a16="http://schemas.microsoft.com/office/drawing/2014/main" id="{7060080B-5CF9-4EEE-BA49-7DBA6650AEAE}"/>
+              </a:ext>
+            </a:extLst>
+          </p:cNvPr>
+          <p:cNvPicPr>
+            <a:picLocks noChangeAspect="1"/>
+          </p:cNvPicPr>
+          <p:nvPr/>
+        </p:nvPicPr>
+        <p:blipFill>
+          <a:blip r:embed="rId7">
+            <a:extLst>
+              <a:ext uri="{BEBA8EAE-BF5A-486C-A8C5-ECC9F3942E4B}">
+                <a14:imgProps xmlns:a14="http://schemas.microsoft.com/office/drawing/2010/main">
+                  <a14:imgLayer r:embed="rId8">
+                    <a14:imgEffect>
+                      <a14:backgroundRemoval t="10000" b="90000" l="10000" r="90000"/>
+                    </a14:imgEffect>
+                  </a14:imgLayer>
+                </a14:imgProps>
+              </a:ext>
+              <a:ext uri="{28A0092B-C50C-407E-A947-70E740481C1C}">
+                <a14:useLocalDpi xmlns:a14="http://schemas.microsoft.com/office/drawing/2010/main" val="0"/>
+              </a:ext>
+            </a:extLst>
+          </a:blip>
+          <a:stretch>
+            <a:fillRect/>
+          </a:stretch>
+        </p:blipFill>
+        <p:spPr>
+          <a:xfrm>
+            <a:off x="10941799" y="5598621"/>
+            <a:ext cx="1479784" cy="1479784"/>
+          </a:xfrm>
+          <a:prstGeom prst="rect">
+            <a:avLst/>
+          </a:prstGeom>
+        </p:spPr>
+      </p:pic>
+      <p:sp>
+        <p:nvSpPr>
+          <p:cNvPr id="6" name="TextBox 5">
+            <a:extLst>
+              <a:ext uri="{FF2B5EF4-FFF2-40B4-BE49-F238E27FC236}">
+                <a16:creationId xmlns:a16="http://schemas.microsoft.com/office/drawing/2014/main" id="{BB591298-9909-4330-8D81-735FFF4FD0EE}"/>
+              </a:ext>
+            </a:extLst>
+          </p:cNvPr>
+          <p:cNvSpPr txBox="1"/>
+          <p:nvPr/>
+        </p:nvSpPr>
+        <p:spPr>
+          <a:xfrm>
+            <a:off x="1097280" y="6409081"/>
+            <a:ext cx="7115542" cy="369332"/>
+          </a:xfrm>
+          <a:prstGeom prst="rect">
+            <a:avLst/>
+          </a:prstGeom>
+          <a:noFill/>
+        </p:spPr>
+        <p:txBody>
+          <a:bodyPr wrap="square">
+            <a:spAutoFit/>
+          </a:bodyPr>
+          <a:lstStyle/>
+          <a:p>
+            <a:r>
+              <a:rPr lang="en-GB" dirty="0">
+                <a:solidFill>
+                  <a:schemeClr val="accent1">
+                    <a:lumMod val="50000"/>
+                  </a:schemeClr>
+                </a:solidFill>
+              </a:rPr>
+              <a:t>Code Mentor Mauritius - JS Sessions – Full Stack Web Development</a:t>
+            </a:r>
+            <a:endParaRPr lang="fr-FR" dirty="0"/>
+          </a:p>
+        </p:txBody>
+      </p:sp>
+    </p:spTree>
+    <p:extLst>
+      <p:ext uri="{BB962C8B-B14F-4D97-AF65-F5344CB8AC3E}">
+        <p14:creationId xmlns:p14="http://schemas.microsoft.com/office/powerpoint/2010/main" val="540225685"/>
       </p:ext>
     </p:extLst>
   </p:cSld>
